--- a/Gruppo10_Silva.pptx
+++ b/Gruppo10_Silva.pptx
@@ -371,7 +371,7 @@
           <a:p>
             <a:fld id="{8EA6C711-4382-4A6E-B0AD-72AFD9EFCB5E}" type="datetimeFigureOut">
               <a:rPr lang="it-IT" smtClean="0"/>
-              <a:t>27/08/2020</a:t>
+              <a:t>30/08/2020</a:t>
             </a:fld>
             <a:endParaRPr lang="it-IT"/>
           </a:p>
@@ -705,7 +705,7 @@
           <a:p>
             <a:fld id="{8EA6C711-4382-4A6E-B0AD-72AFD9EFCB5E}" type="datetimeFigureOut">
               <a:rPr lang="it-IT" smtClean="0"/>
-              <a:t>27/08/2020</a:t>
+              <a:t>30/08/2020</a:t>
             </a:fld>
             <a:endParaRPr lang="it-IT"/>
           </a:p>
@@ -983,7 +983,7 @@
           <a:p>
             <a:fld id="{8EA6C711-4382-4A6E-B0AD-72AFD9EFCB5E}" type="datetimeFigureOut">
               <a:rPr lang="it-IT" smtClean="0"/>
-              <a:t>27/08/2020</a:t>
+              <a:t>30/08/2020</a:t>
             </a:fld>
             <a:endParaRPr lang="it-IT"/>
           </a:p>
@@ -1551,7 +1551,7 @@
           <a:p>
             <a:fld id="{8EA6C711-4382-4A6E-B0AD-72AFD9EFCB5E}" type="datetimeFigureOut">
               <a:rPr lang="it-IT" smtClean="0"/>
-              <a:t>27/08/2020</a:t>
+              <a:t>30/08/2020</a:t>
             </a:fld>
             <a:endParaRPr lang="it-IT"/>
           </a:p>
@@ -1829,7 +1829,7 @@
           <a:p>
             <a:fld id="{8EA6C711-4382-4A6E-B0AD-72AFD9EFCB5E}" type="datetimeFigureOut">
               <a:rPr lang="it-IT" smtClean="0"/>
-              <a:t>27/08/2020</a:t>
+              <a:t>30/08/2020</a:t>
             </a:fld>
             <a:endParaRPr lang="it-IT"/>
           </a:p>
@@ -2391,7 +2391,7 @@
           <a:p>
             <a:fld id="{8EA6C711-4382-4A6E-B0AD-72AFD9EFCB5E}" type="datetimeFigureOut">
               <a:rPr lang="it-IT" smtClean="0"/>
-              <a:t>27/08/2020</a:t>
+              <a:t>30/08/2020</a:t>
             </a:fld>
             <a:endParaRPr lang="it-IT"/>
           </a:p>
@@ -2718,7 +2718,7 @@
           <a:p>
             <a:fld id="{8EA6C711-4382-4A6E-B0AD-72AFD9EFCB5E}" type="datetimeFigureOut">
               <a:rPr lang="it-IT" smtClean="0"/>
-              <a:t>27/08/2020</a:t>
+              <a:t>30/08/2020</a:t>
             </a:fld>
             <a:endParaRPr lang="it-IT"/>
           </a:p>
@@ -2923,7 +2923,7 @@
           <a:p>
             <a:fld id="{8EA6C711-4382-4A6E-B0AD-72AFD9EFCB5E}" type="datetimeFigureOut">
               <a:rPr lang="it-IT" smtClean="0"/>
-              <a:t>27/08/2020</a:t>
+              <a:t>30/08/2020</a:t>
             </a:fld>
             <a:endParaRPr lang="it-IT"/>
           </a:p>
@@ -3133,7 +3133,7 @@
           <a:p>
             <a:fld id="{8EA6C711-4382-4A6E-B0AD-72AFD9EFCB5E}" type="datetimeFigureOut">
               <a:rPr lang="it-IT" smtClean="0"/>
-              <a:t>27/08/2020</a:t>
+              <a:t>30/08/2020</a:t>
             </a:fld>
             <a:endParaRPr lang="it-IT"/>
           </a:p>
@@ -3333,7 +3333,7 @@
           <a:p>
             <a:fld id="{8EA6C711-4382-4A6E-B0AD-72AFD9EFCB5E}" type="datetimeFigureOut">
               <a:rPr lang="it-IT" smtClean="0"/>
-              <a:t>27/08/2020</a:t>
+              <a:t>30/08/2020</a:t>
             </a:fld>
             <a:endParaRPr lang="it-IT"/>
           </a:p>
@@ -3609,7 +3609,7 @@
           <a:p>
             <a:fld id="{8EA6C711-4382-4A6E-B0AD-72AFD9EFCB5E}" type="datetimeFigureOut">
               <a:rPr lang="it-IT" smtClean="0"/>
-              <a:t>27/08/2020</a:t>
+              <a:t>30/08/2020</a:t>
             </a:fld>
             <a:endParaRPr lang="it-IT"/>
           </a:p>
@@ -3875,7 +3875,7 @@
           <a:p>
             <a:fld id="{8EA6C711-4382-4A6E-B0AD-72AFD9EFCB5E}" type="datetimeFigureOut">
               <a:rPr lang="it-IT" smtClean="0"/>
-              <a:t>27/08/2020</a:t>
+              <a:t>30/08/2020</a:t>
             </a:fld>
             <a:endParaRPr lang="it-IT"/>
           </a:p>
@@ -4249,7 +4249,7 @@
           <a:p>
             <a:fld id="{8EA6C711-4382-4A6E-B0AD-72AFD9EFCB5E}" type="datetimeFigureOut">
               <a:rPr lang="it-IT" smtClean="0"/>
-              <a:t>27/08/2020</a:t>
+              <a:t>30/08/2020</a:t>
             </a:fld>
             <a:endParaRPr lang="it-IT"/>
           </a:p>
@@ -4397,7 +4397,7 @@
           <a:p>
             <a:fld id="{8EA6C711-4382-4A6E-B0AD-72AFD9EFCB5E}" type="datetimeFigureOut">
               <a:rPr lang="it-IT" smtClean="0"/>
-              <a:t>27/08/2020</a:t>
+              <a:t>30/08/2020</a:t>
             </a:fld>
             <a:endParaRPr lang="it-IT"/>
           </a:p>
@@ -4522,7 +4522,7 @@
           <a:p>
             <a:fld id="{8EA6C711-4382-4A6E-B0AD-72AFD9EFCB5E}" type="datetimeFigureOut">
               <a:rPr lang="it-IT" smtClean="0"/>
-              <a:t>27/08/2020</a:t>
+              <a:t>30/08/2020</a:t>
             </a:fld>
             <a:endParaRPr lang="it-IT"/>
           </a:p>
@@ -4807,7 +4807,7 @@
           <a:p>
             <a:fld id="{8EA6C711-4382-4A6E-B0AD-72AFD9EFCB5E}" type="datetimeFigureOut">
               <a:rPr lang="it-IT" smtClean="0"/>
-              <a:t>27/08/2020</a:t>
+              <a:t>30/08/2020</a:t>
             </a:fld>
             <a:endParaRPr lang="it-IT"/>
           </a:p>
@@ -5131,7 +5131,7 @@
           <a:p>
             <a:fld id="{8EA6C711-4382-4A6E-B0AD-72AFD9EFCB5E}" type="datetimeFigureOut">
               <a:rPr lang="it-IT" smtClean="0"/>
-              <a:t>27/08/2020</a:t>
+              <a:t>30/08/2020</a:t>
             </a:fld>
             <a:endParaRPr lang="it-IT"/>
           </a:p>
@@ -5345,7 +5345,7 @@
           <a:p>
             <a:fld id="{8EA6C711-4382-4A6E-B0AD-72AFD9EFCB5E}" type="datetimeFigureOut">
               <a:rPr lang="it-IT" smtClean="0"/>
-              <a:t>27/08/2020</a:t>
+              <a:t>30/08/2020</a:t>
             </a:fld>
             <a:endParaRPr lang="it-IT"/>
           </a:p>
@@ -8890,9 +8890,10 @@
           <a:p>
             <a:pPr algn="r"/>
             <a:r>
-              <a:rPr lang="it-IT" dirty="0"/>
+              <a:rPr lang="it-IT" sz="4400" dirty="0"/>
               <a:t>OUTLINE</a:t>
             </a:r>
+            <a:endParaRPr lang="it-IT" dirty="0"/>
           </a:p>
         </p:txBody>
       </p:sp>
@@ -9129,17 +9130,30 @@
             <p:ph type="title"/>
           </p:nvPr>
         </p:nvSpPr>
-        <p:spPr/>
+        <p:spPr>
+          <a:xfrm>
+            <a:off x="1977273" y="0"/>
+            <a:ext cx="10131425" cy="1456267"/>
+          </a:xfrm>
+        </p:spPr>
         <p:txBody>
           <a:bodyPr/>
           <a:lstStyle/>
           <a:p>
             <a:pPr algn="r"/>
             <a:r>
-              <a:rPr lang="it-IT" dirty="0" err="1"/>
+              <a:rPr lang="it-IT" sz="4400" dirty="0" err="1">
+                <a:solidFill>
+                  <a:schemeClr val="bg1"/>
+                </a:solidFill>
+              </a:rPr>
               <a:t>Introduction</a:t>
             </a:r>
-            <a:endParaRPr lang="it-IT" dirty="0"/>
+            <a:endParaRPr lang="it-IT" dirty="0">
+              <a:solidFill>
+                <a:schemeClr val="bg1"/>
+              </a:solidFill>
+            </a:endParaRPr>
           </a:p>
         </p:txBody>
       </p:sp>
@@ -9159,7 +9173,12 @@
             <p:ph idx="1"/>
           </p:nvPr>
         </p:nvSpPr>
-        <p:spPr/>
+        <p:spPr>
+          <a:xfrm>
+            <a:off x="770643" y="1237093"/>
+            <a:ext cx="10852606" cy="4541538"/>
+          </a:xfrm>
+        </p:spPr>
         <p:txBody>
           <a:bodyPr/>
           <a:lstStyle/>
@@ -9219,6 +9238,20 @@
             <a:r>
               <a:rPr lang="en-US" dirty="0"/>
               <a:t>= 1 clock every 10ns.</a:t>
+            </a:r>
+          </a:p>
+          <a:p>
+            <a:pPr lvl="1"/>
+            <a:r>
+              <a:rPr lang="en-US" dirty="0"/>
+              <a:t>Red and Yellow in maintenance mode (MOD5) are modulated by 2 different inputs signals.</a:t>
+            </a:r>
+          </a:p>
+          <a:p>
+            <a:pPr lvl="1"/>
+            <a:r>
+              <a:rPr lang="en-US" dirty="0"/>
+              <a:t>The resulting output have been put in AND with the °enable° signal, that is accountable as a ON/OFF switch.</a:t>
             </a:r>
           </a:p>
           <a:p>
@@ -9422,13 +9455,21 @@
             <p:ph type="title"/>
           </p:nvPr>
         </p:nvSpPr>
-        <p:spPr/>
-        <p:txBody>
-          <a:bodyPr/>
+        <p:spPr>
+          <a:xfrm>
+            <a:off x="0" y="0"/>
+            <a:ext cx="12192000" cy="1456267"/>
+          </a:xfrm>
+        </p:spPr>
+        <p:txBody>
+          <a:bodyPr>
+            <a:normAutofit/>
+          </a:bodyPr>
           <a:lstStyle/>
           <a:p>
-            <a:r>
-              <a:rPr lang="it-IT" dirty="0">
+            <a:pPr algn="r"/>
+            <a:r>
+              <a:rPr lang="it-IT" sz="4000" dirty="0">
                 <a:solidFill>
                   <a:schemeClr val="bg1"/>
                 </a:solidFill>
@@ -9436,42 +9477,52 @@
               <a:t>SYMBOL: I/0 </a:t>
             </a:r>
             <a:r>
-              <a:rPr lang="it-IT" dirty="0" err="1">
+              <a:rPr lang="it-IT" sz="4000" dirty="0" err="1">
                 <a:solidFill>
                   <a:schemeClr val="bg1"/>
                 </a:solidFill>
               </a:rPr>
               <a:t>diagram</a:t>
             </a:r>
-            <a:endParaRPr lang="it-IT" dirty="0"/>
-          </a:p>
-        </p:txBody>
-      </p:sp>
-      <p:sp>
-        <p:nvSpPr>
-          <p:cNvPr id="3" name="Segnaposto contenuto 2">
+            <a:endParaRPr lang="it-IT" sz="4000" dirty="0"/>
+          </a:p>
+        </p:txBody>
+      </p:sp>
+      <p:pic>
+        <p:nvPicPr>
+          <p:cNvPr id="5" name="Segnaposto contenuto 4" descr="Immagine che contiene screenshot&#10;&#10;Descrizione generata automaticamente">
             <a:extLst>
               <a:ext uri="{FF2B5EF4-FFF2-40B4-BE49-F238E27FC236}">
-                <a16:creationId xmlns:a16="http://schemas.microsoft.com/office/drawing/2014/main" id="{04BAD22B-26F9-438B-BE32-DCFAC0E3C6D8}"/>
+                <a16:creationId xmlns:a16="http://schemas.microsoft.com/office/drawing/2014/main" id="{39967D82-7CAF-489B-9774-AC68AF409036}"/>
               </a:ext>
             </a:extLst>
           </p:cNvPr>
-          <p:cNvSpPr>
-            <a:spLocks noGrp="1"/>
-          </p:cNvSpPr>
+          <p:cNvPicPr>
+            <a:picLocks noGrp="1" noChangeAspect="1"/>
+          </p:cNvPicPr>
           <p:nvPr>
             <p:ph idx="1"/>
           </p:nvPr>
-        </p:nvSpPr>
-        <p:spPr/>
-        <p:txBody>
-          <a:bodyPr/>
-          <a:lstStyle/>
-          <a:p>
-            <a:endParaRPr lang="it-IT"/>
-          </a:p>
-        </p:txBody>
-      </p:sp>
+        </p:nvPicPr>
+        <p:blipFill>
+          <a:blip r:embed="rId2">
+            <a:extLst>
+              <a:ext uri="{28A0092B-C50C-407E-A947-70E740481C1C}">
+                <a14:useLocalDpi xmlns:a14="http://schemas.microsoft.com/office/drawing/2010/main" val="0"/>
+              </a:ext>
+            </a:extLst>
+          </a:blip>
+          <a:stretch>
+            <a:fillRect/>
+          </a:stretch>
+        </p:blipFill>
+        <p:spPr>
+          <a:xfrm>
+            <a:off x="0" y="1291472"/>
+            <a:ext cx="10596697" cy="5566528"/>
+          </a:xfrm>
+        </p:spPr>
+      </p:pic>
     </p:spTree>
     <p:extLst>
       <p:ext uri="{BB962C8B-B14F-4D97-AF65-F5344CB8AC3E}">
@@ -9502,37 +9553,685 @@
           <a:chExt cx="0" cy="0"/>
         </a:xfrm>
       </p:grpSpPr>
-      <p:sp>
-        <p:nvSpPr>
-          <p:cNvPr id="2" name="Titolo 1">
+      <p:graphicFrame>
+        <p:nvGraphicFramePr>
+          <p:cNvPr id="4" name="Tabella 4">
             <a:extLst>
               <a:ext uri="{FF2B5EF4-FFF2-40B4-BE49-F238E27FC236}">
-                <a16:creationId xmlns:a16="http://schemas.microsoft.com/office/drawing/2014/main" id="{8FED1ECC-119E-4395-8D7D-90C3532228A4}"/>
+                <a16:creationId xmlns:a16="http://schemas.microsoft.com/office/drawing/2014/main" id="{2915F414-1284-4097-B7A6-4DC9F5E973E0}"/>
               </a:ext>
             </a:extLst>
           </p:cNvPr>
-          <p:cNvSpPr>
-            <a:spLocks noGrp="1"/>
-          </p:cNvSpPr>
-          <p:nvPr>
-            <p:ph type="title"/>
-          </p:nvPr>
-        </p:nvSpPr>
-        <p:spPr/>
-        <p:txBody>
-          <a:bodyPr/>
-          <a:lstStyle/>
-          <a:p>
-            <a:endParaRPr lang="it-IT"/>
-          </a:p>
-        </p:txBody>
-      </p:sp>
-      <p:sp>
-        <p:nvSpPr>
-          <p:cNvPr id="3" name="Segnaposto contenuto 2">
+          <p:cNvGraphicFramePr>
+            <a:graphicFrameLocks noGrp="1"/>
+          </p:cNvGraphicFramePr>
+          <p:nvPr>
+            <p:ph idx="1"/>
+            <p:extLst>
+              <p:ext uri="{D42A27DB-BD31-4B8C-83A1-F6EECF244321}">
+                <p14:modId xmlns:p14="http://schemas.microsoft.com/office/powerpoint/2010/main" val="2545818847"/>
+              </p:ext>
+            </p:extLst>
+          </p:nvPr>
+        </p:nvGraphicFramePr>
+        <p:xfrm>
+          <a:off x="282805" y="1753385"/>
+          <a:ext cx="11283884" cy="5030909"/>
+        </p:xfrm>
+        <a:graphic>
+          <a:graphicData uri="http://schemas.openxmlformats.org/drawingml/2006/table">
+            <a:tbl>
+              <a:tblPr firstRow="1" bandRow="1">
+                <a:tableStyleId>{5C22544A-7EE6-4342-B048-85BDC9FD1C3A}</a:tableStyleId>
+              </a:tblPr>
+              <a:tblGrid>
+                <a:gridCol w="2638318">
+                  <a:extLst>
+                    <a:ext uri="{9D8B030D-6E8A-4147-A177-3AD203B41FA5}">
+                      <a16:colId xmlns:a16="http://schemas.microsoft.com/office/drawing/2014/main" val="1085662659"/>
+                    </a:ext>
+                  </a:extLst>
+                </a:gridCol>
+                <a:gridCol w="1164211">
+                  <a:extLst>
+                    <a:ext uri="{9D8B030D-6E8A-4147-A177-3AD203B41FA5}">
+                      <a16:colId xmlns:a16="http://schemas.microsoft.com/office/drawing/2014/main" val="2502357662"/>
+                    </a:ext>
+                  </a:extLst>
+                </a:gridCol>
+                <a:gridCol w="1855850">
+                  <a:extLst>
+                    <a:ext uri="{9D8B030D-6E8A-4147-A177-3AD203B41FA5}">
+                      <a16:colId xmlns:a16="http://schemas.microsoft.com/office/drawing/2014/main" val="1751868516"/>
+                    </a:ext>
+                  </a:extLst>
+                </a:gridCol>
+                <a:gridCol w="5625505">
+                  <a:extLst>
+                    <a:ext uri="{9D8B030D-6E8A-4147-A177-3AD203B41FA5}">
+                      <a16:colId xmlns:a16="http://schemas.microsoft.com/office/drawing/2014/main" val="3748288558"/>
+                    </a:ext>
+                  </a:extLst>
+                </a:gridCol>
+              </a:tblGrid>
+              <a:tr h="468299">
+                <a:tc>
+                  <a:txBody>
+                    <a:bodyPr/>
+                    <a:lstStyle/>
+                    <a:p>
+                      <a:r>
+                        <a:rPr lang="en-US" dirty="0"/>
+                        <a:t>Name</a:t>
+                      </a:r>
+                      <a:endParaRPr lang="it-IT" dirty="0"/>
+                    </a:p>
+                  </a:txBody>
+                  <a:tcPr/>
+                </a:tc>
+                <a:tc>
+                  <a:txBody>
+                    <a:bodyPr/>
+                    <a:lstStyle/>
+                    <a:p>
+                      <a:r>
+                        <a:rPr lang="en-US" dirty="0"/>
+                        <a:t>Size</a:t>
+                      </a:r>
+                      <a:endParaRPr lang="it-IT" dirty="0"/>
+                    </a:p>
+                  </a:txBody>
+                  <a:tcPr/>
+                </a:tc>
+                <a:tc>
+                  <a:txBody>
+                    <a:bodyPr/>
+                    <a:lstStyle/>
+                    <a:p>
+                      <a:r>
+                        <a:rPr lang="en-US" dirty="0"/>
+                        <a:t>Direction</a:t>
+                      </a:r>
+                      <a:endParaRPr lang="it-IT" dirty="0"/>
+                    </a:p>
+                  </a:txBody>
+                  <a:tcPr/>
+                </a:tc>
+                <a:tc>
+                  <a:txBody>
+                    <a:bodyPr/>
+                    <a:lstStyle/>
+                    <a:p>
+                      <a:r>
+                        <a:rPr lang="en-US" dirty="0"/>
+                        <a:t>Comments</a:t>
+                      </a:r>
+                      <a:endParaRPr lang="it-IT" dirty="0"/>
+                    </a:p>
+                  </a:txBody>
+                  <a:tcPr/>
+                </a:tc>
+                <a:extLst>
+                  <a:ext uri="{0D108BD9-81ED-4DB2-BD59-A6C34878D82A}">
+                    <a16:rowId xmlns:a16="http://schemas.microsoft.com/office/drawing/2014/main" val="3356405322"/>
+                  </a:ext>
+                </a:extLst>
+              </a:tr>
+              <a:tr h="468299">
+                <a:tc>
+                  <a:txBody>
+                    <a:bodyPr/>
+                    <a:lstStyle/>
+                    <a:p>
+                      <a:r>
+                        <a:rPr lang="en-US" dirty="0"/>
+                        <a:t>Enable</a:t>
+                      </a:r>
+                      <a:endParaRPr lang="it-IT" dirty="0"/>
+                    </a:p>
+                  </a:txBody>
+                  <a:tcPr/>
+                </a:tc>
+                <a:tc>
+                  <a:txBody>
+                    <a:bodyPr/>
+                    <a:lstStyle/>
+                    <a:p>
+                      <a:r>
+                        <a:rPr lang="en-US" dirty="0"/>
+                        <a:t>1</a:t>
+                      </a:r>
+                      <a:endParaRPr lang="it-IT" dirty="0"/>
+                    </a:p>
+                  </a:txBody>
+                  <a:tcPr/>
+                </a:tc>
+                <a:tc>
+                  <a:txBody>
+                    <a:bodyPr/>
+                    <a:lstStyle/>
+                    <a:p>
+                      <a:r>
+                        <a:rPr lang="en-US" dirty="0"/>
+                        <a:t>input</a:t>
+                      </a:r>
+                      <a:endParaRPr lang="it-IT" dirty="0"/>
+                    </a:p>
+                  </a:txBody>
+                  <a:tcPr/>
+                </a:tc>
+                <a:tc>
+                  <a:txBody>
+                    <a:bodyPr/>
+                    <a:lstStyle/>
+                    <a:p>
+                      <a:r>
+                        <a:rPr lang="en-US" sz="1600" dirty="0"/>
+                        <a:t>ON/OFF switch for the circuit</a:t>
+                      </a:r>
+                      <a:endParaRPr lang="it-IT" sz="1600" dirty="0"/>
+                    </a:p>
+                  </a:txBody>
+                  <a:tcPr/>
+                </a:tc>
+                <a:extLst>
+                  <a:ext uri="{0D108BD9-81ED-4DB2-BD59-A6C34878D82A}">
+                    <a16:rowId xmlns:a16="http://schemas.microsoft.com/office/drawing/2014/main" val="893613918"/>
+                  </a:ext>
+                </a:extLst>
+              </a:tr>
+              <a:tr h="650071">
+                <a:tc>
+                  <a:txBody>
+                    <a:bodyPr/>
+                    <a:lstStyle/>
+                    <a:p>
+                      <a:r>
+                        <a:rPr lang="en-US" dirty="0"/>
+                        <a:t>Reset</a:t>
+                      </a:r>
+                      <a:endParaRPr lang="it-IT" dirty="0"/>
+                    </a:p>
+                  </a:txBody>
+                  <a:tcPr/>
+                </a:tc>
+                <a:tc>
+                  <a:txBody>
+                    <a:bodyPr/>
+                    <a:lstStyle/>
+                    <a:p>
+                      <a:r>
+                        <a:rPr lang="en-US" dirty="0"/>
+                        <a:t>1</a:t>
+                      </a:r>
+                      <a:endParaRPr lang="it-IT" dirty="0"/>
+                    </a:p>
+                  </a:txBody>
+                  <a:tcPr/>
+                </a:tc>
+                <a:tc>
+                  <a:txBody>
+                    <a:bodyPr/>
+                    <a:lstStyle/>
+                    <a:p>
+                      <a:r>
+                        <a:rPr lang="en-US" dirty="0"/>
+                        <a:t>input</a:t>
+                      </a:r>
+                      <a:endParaRPr lang="it-IT" dirty="0"/>
+                    </a:p>
+                  </a:txBody>
+                  <a:tcPr/>
+                </a:tc>
+                <a:tc>
+                  <a:txBody>
+                    <a:bodyPr/>
+                    <a:lstStyle/>
+                    <a:p>
+                      <a:r>
+                        <a:rPr lang="en-US" sz="1600" dirty="0"/>
+                        <a:t>Simulate a button that, when </a:t>
+                      </a:r>
+                      <a:r>
+                        <a:rPr lang="en-US" sz="1600" dirty="0" err="1"/>
+                        <a:t>relased</a:t>
+                      </a:r>
+                      <a:r>
+                        <a:rPr lang="en-US" sz="1600" dirty="0"/>
+                        <a:t>(falling edge), put the light at default function.</a:t>
+                      </a:r>
+                      <a:endParaRPr lang="it-IT" sz="1600" dirty="0"/>
+                    </a:p>
+                  </a:txBody>
+                  <a:tcPr/>
+                </a:tc>
+                <a:extLst>
+                  <a:ext uri="{0D108BD9-81ED-4DB2-BD59-A6C34878D82A}">
+                    <a16:rowId xmlns:a16="http://schemas.microsoft.com/office/drawing/2014/main" val="13033355"/>
+                  </a:ext>
+                </a:extLst>
+              </a:tr>
+              <a:tr h="807739">
+                <a:tc>
+                  <a:txBody>
+                    <a:bodyPr/>
+                    <a:lstStyle/>
+                    <a:p>
+                      <a:r>
+                        <a:rPr lang="en-US" dirty="0"/>
+                        <a:t>Mode</a:t>
+                      </a:r>
+                      <a:endParaRPr lang="it-IT" dirty="0"/>
+                    </a:p>
+                  </a:txBody>
+                  <a:tcPr/>
+                </a:tc>
+                <a:tc>
+                  <a:txBody>
+                    <a:bodyPr/>
+                    <a:lstStyle/>
+                    <a:p>
+                      <a:r>
+                        <a:rPr lang="en-US" dirty="0"/>
+                        <a:t>1</a:t>
+                      </a:r>
+                      <a:endParaRPr lang="it-IT" dirty="0"/>
+                    </a:p>
+                  </a:txBody>
+                  <a:tcPr/>
+                </a:tc>
+                <a:tc>
+                  <a:txBody>
+                    <a:bodyPr/>
+                    <a:lstStyle/>
+                    <a:p>
+                      <a:r>
+                        <a:rPr lang="en-US" dirty="0"/>
+                        <a:t>input</a:t>
+                      </a:r>
+                      <a:endParaRPr lang="it-IT" dirty="0"/>
+                    </a:p>
+                  </a:txBody>
+                  <a:tcPr/>
+                </a:tc>
+                <a:tc>
+                  <a:txBody>
+                    <a:bodyPr/>
+                    <a:lstStyle/>
+                    <a:p>
+                      <a:r>
+                        <a:rPr lang="en-US" sz="1600" dirty="0"/>
+                        <a:t>Simulate 2 buttons/switch for functioning mode </a:t>
+                      </a:r>
+                    </a:p>
+                    <a:p>
+                      <a:pPr marL="285750" indent="-285750">
+                        <a:buFont typeface="Arial" panose="020B0604020202020204" pitchFamily="34" charset="0"/>
+                        <a:buChar char="•"/>
+                      </a:pPr>
+                      <a:r>
+                        <a:rPr lang="en-US" sz="1600" dirty="0"/>
+                        <a:t>MOD3:nominal </a:t>
+                      </a:r>
+                      <a:r>
+                        <a:rPr lang="en-US" sz="1600" dirty="0">
+                          <a:sym typeface="Wingdings" panose="05000000000000000000" pitchFamily="2" charset="2"/>
+                        </a:rPr>
+                        <a:t> 0</a:t>
+                      </a:r>
+                      <a:r>
+                        <a:rPr lang="en-US" sz="1600" dirty="0"/>
+                        <a:t> </a:t>
+                      </a:r>
+                    </a:p>
+                    <a:p>
+                      <a:pPr marL="285750" indent="-285750">
+                        <a:buFont typeface="Arial" panose="020B0604020202020204" pitchFamily="34" charset="0"/>
+                        <a:buChar char="•"/>
+                      </a:pPr>
+                      <a:r>
+                        <a:rPr lang="en-US" sz="1600" dirty="0"/>
+                        <a:t>MOD4:standby </a:t>
+                      </a:r>
+                      <a:r>
+                        <a:rPr lang="en-US" sz="1600" dirty="0">
+                          <a:sym typeface="Wingdings" panose="05000000000000000000" pitchFamily="2" charset="2"/>
+                        </a:rPr>
+                        <a:t> 1</a:t>
+                      </a:r>
+                      <a:endParaRPr lang="it-IT" sz="1600" dirty="0"/>
+                    </a:p>
+                  </a:txBody>
+                  <a:tcPr/>
+                </a:tc>
+                <a:extLst>
+                  <a:ext uri="{0D108BD9-81ED-4DB2-BD59-A6C34878D82A}">
+                    <a16:rowId xmlns:a16="http://schemas.microsoft.com/office/drawing/2014/main" val="2559379202"/>
+                  </a:ext>
+                </a:extLst>
+              </a:tr>
+              <a:tr h="774613">
+                <a:tc>
+                  <a:txBody>
+                    <a:bodyPr/>
+                    <a:lstStyle/>
+                    <a:p>
+                      <a:r>
+                        <a:rPr lang="en-US" dirty="0" err="1"/>
+                        <a:t>RED_modulator</a:t>
+                      </a:r>
+                      <a:endParaRPr lang="it-IT" dirty="0"/>
+                    </a:p>
+                  </a:txBody>
+                  <a:tcPr/>
+                </a:tc>
+                <a:tc>
+                  <a:txBody>
+                    <a:bodyPr/>
+                    <a:lstStyle/>
+                    <a:p>
+                      <a:r>
+                        <a:rPr lang="en-US" dirty="0"/>
+                        <a:t>1</a:t>
+                      </a:r>
+                      <a:endParaRPr lang="it-IT" dirty="0"/>
+                    </a:p>
+                  </a:txBody>
+                  <a:tcPr/>
+                </a:tc>
+                <a:tc>
+                  <a:txBody>
+                    <a:bodyPr/>
+                    <a:lstStyle/>
+                    <a:p>
+                      <a:r>
+                        <a:rPr lang="en-US" dirty="0"/>
+                        <a:t>input</a:t>
+                      </a:r>
+                      <a:endParaRPr lang="it-IT" dirty="0"/>
+                    </a:p>
+                  </a:txBody>
+                  <a:tcPr/>
+                </a:tc>
+                <a:tc>
+                  <a:txBody>
+                    <a:bodyPr/>
+                    <a:lstStyle/>
+                    <a:p>
+                      <a:r>
+                        <a:rPr lang="en-US" sz="1600" dirty="0"/>
+                        <a:t>Modulate the length of red-light during maintenance mode (MOD5)</a:t>
+                      </a:r>
+                    </a:p>
+                    <a:p>
+                      <a:pPr marL="285750" indent="-285750">
+                        <a:buFont typeface="Arial" panose="020B0604020202020204" pitchFamily="34" charset="0"/>
+                        <a:buChar char="•"/>
+                      </a:pPr>
+                      <a:r>
+                        <a:rPr lang="en-US" sz="1600" dirty="0"/>
+                        <a:t>0</a:t>
+                      </a:r>
+                      <a:r>
+                        <a:rPr lang="en-US" sz="1600" dirty="0">
+                          <a:sym typeface="Wingdings" panose="05000000000000000000" pitchFamily="2" charset="2"/>
+                        </a:rPr>
+                        <a:t> 0.5s</a:t>
+                      </a:r>
+                    </a:p>
+                    <a:p>
+                      <a:pPr marL="285750" indent="-285750">
+                        <a:buFont typeface="Arial" panose="020B0604020202020204" pitchFamily="34" charset="0"/>
+                        <a:buChar char="•"/>
+                      </a:pPr>
+                      <a:r>
+                        <a:rPr lang="en-US" sz="1600" dirty="0">
+                          <a:sym typeface="Wingdings" panose="05000000000000000000" pitchFamily="2" charset="2"/>
+                        </a:rPr>
+                        <a:t>1 6s</a:t>
+                      </a:r>
+                      <a:endParaRPr lang="it-IT" sz="1600" dirty="0"/>
+                    </a:p>
+                  </a:txBody>
+                  <a:tcPr/>
+                </a:tc>
+                <a:extLst>
+                  <a:ext uri="{0D108BD9-81ED-4DB2-BD59-A6C34878D82A}">
+                    <a16:rowId xmlns:a16="http://schemas.microsoft.com/office/drawing/2014/main" val="331548417"/>
+                  </a:ext>
+                </a:extLst>
+              </a:tr>
+              <a:tr h="1349004">
+                <a:tc>
+                  <a:txBody>
+                    <a:bodyPr/>
+                    <a:lstStyle/>
+                    <a:p>
+                      <a:pPr marL="0" marR="0" lvl="0" indent="0" algn="l" defTabSz="457200" rtl="0" eaLnBrk="1" fontAlgn="auto" latinLnBrk="0" hangingPunct="1">
+                        <a:lnSpc>
+                          <a:spcPct val="100000"/>
+                        </a:lnSpc>
+                        <a:spcBef>
+                          <a:spcPts val="0"/>
+                        </a:spcBef>
+                        <a:spcAft>
+                          <a:spcPts val="0"/>
+                        </a:spcAft>
+                        <a:buClrTx/>
+                        <a:buSzTx/>
+                        <a:buFontTx/>
+                        <a:buNone/>
+                        <a:tabLst/>
+                        <a:defRPr/>
+                      </a:pPr>
+                      <a:r>
+                        <a:rPr lang="en-US" dirty="0" err="1"/>
+                        <a:t>Yellow_modulator</a:t>
+                      </a:r>
+                      <a:endParaRPr lang="it-IT" dirty="0"/>
+                    </a:p>
+                    <a:p>
+                      <a:endParaRPr lang="it-IT" dirty="0"/>
+                    </a:p>
+                  </a:txBody>
+                  <a:tcPr/>
+                </a:tc>
+                <a:tc>
+                  <a:txBody>
+                    <a:bodyPr/>
+                    <a:lstStyle/>
+                    <a:p>
+                      <a:r>
+                        <a:rPr lang="en-US" dirty="0"/>
+                        <a:t>2</a:t>
+                      </a:r>
+                      <a:endParaRPr lang="it-IT" dirty="0"/>
+                    </a:p>
+                  </a:txBody>
+                  <a:tcPr/>
+                </a:tc>
+                <a:tc>
+                  <a:txBody>
+                    <a:bodyPr/>
+                    <a:lstStyle/>
+                    <a:p>
+                      <a:r>
+                        <a:rPr lang="en-US" dirty="0"/>
+                        <a:t>input</a:t>
+                      </a:r>
+                      <a:endParaRPr lang="it-IT" dirty="0"/>
+                    </a:p>
+                  </a:txBody>
+                  <a:tcPr/>
+                </a:tc>
+                <a:tc>
+                  <a:txBody>
+                    <a:bodyPr/>
+                    <a:lstStyle/>
+                    <a:p>
+                      <a:pPr marL="0" marR="0" lvl="0" indent="0" algn="l" defTabSz="457200" rtl="0" eaLnBrk="1" fontAlgn="auto" latinLnBrk="0" hangingPunct="1">
+                        <a:lnSpc>
+                          <a:spcPct val="100000"/>
+                        </a:lnSpc>
+                        <a:spcBef>
+                          <a:spcPts val="0"/>
+                        </a:spcBef>
+                        <a:spcAft>
+                          <a:spcPts val="0"/>
+                        </a:spcAft>
+                        <a:buClrTx/>
+                        <a:buSzTx/>
+                        <a:buFontTx/>
+                        <a:buNone/>
+                        <a:tabLst/>
+                        <a:defRPr/>
+                      </a:pPr>
+                      <a:r>
+                        <a:rPr lang="en-US" sz="1600" dirty="0"/>
+                        <a:t>Modulate the length of yellow-light respect red-light during maintenance mode (MOD5)</a:t>
+                      </a:r>
+                    </a:p>
+                    <a:p>
+                      <a:pPr marL="285750" marR="0" lvl="0" indent="-285750" algn="l" defTabSz="457200" rtl="0" eaLnBrk="1" fontAlgn="auto" latinLnBrk="0" hangingPunct="1">
+                        <a:lnSpc>
+                          <a:spcPct val="100000"/>
+                        </a:lnSpc>
+                        <a:spcBef>
+                          <a:spcPts val="0"/>
+                        </a:spcBef>
+                        <a:spcAft>
+                          <a:spcPts val="0"/>
+                        </a:spcAft>
+                        <a:buClrTx/>
+                        <a:buSzTx/>
+                        <a:buFont typeface="Arial" panose="020B0604020202020204" pitchFamily="34" charset="0"/>
+                        <a:buChar char="•"/>
+                        <a:tabLst/>
+                        <a:defRPr/>
+                      </a:pPr>
+                      <a:r>
+                        <a:rPr lang="en-US" sz="1600" dirty="0"/>
+                        <a:t>00</a:t>
+                      </a:r>
+                      <a:r>
+                        <a:rPr lang="en-US" sz="1600" dirty="0">
+                          <a:sym typeface="Wingdings" panose="05000000000000000000" pitchFamily="2" charset="2"/>
+                        </a:rPr>
+                        <a:t> ½ Red</a:t>
+                      </a:r>
+                      <a:endParaRPr lang="it-IT" sz="1600" dirty="0">
+                        <a:sym typeface="Wingdings" panose="05000000000000000000" pitchFamily="2" charset="2"/>
+                      </a:endParaRPr>
+                    </a:p>
+                    <a:p>
+                      <a:pPr marL="285750" marR="0" lvl="0" indent="-285750" algn="l" defTabSz="457200" rtl="0" eaLnBrk="1" fontAlgn="auto" latinLnBrk="0" hangingPunct="1">
+                        <a:lnSpc>
+                          <a:spcPct val="100000"/>
+                        </a:lnSpc>
+                        <a:spcBef>
+                          <a:spcPts val="0"/>
+                        </a:spcBef>
+                        <a:spcAft>
+                          <a:spcPts val="0"/>
+                        </a:spcAft>
+                        <a:buClrTx/>
+                        <a:buSzTx/>
+                        <a:buFont typeface="Arial" panose="020B0604020202020204" pitchFamily="34" charset="0"/>
+                        <a:buChar char="•"/>
+                        <a:tabLst/>
+                        <a:defRPr/>
+                      </a:pPr>
+                      <a:r>
+                        <a:rPr lang="en-US" sz="1600" dirty="0"/>
+                        <a:t>01</a:t>
+                      </a:r>
+                      <a:r>
+                        <a:rPr lang="en-US" sz="1600" dirty="0">
+                          <a:sym typeface="Wingdings" panose="05000000000000000000" pitchFamily="2" charset="2"/>
+                        </a:rPr>
+                        <a:t> Red</a:t>
+                      </a:r>
+                      <a:endParaRPr lang="it-IT" sz="1600" dirty="0"/>
+                    </a:p>
+                    <a:p>
+                      <a:pPr marL="285750" marR="0" lvl="0" indent="-285750" algn="l" defTabSz="457200" rtl="0" eaLnBrk="1" fontAlgn="auto" latinLnBrk="0" hangingPunct="1">
+                        <a:lnSpc>
+                          <a:spcPct val="100000"/>
+                        </a:lnSpc>
+                        <a:spcBef>
+                          <a:spcPts val="0"/>
+                        </a:spcBef>
+                        <a:spcAft>
+                          <a:spcPts val="0"/>
+                        </a:spcAft>
+                        <a:buClrTx/>
+                        <a:buSzTx/>
+                        <a:buFont typeface="Arial" panose="020B0604020202020204" pitchFamily="34" charset="0"/>
+                        <a:buChar char="•"/>
+                        <a:tabLst/>
+                        <a:defRPr/>
+                      </a:pPr>
+                      <a:r>
+                        <a:rPr lang="en-US" sz="1600" dirty="0"/>
+                        <a:t>10</a:t>
+                      </a:r>
+                      <a:r>
+                        <a:rPr lang="en-US" sz="1600" dirty="0">
+                          <a:sym typeface="Wingdings" panose="05000000000000000000" pitchFamily="2" charset="2"/>
+                        </a:rPr>
+                        <a:t>2 Red</a:t>
+                      </a:r>
+                      <a:endParaRPr lang="it-IT" sz="1600" dirty="0"/>
+                    </a:p>
+                    <a:p>
+                      <a:pPr marL="285750" marR="0" lvl="0" indent="-285750" algn="l" defTabSz="457200" rtl="0" eaLnBrk="1" fontAlgn="auto" latinLnBrk="0" hangingPunct="1">
+                        <a:lnSpc>
+                          <a:spcPct val="100000"/>
+                        </a:lnSpc>
+                        <a:spcBef>
+                          <a:spcPts val="0"/>
+                        </a:spcBef>
+                        <a:spcAft>
+                          <a:spcPts val="0"/>
+                        </a:spcAft>
+                        <a:buClrTx/>
+                        <a:buSzTx/>
+                        <a:buFont typeface="Arial" panose="020B0604020202020204" pitchFamily="34" charset="0"/>
+                        <a:buChar char="•"/>
+                        <a:tabLst/>
+                        <a:defRPr/>
+                      </a:pPr>
+                      <a:r>
+                        <a:rPr lang="en-US" sz="1600" dirty="0"/>
+                        <a:t>11</a:t>
+                      </a:r>
+                      <a:r>
+                        <a:rPr lang="en-US" sz="1600" dirty="0">
+                          <a:sym typeface="Wingdings" panose="05000000000000000000" pitchFamily="2" charset="2"/>
+                        </a:rPr>
+                        <a:t>2 Red</a:t>
+                      </a:r>
+                      <a:endParaRPr lang="it-IT" sz="1600" dirty="0"/>
+                    </a:p>
+                  </a:txBody>
+                  <a:tcPr/>
+                </a:tc>
+                <a:extLst>
+                  <a:ext uri="{0D108BD9-81ED-4DB2-BD59-A6C34878D82A}">
+                    <a16:rowId xmlns:a16="http://schemas.microsoft.com/office/drawing/2014/main" val="2770721756"/>
+                  </a:ext>
+                </a:extLst>
+              </a:tr>
+            </a:tbl>
+          </a:graphicData>
+        </a:graphic>
+      </p:graphicFrame>
+      <p:sp>
+        <p:nvSpPr>
+          <p:cNvPr id="6" name="Titolo 1">
             <a:extLst>
               <a:ext uri="{FF2B5EF4-FFF2-40B4-BE49-F238E27FC236}">
-                <a16:creationId xmlns:a16="http://schemas.microsoft.com/office/drawing/2014/main" id="{C50FDA0F-19E2-4682-8BEE-089B9C8CE7BE}"/>
+                <a16:creationId xmlns:a16="http://schemas.microsoft.com/office/drawing/2014/main" id="{72F8D179-6557-49FA-AD25-EA554A7D99EE}"/>
               </a:ext>
             </a:extLst>
           </p:cNvPr>
@@ -9540,15 +10239,29 @@
             <a:spLocks noGrp="1"/>
           </p:cNvSpPr>
           <p:nvPr>
-            <p:ph idx="1"/>
-          </p:nvPr>
-        </p:nvSpPr>
-        <p:spPr/>
+            <p:ph type="title"/>
+          </p:nvPr>
+        </p:nvSpPr>
+        <p:spPr>
+          <a:xfrm>
+            <a:off x="1435264" y="411637"/>
+            <a:ext cx="10131425" cy="1456267"/>
+          </a:xfrm>
+        </p:spPr>
         <p:txBody>
           <a:bodyPr/>
           <a:lstStyle/>
           <a:p>
-            <a:endParaRPr lang="it-IT"/>
+            <a:pPr algn="r"/>
+            <a:r>
+              <a:rPr lang="it-IT" dirty="0">
+                <a:solidFill>
+                  <a:schemeClr val="bg1"/>
+                </a:solidFill>
+              </a:rPr>
+              <a:t>SYMBOL: I/0 TABLE</a:t>
+            </a:r>
+            <a:endParaRPr lang="it-IT" dirty="0"/>
           </a:p>
         </p:txBody>
       </p:sp>
@@ -9603,35 +10316,416 @@
           <a:bodyPr/>
           <a:lstStyle/>
           <a:p>
-            <a:endParaRPr lang="it-IT"/>
-          </a:p>
-        </p:txBody>
-      </p:sp>
-      <p:sp>
-        <p:nvSpPr>
-          <p:cNvPr id="3" name="Segnaposto contenuto 2">
+            <a:pPr algn="r"/>
+            <a:r>
+              <a:rPr lang="it-IT" dirty="0">
+                <a:solidFill>
+                  <a:schemeClr val="bg1"/>
+                </a:solidFill>
+              </a:rPr>
+              <a:t>SYMBOL: I/0 TABLE</a:t>
+            </a:r>
+            <a:endParaRPr lang="it-IT" dirty="0"/>
+          </a:p>
+        </p:txBody>
+      </p:sp>
+      <p:graphicFrame>
+        <p:nvGraphicFramePr>
+          <p:cNvPr id="4" name="Segnaposto contenuto 3">
             <a:extLst>
               <a:ext uri="{FF2B5EF4-FFF2-40B4-BE49-F238E27FC236}">
-                <a16:creationId xmlns:a16="http://schemas.microsoft.com/office/drawing/2014/main" id="{3EFA819E-88DE-4AC2-9A96-C6608FADABAB}"/>
+                <a16:creationId xmlns:a16="http://schemas.microsoft.com/office/drawing/2014/main" id="{06228A18-5834-471A-B933-550222B97162}"/>
               </a:ext>
             </a:extLst>
           </p:cNvPr>
-          <p:cNvSpPr>
-            <a:spLocks noGrp="1"/>
-          </p:cNvSpPr>
+          <p:cNvGraphicFramePr>
+            <a:graphicFrameLocks noGrp="1"/>
+          </p:cNvGraphicFramePr>
           <p:nvPr>
             <p:ph idx="1"/>
-          </p:nvPr>
-        </p:nvSpPr>
-        <p:spPr/>
-        <p:txBody>
-          <a:bodyPr/>
-          <a:lstStyle/>
-          <a:p>
-            <a:endParaRPr lang="it-IT"/>
-          </a:p>
-        </p:txBody>
-      </p:sp>
+            <p:extLst>
+              <p:ext uri="{D42A27DB-BD31-4B8C-83A1-F6EECF244321}">
+                <p14:modId xmlns:p14="http://schemas.microsoft.com/office/powerpoint/2010/main" val="1148321554"/>
+              </p:ext>
+            </p:extLst>
+          </p:nvPr>
+        </p:nvGraphicFramePr>
+        <p:xfrm>
+          <a:off x="685800" y="2266545"/>
+          <a:ext cx="11283884" cy="2136417"/>
+        </p:xfrm>
+        <a:graphic>
+          <a:graphicData uri="http://schemas.openxmlformats.org/drawingml/2006/table">
+            <a:tbl>
+              <a:tblPr firstRow="1" bandRow="1">
+                <a:tableStyleId>{5C22544A-7EE6-4342-B048-85BDC9FD1C3A}</a:tableStyleId>
+              </a:tblPr>
+              <a:tblGrid>
+                <a:gridCol w="2638318">
+                  <a:extLst>
+                    <a:ext uri="{9D8B030D-6E8A-4147-A177-3AD203B41FA5}">
+                      <a16:colId xmlns:a16="http://schemas.microsoft.com/office/drawing/2014/main" val="2458733032"/>
+                    </a:ext>
+                  </a:extLst>
+                </a:gridCol>
+                <a:gridCol w="1164211">
+                  <a:extLst>
+                    <a:ext uri="{9D8B030D-6E8A-4147-A177-3AD203B41FA5}">
+                      <a16:colId xmlns:a16="http://schemas.microsoft.com/office/drawing/2014/main" val="3859481661"/>
+                    </a:ext>
+                  </a:extLst>
+                </a:gridCol>
+                <a:gridCol w="1855850">
+                  <a:extLst>
+                    <a:ext uri="{9D8B030D-6E8A-4147-A177-3AD203B41FA5}">
+                      <a16:colId xmlns:a16="http://schemas.microsoft.com/office/drawing/2014/main" val="1729939885"/>
+                    </a:ext>
+                  </a:extLst>
+                </a:gridCol>
+                <a:gridCol w="5625505">
+                  <a:extLst>
+                    <a:ext uri="{9D8B030D-6E8A-4147-A177-3AD203B41FA5}">
+                      <a16:colId xmlns:a16="http://schemas.microsoft.com/office/drawing/2014/main" val="281408404"/>
+                    </a:ext>
+                  </a:extLst>
+                </a:gridCol>
+              </a:tblGrid>
+              <a:tr h="343292">
+                <a:tc>
+                  <a:txBody>
+                    <a:bodyPr/>
+                    <a:lstStyle/>
+                    <a:p>
+                      <a:r>
+                        <a:rPr lang="en-US" dirty="0"/>
+                        <a:t>Name</a:t>
+                      </a:r>
+                      <a:endParaRPr lang="it-IT" dirty="0"/>
+                    </a:p>
+                  </a:txBody>
+                  <a:tcPr/>
+                </a:tc>
+                <a:tc>
+                  <a:txBody>
+                    <a:bodyPr/>
+                    <a:lstStyle/>
+                    <a:p>
+                      <a:r>
+                        <a:rPr lang="en-US" dirty="0"/>
+                        <a:t>Size</a:t>
+                      </a:r>
+                      <a:endParaRPr lang="it-IT" dirty="0"/>
+                    </a:p>
+                  </a:txBody>
+                  <a:tcPr/>
+                </a:tc>
+                <a:tc>
+                  <a:txBody>
+                    <a:bodyPr/>
+                    <a:lstStyle/>
+                    <a:p>
+                      <a:r>
+                        <a:rPr lang="en-US" dirty="0"/>
+                        <a:t>Direction</a:t>
+                      </a:r>
+                      <a:endParaRPr lang="it-IT" dirty="0"/>
+                    </a:p>
+                  </a:txBody>
+                  <a:tcPr/>
+                </a:tc>
+                <a:tc>
+                  <a:txBody>
+                    <a:bodyPr/>
+                    <a:lstStyle/>
+                    <a:p>
+                      <a:r>
+                        <a:rPr lang="en-US" dirty="0"/>
+                        <a:t>Comments</a:t>
+                      </a:r>
+                      <a:endParaRPr lang="it-IT" dirty="0"/>
+                    </a:p>
+                  </a:txBody>
+                  <a:tcPr/>
+                </a:tc>
+                <a:extLst>
+                  <a:ext uri="{0D108BD9-81ED-4DB2-BD59-A6C34878D82A}">
+                    <a16:rowId xmlns:a16="http://schemas.microsoft.com/office/drawing/2014/main" val="1379797294"/>
+                  </a:ext>
+                </a:extLst>
+              </a:tr>
+              <a:tr h="343292">
+                <a:tc>
+                  <a:txBody>
+                    <a:bodyPr/>
+                    <a:lstStyle/>
+                    <a:p>
+                      <a:r>
+                        <a:rPr lang="en-US" dirty="0"/>
+                        <a:t>Clock</a:t>
+                      </a:r>
+                      <a:endParaRPr lang="it-IT" dirty="0"/>
+                    </a:p>
+                  </a:txBody>
+                  <a:tcPr/>
+                </a:tc>
+                <a:tc>
+                  <a:txBody>
+                    <a:bodyPr/>
+                    <a:lstStyle/>
+                    <a:p>
+                      <a:r>
+                        <a:rPr lang="en-US" dirty="0"/>
+                        <a:t>1</a:t>
+                      </a:r>
+                      <a:endParaRPr lang="it-IT" dirty="0"/>
+                    </a:p>
+                  </a:txBody>
+                  <a:tcPr/>
+                </a:tc>
+                <a:tc>
+                  <a:txBody>
+                    <a:bodyPr/>
+                    <a:lstStyle/>
+                    <a:p>
+                      <a:r>
+                        <a:rPr lang="en-US" dirty="0"/>
+                        <a:t>input</a:t>
+                      </a:r>
+                      <a:endParaRPr lang="it-IT" dirty="0"/>
+                    </a:p>
+                  </a:txBody>
+                  <a:tcPr/>
+                </a:tc>
+                <a:tc>
+                  <a:txBody>
+                    <a:bodyPr/>
+                    <a:lstStyle/>
+                    <a:p>
+                      <a:r>
+                        <a:rPr lang="en-US" sz="1600" dirty="0"/>
+                        <a:t>Circuit clock</a:t>
+                      </a:r>
+                      <a:endParaRPr lang="it-IT" sz="1600" dirty="0"/>
+                    </a:p>
+                  </a:txBody>
+                  <a:tcPr/>
+                </a:tc>
+                <a:extLst>
+                  <a:ext uri="{0D108BD9-81ED-4DB2-BD59-A6C34878D82A}">
+                    <a16:rowId xmlns:a16="http://schemas.microsoft.com/office/drawing/2014/main" val="2751547487"/>
+                  </a:ext>
+                </a:extLst>
+              </a:tr>
+              <a:tr h="468299">
+                <a:tc>
+                  <a:txBody>
+                    <a:bodyPr/>
+                    <a:lstStyle/>
+                    <a:p>
+                      <a:r>
+                        <a:rPr lang="en-US" dirty="0"/>
+                        <a:t>RED</a:t>
+                      </a:r>
+                      <a:endParaRPr lang="it-IT" dirty="0"/>
+                    </a:p>
+                  </a:txBody>
+                  <a:tcPr/>
+                </a:tc>
+                <a:tc>
+                  <a:txBody>
+                    <a:bodyPr/>
+                    <a:lstStyle/>
+                    <a:p>
+                      <a:r>
+                        <a:rPr lang="en-US" dirty="0"/>
+                        <a:t>1</a:t>
+                      </a:r>
+                      <a:endParaRPr lang="it-IT" dirty="0"/>
+                    </a:p>
+                  </a:txBody>
+                  <a:tcPr/>
+                </a:tc>
+                <a:tc>
+                  <a:txBody>
+                    <a:bodyPr/>
+                    <a:lstStyle/>
+                    <a:p>
+                      <a:r>
+                        <a:rPr lang="en-US" dirty="0"/>
+                        <a:t>output</a:t>
+                      </a:r>
+                      <a:endParaRPr lang="it-IT" dirty="0"/>
+                    </a:p>
+                  </a:txBody>
+                  <a:tcPr/>
+                </a:tc>
+                <a:tc>
+                  <a:txBody>
+                    <a:bodyPr/>
+                    <a:lstStyle/>
+                    <a:p>
+                      <a:r>
+                        <a:rPr lang="en-US" sz="1600" dirty="0"/>
+                        <a:t>Red-light</a:t>
+                      </a:r>
+                      <a:endParaRPr lang="it-IT" sz="1600" dirty="0"/>
+                    </a:p>
+                  </a:txBody>
+                  <a:tcPr/>
+                </a:tc>
+                <a:extLst>
+                  <a:ext uri="{0D108BD9-81ED-4DB2-BD59-A6C34878D82A}">
+                    <a16:rowId xmlns:a16="http://schemas.microsoft.com/office/drawing/2014/main" val="1685108188"/>
+                  </a:ext>
+                </a:extLst>
+              </a:tr>
+              <a:tr h="468299">
+                <a:tc>
+                  <a:txBody>
+                    <a:bodyPr/>
+                    <a:lstStyle/>
+                    <a:p>
+                      <a:r>
+                        <a:rPr lang="en-US" dirty="0"/>
+                        <a:t>YELLOW</a:t>
+                      </a:r>
+                      <a:endParaRPr lang="it-IT" dirty="0"/>
+                    </a:p>
+                  </a:txBody>
+                  <a:tcPr/>
+                </a:tc>
+                <a:tc>
+                  <a:txBody>
+                    <a:bodyPr/>
+                    <a:lstStyle/>
+                    <a:p>
+                      <a:r>
+                        <a:rPr lang="en-US" dirty="0"/>
+                        <a:t>1</a:t>
+                      </a:r>
+                      <a:endParaRPr lang="it-IT" dirty="0"/>
+                    </a:p>
+                  </a:txBody>
+                  <a:tcPr/>
+                </a:tc>
+                <a:tc>
+                  <a:txBody>
+                    <a:bodyPr/>
+                    <a:lstStyle/>
+                    <a:p>
+                      <a:r>
+                        <a:rPr lang="en-US" dirty="0"/>
+                        <a:t>output</a:t>
+                      </a:r>
+                      <a:endParaRPr lang="it-IT" dirty="0"/>
+                    </a:p>
+                  </a:txBody>
+                  <a:tcPr/>
+                </a:tc>
+                <a:tc>
+                  <a:txBody>
+                    <a:bodyPr/>
+                    <a:lstStyle/>
+                    <a:p>
+                      <a:pPr marL="0" marR="0" lvl="0" indent="0" algn="l" defTabSz="457200" rtl="0" eaLnBrk="1" fontAlgn="auto" latinLnBrk="0" hangingPunct="1">
+                        <a:lnSpc>
+                          <a:spcPct val="100000"/>
+                        </a:lnSpc>
+                        <a:spcBef>
+                          <a:spcPts val="0"/>
+                        </a:spcBef>
+                        <a:spcAft>
+                          <a:spcPts val="0"/>
+                        </a:spcAft>
+                        <a:buClrTx/>
+                        <a:buSzTx/>
+                        <a:buFontTx/>
+                        <a:buNone/>
+                        <a:tabLst/>
+                        <a:defRPr/>
+                      </a:pPr>
+                      <a:r>
+                        <a:rPr lang="en-US" sz="1600" dirty="0"/>
+                        <a:t>Yellow-light</a:t>
+                      </a:r>
+                      <a:endParaRPr lang="it-IT" sz="1600" dirty="0"/>
+                    </a:p>
+                  </a:txBody>
+                  <a:tcPr/>
+                </a:tc>
+                <a:extLst>
+                  <a:ext uri="{0D108BD9-81ED-4DB2-BD59-A6C34878D82A}">
+                    <a16:rowId xmlns:a16="http://schemas.microsoft.com/office/drawing/2014/main" val="3146735526"/>
+                  </a:ext>
+                </a:extLst>
+              </a:tr>
+              <a:tr h="468299">
+                <a:tc>
+                  <a:txBody>
+                    <a:bodyPr/>
+                    <a:lstStyle/>
+                    <a:p>
+                      <a:r>
+                        <a:rPr lang="en-US" dirty="0"/>
+                        <a:t>GREEN</a:t>
+                      </a:r>
+                      <a:endParaRPr lang="it-IT" dirty="0"/>
+                    </a:p>
+                  </a:txBody>
+                  <a:tcPr/>
+                </a:tc>
+                <a:tc>
+                  <a:txBody>
+                    <a:bodyPr/>
+                    <a:lstStyle/>
+                    <a:p>
+                      <a:r>
+                        <a:rPr lang="en-US" dirty="0"/>
+                        <a:t>1</a:t>
+                      </a:r>
+                      <a:endParaRPr lang="it-IT" dirty="0"/>
+                    </a:p>
+                  </a:txBody>
+                  <a:tcPr/>
+                </a:tc>
+                <a:tc>
+                  <a:txBody>
+                    <a:bodyPr/>
+                    <a:lstStyle/>
+                    <a:p>
+                      <a:r>
+                        <a:rPr lang="en-US" dirty="0"/>
+                        <a:t>output</a:t>
+                      </a:r>
+                      <a:endParaRPr lang="it-IT" dirty="0"/>
+                    </a:p>
+                  </a:txBody>
+                  <a:tcPr/>
+                </a:tc>
+                <a:tc>
+                  <a:txBody>
+                    <a:bodyPr/>
+                    <a:lstStyle/>
+                    <a:p>
+                      <a:r>
+                        <a:rPr lang="en-US" sz="1600" dirty="0"/>
+                        <a:t>Green-light</a:t>
+                      </a:r>
+                      <a:endParaRPr lang="it-IT" sz="1600" dirty="0"/>
+                    </a:p>
+                  </a:txBody>
+                  <a:tcPr/>
+                </a:tc>
+                <a:extLst>
+                  <a:ext uri="{0D108BD9-81ED-4DB2-BD59-A6C34878D82A}">
+                    <a16:rowId xmlns:a16="http://schemas.microsoft.com/office/drawing/2014/main" val="1198931466"/>
+                  </a:ext>
+                </a:extLst>
+              </a:tr>
+            </a:tbl>
+          </a:graphicData>
+        </a:graphic>
+      </p:graphicFrame>
     </p:spTree>
     <p:extLst>
       <p:ext uri="{BB962C8B-B14F-4D97-AF65-F5344CB8AC3E}">
@@ -9678,40 +10772,107 @@
             <p:ph type="title"/>
           </p:nvPr>
         </p:nvSpPr>
-        <p:spPr/>
+        <p:spPr>
+          <a:xfrm>
+            <a:off x="1911285" y="241955"/>
+            <a:ext cx="10131425" cy="1456267"/>
+          </a:xfrm>
+        </p:spPr>
         <p:txBody>
           <a:bodyPr/>
           <a:lstStyle/>
           <a:p>
-            <a:endParaRPr lang="it-IT"/>
-          </a:p>
-        </p:txBody>
-      </p:sp>
-      <p:sp>
-        <p:nvSpPr>
-          <p:cNvPr id="3" name="Segnaposto contenuto 2">
+            <a:pPr algn="r"/>
+            <a:r>
+              <a:rPr lang="it-IT" b="1" dirty="0">
+                <a:solidFill>
+                  <a:schemeClr val="bg1"/>
+                </a:solidFill>
+              </a:rPr>
+              <a:t>Top-</a:t>
+            </a:r>
+            <a:r>
+              <a:rPr lang="it-IT" b="1" dirty="0" err="1">
+                <a:solidFill>
+                  <a:schemeClr val="bg1"/>
+                </a:solidFill>
+              </a:rPr>
+              <a:t>view</a:t>
+            </a:r>
+            <a:r>
+              <a:rPr lang="it-IT" b="1" dirty="0">
+                <a:solidFill>
+                  <a:schemeClr val="bg1"/>
+                </a:solidFill>
+              </a:rPr>
+              <a:t> </a:t>
+            </a:r>
+            <a:r>
+              <a:rPr lang="it-IT" b="1" dirty="0" err="1">
+                <a:solidFill>
+                  <a:schemeClr val="bg1"/>
+                </a:solidFill>
+              </a:rPr>
+              <a:t>block</a:t>
+            </a:r>
+            <a:r>
+              <a:rPr lang="it-IT" b="1" dirty="0">
+                <a:solidFill>
+                  <a:schemeClr val="bg1"/>
+                </a:solidFill>
+              </a:rPr>
+              <a:t> </a:t>
+            </a:r>
+            <a:r>
+              <a:rPr lang="it-IT" b="1" dirty="0" err="1">
+                <a:solidFill>
+                  <a:schemeClr val="bg1"/>
+                </a:solidFill>
+              </a:rPr>
+              <a:t>scheme</a:t>
+            </a:r>
+            <a:br>
+              <a:rPr lang="it-IT" b="1" dirty="0"/>
+            </a:br>
+            <a:endParaRPr lang="it-IT" dirty="0"/>
+          </a:p>
+        </p:txBody>
+      </p:sp>
+      <p:pic>
+        <p:nvPicPr>
+          <p:cNvPr id="12" name="Segnaposto contenuto 11">
             <a:extLst>
               <a:ext uri="{FF2B5EF4-FFF2-40B4-BE49-F238E27FC236}">
-                <a16:creationId xmlns:a16="http://schemas.microsoft.com/office/drawing/2014/main" id="{2418377B-3575-458C-91E5-10BF24B156EA}"/>
+                <a16:creationId xmlns:a16="http://schemas.microsoft.com/office/drawing/2014/main" id="{F8AB8984-6E99-486B-BB12-02934E65BF25}"/>
               </a:ext>
             </a:extLst>
           </p:cNvPr>
-          <p:cNvSpPr>
-            <a:spLocks noGrp="1"/>
-          </p:cNvSpPr>
+          <p:cNvPicPr>
+            <a:picLocks noGrp="1" noChangeAspect="1"/>
+          </p:cNvPicPr>
           <p:nvPr>
             <p:ph idx="1"/>
           </p:nvPr>
-        </p:nvSpPr>
-        <p:spPr/>
-        <p:txBody>
-          <a:bodyPr/>
-          <a:lstStyle/>
-          <a:p>
-            <a:endParaRPr lang="it-IT"/>
-          </a:p>
-        </p:txBody>
-      </p:sp>
+        </p:nvPicPr>
+        <p:blipFill>
+          <a:blip r:embed="rId2">
+            <a:extLst>
+              <a:ext uri="{28A0092B-C50C-407E-A947-70E740481C1C}">
+                <a14:useLocalDpi xmlns:a14="http://schemas.microsoft.com/office/drawing/2010/main" val="0"/>
+              </a:ext>
+            </a:extLst>
+          </a:blip>
+          <a:stretch>
+            <a:fillRect/>
+          </a:stretch>
+        </p:blipFill>
+        <p:spPr>
+          <a:xfrm>
+            <a:off x="311284" y="970088"/>
+            <a:ext cx="9180253" cy="5696638"/>
+          </a:xfrm>
+        </p:spPr>
+      </p:pic>
     </p:spTree>
     <p:extLst>
       <p:ext uri="{BB962C8B-B14F-4D97-AF65-F5344CB8AC3E}">
@@ -9763,35 +10924,1198 @@
           <a:bodyPr/>
           <a:lstStyle/>
           <a:p>
-            <a:endParaRPr lang="it-IT"/>
-          </a:p>
-        </p:txBody>
-      </p:sp>
-      <p:sp>
-        <p:nvSpPr>
-          <p:cNvPr id="3" name="Segnaposto contenuto 2">
+            <a:pPr algn="r"/>
+            <a:r>
+              <a:rPr lang="it-IT" dirty="0">
+                <a:solidFill>
+                  <a:schemeClr val="bg1"/>
+                </a:solidFill>
+              </a:rPr>
+              <a:t>INTERNAL SIGNALS TABLE</a:t>
+            </a:r>
+            <a:endParaRPr lang="it-IT" dirty="0"/>
+          </a:p>
+        </p:txBody>
+      </p:sp>
+      <p:graphicFrame>
+        <p:nvGraphicFramePr>
+          <p:cNvPr id="10" name="Tabella 10">
             <a:extLst>
               <a:ext uri="{FF2B5EF4-FFF2-40B4-BE49-F238E27FC236}">
-                <a16:creationId xmlns:a16="http://schemas.microsoft.com/office/drawing/2014/main" id="{3802B7D8-249E-4BE0-8FFB-EC847A44810A}"/>
+                <a16:creationId xmlns:a16="http://schemas.microsoft.com/office/drawing/2014/main" id="{DB882442-25BD-44A4-B799-DB98582F49ED}"/>
               </a:ext>
             </a:extLst>
           </p:cNvPr>
-          <p:cNvSpPr>
-            <a:spLocks noGrp="1"/>
-          </p:cNvSpPr>
+          <p:cNvGraphicFramePr>
+            <a:graphicFrameLocks noGrp="1"/>
+          </p:cNvGraphicFramePr>
           <p:nvPr>
             <p:ph idx="1"/>
-          </p:nvPr>
-        </p:nvSpPr>
-        <p:spPr/>
-        <p:txBody>
-          <a:bodyPr/>
-          <a:lstStyle/>
-          <a:p>
-            <a:endParaRPr lang="it-IT"/>
-          </a:p>
-        </p:txBody>
-      </p:sp>
+            <p:extLst>
+              <p:ext uri="{D42A27DB-BD31-4B8C-83A1-F6EECF244321}">
+                <p14:modId xmlns:p14="http://schemas.microsoft.com/office/powerpoint/2010/main" val="2087818187"/>
+              </p:ext>
+            </p:extLst>
+          </p:nvPr>
+        </p:nvGraphicFramePr>
+        <p:xfrm>
+          <a:off x="346435" y="1679624"/>
+          <a:ext cx="11408789" cy="4890855"/>
+        </p:xfrm>
+        <a:graphic>
+          <a:graphicData uri="http://schemas.openxmlformats.org/drawingml/2006/table">
+            <a:tbl>
+              <a:tblPr firstRow="1" bandRow="1">
+                <a:tableStyleId>{5C22544A-7EE6-4342-B048-85BDC9FD1C3A}</a:tableStyleId>
+              </a:tblPr>
+              <a:tblGrid>
+                <a:gridCol w="1287109">
+                  <a:extLst>
+                    <a:ext uri="{9D8B030D-6E8A-4147-A177-3AD203B41FA5}">
+                      <a16:colId xmlns:a16="http://schemas.microsoft.com/office/drawing/2014/main" val="631954872"/>
+                    </a:ext>
+                  </a:extLst>
+                </a:gridCol>
+                <a:gridCol w="1974452">
+                  <a:extLst>
+                    <a:ext uri="{9D8B030D-6E8A-4147-A177-3AD203B41FA5}">
+                      <a16:colId xmlns:a16="http://schemas.microsoft.com/office/drawing/2014/main" val="3287388054"/>
+                    </a:ext>
+                  </a:extLst>
+                </a:gridCol>
+                <a:gridCol w="870457">
+                  <a:extLst>
+                    <a:ext uri="{9D8B030D-6E8A-4147-A177-3AD203B41FA5}">
+                      <a16:colId xmlns:a16="http://schemas.microsoft.com/office/drawing/2014/main" val="4115300151"/>
+                    </a:ext>
+                  </a:extLst>
+                </a:gridCol>
+                <a:gridCol w="7276771">
+                  <a:extLst>
+                    <a:ext uri="{9D8B030D-6E8A-4147-A177-3AD203B41FA5}">
+                      <a16:colId xmlns:a16="http://schemas.microsoft.com/office/drawing/2014/main" val="333289943"/>
+                    </a:ext>
+                  </a:extLst>
+                </a:gridCol>
+              </a:tblGrid>
+              <a:tr h="384319">
+                <a:tc>
+                  <a:txBody>
+                    <a:bodyPr/>
+                    <a:lstStyle/>
+                    <a:p>
+                      <a:r>
+                        <a:rPr lang="it-IT" dirty="0"/>
+                        <a:t>Name</a:t>
+                      </a:r>
+                    </a:p>
+                  </a:txBody>
+                  <a:tcPr/>
+                </a:tc>
+                <a:tc>
+                  <a:txBody>
+                    <a:bodyPr/>
+                    <a:lstStyle/>
+                    <a:p>
+                      <a:r>
+                        <a:rPr lang="it-IT" dirty="0"/>
+                        <a:t>Components</a:t>
+                      </a:r>
+                    </a:p>
+                  </a:txBody>
+                  <a:tcPr/>
+                </a:tc>
+                <a:tc>
+                  <a:txBody>
+                    <a:bodyPr/>
+                    <a:lstStyle/>
+                    <a:p>
+                      <a:r>
+                        <a:rPr lang="it-IT" dirty="0"/>
+                        <a:t>Size</a:t>
+                      </a:r>
+                    </a:p>
+                  </a:txBody>
+                  <a:tcPr/>
+                </a:tc>
+                <a:tc>
+                  <a:txBody>
+                    <a:bodyPr/>
+                    <a:lstStyle/>
+                    <a:p>
+                      <a:r>
+                        <a:rPr lang="it-IT" dirty="0" err="1"/>
+                        <a:t>Comments</a:t>
+                      </a:r>
+                      <a:endParaRPr lang="it-IT" dirty="0"/>
+                    </a:p>
+                  </a:txBody>
+                  <a:tcPr/>
+                </a:tc>
+                <a:extLst>
+                  <a:ext uri="{0D108BD9-81ED-4DB2-BD59-A6C34878D82A}">
+                    <a16:rowId xmlns:a16="http://schemas.microsoft.com/office/drawing/2014/main" val="2832936533"/>
+                  </a:ext>
+                </a:extLst>
+              </a:tr>
+              <a:tr h="663346">
+                <a:tc>
+                  <a:txBody>
+                    <a:bodyPr/>
+                    <a:lstStyle/>
+                    <a:p>
+                      <a:r>
+                        <a:rPr lang="it-IT" dirty="0"/>
+                        <a:t>SR</a:t>
+                      </a:r>
+                      <a:r>
+                        <a:rPr lang="en-US" dirty="0"/>
+                        <a:t>-Input</a:t>
+                      </a:r>
+                      <a:endParaRPr lang="it-IT" dirty="0"/>
+                    </a:p>
+                  </a:txBody>
+                  <a:tcPr/>
+                </a:tc>
+                <a:tc>
+                  <a:txBody>
+                    <a:bodyPr/>
+                    <a:lstStyle/>
+                    <a:p>
+                      <a:r>
+                        <a:rPr lang="en-US" dirty="0"/>
+                        <a:t>Mod5-Counter</a:t>
+                      </a:r>
+                      <a:endParaRPr lang="it-IT" dirty="0"/>
+                    </a:p>
+                  </a:txBody>
+                  <a:tcPr/>
+                </a:tc>
+                <a:tc>
+                  <a:txBody>
+                    <a:bodyPr/>
+                    <a:lstStyle/>
+                    <a:p>
+                      <a:r>
+                        <a:rPr lang="en-US" dirty="0"/>
+                        <a:t>1</a:t>
+                      </a:r>
+                      <a:endParaRPr lang="it-IT" dirty="0"/>
+                    </a:p>
+                  </a:txBody>
+                  <a:tcPr/>
+                </a:tc>
+                <a:tc>
+                  <a:txBody>
+                    <a:bodyPr/>
+                    <a:lstStyle/>
+                    <a:p>
+                      <a:r>
+                        <a:rPr lang="en-US" dirty="0"/>
+                        <a:t>Signal counting half the interval of a blink of red-light during Maintenance mode.</a:t>
+                      </a:r>
+                      <a:endParaRPr lang="it-IT" dirty="0"/>
+                    </a:p>
+                  </a:txBody>
+                  <a:tcPr/>
+                </a:tc>
+                <a:extLst>
+                  <a:ext uri="{0D108BD9-81ED-4DB2-BD59-A6C34878D82A}">
+                    <a16:rowId xmlns:a16="http://schemas.microsoft.com/office/drawing/2014/main" val="4074613406"/>
+                  </a:ext>
+                </a:extLst>
+              </a:tr>
+              <a:tr h="384319">
+                <a:tc>
+                  <a:txBody>
+                    <a:bodyPr/>
+                    <a:lstStyle/>
+                    <a:p>
+                      <a:r>
+                        <a:rPr lang="en-US" dirty="0"/>
+                        <a:t>LR-MG</a:t>
+                      </a:r>
+                      <a:endParaRPr lang="it-IT" dirty="0"/>
+                    </a:p>
+                  </a:txBody>
+                  <a:tcPr/>
+                </a:tc>
+                <a:tc>
+                  <a:txBody>
+                    <a:bodyPr/>
+                    <a:lstStyle/>
+                    <a:p>
+                      <a:r>
+                        <a:rPr lang="en-US" dirty="0"/>
+                        <a:t>Mod5-Lights</a:t>
+                      </a:r>
+                      <a:endParaRPr lang="it-IT" dirty="0"/>
+                    </a:p>
+                  </a:txBody>
+                  <a:tcPr/>
+                </a:tc>
+                <a:tc>
+                  <a:txBody>
+                    <a:bodyPr/>
+                    <a:lstStyle/>
+                    <a:p>
+                      <a:r>
+                        <a:rPr lang="en-US" dirty="0"/>
+                        <a:t>1</a:t>
+                      </a:r>
+                      <a:endParaRPr lang="it-IT" dirty="0"/>
+                    </a:p>
+                  </a:txBody>
+                  <a:tcPr/>
+                </a:tc>
+                <a:tc>
+                  <a:txBody>
+                    <a:bodyPr/>
+                    <a:lstStyle/>
+                    <a:p>
+                      <a:r>
+                        <a:rPr lang="en-US" dirty="0"/>
+                        <a:t>Signal of green-light during maintenance mode</a:t>
+                      </a:r>
+                      <a:endParaRPr lang="it-IT" dirty="0"/>
+                    </a:p>
+                  </a:txBody>
+                  <a:tcPr/>
+                </a:tc>
+                <a:extLst>
+                  <a:ext uri="{0D108BD9-81ED-4DB2-BD59-A6C34878D82A}">
+                    <a16:rowId xmlns:a16="http://schemas.microsoft.com/office/drawing/2014/main" val="1109846787"/>
+                  </a:ext>
+                </a:extLst>
+              </a:tr>
+              <a:tr h="384319">
+                <a:tc>
+                  <a:txBody>
+                    <a:bodyPr/>
+                    <a:lstStyle/>
+                    <a:p>
+                      <a:r>
+                        <a:rPr lang="en-US" dirty="0"/>
+                        <a:t>LY-MY</a:t>
+                      </a:r>
+                      <a:endParaRPr lang="it-IT" dirty="0"/>
+                    </a:p>
+                  </a:txBody>
+                  <a:tcPr/>
+                </a:tc>
+                <a:tc>
+                  <a:txBody>
+                    <a:bodyPr/>
+                    <a:lstStyle/>
+                    <a:p>
+                      <a:r>
+                        <a:rPr lang="en-US" dirty="0"/>
+                        <a:t>Counter-Lights</a:t>
+                      </a:r>
+                      <a:endParaRPr lang="it-IT" dirty="0"/>
+                    </a:p>
+                  </a:txBody>
+                  <a:tcPr/>
+                </a:tc>
+                <a:tc>
+                  <a:txBody>
+                    <a:bodyPr/>
+                    <a:lstStyle/>
+                    <a:p>
+                      <a:r>
+                        <a:rPr lang="en-US" dirty="0"/>
+                        <a:t>1</a:t>
+                      </a:r>
+                      <a:endParaRPr lang="it-IT" dirty="0"/>
+                    </a:p>
+                  </a:txBody>
+                  <a:tcPr/>
+                </a:tc>
+                <a:tc>
+                  <a:txBody>
+                    <a:bodyPr/>
+                    <a:lstStyle/>
+                    <a:p>
+                      <a:pPr marL="0" marR="0" lvl="0" indent="0" algn="l" defTabSz="457200" rtl="0" eaLnBrk="1" fontAlgn="auto" latinLnBrk="0" hangingPunct="1">
+                        <a:lnSpc>
+                          <a:spcPct val="100000"/>
+                        </a:lnSpc>
+                        <a:spcBef>
+                          <a:spcPts val="0"/>
+                        </a:spcBef>
+                        <a:spcAft>
+                          <a:spcPts val="0"/>
+                        </a:spcAft>
+                        <a:buClrTx/>
+                        <a:buSzTx/>
+                        <a:buFontTx/>
+                        <a:buNone/>
+                        <a:tabLst/>
+                        <a:defRPr/>
+                      </a:pPr>
+                      <a:r>
+                        <a:rPr lang="en-US" dirty="0"/>
+                        <a:t>Signal of yellow-light during maintenance mode</a:t>
+                      </a:r>
+                      <a:endParaRPr lang="it-IT" dirty="0"/>
+                    </a:p>
+                  </a:txBody>
+                  <a:tcPr/>
+                </a:tc>
+                <a:extLst>
+                  <a:ext uri="{0D108BD9-81ED-4DB2-BD59-A6C34878D82A}">
+                    <a16:rowId xmlns:a16="http://schemas.microsoft.com/office/drawing/2014/main" val="2003980379"/>
+                  </a:ext>
+                </a:extLst>
+              </a:tr>
+              <a:tr h="384319">
+                <a:tc>
+                  <a:txBody>
+                    <a:bodyPr/>
+                    <a:lstStyle/>
+                    <a:p>
+                      <a:r>
+                        <a:rPr lang="en-US" dirty="0"/>
+                        <a:t>LR-MR</a:t>
+                      </a:r>
+                      <a:endParaRPr lang="it-IT" dirty="0"/>
+                    </a:p>
+                  </a:txBody>
+                  <a:tcPr/>
+                </a:tc>
+                <a:tc>
+                  <a:txBody>
+                    <a:bodyPr/>
+                    <a:lstStyle/>
+                    <a:p>
+                      <a:pPr marL="0" marR="0" lvl="0" indent="0" algn="l" defTabSz="457200" rtl="0" eaLnBrk="1" fontAlgn="auto" latinLnBrk="0" hangingPunct="1">
+                        <a:lnSpc>
+                          <a:spcPct val="100000"/>
+                        </a:lnSpc>
+                        <a:spcBef>
+                          <a:spcPts val="0"/>
+                        </a:spcBef>
+                        <a:spcAft>
+                          <a:spcPts val="0"/>
+                        </a:spcAft>
+                        <a:buClrTx/>
+                        <a:buSzTx/>
+                        <a:buFontTx/>
+                        <a:buNone/>
+                        <a:tabLst/>
+                        <a:defRPr/>
+                      </a:pPr>
+                      <a:r>
+                        <a:rPr lang="en-US" dirty="0"/>
+                        <a:t>Counter-Lights</a:t>
+                      </a:r>
+                      <a:endParaRPr lang="it-IT" dirty="0"/>
+                    </a:p>
+                  </a:txBody>
+                  <a:tcPr/>
+                </a:tc>
+                <a:tc>
+                  <a:txBody>
+                    <a:bodyPr/>
+                    <a:lstStyle/>
+                    <a:p>
+                      <a:r>
+                        <a:rPr lang="en-US" dirty="0"/>
+                        <a:t>1</a:t>
+                      </a:r>
+                      <a:endParaRPr lang="it-IT" dirty="0"/>
+                    </a:p>
+                  </a:txBody>
+                  <a:tcPr/>
+                </a:tc>
+                <a:tc>
+                  <a:txBody>
+                    <a:bodyPr/>
+                    <a:lstStyle/>
+                    <a:p>
+                      <a:pPr marL="0" marR="0" lvl="0" indent="0" algn="l" defTabSz="457200" rtl="0" eaLnBrk="1" fontAlgn="auto" latinLnBrk="0" hangingPunct="1">
+                        <a:lnSpc>
+                          <a:spcPct val="100000"/>
+                        </a:lnSpc>
+                        <a:spcBef>
+                          <a:spcPts val="0"/>
+                        </a:spcBef>
+                        <a:spcAft>
+                          <a:spcPts val="0"/>
+                        </a:spcAft>
+                        <a:buClrTx/>
+                        <a:buSzTx/>
+                        <a:buFontTx/>
+                        <a:buNone/>
+                        <a:tabLst/>
+                        <a:defRPr/>
+                      </a:pPr>
+                      <a:r>
+                        <a:rPr lang="en-US" dirty="0"/>
+                        <a:t>Signal of red-light during maintenance mode</a:t>
+                      </a:r>
+                      <a:endParaRPr lang="it-IT" dirty="0"/>
+                    </a:p>
+                  </a:txBody>
+                  <a:tcPr/>
+                </a:tc>
+                <a:extLst>
+                  <a:ext uri="{0D108BD9-81ED-4DB2-BD59-A6C34878D82A}">
+                    <a16:rowId xmlns:a16="http://schemas.microsoft.com/office/drawing/2014/main" val="1817659068"/>
+                  </a:ext>
+                </a:extLst>
+              </a:tr>
+              <a:tr h="384319">
+                <a:tc>
+                  <a:txBody>
+                    <a:bodyPr/>
+                    <a:lstStyle/>
+                    <a:p>
+                      <a:pPr marL="0" marR="0" lvl="0" indent="0" algn="l" defTabSz="457200" rtl="0" eaLnBrk="1" fontAlgn="auto" latinLnBrk="0" hangingPunct="1">
+                        <a:lnSpc>
+                          <a:spcPct val="100000"/>
+                        </a:lnSpc>
+                        <a:spcBef>
+                          <a:spcPts val="0"/>
+                        </a:spcBef>
+                        <a:spcAft>
+                          <a:spcPts val="0"/>
+                        </a:spcAft>
+                        <a:buClrTx/>
+                        <a:buSzTx/>
+                        <a:buFontTx/>
+                        <a:buNone/>
+                        <a:tabLst/>
+                        <a:defRPr/>
+                      </a:pPr>
+                      <a:r>
+                        <a:rPr lang="en-US" dirty="0"/>
+                        <a:t>LR-NR</a:t>
+                      </a:r>
+                      <a:endParaRPr lang="it-IT" dirty="0"/>
+                    </a:p>
+                  </a:txBody>
+                  <a:tcPr/>
+                </a:tc>
+                <a:tc>
+                  <a:txBody>
+                    <a:bodyPr/>
+                    <a:lstStyle/>
+                    <a:p>
+                      <a:r>
+                        <a:rPr lang="en-US" dirty="0"/>
+                        <a:t>Nominal-Lights</a:t>
+                      </a:r>
+                      <a:endParaRPr lang="it-IT" dirty="0"/>
+                    </a:p>
+                  </a:txBody>
+                  <a:tcPr/>
+                </a:tc>
+                <a:tc>
+                  <a:txBody>
+                    <a:bodyPr/>
+                    <a:lstStyle/>
+                    <a:p>
+                      <a:r>
+                        <a:rPr lang="en-US" dirty="0"/>
+                        <a:t>1</a:t>
+                      </a:r>
+                      <a:endParaRPr lang="it-IT" dirty="0"/>
+                    </a:p>
+                  </a:txBody>
+                  <a:tcPr/>
+                </a:tc>
+                <a:tc>
+                  <a:txBody>
+                    <a:bodyPr/>
+                    <a:lstStyle/>
+                    <a:p>
+                      <a:pPr marL="0" marR="0" lvl="0" indent="0" algn="l" defTabSz="457200" rtl="0" eaLnBrk="1" fontAlgn="auto" latinLnBrk="0" hangingPunct="1">
+                        <a:lnSpc>
+                          <a:spcPct val="100000"/>
+                        </a:lnSpc>
+                        <a:spcBef>
+                          <a:spcPts val="0"/>
+                        </a:spcBef>
+                        <a:spcAft>
+                          <a:spcPts val="0"/>
+                        </a:spcAft>
+                        <a:buClrTx/>
+                        <a:buSzTx/>
+                        <a:buFontTx/>
+                        <a:buNone/>
+                        <a:tabLst/>
+                        <a:defRPr/>
+                      </a:pPr>
+                      <a:r>
+                        <a:rPr lang="en-US" dirty="0"/>
+                        <a:t>Signal of red-light during nominal mode</a:t>
+                      </a:r>
+                      <a:endParaRPr lang="it-IT" dirty="0"/>
+                    </a:p>
+                  </a:txBody>
+                  <a:tcPr/>
+                </a:tc>
+                <a:extLst>
+                  <a:ext uri="{0D108BD9-81ED-4DB2-BD59-A6C34878D82A}">
+                    <a16:rowId xmlns:a16="http://schemas.microsoft.com/office/drawing/2014/main" val="1759938491"/>
+                  </a:ext>
+                </a:extLst>
+              </a:tr>
+              <a:tr h="384319">
+                <a:tc>
+                  <a:txBody>
+                    <a:bodyPr/>
+                    <a:lstStyle/>
+                    <a:p>
+                      <a:pPr marL="0" marR="0" lvl="0" indent="0" algn="l" defTabSz="457200" rtl="0" eaLnBrk="1" fontAlgn="auto" latinLnBrk="0" hangingPunct="1">
+                        <a:lnSpc>
+                          <a:spcPct val="100000"/>
+                        </a:lnSpc>
+                        <a:spcBef>
+                          <a:spcPts val="0"/>
+                        </a:spcBef>
+                        <a:spcAft>
+                          <a:spcPts val="0"/>
+                        </a:spcAft>
+                        <a:buClrTx/>
+                        <a:buSzTx/>
+                        <a:buFontTx/>
+                        <a:buNone/>
+                        <a:tabLst/>
+                        <a:defRPr/>
+                      </a:pPr>
+                      <a:r>
+                        <a:rPr lang="en-US" dirty="0"/>
+                        <a:t>LY-NY</a:t>
+                      </a:r>
+                      <a:endParaRPr lang="it-IT" dirty="0"/>
+                    </a:p>
+                  </a:txBody>
+                  <a:tcPr/>
+                </a:tc>
+                <a:tc>
+                  <a:txBody>
+                    <a:bodyPr/>
+                    <a:lstStyle/>
+                    <a:p>
+                      <a:pPr marL="0" marR="0" lvl="0" indent="0" algn="l" defTabSz="457200" rtl="0" eaLnBrk="1" fontAlgn="auto" latinLnBrk="0" hangingPunct="1">
+                        <a:lnSpc>
+                          <a:spcPct val="100000"/>
+                        </a:lnSpc>
+                        <a:spcBef>
+                          <a:spcPts val="0"/>
+                        </a:spcBef>
+                        <a:spcAft>
+                          <a:spcPts val="0"/>
+                        </a:spcAft>
+                        <a:buClrTx/>
+                        <a:buSzTx/>
+                        <a:buFontTx/>
+                        <a:buNone/>
+                        <a:tabLst/>
+                        <a:defRPr/>
+                      </a:pPr>
+                      <a:r>
+                        <a:rPr lang="en-US" dirty="0"/>
+                        <a:t>Nominal-Lights</a:t>
+                      </a:r>
+                      <a:endParaRPr lang="it-IT" dirty="0"/>
+                    </a:p>
+                  </a:txBody>
+                  <a:tcPr/>
+                </a:tc>
+                <a:tc>
+                  <a:txBody>
+                    <a:bodyPr/>
+                    <a:lstStyle/>
+                    <a:p>
+                      <a:r>
+                        <a:rPr lang="en-US" dirty="0"/>
+                        <a:t>1</a:t>
+                      </a:r>
+                      <a:endParaRPr lang="it-IT" dirty="0"/>
+                    </a:p>
+                  </a:txBody>
+                  <a:tcPr/>
+                </a:tc>
+                <a:tc>
+                  <a:txBody>
+                    <a:bodyPr/>
+                    <a:lstStyle/>
+                    <a:p>
+                      <a:pPr marL="0" marR="0" lvl="0" indent="0" algn="l" defTabSz="457200" rtl="0" eaLnBrk="1" fontAlgn="auto" latinLnBrk="0" hangingPunct="1">
+                        <a:lnSpc>
+                          <a:spcPct val="100000"/>
+                        </a:lnSpc>
+                        <a:spcBef>
+                          <a:spcPts val="0"/>
+                        </a:spcBef>
+                        <a:spcAft>
+                          <a:spcPts val="0"/>
+                        </a:spcAft>
+                        <a:buClrTx/>
+                        <a:buSzTx/>
+                        <a:buFontTx/>
+                        <a:buNone/>
+                        <a:tabLst/>
+                        <a:defRPr/>
+                      </a:pPr>
+                      <a:r>
+                        <a:rPr lang="en-US" dirty="0"/>
+                        <a:t>Signal of yellow-light during nominal mode</a:t>
+                      </a:r>
+                      <a:endParaRPr lang="it-IT" dirty="0"/>
+                    </a:p>
+                  </a:txBody>
+                  <a:tcPr/>
+                </a:tc>
+                <a:extLst>
+                  <a:ext uri="{0D108BD9-81ED-4DB2-BD59-A6C34878D82A}">
+                    <a16:rowId xmlns:a16="http://schemas.microsoft.com/office/drawing/2014/main" val="1522238258"/>
+                  </a:ext>
+                </a:extLst>
+              </a:tr>
+              <a:tr h="384319">
+                <a:tc>
+                  <a:txBody>
+                    <a:bodyPr/>
+                    <a:lstStyle/>
+                    <a:p>
+                      <a:pPr marL="0" marR="0" lvl="0" indent="0" algn="l" defTabSz="457200" rtl="0" eaLnBrk="1" fontAlgn="auto" latinLnBrk="0" hangingPunct="1">
+                        <a:lnSpc>
+                          <a:spcPct val="100000"/>
+                        </a:lnSpc>
+                        <a:spcBef>
+                          <a:spcPts val="0"/>
+                        </a:spcBef>
+                        <a:spcAft>
+                          <a:spcPts val="0"/>
+                        </a:spcAft>
+                        <a:buClrTx/>
+                        <a:buSzTx/>
+                        <a:buFontTx/>
+                        <a:buNone/>
+                        <a:tabLst/>
+                        <a:defRPr/>
+                      </a:pPr>
+                      <a:r>
+                        <a:rPr lang="en-US" dirty="0"/>
+                        <a:t>LG-NG</a:t>
+                      </a:r>
+                      <a:endParaRPr lang="it-IT" dirty="0"/>
+                    </a:p>
+                  </a:txBody>
+                  <a:tcPr/>
+                </a:tc>
+                <a:tc>
+                  <a:txBody>
+                    <a:bodyPr/>
+                    <a:lstStyle/>
+                    <a:p>
+                      <a:pPr marL="0" marR="0" lvl="0" indent="0" algn="l" defTabSz="457200" rtl="0" eaLnBrk="1" fontAlgn="auto" latinLnBrk="0" hangingPunct="1">
+                        <a:lnSpc>
+                          <a:spcPct val="100000"/>
+                        </a:lnSpc>
+                        <a:spcBef>
+                          <a:spcPts val="0"/>
+                        </a:spcBef>
+                        <a:spcAft>
+                          <a:spcPts val="0"/>
+                        </a:spcAft>
+                        <a:buClrTx/>
+                        <a:buSzTx/>
+                        <a:buFontTx/>
+                        <a:buNone/>
+                        <a:tabLst/>
+                        <a:defRPr/>
+                      </a:pPr>
+                      <a:r>
+                        <a:rPr lang="en-US" dirty="0"/>
+                        <a:t>Nominal-Lights</a:t>
+                      </a:r>
+                      <a:endParaRPr lang="it-IT" dirty="0"/>
+                    </a:p>
+                  </a:txBody>
+                  <a:tcPr/>
+                </a:tc>
+                <a:tc>
+                  <a:txBody>
+                    <a:bodyPr/>
+                    <a:lstStyle/>
+                    <a:p>
+                      <a:r>
+                        <a:rPr lang="en-US" dirty="0"/>
+                        <a:t>1</a:t>
+                      </a:r>
+                      <a:endParaRPr lang="it-IT" dirty="0"/>
+                    </a:p>
+                  </a:txBody>
+                  <a:tcPr/>
+                </a:tc>
+                <a:tc>
+                  <a:txBody>
+                    <a:bodyPr/>
+                    <a:lstStyle/>
+                    <a:p>
+                      <a:pPr marL="0" marR="0" lvl="0" indent="0" algn="l" defTabSz="457200" rtl="0" eaLnBrk="1" fontAlgn="auto" latinLnBrk="0" hangingPunct="1">
+                        <a:lnSpc>
+                          <a:spcPct val="100000"/>
+                        </a:lnSpc>
+                        <a:spcBef>
+                          <a:spcPts val="0"/>
+                        </a:spcBef>
+                        <a:spcAft>
+                          <a:spcPts val="0"/>
+                        </a:spcAft>
+                        <a:buClrTx/>
+                        <a:buSzTx/>
+                        <a:buFontTx/>
+                        <a:buNone/>
+                        <a:tabLst/>
+                        <a:defRPr/>
+                      </a:pPr>
+                      <a:r>
+                        <a:rPr lang="en-US" dirty="0"/>
+                        <a:t>Signal of green-light during nominal mode</a:t>
+                      </a:r>
+                      <a:endParaRPr lang="it-IT" dirty="0"/>
+                    </a:p>
+                  </a:txBody>
+                  <a:tcPr/>
+                </a:tc>
+                <a:extLst>
+                  <a:ext uri="{0D108BD9-81ED-4DB2-BD59-A6C34878D82A}">
+                    <a16:rowId xmlns:a16="http://schemas.microsoft.com/office/drawing/2014/main" val="1898902748"/>
+                  </a:ext>
+                </a:extLst>
+              </a:tr>
+              <a:tr h="384319">
+                <a:tc>
+                  <a:txBody>
+                    <a:bodyPr/>
+                    <a:lstStyle/>
+                    <a:p>
+                      <a:pPr marL="0" marR="0" lvl="0" indent="0" algn="l" defTabSz="457200" rtl="0" eaLnBrk="1" fontAlgn="auto" latinLnBrk="0" hangingPunct="1">
+                        <a:lnSpc>
+                          <a:spcPct val="100000"/>
+                        </a:lnSpc>
+                        <a:spcBef>
+                          <a:spcPts val="0"/>
+                        </a:spcBef>
+                        <a:spcAft>
+                          <a:spcPts val="0"/>
+                        </a:spcAft>
+                        <a:buClrTx/>
+                        <a:buSzTx/>
+                        <a:buFontTx/>
+                        <a:buNone/>
+                        <a:tabLst/>
+                        <a:defRPr/>
+                      </a:pPr>
+                      <a:r>
+                        <a:rPr lang="en-US" dirty="0"/>
+                        <a:t>LR-SR</a:t>
+                      </a:r>
+                      <a:endParaRPr lang="it-IT" dirty="0"/>
+                    </a:p>
+                  </a:txBody>
+                  <a:tcPr/>
+                </a:tc>
+                <a:tc>
+                  <a:txBody>
+                    <a:bodyPr/>
+                    <a:lstStyle/>
+                    <a:p>
+                      <a:r>
+                        <a:rPr lang="en-US" dirty="0"/>
+                        <a:t>Standby-Lights</a:t>
+                      </a:r>
+                      <a:endParaRPr lang="it-IT" dirty="0"/>
+                    </a:p>
+                  </a:txBody>
+                  <a:tcPr/>
+                </a:tc>
+                <a:tc>
+                  <a:txBody>
+                    <a:bodyPr/>
+                    <a:lstStyle/>
+                    <a:p>
+                      <a:r>
+                        <a:rPr lang="en-US" dirty="0"/>
+                        <a:t>1</a:t>
+                      </a:r>
+                      <a:endParaRPr lang="it-IT" dirty="0"/>
+                    </a:p>
+                  </a:txBody>
+                  <a:tcPr/>
+                </a:tc>
+                <a:tc>
+                  <a:txBody>
+                    <a:bodyPr/>
+                    <a:lstStyle/>
+                    <a:p>
+                      <a:pPr marL="0" marR="0" lvl="0" indent="0" algn="l" defTabSz="457200" rtl="0" eaLnBrk="1" fontAlgn="auto" latinLnBrk="0" hangingPunct="1">
+                        <a:lnSpc>
+                          <a:spcPct val="100000"/>
+                        </a:lnSpc>
+                        <a:spcBef>
+                          <a:spcPts val="0"/>
+                        </a:spcBef>
+                        <a:spcAft>
+                          <a:spcPts val="0"/>
+                        </a:spcAft>
+                        <a:buClrTx/>
+                        <a:buSzTx/>
+                        <a:buFontTx/>
+                        <a:buNone/>
+                        <a:tabLst/>
+                        <a:defRPr/>
+                      </a:pPr>
+                      <a:r>
+                        <a:rPr lang="en-US" dirty="0"/>
+                        <a:t>Signal of red-light during Standby mode</a:t>
+                      </a:r>
+                      <a:endParaRPr lang="it-IT" dirty="0"/>
+                    </a:p>
+                  </a:txBody>
+                  <a:tcPr/>
+                </a:tc>
+                <a:extLst>
+                  <a:ext uri="{0D108BD9-81ED-4DB2-BD59-A6C34878D82A}">
+                    <a16:rowId xmlns:a16="http://schemas.microsoft.com/office/drawing/2014/main" val="1962954452"/>
+                  </a:ext>
+                </a:extLst>
+              </a:tr>
+              <a:tr h="384319">
+                <a:tc>
+                  <a:txBody>
+                    <a:bodyPr/>
+                    <a:lstStyle/>
+                    <a:p>
+                      <a:pPr marL="0" marR="0" lvl="0" indent="0" algn="l" defTabSz="457200" rtl="0" eaLnBrk="1" fontAlgn="auto" latinLnBrk="0" hangingPunct="1">
+                        <a:lnSpc>
+                          <a:spcPct val="100000"/>
+                        </a:lnSpc>
+                        <a:spcBef>
+                          <a:spcPts val="0"/>
+                        </a:spcBef>
+                        <a:spcAft>
+                          <a:spcPts val="0"/>
+                        </a:spcAft>
+                        <a:buClrTx/>
+                        <a:buSzTx/>
+                        <a:buFontTx/>
+                        <a:buNone/>
+                        <a:tabLst/>
+                        <a:defRPr/>
+                      </a:pPr>
+                      <a:r>
+                        <a:rPr lang="en-US" dirty="0"/>
+                        <a:t>LY-SY</a:t>
+                      </a:r>
+                      <a:endParaRPr lang="it-IT" dirty="0"/>
+                    </a:p>
+                  </a:txBody>
+                  <a:tcPr/>
+                </a:tc>
+                <a:tc>
+                  <a:txBody>
+                    <a:bodyPr/>
+                    <a:lstStyle/>
+                    <a:p>
+                      <a:pPr marL="0" marR="0" lvl="0" indent="0" algn="l" defTabSz="457200" rtl="0" eaLnBrk="1" fontAlgn="auto" latinLnBrk="0" hangingPunct="1">
+                        <a:lnSpc>
+                          <a:spcPct val="100000"/>
+                        </a:lnSpc>
+                        <a:spcBef>
+                          <a:spcPts val="0"/>
+                        </a:spcBef>
+                        <a:spcAft>
+                          <a:spcPts val="0"/>
+                        </a:spcAft>
+                        <a:buClrTx/>
+                        <a:buSzTx/>
+                        <a:buFontTx/>
+                        <a:buNone/>
+                        <a:tabLst/>
+                        <a:defRPr/>
+                      </a:pPr>
+                      <a:r>
+                        <a:rPr lang="en-US" dirty="0"/>
+                        <a:t>Standby-Lights</a:t>
+                      </a:r>
+                      <a:endParaRPr lang="it-IT" dirty="0"/>
+                    </a:p>
+                  </a:txBody>
+                  <a:tcPr/>
+                </a:tc>
+                <a:tc>
+                  <a:txBody>
+                    <a:bodyPr/>
+                    <a:lstStyle/>
+                    <a:p>
+                      <a:r>
+                        <a:rPr lang="en-US" dirty="0"/>
+                        <a:t>1</a:t>
+                      </a:r>
+                      <a:endParaRPr lang="it-IT" dirty="0"/>
+                    </a:p>
+                  </a:txBody>
+                  <a:tcPr/>
+                </a:tc>
+                <a:tc>
+                  <a:txBody>
+                    <a:bodyPr/>
+                    <a:lstStyle/>
+                    <a:p>
+                      <a:pPr marL="0" marR="0" lvl="0" indent="0" algn="l" defTabSz="457200" rtl="0" eaLnBrk="1" fontAlgn="auto" latinLnBrk="0" hangingPunct="1">
+                        <a:lnSpc>
+                          <a:spcPct val="100000"/>
+                        </a:lnSpc>
+                        <a:spcBef>
+                          <a:spcPts val="0"/>
+                        </a:spcBef>
+                        <a:spcAft>
+                          <a:spcPts val="0"/>
+                        </a:spcAft>
+                        <a:buClrTx/>
+                        <a:buSzTx/>
+                        <a:buFontTx/>
+                        <a:buNone/>
+                        <a:tabLst/>
+                        <a:defRPr/>
+                      </a:pPr>
+                      <a:r>
+                        <a:rPr lang="en-US" dirty="0"/>
+                        <a:t>Signal of yellow-light during Standby mode</a:t>
+                      </a:r>
+                      <a:endParaRPr lang="it-IT" dirty="0"/>
+                    </a:p>
+                  </a:txBody>
+                  <a:tcPr/>
+                </a:tc>
+                <a:extLst>
+                  <a:ext uri="{0D108BD9-81ED-4DB2-BD59-A6C34878D82A}">
+                    <a16:rowId xmlns:a16="http://schemas.microsoft.com/office/drawing/2014/main" val="2366886395"/>
+                  </a:ext>
+                </a:extLst>
+              </a:tr>
+              <a:tr h="384319">
+                <a:tc>
+                  <a:txBody>
+                    <a:bodyPr/>
+                    <a:lstStyle/>
+                    <a:p>
+                      <a:pPr marL="0" marR="0" lvl="0" indent="0" algn="l" defTabSz="457200" rtl="0" eaLnBrk="1" fontAlgn="auto" latinLnBrk="0" hangingPunct="1">
+                        <a:lnSpc>
+                          <a:spcPct val="100000"/>
+                        </a:lnSpc>
+                        <a:spcBef>
+                          <a:spcPts val="0"/>
+                        </a:spcBef>
+                        <a:spcAft>
+                          <a:spcPts val="0"/>
+                        </a:spcAft>
+                        <a:buClrTx/>
+                        <a:buSzTx/>
+                        <a:buFontTx/>
+                        <a:buNone/>
+                        <a:tabLst/>
+                        <a:defRPr/>
+                      </a:pPr>
+                      <a:r>
+                        <a:rPr lang="en-US" dirty="0"/>
+                        <a:t>LG-SG</a:t>
+                      </a:r>
+                      <a:endParaRPr lang="it-IT" dirty="0"/>
+                    </a:p>
+                  </a:txBody>
+                  <a:tcPr/>
+                </a:tc>
+                <a:tc>
+                  <a:txBody>
+                    <a:bodyPr/>
+                    <a:lstStyle/>
+                    <a:p>
+                      <a:pPr marL="0" marR="0" lvl="0" indent="0" algn="l" defTabSz="457200" rtl="0" eaLnBrk="1" fontAlgn="auto" latinLnBrk="0" hangingPunct="1">
+                        <a:lnSpc>
+                          <a:spcPct val="100000"/>
+                        </a:lnSpc>
+                        <a:spcBef>
+                          <a:spcPts val="0"/>
+                        </a:spcBef>
+                        <a:spcAft>
+                          <a:spcPts val="0"/>
+                        </a:spcAft>
+                        <a:buClrTx/>
+                        <a:buSzTx/>
+                        <a:buFontTx/>
+                        <a:buNone/>
+                        <a:tabLst/>
+                        <a:defRPr/>
+                      </a:pPr>
+                      <a:r>
+                        <a:rPr lang="en-US" dirty="0"/>
+                        <a:t>Standby-Lights</a:t>
+                      </a:r>
+                      <a:endParaRPr lang="it-IT" dirty="0"/>
+                    </a:p>
+                  </a:txBody>
+                  <a:tcPr/>
+                </a:tc>
+                <a:tc>
+                  <a:txBody>
+                    <a:bodyPr/>
+                    <a:lstStyle/>
+                    <a:p>
+                      <a:r>
+                        <a:rPr lang="en-US" dirty="0"/>
+                        <a:t>1</a:t>
+                      </a:r>
+                      <a:endParaRPr lang="it-IT" dirty="0"/>
+                    </a:p>
+                  </a:txBody>
+                  <a:tcPr/>
+                </a:tc>
+                <a:tc>
+                  <a:txBody>
+                    <a:bodyPr/>
+                    <a:lstStyle/>
+                    <a:p>
+                      <a:pPr marL="0" marR="0" lvl="0" indent="0" algn="l" defTabSz="457200" rtl="0" eaLnBrk="1" fontAlgn="auto" latinLnBrk="0" hangingPunct="1">
+                        <a:lnSpc>
+                          <a:spcPct val="100000"/>
+                        </a:lnSpc>
+                        <a:spcBef>
+                          <a:spcPts val="0"/>
+                        </a:spcBef>
+                        <a:spcAft>
+                          <a:spcPts val="0"/>
+                        </a:spcAft>
+                        <a:buClrTx/>
+                        <a:buSzTx/>
+                        <a:buFontTx/>
+                        <a:buNone/>
+                        <a:tabLst/>
+                        <a:defRPr/>
+                      </a:pPr>
+                      <a:r>
+                        <a:rPr lang="en-US" dirty="0"/>
+                        <a:t>Signal of green-light during Standby mode</a:t>
+                      </a:r>
+                      <a:endParaRPr lang="it-IT" dirty="0"/>
+                    </a:p>
+                  </a:txBody>
+                  <a:tcPr/>
+                </a:tc>
+                <a:extLst>
+                  <a:ext uri="{0D108BD9-81ED-4DB2-BD59-A6C34878D82A}">
+                    <a16:rowId xmlns:a16="http://schemas.microsoft.com/office/drawing/2014/main" val="2611183026"/>
+                  </a:ext>
+                </a:extLst>
+              </a:tr>
+              <a:tr h="384319">
+                <a:tc>
+                  <a:txBody>
+                    <a:bodyPr/>
+                    <a:lstStyle/>
+                    <a:p>
+                      <a:pPr marL="0" marR="0" lvl="0" indent="0" algn="l" defTabSz="457200" rtl="0" eaLnBrk="1" fontAlgn="auto" latinLnBrk="0" hangingPunct="1">
+                        <a:lnSpc>
+                          <a:spcPct val="100000"/>
+                        </a:lnSpc>
+                        <a:spcBef>
+                          <a:spcPts val="0"/>
+                        </a:spcBef>
+                        <a:spcAft>
+                          <a:spcPts val="0"/>
+                        </a:spcAft>
+                        <a:buClrTx/>
+                        <a:buSzTx/>
+                        <a:buFontTx/>
+                        <a:buNone/>
+                        <a:tabLst/>
+                        <a:defRPr/>
+                      </a:pPr>
+                      <a:r>
+                        <a:rPr lang="en-US" dirty="0"/>
+                        <a:t>Comp</a:t>
+                      </a:r>
+                      <a:endParaRPr lang="it-IT" dirty="0"/>
+                    </a:p>
+                  </a:txBody>
+                  <a:tcPr/>
+                </a:tc>
+                <a:tc>
+                  <a:txBody>
+                    <a:bodyPr/>
+                    <a:lstStyle/>
+                    <a:p>
+                      <a:pPr marL="0" marR="0" lvl="0" indent="0" algn="l" defTabSz="457200" rtl="0" eaLnBrk="1" fontAlgn="auto" latinLnBrk="0" hangingPunct="1">
+                        <a:lnSpc>
+                          <a:spcPct val="100000"/>
+                        </a:lnSpc>
+                        <a:spcBef>
+                          <a:spcPts val="0"/>
+                        </a:spcBef>
+                        <a:spcAft>
+                          <a:spcPts val="0"/>
+                        </a:spcAft>
+                        <a:buClrTx/>
+                        <a:buSzTx/>
+                        <a:buFontTx/>
+                        <a:buNone/>
+                        <a:tabLst/>
+                        <a:defRPr/>
+                      </a:pPr>
+                      <a:r>
+                        <a:rPr lang="en-US" dirty="0"/>
+                        <a:t>Manager-Lights</a:t>
+                      </a:r>
+                      <a:endParaRPr lang="it-IT" dirty="0"/>
+                    </a:p>
+                  </a:txBody>
+                  <a:tcPr/>
+                </a:tc>
+                <a:tc>
+                  <a:txBody>
+                    <a:bodyPr/>
+                    <a:lstStyle/>
+                    <a:p>
+                      <a:r>
+                        <a:rPr lang="en-US" dirty="0"/>
+                        <a:t>2</a:t>
+                      </a:r>
+                      <a:endParaRPr lang="it-IT" dirty="0"/>
+                    </a:p>
+                  </a:txBody>
+                  <a:tcPr/>
+                </a:tc>
+                <a:tc>
+                  <a:txBody>
+                    <a:bodyPr/>
+                    <a:lstStyle/>
+                    <a:p>
+                      <a:r>
+                        <a:rPr lang="en-US" dirty="0"/>
+                        <a:t>A signal that indicate the possible modality in which to operate</a:t>
+                      </a:r>
+                      <a:endParaRPr lang="it-IT" dirty="0"/>
+                    </a:p>
+                  </a:txBody>
+                  <a:tcPr/>
+                </a:tc>
+                <a:extLst>
+                  <a:ext uri="{0D108BD9-81ED-4DB2-BD59-A6C34878D82A}">
+                    <a16:rowId xmlns:a16="http://schemas.microsoft.com/office/drawing/2014/main" val="1714044486"/>
+                  </a:ext>
+                </a:extLst>
+              </a:tr>
+            </a:tbl>
+          </a:graphicData>
+        </a:graphic>
+      </p:graphicFrame>
     </p:spTree>
     <p:extLst>
       <p:ext uri="{BB962C8B-B14F-4D97-AF65-F5344CB8AC3E}">
@@ -9843,7 +12167,20 @@
           <a:bodyPr/>
           <a:lstStyle/>
           <a:p>
-            <a:endParaRPr lang="it-IT"/>
+            <a:pPr algn="r"/>
+            <a:r>
+              <a:rPr lang="en-US" dirty="0">
+                <a:solidFill>
+                  <a:schemeClr val="bg1"/>
+                </a:solidFill>
+              </a:rPr>
+              <a:t>Schema of all Stages</a:t>
+            </a:r>
+            <a:endParaRPr lang="it-IT" dirty="0">
+              <a:solidFill>
+                <a:schemeClr val="bg1"/>
+              </a:solidFill>
+            </a:endParaRPr>
           </a:p>
         </p:txBody>
       </p:sp>
@@ -9868,7 +12205,7 @@
           <a:bodyPr/>
           <a:lstStyle/>
           <a:p>
-            <a:endParaRPr lang="it-IT"/>
+            <a:endParaRPr lang="it-IT" dirty="0"/>
           </a:p>
         </p:txBody>
       </p:sp>

--- a/Gruppo10_Silva.pptx
+++ b/Gruppo10_Silva.pptx
@@ -16,14 +16,14 @@
     <p:sldId id="264" r:id="rId10"/>
     <p:sldId id="265" r:id="rId11"/>
     <p:sldId id="266" r:id="rId12"/>
-    <p:sldId id="267" r:id="rId13"/>
-    <p:sldId id="268" r:id="rId14"/>
+    <p:sldId id="277" r:id="rId13"/>
+    <p:sldId id="267" r:id="rId14"/>
     <p:sldId id="269" r:id="rId15"/>
-    <p:sldId id="270" r:id="rId16"/>
-    <p:sldId id="271" r:id="rId17"/>
-    <p:sldId id="272" r:id="rId18"/>
-    <p:sldId id="273" r:id="rId19"/>
-    <p:sldId id="274" r:id="rId20"/>
+    <p:sldId id="276" r:id="rId16"/>
+    <p:sldId id="270" r:id="rId17"/>
+    <p:sldId id="271" r:id="rId18"/>
+    <p:sldId id="272" r:id="rId19"/>
+    <p:sldId id="273" r:id="rId20"/>
     <p:sldId id="275" r:id="rId21"/>
   </p:sldIdLst>
   <p:sldSz cx="12192000" cy="6858000"/>
@@ -7907,7 +7907,7 @@
           <a:lstStyle/>
           <a:p>
             <a:r>
-              <a:rPr lang="it-IT" sz="2000" dirty="0">
+              <a:rPr lang="it-IT" sz="2400" dirty="0">
                 <a:solidFill>
                   <a:schemeClr val="accent2"/>
                 </a:solidFill>
@@ -7917,7 +7917,7 @@
           </a:p>
           <a:p>
             <a:r>
-              <a:rPr lang="it-IT" sz="2000" dirty="0">
+              <a:rPr lang="it-IT" sz="2400" dirty="0">
                 <a:solidFill>
                   <a:schemeClr val="accent2"/>
                 </a:solidFill>
@@ -8088,7 +8088,16 @@
           <a:bodyPr/>
           <a:lstStyle/>
           <a:p>
-            <a:endParaRPr lang="it-IT"/>
+            <a:pPr algn="r"/>
+            <a:r>
+              <a:rPr lang="en-US" dirty="0">
+                <a:solidFill>
+                  <a:schemeClr val="bg1"/>
+                </a:solidFill>
+              </a:rPr>
+              <a:t>Schema of all Modes</a:t>
+            </a:r>
+            <a:endParaRPr lang="it-IT" dirty="0"/>
           </a:p>
         </p:txBody>
       </p:sp>
@@ -8108,15 +8117,473 @@
             <p:ph idx="1"/>
           </p:nvPr>
         </p:nvSpPr>
-        <p:spPr/>
+        <p:spPr>
+          <a:xfrm>
+            <a:off x="148473" y="241300"/>
+            <a:ext cx="5410199" cy="5933257"/>
+          </a:xfrm>
+        </p:spPr>
         <p:txBody>
-          <a:bodyPr/>
+          <a:bodyPr>
+            <a:normAutofit/>
+          </a:bodyPr>
           <a:lstStyle/>
           <a:p>
-            <a:endParaRPr lang="it-IT"/>
+            <a:r>
+              <a:rPr lang="en-US" dirty="0"/>
+              <a:t>Nominal(MOD3): red is on for 3 second and off for 5, green turn on when the red id off and vice-versa, yellow is on the last 2 second of green-light.</a:t>
+            </a:r>
+          </a:p>
+          <a:p>
+            <a:r>
+              <a:rPr lang="en-US" dirty="0"/>
+              <a:t>Standby(MOD4): red and green are off, yellow is on 1 second and then off for 2.</a:t>
+            </a:r>
+          </a:p>
+          <a:p>
+            <a:r>
+              <a:rPr lang="en-US" dirty="0"/>
+              <a:t>Maintenance(MOD5): green is turned on and off every half second, the others based on the value of their modulator signal.</a:t>
+            </a:r>
+          </a:p>
+          <a:p>
+            <a:pPr lvl="1"/>
+            <a:r>
+              <a:rPr lang="en-US" dirty="0" err="1"/>
+              <a:t>Yellow_modulator</a:t>
+            </a:r>
+            <a:r>
+              <a:rPr lang="en-US" dirty="0"/>
+              <a:t> = ‘00’: half as red.</a:t>
+            </a:r>
+          </a:p>
+          <a:p>
+            <a:pPr lvl="1"/>
+            <a:r>
+              <a:rPr lang="en-US" dirty="0" err="1"/>
+              <a:t>Yellow_modulator</a:t>
+            </a:r>
+            <a:r>
+              <a:rPr lang="en-US" dirty="0"/>
+              <a:t> = ‘01’: same as red.</a:t>
+            </a:r>
+            <a:endParaRPr lang="it-IT" dirty="0"/>
+          </a:p>
+          <a:p>
+            <a:pPr lvl="1"/>
+            <a:r>
+              <a:rPr lang="en-US" dirty="0" err="1"/>
+              <a:t>Yellow_modulator</a:t>
+            </a:r>
+            <a:r>
+              <a:rPr lang="en-US" dirty="0"/>
+              <a:t> = ‘10’ or ‘11’: twice as red.</a:t>
+            </a:r>
+            <a:endParaRPr lang="it-IT" dirty="0"/>
+          </a:p>
+          <a:p>
+            <a:pPr lvl="1"/>
+            <a:r>
+              <a:rPr lang="en-US" dirty="0" err="1"/>
+              <a:t>red_modulator</a:t>
+            </a:r>
+            <a:r>
+              <a:rPr lang="en-US" dirty="0"/>
+              <a:t> = ‘0’: ½ second.</a:t>
+            </a:r>
+            <a:endParaRPr lang="it-IT" dirty="0"/>
+          </a:p>
+          <a:p>
+            <a:pPr lvl="1"/>
+            <a:r>
+              <a:rPr lang="en-US" dirty="0" err="1"/>
+              <a:t>red_modulator</a:t>
+            </a:r>
+            <a:r>
+              <a:rPr lang="en-US" dirty="0"/>
+              <a:t> = ‘1’: 6 seconds.</a:t>
+            </a:r>
+            <a:endParaRPr lang="it-IT" dirty="0"/>
           </a:p>
         </p:txBody>
       </p:sp>
+      <p:graphicFrame>
+        <p:nvGraphicFramePr>
+          <p:cNvPr id="4" name="Tabella 4">
+            <a:extLst>
+              <a:ext uri="{FF2B5EF4-FFF2-40B4-BE49-F238E27FC236}">
+                <a16:creationId xmlns:a16="http://schemas.microsoft.com/office/drawing/2014/main" id="{B0E0E320-3B22-49D3-9C9A-8805188D7AF3}"/>
+              </a:ext>
+            </a:extLst>
+          </p:cNvPr>
+          <p:cNvGraphicFramePr>
+            <a:graphicFrameLocks noGrp="1"/>
+          </p:cNvGraphicFramePr>
+          <p:nvPr>
+            <p:extLst>
+              <p:ext uri="{D42A27DB-BD31-4B8C-83A1-F6EECF244321}">
+                <p14:modId xmlns:p14="http://schemas.microsoft.com/office/powerpoint/2010/main" val="3001820213"/>
+              </p:ext>
+            </p:extLst>
+          </p:nvPr>
+        </p:nvGraphicFramePr>
+        <p:xfrm>
+          <a:off x="6096000" y="2065867"/>
+          <a:ext cx="6096000" cy="4680820"/>
+        </p:xfrm>
+        <a:graphic>
+          <a:graphicData uri="http://schemas.openxmlformats.org/drawingml/2006/table">
+            <a:tbl>
+              <a:tblPr firstRow="1" bandRow="1">
+                <a:tableStyleId>{5C22544A-7EE6-4342-B048-85BDC9FD1C3A}</a:tableStyleId>
+              </a:tblPr>
+              <a:tblGrid>
+                <a:gridCol w="1577419">
+                  <a:extLst>
+                    <a:ext uri="{9D8B030D-6E8A-4147-A177-3AD203B41FA5}">
+                      <a16:colId xmlns:a16="http://schemas.microsoft.com/office/drawing/2014/main" val="1215356185"/>
+                    </a:ext>
+                  </a:extLst>
+                </a:gridCol>
+                <a:gridCol w="2092750">
+                  <a:extLst>
+                    <a:ext uri="{9D8B030D-6E8A-4147-A177-3AD203B41FA5}">
+                      <a16:colId xmlns:a16="http://schemas.microsoft.com/office/drawing/2014/main" val="3810893644"/>
+                    </a:ext>
+                  </a:extLst>
+                </a:gridCol>
+                <a:gridCol w="2425831">
+                  <a:extLst>
+                    <a:ext uri="{9D8B030D-6E8A-4147-A177-3AD203B41FA5}">
+                      <a16:colId xmlns:a16="http://schemas.microsoft.com/office/drawing/2014/main" val="2432485319"/>
+                    </a:ext>
+                  </a:extLst>
+                </a:gridCol>
+              </a:tblGrid>
+              <a:tr h="686760">
+                <a:tc>
+                  <a:txBody>
+                    <a:bodyPr/>
+                    <a:lstStyle/>
+                    <a:p>
+                      <a:r>
+                        <a:rPr lang="en-US" dirty="0"/>
+                        <a:t>modulator/red</a:t>
+                      </a:r>
+                    </a:p>
+                    <a:p>
+                      <a:r>
+                        <a:rPr lang="en-US" dirty="0"/>
+                        <a:t>yellow</a:t>
+                      </a:r>
+                      <a:endParaRPr lang="it-IT" dirty="0"/>
+                    </a:p>
+                  </a:txBody>
+                  <a:tcPr/>
+                </a:tc>
+                <a:tc>
+                  <a:txBody>
+                    <a:bodyPr/>
+                    <a:lstStyle/>
+                    <a:p>
+                      <a:r>
+                        <a:rPr lang="en-US" dirty="0"/>
+                        <a:t>0</a:t>
+                      </a:r>
+                      <a:endParaRPr lang="it-IT" dirty="0"/>
+                    </a:p>
+                  </a:txBody>
+                  <a:tcPr/>
+                </a:tc>
+                <a:tc>
+                  <a:txBody>
+                    <a:bodyPr/>
+                    <a:lstStyle/>
+                    <a:p>
+                      <a:r>
+                        <a:rPr lang="en-US" dirty="0"/>
+                        <a:t>1</a:t>
+                      </a:r>
+                      <a:endParaRPr lang="it-IT" dirty="0"/>
+                    </a:p>
+                  </a:txBody>
+                  <a:tcPr/>
+                </a:tc>
+                <a:extLst>
+                  <a:ext uri="{0D108BD9-81ED-4DB2-BD59-A6C34878D82A}">
+                    <a16:rowId xmlns:a16="http://schemas.microsoft.com/office/drawing/2014/main" val="3810524406"/>
+                  </a:ext>
+                </a:extLst>
+              </a:tr>
+              <a:tr h="941605">
+                <a:tc>
+                  <a:txBody>
+                    <a:bodyPr/>
+                    <a:lstStyle/>
+                    <a:p>
+                      <a:r>
+                        <a:rPr lang="en-US" dirty="0"/>
+                        <a:t>00</a:t>
+                      </a:r>
+                      <a:endParaRPr lang="it-IT" dirty="0"/>
+                    </a:p>
+                  </a:txBody>
+                  <a:tcPr/>
+                </a:tc>
+                <a:tc>
+                  <a:txBody>
+                    <a:bodyPr/>
+                    <a:lstStyle/>
+                    <a:p>
+                      <a:r>
+                        <a:rPr lang="en-US" dirty="0"/>
+                        <a:t>Red: 0.5s</a:t>
+                      </a:r>
+                    </a:p>
+                    <a:p>
+                      <a:r>
+                        <a:rPr lang="en-US" dirty="0"/>
+                        <a:t>Yellow: 0.25s</a:t>
+                      </a:r>
+                      <a:endParaRPr lang="it-IT" dirty="0"/>
+                    </a:p>
+                  </a:txBody>
+                  <a:tcPr/>
+                </a:tc>
+                <a:tc>
+                  <a:txBody>
+                    <a:bodyPr/>
+                    <a:lstStyle/>
+                    <a:p>
+                      <a:r>
+                        <a:rPr lang="en-US" dirty="0"/>
+                        <a:t>Red: 6s</a:t>
+                      </a:r>
+                    </a:p>
+                    <a:p>
+                      <a:r>
+                        <a:rPr lang="en-US" dirty="0"/>
+                        <a:t>Yellow: 3s</a:t>
+                      </a:r>
+                      <a:endParaRPr lang="it-IT" dirty="0"/>
+                    </a:p>
+                    <a:p>
+                      <a:endParaRPr lang="it-IT" dirty="0"/>
+                    </a:p>
+                  </a:txBody>
+                  <a:tcPr/>
+                </a:tc>
+                <a:extLst>
+                  <a:ext uri="{0D108BD9-81ED-4DB2-BD59-A6C34878D82A}">
+                    <a16:rowId xmlns:a16="http://schemas.microsoft.com/office/drawing/2014/main" val="2867658117"/>
+                  </a:ext>
+                </a:extLst>
+              </a:tr>
+              <a:tr h="941605">
+                <a:tc>
+                  <a:txBody>
+                    <a:bodyPr/>
+                    <a:lstStyle/>
+                    <a:p>
+                      <a:r>
+                        <a:rPr lang="en-US" dirty="0"/>
+                        <a:t>01</a:t>
+                      </a:r>
+                      <a:endParaRPr lang="it-IT" dirty="0"/>
+                    </a:p>
+                  </a:txBody>
+                  <a:tcPr/>
+                </a:tc>
+                <a:tc>
+                  <a:txBody>
+                    <a:bodyPr/>
+                    <a:lstStyle/>
+                    <a:p>
+                      <a:r>
+                        <a:rPr lang="en-US" dirty="0"/>
+                        <a:t>Red: 0.5s</a:t>
+                      </a:r>
+                    </a:p>
+                    <a:p>
+                      <a:r>
+                        <a:rPr lang="en-US" dirty="0"/>
+                        <a:t>Yellow: 0. 5s</a:t>
+                      </a:r>
+                      <a:endParaRPr lang="it-IT" dirty="0"/>
+                    </a:p>
+                    <a:p>
+                      <a:endParaRPr lang="it-IT" dirty="0"/>
+                    </a:p>
+                  </a:txBody>
+                  <a:tcPr/>
+                </a:tc>
+                <a:tc>
+                  <a:txBody>
+                    <a:bodyPr/>
+                    <a:lstStyle/>
+                    <a:p>
+                      <a:r>
+                        <a:rPr lang="en-US" dirty="0"/>
+                        <a:t>Red: 6s</a:t>
+                      </a:r>
+                    </a:p>
+                    <a:p>
+                      <a:r>
+                        <a:rPr lang="en-US" dirty="0"/>
+                        <a:t>Yellow: 6s</a:t>
+                      </a:r>
+                      <a:endParaRPr lang="it-IT" dirty="0"/>
+                    </a:p>
+                    <a:p>
+                      <a:endParaRPr lang="it-IT" dirty="0"/>
+                    </a:p>
+                  </a:txBody>
+                  <a:tcPr/>
+                </a:tc>
+                <a:extLst>
+                  <a:ext uri="{0D108BD9-81ED-4DB2-BD59-A6C34878D82A}">
+                    <a16:rowId xmlns:a16="http://schemas.microsoft.com/office/drawing/2014/main" val="4120265887"/>
+                  </a:ext>
+                </a:extLst>
+              </a:tr>
+              <a:tr h="941605">
+                <a:tc>
+                  <a:txBody>
+                    <a:bodyPr/>
+                    <a:lstStyle/>
+                    <a:p>
+                      <a:r>
+                        <a:rPr lang="en-US" dirty="0"/>
+                        <a:t>10</a:t>
+                      </a:r>
+                      <a:endParaRPr lang="it-IT" dirty="0"/>
+                    </a:p>
+                  </a:txBody>
+                  <a:tcPr/>
+                </a:tc>
+                <a:tc>
+                  <a:txBody>
+                    <a:bodyPr/>
+                    <a:lstStyle/>
+                    <a:p>
+                      <a:r>
+                        <a:rPr lang="en-US" dirty="0"/>
+                        <a:t>Red: 0.5s</a:t>
+                      </a:r>
+                    </a:p>
+                    <a:p>
+                      <a:r>
+                        <a:rPr lang="en-US" dirty="0"/>
+                        <a:t>Yellow: 1s</a:t>
+                      </a:r>
+                      <a:endParaRPr lang="it-IT" dirty="0"/>
+                    </a:p>
+                    <a:p>
+                      <a:endParaRPr lang="it-IT" dirty="0"/>
+                    </a:p>
+                  </a:txBody>
+                  <a:tcPr/>
+                </a:tc>
+                <a:tc>
+                  <a:txBody>
+                    <a:bodyPr/>
+                    <a:lstStyle/>
+                    <a:p>
+                      <a:r>
+                        <a:rPr lang="en-US" dirty="0"/>
+                        <a:t>Red: 6s</a:t>
+                      </a:r>
+                    </a:p>
+                    <a:p>
+                      <a:r>
+                        <a:rPr lang="en-US" dirty="0"/>
+                        <a:t>Yellow: 12s</a:t>
+                      </a:r>
+                      <a:endParaRPr lang="it-IT" dirty="0"/>
+                    </a:p>
+                    <a:p>
+                      <a:endParaRPr lang="it-IT" dirty="0"/>
+                    </a:p>
+                  </a:txBody>
+                  <a:tcPr/>
+                </a:tc>
+                <a:extLst>
+                  <a:ext uri="{0D108BD9-81ED-4DB2-BD59-A6C34878D82A}">
+                    <a16:rowId xmlns:a16="http://schemas.microsoft.com/office/drawing/2014/main" val="582353711"/>
+                  </a:ext>
+                </a:extLst>
+              </a:tr>
+              <a:tr h="941605">
+                <a:tc>
+                  <a:txBody>
+                    <a:bodyPr/>
+                    <a:lstStyle/>
+                    <a:p>
+                      <a:r>
+                        <a:rPr lang="en-US" dirty="0"/>
+                        <a:t>11</a:t>
+                      </a:r>
+                      <a:endParaRPr lang="it-IT" dirty="0"/>
+                    </a:p>
+                  </a:txBody>
+                  <a:tcPr/>
+                </a:tc>
+                <a:tc>
+                  <a:txBody>
+                    <a:bodyPr/>
+                    <a:lstStyle/>
+                    <a:p>
+                      <a:r>
+                        <a:rPr lang="en-US" dirty="0"/>
+                        <a:t>Red: 0.5s</a:t>
+                      </a:r>
+                    </a:p>
+                    <a:p>
+                      <a:r>
+                        <a:rPr lang="en-US" dirty="0"/>
+                        <a:t>Yellow: 1s</a:t>
+                      </a:r>
+                      <a:endParaRPr lang="it-IT" dirty="0"/>
+                    </a:p>
+                    <a:p>
+                      <a:endParaRPr lang="it-IT" dirty="0"/>
+                    </a:p>
+                  </a:txBody>
+                  <a:tcPr/>
+                </a:tc>
+                <a:tc>
+                  <a:txBody>
+                    <a:bodyPr/>
+                    <a:lstStyle/>
+                    <a:p>
+                      <a:r>
+                        <a:rPr lang="en-US" dirty="0"/>
+                        <a:t>Red: 6s</a:t>
+                      </a:r>
+                    </a:p>
+                    <a:p>
+                      <a:r>
+                        <a:rPr lang="en-US" dirty="0"/>
+                        <a:t>Yellow: 12s</a:t>
+                      </a:r>
+                      <a:endParaRPr lang="it-IT" dirty="0"/>
+                    </a:p>
+                    <a:p>
+                      <a:endParaRPr lang="it-IT" dirty="0"/>
+                    </a:p>
+                  </a:txBody>
+                  <a:tcPr/>
+                </a:tc>
+                <a:extLst>
+                  <a:ext uri="{0D108BD9-81ED-4DB2-BD59-A6C34878D82A}">
+                    <a16:rowId xmlns:a16="http://schemas.microsoft.com/office/drawing/2014/main" val="3594380427"/>
+                  </a:ext>
+                </a:extLst>
+              </a:tr>
+            </a:tbl>
+          </a:graphicData>
+        </a:graphic>
+      </p:graphicFrame>
     </p:spTree>
     <p:extLst>
       <p:ext uri="{BB962C8B-B14F-4D97-AF65-F5344CB8AC3E}">
@@ -8163,37 +8630,227 @@
             <p:ph type="title"/>
           </p:nvPr>
         </p:nvSpPr>
-        <p:spPr/>
+        <p:spPr>
+          <a:xfrm>
+            <a:off x="1832037" y="241955"/>
+            <a:ext cx="10131425" cy="1456267"/>
+          </a:xfrm>
+        </p:spPr>
         <p:txBody>
-          <a:bodyPr/>
+          <a:bodyPr>
+            <a:normAutofit/>
+          </a:bodyPr>
           <a:lstStyle/>
           <a:p>
-            <a:endParaRPr lang="it-IT"/>
+            <a:pPr algn="r"/>
+            <a:r>
+              <a:rPr lang="en-US" dirty="0">
+                <a:solidFill>
+                  <a:schemeClr val="bg1"/>
+                </a:solidFill>
+              </a:rPr>
+              <a:t>VHDL Design of all stages </a:t>
+            </a:r>
+            <a:br>
+              <a:rPr lang="it-IT" dirty="0">
+                <a:solidFill>
+                  <a:schemeClr val="bg1"/>
+                </a:solidFill>
+              </a:rPr>
+            </a:br>
+            <a:r>
+              <a:rPr lang="it-IT" dirty="0">
+                <a:solidFill>
+                  <a:schemeClr val="bg1"/>
+                </a:solidFill>
+              </a:rPr>
+              <a:t> counter</a:t>
+            </a:r>
           </a:p>
         </p:txBody>
       </p:sp>
-      <p:sp>
-        <p:nvSpPr>
-          <p:cNvPr id="3" name="Segnaposto contenuto 2">
+      <p:pic>
+        <p:nvPicPr>
+          <p:cNvPr id="5" name="Segnaposto contenuto 4">
             <a:extLst>
               <a:ext uri="{FF2B5EF4-FFF2-40B4-BE49-F238E27FC236}">
-                <a16:creationId xmlns:a16="http://schemas.microsoft.com/office/drawing/2014/main" id="{B0EC919E-7FB3-4FA2-BAA1-5AEFCF1FCB60}"/>
+                <a16:creationId xmlns:a16="http://schemas.microsoft.com/office/drawing/2014/main" id="{25FC69DB-987F-403C-B6ED-0F1EBF12D615}"/>
               </a:ext>
             </a:extLst>
           </p:cNvPr>
-          <p:cNvSpPr>
-            <a:spLocks noGrp="1"/>
-          </p:cNvSpPr>
+          <p:cNvPicPr>
+            <a:picLocks noGrp="1" noChangeAspect="1"/>
+          </p:cNvPicPr>
           <p:nvPr>
             <p:ph idx="1"/>
           </p:nvPr>
+        </p:nvPicPr>
+        <p:blipFill>
+          <a:blip r:embed="rId2">
+            <a:extLst>
+              <a:ext uri="{28A0092B-C50C-407E-A947-70E740481C1C}">
+                <a14:useLocalDpi xmlns:a14="http://schemas.microsoft.com/office/drawing/2010/main" val="0"/>
+              </a:ext>
+            </a:extLst>
+          </a:blip>
+          <a:stretch>
+            <a:fillRect/>
+          </a:stretch>
+        </p:blipFill>
+        <p:spPr>
+          <a:xfrm>
+            <a:off x="430199" y="1337733"/>
+            <a:ext cx="6011188" cy="4816086"/>
+          </a:xfrm>
+        </p:spPr>
+      </p:pic>
+      <p:sp>
+        <p:nvSpPr>
+          <p:cNvPr id="6" name="CasellaDiTesto 5">
+            <a:extLst>
+              <a:ext uri="{FF2B5EF4-FFF2-40B4-BE49-F238E27FC236}">
+                <a16:creationId xmlns:a16="http://schemas.microsoft.com/office/drawing/2014/main" id="{D5E12C6F-D788-4279-9A32-BA846A7A61C7}"/>
+              </a:ext>
+            </a:extLst>
+          </p:cNvPr>
+          <p:cNvSpPr txBox="1"/>
+          <p:nvPr/>
         </p:nvSpPr>
-        <p:spPr/>
+        <p:spPr>
+          <a:xfrm>
+            <a:off x="7354111" y="2065867"/>
+            <a:ext cx="4046706" cy="2308324"/>
+          </a:xfrm>
+          <a:prstGeom prst="rect">
+            <a:avLst/>
+          </a:prstGeom>
+          <a:noFill/>
+        </p:spPr>
         <p:txBody>
-          <a:bodyPr/>
+          <a:bodyPr wrap="square" rtlCol="0">
+            <a:spAutoFit/>
+          </a:bodyPr>
           <a:lstStyle/>
           <a:p>
-            <a:endParaRPr lang="it-IT"/>
+            <a:pPr marL="285750" indent="-285750">
+              <a:buFont typeface="Arial" panose="020B0604020202020204" pitchFamily="34" charset="0"/>
+              <a:buChar char="•"/>
+            </a:pPr>
+            <a:r>
+              <a:rPr lang="en-US" dirty="0"/>
+              <a:t>Input = half red signal interval</a:t>
+            </a:r>
+          </a:p>
+          <a:p>
+            <a:pPr marL="285750" indent="-285750">
+              <a:buFont typeface="Arial" panose="020B0604020202020204" pitchFamily="34" charset="0"/>
+              <a:buChar char="•"/>
+            </a:pPr>
+            <a:r>
+              <a:rPr lang="en-US" dirty="0"/>
+              <a:t>Process contains 2 counters:</a:t>
+            </a:r>
+          </a:p>
+          <a:p>
+            <a:pPr marL="742950" lvl="1" indent="-285750">
+              <a:buFont typeface="Arial" panose="020B0604020202020204" pitchFamily="34" charset="0"/>
+              <a:buChar char="•"/>
+            </a:pPr>
+            <a:r>
+              <a:rPr lang="en-US" dirty="0"/>
+              <a:t>for the red output signal (out every 2 rising edges of input)</a:t>
+            </a:r>
+          </a:p>
+          <a:p>
+            <a:pPr marL="742950" lvl="1" indent="-285750">
+              <a:buFont typeface="Arial" panose="020B0604020202020204" pitchFamily="34" charset="0"/>
+              <a:buChar char="•"/>
+            </a:pPr>
+            <a:r>
+              <a:rPr lang="it-IT" dirty="0" err="1"/>
+              <a:t>Modulable</a:t>
+            </a:r>
+            <a:r>
+              <a:rPr lang="it-IT" dirty="0"/>
+              <a:t> for </a:t>
+            </a:r>
+            <a:r>
+              <a:rPr lang="it-IT" dirty="0" err="1"/>
+              <a:t>yellow</a:t>
+            </a:r>
+            <a:r>
+              <a:rPr lang="it-IT" dirty="0"/>
+              <a:t> </a:t>
+            </a:r>
+            <a:r>
+              <a:rPr lang="en-US" dirty="0"/>
+              <a:t>output</a:t>
+            </a:r>
+            <a:r>
+              <a:rPr lang="it-IT" dirty="0"/>
+              <a:t> </a:t>
+            </a:r>
+            <a:r>
+              <a:rPr lang="it-IT" dirty="0" err="1"/>
+              <a:t>signal</a:t>
+            </a:r>
+            <a:r>
+              <a:rPr lang="it-IT" dirty="0"/>
+              <a:t>, </a:t>
+            </a:r>
+            <a:r>
+              <a:rPr lang="it-IT" dirty="0" err="1"/>
+              <a:t>that</a:t>
+            </a:r>
+            <a:r>
+              <a:rPr lang="it-IT" dirty="0"/>
+              <a:t> </a:t>
+            </a:r>
+            <a:r>
+              <a:rPr lang="it-IT" dirty="0" err="1"/>
+              <a:t>count</a:t>
+            </a:r>
+            <a:r>
+              <a:rPr lang="it-IT" dirty="0"/>
+              <a:t> 1,2 or 4 </a:t>
+            </a:r>
+            <a:r>
+              <a:rPr lang="it-IT" dirty="0" err="1"/>
+              <a:t>rising</a:t>
+            </a:r>
+            <a:r>
+              <a:rPr lang="it-IT" dirty="0"/>
+              <a:t> </a:t>
+            </a:r>
+            <a:r>
+              <a:rPr lang="it-IT" dirty="0" err="1"/>
+              <a:t>edges</a:t>
+            </a:r>
+            <a:r>
+              <a:rPr lang="it-IT" dirty="0"/>
+              <a:t> </a:t>
+            </a:r>
+            <a:r>
+              <a:rPr lang="it-IT" dirty="0" err="1"/>
+              <a:t>depending</a:t>
+            </a:r>
+            <a:r>
+              <a:rPr lang="it-IT" dirty="0"/>
+              <a:t> on the </a:t>
+            </a:r>
+            <a:r>
+              <a:rPr lang="it-IT" dirty="0" err="1"/>
+              <a:t>yellow_modulator</a:t>
+            </a:r>
+            <a:r>
+              <a:rPr lang="it-IT" dirty="0"/>
+              <a:t> input </a:t>
+            </a:r>
+            <a:r>
+              <a:rPr lang="it-IT" dirty="0" err="1"/>
+              <a:t>value</a:t>
+            </a:r>
+            <a:endParaRPr lang="it-IT" dirty="0"/>
           </a:p>
         </p:txBody>
       </p:sp>
@@ -8211,6 +8868,264 @@
 </file>
 
 <file path=ppt/slides/slide12.xml><?xml version="1.0" encoding="utf-8"?>
+<p:sld xmlns:a="http://schemas.openxmlformats.org/drawingml/2006/main" xmlns:r="http://schemas.openxmlformats.org/officeDocument/2006/relationships" xmlns:p="http://schemas.openxmlformats.org/presentationml/2006/main">
+  <p:cSld>
+    <p:spTree>
+      <p:nvGrpSpPr>
+        <p:cNvPr id="1" name=""/>
+        <p:cNvGrpSpPr/>
+        <p:nvPr/>
+      </p:nvGrpSpPr>
+      <p:grpSpPr>
+        <a:xfrm>
+          <a:off x="0" y="0"/>
+          <a:ext cx="0" cy="0"/>
+          <a:chOff x="0" y="0"/>
+          <a:chExt cx="0" cy="0"/>
+        </a:xfrm>
+      </p:grpSpPr>
+      <p:pic>
+        <p:nvPicPr>
+          <p:cNvPr id="8" name="Segnaposto contenuto 7" descr="Immagine che contiene screenshot&#10;&#10;Descrizione generata automaticamente">
+            <a:extLst>
+              <a:ext uri="{FF2B5EF4-FFF2-40B4-BE49-F238E27FC236}">
+                <a16:creationId xmlns:a16="http://schemas.microsoft.com/office/drawing/2014/main" id="{DA5B4FF0-432F-43D0-8858-48113AEF23CD}"/>
+              </a:ext>
+            </a:extLst>
+          </p:cNvPr>
+          <p:cNvPicPr>
+            <a:picLocks noGrp="1" noChangeAspect="1"/>
+          </p:cNvPicPr>
+          <p:nvPr>
+            <p:ph idx="1"/>
+          </p:nvPr>
+        </p:nvPicPr>
+        <p:blipFill>
+          <a:blip r:embed="rId2">
+            <a:extLst>
+              <a:ext uri="{28A0092B-C50C-407E-A947-70E740481C1C}">
+                <a14:useLocalDpi xmlns:a14="http://schemas.microsoft.com/office/drawing/2010/main" val="0"/>
+              </a:ext>
+            </a:extLst>
+          </a:blip>
+          <a:stretch>
+            <a:fillRect/>
+          </a:stretch>
+        </p:blipFill>
+        <p:spPr>
+          <a:xfrm>
+            <a:off x="228538" y="1698222"/>
+            <a:ext cx="7028101" cy="3609857"/>
+          </a:xfrm>
+        </p:spPr>
+      </p:pic>
+      <p:sp>
+        <p:nvSpPr>
+          <p:cNvPr id="5" name="Titolo 1">
+            <a:extLst>
+              <a:ext uri="{FF2B5EF4-FFF2-40B4-BE49-F238E27FC236}">
+                <a16:creationId xmlns:a16="http://schemas.microsoft.com/office/drawing/2014/main" id="{B63BC0D0-E7AA-4332-9D9E-54CD91771617}"/>
+              </a:ext>
+            </a:extLst>
+          </p:cNvPr>
+          <p:cNvSpPr>
+            <a:spLocks noGrp="1"/>
+          </p:cNvSpPr>
+          <p:nvPr>
+            <p:ph type="title"/>
+          </p:nvPr>
+        </p:nvSpPr>
+        <p:spPr>
+          <a:xfrm>
+            <a:off x="1832037" y="241955"/>
+            <a:ext cx="10131425" cy="1456267"/>
+          </a:xfrm>
+        </p:spPr>
+        <p:txBody>
+          <a:bodyPr>
+            <a:normAutofit/>
+          </a:bodyPr>
+          <a:lstStyle/>
+          <a:p>
+            <a:pPr algn="r"/>
+            <a:r>
+              <a:rPr lang="en-US" dirty="0">
+                <a:solidFill>
+                  <a:schemeClr val="bg1"/>
+                </a:solidFill>
+              </a:rPr>
+              <a:t>VHDL Design of all stages </a:t>
+            </a:r>
+            <a:br>
+              <a:rPr lang="it-IT" dirty="0">
+                <a:solidFill>
+                  <a:schemeClr val="bg1"/>
+                </a:solidFill>
+              </a:rPr>
+            </a:br>
+            <a:r>
+              <a:rPr lang="it-IT" dirty="0">
+                <a:solidFill>
+                  <a:schemeClr val="bg1"/>
+                </a:solidFill>
+              </a:rPr>
+              <a:t> </a:t>
+            </a:r>
+            <a:r>
+              <a:rPr lang="it-IT" dirty="0" err="1">
+                <a:solidFill>
+                  <a:schemeClr val="bg1"/>
+                </a:solidFill>
+              </a:rPr>
+              <a:t>Modality_manager</a:t>
+            </a:r>
+            <a:endParaRPr lang="it-IT" dirty="0">
+              <a:solidFill>
+                <a:schemeClr val="bg1"/>
+              </a:solidFill>
+            </a:endParaRPr>
+          </a:p>
+        </p:txBody>
+      </p:sp>
+      <p:sp>
+        <p:nvSpPr>
+          <p:cNvPr id="6" name="CasellaDiTesto 5">
+            <a:extLst>
+              <a:ext uri="{FF2B5EF4-FFF2-40B4-BE49-F238E27FC236}">
+                <a16:creationId xmlns:a16="http://schemas.microsoft.com/office/drawing/2014/main" id="{76B7D16F-61C7-484F-A7B5-111B547F9431}"/>
+              </a:ext>
+            </a:extLst>
+          </p:cNvPr>
+          <p:cNvSpPr txBox="1"/>
+          <p:nvPr/>
+        </p:nvSpPr>
+        <p:spPr>
+          <a:xfrm>
+            <a:off x="7354111" y="2065867"/>
+            <a:ext cx="4046706" cy="4524315"/>
+          </a:xfrm>
+          <a:prstGeom prst="rect">
+            <a:avLst/>
+          </a:prstGeom>
+          <a:noFill/>
+        </p:spPr>
+        <p:txBody>
+          <a:bodyPr wrap="square" rtlCol="0">
+            <a:spAutoFit/>
+          </a:bodyPr>
+          <a:lstStyle/>
+          <a:p>
+            <a:pPr marL="285750" indent="-285750">
+              <a:buFont typeface="Arial" panose="020B0604020202020204" pitchFamily="34" charset="0"/>
+              <a:buChar char="•"/>
+            </a:pPr>
+            <a:r>
+              <a:rPr lang="en-US" dirty="0"/>
+              <a:t>Mode = input button mode</a:t>
+            </a:r>
+          </a:p>
+          <a:p>
+            <a:pPr marL="285750" indent="-285750">
+              <a:buFont typeface="Arial" panose="020B0604020202020204" pitchFamily="34" charset="0"/>
+              <a:buChar char="•"/>
+            </a:pPr>
+            <a:r>
+              <a:rPr lang="en-US" dirty="0"/>
+              <a:t>Reset = input button reset</a:t>
+            </a:r>
+          </a:p>
+          <a:p>
+            <a:pPr marL="285750" indent="-285750">
+              <a:buFont typeface="Arial" panose="020B0604020202020204" pitchFamily="34" charset="0"/>
+              <a:buChar char="•"/>
+            </a:pPr>
+            <a:r>
+              <a:rPr lang="en-US" dirty="0"/>
+              <a:t>Process a “switch case” for the output (Comp):</a:t>
+            </a:r>
+          </a:p>
+          <a:p>
+            <a:pPr marL="742950" lvl="1" indent="-285750">
+              <a:buFont typeface="Arial" panose="020B0604020202020204" pitchFamily="34" charset="0"/>
+              <a:buChar char="•"/>
+            </a:pPr>
+            <a:r>
+              <a:rPr lang="en-US" dirty="0"/>
+              <a:t>Starts at “00”.</a:t>
+            </a:r>
+          </a:p>
+          <a:p>
+            <a:pPr marL="742950" lvl="1" indent="-285750">
+              <a:buFont typeface="Arial" panose="020B0604020202020204" pitchFamily="34" charset="0"/>
+              <a:buChar char="•"/>
+            </a:pPr>
+            <a:r>
+              <a:rPr lang="en-US" dirty="0"/>
+              <a:t>Become “01” if “mode” change to value ‘0’.</a:t>
+            </a:r>
+          </a:p>
+          <a:p>
+            <a:pPr marL="742950" lvl="1" indent="-285750">
+              <a:buFont typeface="Arial" panose="020B0604020202020204" pitchFamily="34" charset="0"/>
+              <a:buChar char="•"/>
+            </a:pPr>
+            <a:r>
+              <a:rPr lang="en-US" dirty="0"/>
+              <a:t>Become “10” if “mode” change to value ‘1’.</a:t>
+            </a:r>
+          </a:p>
+          <a:p>
+            <a:pPr marL="742950" lvl="1" indent="-285750">
+              <a:buFont typeface="Arial" panose="020B0604020202020204" pitchFamily="34" charset="0"/>
+              <a:buChar char="•"/>
+            </a:pPr>
+            <a:r>
+              <a:rPr lang="en-US" dirty="0"/>
+              <a:t>Become “11” if “reset” have a downslope.</a:t>
+            </a:r>
+          </a:p>
+          <a:p>
+            <a:pPr marL="742950" lvl="1" indent="-285750">
+              <a:buFont typeface="Arial" panose="020B0604020202020204" pitchFamily="34" charset="0"/>
+              <a:buChar char="•"/>
+            </a:pPr>
+            <a:r>
+              <a:rPr lang="en-US" dirty="0"/>
+              <a:t>If “mode” change value when “reset” is “released(</a:t>
+            </a:r>
+            <a:r>
+              <a:rPr lang="en-US" dirty="0" err="1"/>
+              <a:t>downlslope</a:t>
+            </a:r>
+            <a:r>
+              <a:rPr lang="en-US" dirty="0"/>
+              <a:t>)”, comp = “11”.</a:t>
+            </a:r>
+            <a:endParaRPr lang="it-IT" dirty="0"/>
+          </a:p>
+          <a:p>
+            <a:pPr marL="742950" lvl="1" indent="-285750">
+              <a:buFont typeface="Arial" panose="020B0604020202020204" pitchFamily="34" charset="0"/>
+              <a:buChar char="•"/>
+            </a:pPr>
+            <a:endParaRPr lang="it-IT" dirty="0"/>
+          </a:p>
+        </p:txBody>
+      </p:sp>
+    </p:spTree>
+    <p:extLst>
+      <p:ext uri="{BB962C8B-B14F-4D97-AF65-F5344CB8AC3E}">
+        <p14:creationId xmlns:p14="http://schemas.microsoft.com/office/powerpoint/2010/main" val="2826036081"/>
+      </p:ext>
+    </p:extLst>
+  </p:cSld>
+  <p:clrMapOvr>
+    <a:masterClrMapping/>
+  </p:clrMapOvr>
+</p:sld>
+</file>
+
+<file path=ppt/slides/slide13.xml><?xml version="1.0" encoding="utf-8"?>
 <p:sld xmlns:a="http://schemas.openxmlformats.org/drawingml/2006/main" xmlns:r="http://schemas.openxmlformats.org/officeDocument/2006/relationships" xmlns:p="http://schemas.openxmlformats.org/presentationml/2006/main">
   <p:cSld>
     <p:spTree>
@@ -8248,32 +9163,97 @@
           <a:bodyPr/>
           <a:lstStyle/>
           <a:p>
-            <a:endParaRPr lang="it-IT"/>
+            <a:pPr algn="r"/>
+            <a:r>
+              <a:rPr lang="en-US" dirty="0">
+                <a:solidFill>
+                  <a:schemeClr val="bg1"/>
+                </a:solidFill>
+              </a:rPr>
+              <a:t>Simulation results</a:t>
+            </a:r>
+            <a:endParaRPr lang="it-IT" dirty="0">
+              <a:solidFill>
+                <a:schemeClr val="bg1"/>
+              </a:solidFill>
+            </a:endParaRPr>
           </a:p>
         </p:txBody>
       </p:sp>
-      <p:sp>
-        <p:nvSpPr>
-          <p:cNvPr id="3" name="Segnaposto contenuto 2">
+      <p:pic>
+        <p:nvPicPr>
+          <p:cNvPr id="5" name="Segnaposto contenuto 4" descr="Immagine che contiene screenshot, elettronico, computer&#10;&#10;Descrizione generata automaticamente">
             <a:extLst>
               <a:ext uri="{FF2B5EF4-FFF2-40B4-BE49-F238E27FC236}">
-                <a16:creationId xmlns:a16="http://schemas.microsoft.com/office/drawing/2014/main" id="{9C6C379C-D6AC-4B48-A083-1521E49FF073}"/>
+                <a16:creationId xmlns:a16="http://schemas.microsoft.com/office/drawing/2014/main" id="{C7410B3F-7638-40A3-8C5D-84A092C5AA92}"/>
               </a:ext>
             </a:extLst>
           </p:cNvPr>
-          <p:cNvSpPr>
-            <a:spLocks noGrp="1"/>
-          </p:cNvSpPr>
+          <p:cNvPicPr>
+            <a:picLocks noGrp="1" noChangeAspect="1"/>
+          </p:cNvPicPr>
           <p:nvPr>
             <p:ph idx="1"/>
           </p:nvPr>
+        </p:nvPicPr>
+        <p:blipFill>
+          <a:blip r:embed="rId2">
+            <a:extLst>
+              <a:ext uri="{28A0092B-C50C-407E-A947-70E740481C1C}">
+                <a14:useLocalDpi xmlns:a14="http://schemas.microsoft.com/office/drawing/2010/main" val="0"/>
+              </a:ext>
+            </a:extLst>
+          </a:blip>
+          <a:stretch>
+            <a:fillRect/>
+          </a:stretch>
+        </p:blipFill>
+        <p:spPr>
+          <a:xfrm>
+            <a:off x="160268" y="1681990"/>
+            <a:ext cx="8559241" cy="4183788"/>
+          </a:xfrm>
+        </p:spPr>
+      </p:pic>
+      <p:sp>
+        <p:nvSpPr>
+          <p:cNvPr id="6" name="CasellaDiTesto 5">
+            <a:extLst>
+              <a:ext uri="{FF2B5EF4-FFF2-40B4-BE49-F238E27FC236}">
+                <a16:creationId xmlns:a16="http://schemas.microsoft.com/office/drawing/2014/main" id="{287AE0D7-DE94-4CFD-9606-684D772EA82B}"/>
+              </a:ext>
+            </a:extLst>
+          </p:cNvPr>
+          <p:cNvSpPr txBox="1"/>
+          <p:nvPr/>
         </p:nvSpPr>
-        <p:spPr/>
+        <p:spPr>
+          <a:xfrm>
+            <a:off x="8998085" y="1770434"/>
+            <a:ext cx="2859932" cy="3416320"/>
+          </a:xfrm>
+          <a:prstGeom prst="rect">
+            <a:avLst/>
+          </a:prstGeom>
+          <a:noFill/>
+        </p:spPr>
         <p:txBody>
-          <a:bodyPr/>
+          <a:bodyPr wrap="square" rtlCol="0">
+            <a:spAutoFit/>
+          </a:bodyPr>
           <a:lstStyle/>
           <a:p>
-            <a:endParaRPr lang="it-IT"/>
+            <a:r>
+              <a:rPr lang="en-US" dirty="0"/>
+              <a:t>As can be seen here, during normal(MOD3 and MOD4) behavior in an intermediate test, the lights are on and off as described above, depending by the value of “Mode” input.</a:t>
+            </a:r>
+          </a:p>
+          <a:p>
+            <a:r>
+              <a:rPr lang="en-US" dirty="0"/>
+              <a:t>Prese, remember that 1 second have been transformed in 100 nanoseconds for test reasons.</a:t>
+            </a:r>
+            <a:endParaRPr lang="it-IT" dirty="0"/>
           </a:p>
         </p:txBody>
       </p:sp>
@@ -8281,86 +9261,6 @@
     <p:extLst>
       <p:ext uri="{BB962C8B-B14F-4D97-AF65-F5344CB8AC3E}">
         <p14:creationId xmlns:p14="http://schemas.microsoft.com/office/powerpoint/2010/main" val="3350571986"/>
-      </p:ext>
-    </p:extLst>
-  </p:cSld>
-  <p:clrMapOvr>
-    <a:masterClrMapping/>
-  </p:clrMapOvr>
-</p:sld>
-</file>
-
-<file path=ppt/slides/slide13.xml><?xml version="1.0" encoding="utf-8"?>
-<p:sld xmlns:a="http://schemas.openxmlformats.org/drawingml/2006/main" xmlns:r="http://schemas.openxmlformats.org/officeDocument/2006/relationships" xmlns:p="http://schemas.openxmlformats.org/presentationml/2006/main">
-  <p:cSld>
-    <p:spTree>
-      <p:nvGrpSpPr>
-        <p:cNvPr id="1" name=""/>
-        <p:cNvGrpSpPr/>
-        <p:nvPr/>
-      </p:nvGrpSpPr>
-      <p:grpSpPr>
-        <a:xfrm>
-          <a:off x="0" y="0"/>
-          <a:ext cx="0" cy="0"/>
-          <a:chOff x="0" y="0"/>
-          <a:chExt cx="0" cy="0"/>
-        </a:xfrm>
-      </p:grpSpPr>
-      <p:sp>
-        <p:nvSpPr>
-          <p:cNvPr id="2" name="Titolo 1">
-            <a:extLst>
-              <a:ext uri="{FF2B5EF4-FFF2-40B4-BE49-F238E27FC236}">
-                <a16:creationId xmlns:a16="http://schemas.microsoft.com/office/drawing/2014/main" id="{D487D58C-1D28-43B1-93D6-83200F0DC4C6}"/>
-              </a:ext>
-            </a:extLst>
-          </p:cNvPr>
-          <p:cNvSpPr>
-            <a:spLocks noGrp="1"/>
-          </p:cNvSpPr>
-          <p:nvPr>
-            <p:ph type="title"/>
-          </p:nvPr>
-        </p:nvSpPr>
-        <p:spPr/>
-        <p:txBody>
-          <a:bodyPr/>
-          <a:lstStyle/>
-          <a:p>
-            <a:endParaRPr lang="it-IT"/>
-          </a:p>
-        </p:txBody>
-      </p:sp>
-      <p:sp>
-        <p:nvSpPr>
-          <p:cNvPr id="3" name="Segnaposto contenuto 2">
-            <a:extLst>
-              <a:ext uri="{FF2B5EF4-FFF2-40B4-BE49-F238E27FC236}">
-                <a16:creationId xmlns:a16="http://schemas.microsoft.com/office/drawing/2014/main" id="{2182F34F-43D8-473B-85EA-04B5F2235814}"/>
-              </a:ext>
-            </a:extLst>
-          </p:cNvPr>
-          <p:cNvSpPr>
-            <a:spLocks noGrp="1"/>
-          </p:cNvSpPr>
-          <p:nvPr>
-            <p:ph idx="1"/>
-          </p:nvPr>
-        </p:nvSpPr>
-        <p:spPr/>
-        <p:txBody>
-          <a:bodyPr/>
-          <a:lstStyle/>
-          <a:p>
-            <a:endParaRPr lang="it-IT"/>
-          </a:p>
-        </p:txBody>
-      </p:sp>
-    </p:spTree>
-    <p:extLst>
-      <p:ext uri="{BB962C8B-B14F-4D97-AF65-F5344CB8AC3E}">
-        <p14:creationId xmlns:p14="http://schemas.microsoft.com/office/powerpoint/2010/main" val="3709273205"/>
       </p:ext>
     </p:extLst>
   </p:cSld>
@@ -8387,53 +9287,226 @@
           <a:chExt cx="0" cy="0"/>
         </a:xfrm>
       </p:grpSpPr>
-      <p:sp>
-        <p:nvSpPr>
-          <p:cNvPr id="2" name="Titolo 1">
+      <p:pic>
+        <p:nvPicPr>
+          <p:cNvPr id="7" name="Segnaposto contenuto 6" descr="Immagine che contiene monitor, sedendo, verde, computer&#10;&#10;Descrizione generata automaticamente">
             <a:extLst>
               <a:ext uri="{FF2B5EF4-FFF2-40B4-BE49-F238E27FC236}">
-                <a16:creationId xmlns:a16="http://schemas.microsoft.com/office/drawing/2014/main" id="{6635CE4E-654D-4A77-BE88-0BF8BF7F9144}"/>
+                <a16:creationId xmlns:a16="http://schemas.microsoft.com/office/drawing/2014/main" id="{2AB61193-BFC4-44EC-8EFC-80D4C0456C56}"/>
               </a:ext>
             </a:extLst>
           </p:cNvPr>
-          <p:cNvSpPr>
-            <a:spLocks noGrp="1"/>
+          <p:cNvPicPr>
+            <a:picLocks noGrp="1" noChangeAspect="1"/>
+          </p:cNvPicPr>
+          <p:nvPr>
+            <p:ph idx="1"/>
+          </p:nvPr>
+        </p:nvPicPr>
+        <p:blipFill>
+          <a:blip r:embed="rId2">
+            <a:extLst>
+              <a:ext uri="{28A0092B-C50C-407E-A947-70E740481C1C}">
+                <a14:useLocalDpi xmlns:a14="http://schemas.microsoft.com/office/drawing/2010/main" val="0"/>
+              </a:ext>
+            </a:extLst>
+          </a:blip>
+          <a:stretch>
+            <a:fillRect/>
+          </a:stretch>
+        </p:blipFill>
+        <p:spPr>
+          <a:xfrm>
+            <a:off x="81922" y="1762160"/>
+            <a:ext cx="9415747" cy="4405176"/>
+          </a:xfrm>
+        </p:spPr>
+      </p:pic>
+      <p:sp>
+        <p:nvSpPr>
+          <p:cNvPr id="5" name="Titolo 1">
+            <a:extLst>
+              <a:ext uri="{FF2B5EF4-FFF2-40B4-BE49-F238E27FC236}">
+                <a16:creationId xmlns:a16="http://schemas.microsoft.com/office/drawing/2014/main" id="{2D0DEA4A-7E65-4B4E-8182-9386446875EC}"/>
+              </a:ext>
+            </a:extLst>
+          </p:cNvPr>
+          <p:cNvSpPr txBox="1">
+            <a:spLocks/>
           </p:cNvSpPr>
-          <p:nvPr>
-            <p:ph type="title"/>
-          </p:nvPr>
+          <p:nvPr/>
         </p:nvSpPr>
-        <p:spPr/>
+        <p:spPr>
+          <a:xfrm>
+            <a:off x="838201" y="762000"/>
+            <a:ext cx="10131425" cy="1456267"/>
+          </a:xfrm>
+          <a:prstGeom prst="rect">
+            <a:avLst/>
+          </a:prstGeom>
+          <a:effectLst/>
+        </p:spPr>
         <p:txBody>
-          <a:bodyPr/>
-          <a:lstStyle/>
-          <a:p>
-            <a:endParaRPr lang="it-IT"/>
+          <a:bodyPr vert="horz" lIns="91440" tIns="45720" rIns="91440" bIns="45720" rtlCol="0" anchor="ctr">
+            <a:normAutofit/>
+          </a:bodyPr>
+          <a:lstStyle>
+            <a:lvl1pPr algn="l" defTabSz="457200" rtl="0" eaLnBrk="1" latinLnBrk="0" hangingPunct="1">
+              <a:spcBef>
+                <a:spcPct val="0"/>
+              </a:spcBef>
+              <a:buNone/>
+              <a:defRPr sz="3600" kern="1200" cap="all">
+                <a:ln w="3175" cmpd="sng">
+                  <a:noFill/>
+                </a:ln>
+                <a:solidFill>
+                  <a:schemeClr val="tx1"/>
+                </a:solidFill>
+                <a:effectLst/>
+                <a:latin typeface="+mj-lt"/>
+                <a:ea typeface="+mj-ea"/>
+                <a:cs typeface="+mj-cs"/>
+              </a:defRPr>
+            </a:lvl1pPr>
+            <a:lvl2pPr eaLnBrk="1" hangingPunct="1">
+              <a:defRPr>
+                <a:solidFill>
+                  <a:schemeClr val="tx2"/>
+                </a:solidFill>
+              </a:defRPr>
+            </a:lvl2pPr>
+            <a:lvl3pPr eaLnBrk="1" hangingPunct="1">
+              <a:defRPr>
+                <a:solidFill>
+                  <a:schemeClr val="tx2"/>
+                </a:solidFill>
+              </a:defRPr>
+            </a:lvl3pPr>
+            <a:lvl4pPr eaLnBrk="1" hangingPunct="1">
+              <a:defRPr>
+                <a:solidFill>
+                  <a:schemeClr val="tx2"/>
+                </a:solidFill>
+              </a:defRPr>
+            </a:lvl4pPr>
+            <a:lvl5pPr eaLnBrk="1" hangingPunct="1">
+              <a:defRPr>
+                <a:solidFill>
+                  <a:schemeClr val="tx2"/>
+                </a:solidFill>
+              </a:defRPr>
+            </a:lvl5pPr>
+            <a:lvl6pPr eaLnBrk="1" hangingPunct="1">
+              <a:defRPr>
+                <a:solidFill>
+                  <a:schemeClr val="tx2"/>
+                </a:solidFill>
+              </a:defRPr>
+            </a:lvl6pPr>
+            <a:lvl7pPr eaLnBrk="1" hangingPunct="1">
+              <a:defRPr>
+                <a:solidFill>
+                  <a:schemeClr val="tx2"/>
+                </a:solidFill>
+              </a:defRPr>
+            </a:lvl7pPr>
+            <a:lvl8pPr eaLnBrk="1" hangingPunct="1">
+              <a:defRPr>
+                <a:solidFill>
+                  <a:schemeClr val="tx2"/>
+                </a:solidFill>
+              </a:defRPr>
+            </a:lvl8pPr>
+            <a:lvl9pPr eaLnBrk="1" hangingPunct="1">
+              <a:defRPr>
+                <a:solidFill>
+                  <a:schemeClr val="tx2"/>
+                </a:solidFill>
+              </a:defRPr>
+            </a:lvl9pPr>
+          </a:lstStyle>
+          <a:p>
+            <a:pPr algn="r"/>
+            <a:r>
+              <a:rPr lang="en-US" dirty="0">
+                <a:solidFill>
+                  <a:schemeClr val="bg1"/>
+                </a:solidFill>
+              </a:rPr>
+              <a:t>Simulation results</a:t>
+            </a:r>
+            <a:endParaRPr lang="it-IT" dirty="0">
+              <a:solidFill>
+                <a:schemeClr val="bg1"/>
+              </a:solidFill>
+            </a:endParaRPr>
           </a:p>
         </p:txBody>
       </p:sp>
       <p:sp>
         <p:nvSpPr>
-          <p:cNvPr id="3" name="Segnaposto contenuto 2">
+          <p:cNvPr id="8" name="CasellaDiTesto 7">
             <a:extLst>
               <a:ext uri="{FF2B5EF4-FFF2-40B4-BE49-F238E27FC236}">
-                <a16:creationId xmlns:a16="http://schemas.microsoft.com/office/drawing/2014/main" id="{26B6B828-CA3B-48D4-8558-8F5E3BFE9E14}"/>
+                <a16:creationId xmlns:a16="http://schemas.microsoft.com/office/drawing/2014/main" id="{CF495E3A-37E8-4E20-9A6C-204A3AA651EB}"/>
               </a:ext>
             </a:extLst>
           </p:cNvPr>
-          <p:cNvSpPr>
-            <a:spLocks noGrp="1"/>
-          </p:cNvSpPr>
-          <p:nvPr>
-            <p:ph idx="1"/>
-          </p:nvPr>
+          <p:cNvSpPr txBox="1"/>
+          <p:nvPr/>
         </p:nvSpPr>
-        <p:spPr/>
+        <p:spPr>
+          <a:xfrm>
+            <a:off x="9583550" y="1848683"/>
+            <a:ext cx="2227634" cy="4801314"/>
+          </a:xfrm>
+          <a:prstGeom prst="rect">
+            <a:avLst/>
+          </a:prstGeom>
+          <a:noFill/>
+        </p:spPr>
         <p:txBody>
-          <a:bodyPr/>
+          <a:bodyPr wrap="square" rtlCol="0">
+            <a:spAutoFit/>
+          </a:bodyPr>
           <a:lstStyle/>
           <a:p>
-            <a:endParaRPr lang="it-IT"/>
+            <a:r>
+              <a:rPr lang="en-US" dirty="0"/>
+              <a:t>In this image you can see that in </a:t>
+            </a:r>
+            <a:r>
+              <a:rPr lang="en-US" b="1" dirty="0"/>
+              <a:t>maintenance</a:t>
+            </a:r>
+            <a:r>
+              <a:rPr lang="en-US" dirty="0"/>
+              <a:t> mode, as </a:t>
+            </a:r>
+            <a:r>
+              <a:rPr lang="en-US" dirty="0" err="1"/>
+              <a:t>yellow_mod</a:t>
+            </a:r>
+            <a:r>
+              <a:rPr lang="en-US" dirty="0"/>
+              <a:t>(</a:t>
+            </a:r>
+            <a:r>
+              <a:rPr lang="en-US" dirty="0" err="1"/>
+              <a:t>ulator</a:t>
+            </a:r>
+            <a:r>
+              <a:rPr lang="en-US" dirty="0"/>
+              <a:t>) change value, Intervals of yellow signals (YELLOW) are altered remaining dependent to RED signal (stable at 50ns  with GREEN signal) .</a:t>
+            </a:r>
+          </a:p>
+          <a:p>
+            <a:r>
+              <a:rPr lang="en-US" dirty="0"/>
+              <a:t>Also is possible to see at the beginning of the execution how all output signals are in AND with “enable”.</a:t>
+            </a:r>
+            <a:endParaRPr lang="it-IT" dirty="0"/>
           </a:p>
         </p:txBody>
       </p:sp>
@@ -8469,58 +9542,222 @@
       </p:grpSpPr>
       <p:sp>
         <p:nvSpPr>
-          <p:cNvPr id="2" name="Titolo 1">
+          <p:cNvPr id="5" name="Titolo 1">
             <a:extLst>
               <a:ext uri="{FF2B5EF4-FFF2-40B4-BE49-F238E27FC236}">
-                <a16:creationId xmlns:a16="http://schemas.microsoft.com/office/drawing/2014/main" id="{4FD36BBD-A392-4BA4-8721-ACBDA0C3B210}"/>
+                <a16:creationId xmlns:a16="http://schemas.microsoft.com/office/drawing/2014/main" id="{2D0DEA4A-7E65-4B4E-8182-9386446875EC}"/>
               </a:ext>
             </a:extLst>
           </p:cNvPr>
-          <p:cNvSpPr>
-            <a:spLocks noGrp="1"/>
+          <p:cNvSpPr txBox="1">
+            <a:spLocks/>
           </p:cNvSpPr>
-          <p:nvPr>
-            <p:ph type="title"/>
-          </p:nvPr>
+          <p:nvPr/>
         </p:nvSpPr>
-        <p:spPr/>
+        <p:spPr>
+          <a:xfrm>
+            <a:off x="838201" y="762000"/>
+            <a:ext cx="10131425" cy="1456267"/>
+          </a:xfrm>
+          <a:prstGeom prst="rect">
+            <a:avLst/>
+          </a:prstGeom>
+          <a:effectLst/>
+        </p:spPr>
         <p:txBody>
-          <a:bodyPr/>
-          <a:lstStyle/>
-          <a:p>
-            <a:endParaRPr lang="it-IT"/>
+          <a:bodyPr vert="horz" lIns="91440" tIns="45720" rIns="91440" bIns="45720" rtlCol="0" anchor="ctr">
+            <a:normAutofit/>
+          </a:bodyPr>
+          <a:lstStyle>
+            <a:lvl1pPr algn="l" defTabSz="457200" rtl="0" eaLnBrk="1" latinLnBrk="0" hangingPunct="1">
+              <a:spcBef>
+                <a:spcPct val="0"/>
+              </a:spcBef>
+              <a:buNone/>
+              <a:defRPr sz="3600" kern="1200" cap="all">
+                <a:ln w="3175" cmpd="sng">
+                  <a:noFill/>
+                </a:ln>
+                <a:solidFill>
+                  <a:schemeClr val="tx1"/>
+                </a:solidFill>
+                <a:effectLst/>
+                <a:latin typeface="+mj-lt"/>
+                <a:ea typeface="+mj-ea"/>
+                <a:cs typeface="+mj-cs"/>
+              </a:defRPr>
+            </a:lvl1pPr>
+            <a:lvl2pPr eaLnBrk="1" hangingPunct="1">
+              <a:defRPr>
+                <a:solidFill>
+                  <a:schemeClr val="tx2"/>
+                </a:solidFill>
+              </a:defRPr>
+            </a:lvl2pPr>
+            <a:lvl3pPr eaLnBrk="1" hangingPunct="1">
+              <a:defRPr>
+                <a:solidFill>
+                  <a:schemeClr val="tx2"/>
+                </a:solidFill>
+              </a:defRPr>
+            </a:lvl3pPr>
+            <a:lvl4pPr eaLnBrk="1" hangingPunct="1">
+              <a:defRPr>
+                <a:solidFill>
+                  <a:schemeClr val="tx2"/>
+                </a:solidFill>
+              </a:defRPr>
+            </a:lvl4pPr>
+            <a:lvl5pPr eaLnBrk="1" hangingPunct="1">
+              <a:defRPr>
+                <a:solidFill>
+                  <a:schemeClr val="tx2"/>
+                </a:solidFill>
+              </a:defRPr>
+            </a:lvl5pPr>
+            <a:lvl6pPr eaLnBrk="1" hangingPunct="1">
+              <a:defRPr>
+                <a:solidFill>
+                  <a:schemeClr val="tx2"/>
+                </a:solidFill>
+              </a:defRPr>
+            </a:lvl6pPr>
+            <a:lvl7pPr eaLnBrk="1" hangingPunct="1">
+              <a:defRPr>
+                <a:solidFill>
+                  <a:schemeClr val="tx2"/>
+                </a:solidFill>
+              </a:defRPr>
+            </a:lvl7pPr>
+            <a:lvl8pPr eaLnBrk="1" hangingPunct="1">
+              <a:defRPr>
+                <a:solidFill>
+                  <a:schemeClr val="tx2"/>
+                </a:solidFill>
+              </a:defRPr>
+            </a:lvl8pPr>
+            <a:lvl9pPr eaLnBrk="1" hangingPunct="1">
+              <a:defRPr>
+                <a:solidFill>
+                  <a:schemeClr val="tx2"/>
+                </a:solidFill>
+              </a:defRPr>
+            </a:lvl9pPr>
+          </a:lstStyle>
+          <a:p>
+            <a:pPr algn="r"/>
+            <a:r>
+              <a:rPr lang="en-US" dirty="0">
+                <a:solidFill>
+                  <a:schemeClr val="bg1"/>
+                </a:solidFill>
+              </a:rPr>
+              <a:t>Simulation results</a:t>
+            </a:r>
+            <a:endParaRPr lang="it-IT" dirty="0">
+              <a:solidFill>
+                <a:schemeClr val="bg1"/>
+              </a:solidFill>
+            </a:endParaRPr>
           </a:p>
         </p:txBody>
       </p:sp>
       <p:sp>
         <p:nvSpPr>
-          <p:cNvPr id="3" name="Segnaposto contenuto 2">
+          <p:cNvPr id="8" name="CasellaDiTesto 7">
             <a:extLst>
               <a:ext uri="{FF2B5EF4-FFF2-40B4-BE49-F238E27FC236}">
-                <a16:creationId xmlns:a16="http://schemas.microsoft.com/office/drawing/2014/main" id="{8D6404AE-587E-4354-B2D6-15593E94745B}"/>
+                <a16:creationId xmlns:a16="http://schemas.microsoft.com/office/drawing/2014/main" id="{CF495E3A-37E8-4E20-9A6C-204A3AA651EB}"/>
               </a:ext>
             </a:extLst>
           </p:cNvPr>
-          <p:cNvSpPr>
-            <a:spLocks noGrp="1"/>
-          </p:cNvSpPr>
+          <p:cNvSpPr txBox="1"/>
+          <p:nvPr/>
+        </p:nvSpPr>
+        <p:spPr>
+          <a:xfrm>
+            <a:off x="9640111" y="1838528"/>
+            <a:ext cx="2227634" cy="3693319"/>
+          </a:xfrm>
+          <a:prstGeom prst="rect">
+            <a:avLst/>
+          </a:prstGeom>
+          <a:noFill/>
+        </p:spPr>
+        <p:txBody>
+          <a:bodyPr wrap="square" rtlCol="0">
+            <a:spAutoFit/>
+          </a:bodyPr>
+          <a:lstStyle/>
+          <a:p>
+            <a:r>
+              <a:rPr lang="en-US" dirty="0"/>
+              <a:t>In this image you can see the same condition as the previous slide; except that red signal output has increased to 600ns (simulating 6S) and YELLOW followed; </a:t>
+            </a:r>
+          </a:p>
+          <a:p>
+            <a:r>
+              <a:rPr lang="en-US" dirty="0"/>
+              <a:t>As long as </a:t>
+            </a:r>
+            <a:r>
+              <a:rPr lang="en-US" dirty="0" err="1"/>
+              <a:t>red_switch</a:t>
+            </a:r>
+            <a:r>
+              <a:rPr lang="en-US" dirty="0"/>
+              <a:t> signal (</a:t>
+            </a:r>
+            <a:r>
+              <a:rPr lang="en-US" dirty="0" err="1"/>
+              <a:t>red_modulator</a:t>
+            </a:r>
+            <a:r>
+              <a:rPr lang="en-US" dirty="0"/>
+              <a:t>) have value of 1.</a:t>
+            </a:r>
+          </a:p>
+        </p:txBody>
+      </p:sp>
+      <p:pic>
+        <p:nvPicPr>
+          <p:cNvPr id="6" name="Segnaposto contenuto 5" descr="Immagine che contiene verde, computer, orologio&#10;&#10;Descrizione generata automaticamente">
+            <a:extLst>
+              <a:ext uri="{FF2B5EF4-FFF2-40B4-BE49-F238E27FC236}">
+                <a16:creationId xmlns:a16="http://schemas.microsoft.com/office/drawing/2014/main" id="{FCBD3061-399C-4128-A772-FBE89A6C23A1}"/>
+              </a:ext>
+            </a:extLst>
+          </p:cNvPr>
+          <p:cNvPicPr>
+            <a:picLocks noGrp="1" noChangeAspect="1"/>
+          </p:cNvPicPr>
           <p:nvPr>
             <p:ph idx="1"/>
           </p:nvPr>
-        </p:nvSpPr>
-        <p:spPr/>
-        <p:txBody>
-          <a:bodyPr/>
-          <a:lstStyle/>
-          <a:p>
-            <a:endParaRPr lang="it-IT"/>
-          </a:p>
-        </p:txBody>
-      </p:sp>
+        </p:nvPicPr>
+        <p:blipFill>
+          <a:blip r:embed="rId2">
+            <a:extLst>
+              <a:ext uri="{28A0092B-C50C-407E-A947-70E740481C1C}">
+                <a14:useLocalDpi xmlns:a14="http://schemas.microsoft.com/office/drawing/2010/main" val="0"/>
+              </a:ext>
+            </a:extLst>
+          </a:blip>
+          <a:stretch>
+            <a:fillRect/>
+          </a:stretch>
+        </p:blipFill>
+        <p:spPr>
+          <a:xfrm>
+            <a:off x="173444" y="1838528"/>
+            <a:ext cx="9466667" cy="3977810"/>
+          </a:xfrm>
+        </p:spPr>
+      </p:pic>
     </p:spTree>
     <p:extLst>
       <p:ext uri="{BB962C8B-B14F-4D97-AF65-F5344CB8AC3E}">
-        <p14:creationId xmlns:p14="http://schemas.microsoft.com/office/powerpoint/2010/main" val="4179243206"/>
+        <p14:creationId xmlns:p14="http://schemas.microsoft.com/office/powerpoint/2010/main" val="1525911476"/>
       </p:ext>
     </p:extLst>
   </p:cSld>
@@ -8549,35 +9786,394 @@
       </p:grpSpPr>
       <p:sp>
         <p:nvSpPr>
-          <p:cNvPr id="2" name="Titolo 1">
+          <p:cNvPr id="4" name="Titolo 1">
             <a:extLst>
               <a:ext uri="{FF2B5EF4-FFF2-40B4-BE49-F238E27FC236}">
-                <a16:creationId xmlns:a16="http://schemas.microsoft.com/office/drawing/2014/main" id="{1EE1F755-A675-4723-9797-C641DCD3C5CF}"/>
+                <a16:creationId xmlns:a16="http://schemas.microsoft.com/office/drawing/2014/main" id="{8A23D17A-0981-4CE2-9916-3C41BC784A7E}"/>
               </a:ext>
             </a:extLst>
           </p:cNvPr>
-          <p:cNvSpPr>
-            <a:spLocks noGrp="1"/>
+          <p:cNvSpPr txBox="1">
+            <a:spLocks/>
           </p:cNvSpPr>
+          <p:nvPr/>
+        </p:nvSpPr>
+        <p:spPr>
+          <a:xfrm>
+            <a:off x="838201" y="762000"/>
+            <a:ext cx="10131425" cy="1456267"/>
+          </a:xfrm>
+          <a:prstGeom prst="rect">
+            <a:avLst/>
+          </a:prstGeom>
+          <a:effectLst/>
+        </p:spPr>
+        <p:txBody>
+          <a:bodyPr vert="horz" lIns="91440" tIns="45720" rIns="91440" bIns="45720" rtlCol="0" anchor="ctr">
+            <a:normAutofit/>
+          </a:bodyPr>
+          <a:lstStyle>
+            <a:lvl1pPr algn="l" defTabSz="457200" rtl="0" eaLnBrk="1" latinLnBrk="0" hangingPunct="1">
+              <a:spcBef>
+                <a:spcPct val="0"/>
+              </a:spcBef>
+              <a:buNone/>
+              <a:defRPr sz="3600" kern="1200" cap="all">
+                <a:ln w="3175" cmpd="sng">
+                  <a:noFill/>
+                </a:ln>
+                <a:solidFill>
+                  <a:schemeClr val="tx1"/>
+                </a:solidFill>
+                <a:effectLst/>
+                <a:latin typeface="+mj-lt"/>
+                <a:ea typeface="+mj-ea"/>
+                <a:cs typeface="+mj-cs"/>
+              </a:defRPr>
+            </a:lvl1pPr>
+            <a:lvl2pPr eaLnBrk="1" hangingPunct="1">
+              <a:defRPr>
+                <a:solidFill>
+                  <a:schemeClr val="tx2"/>
+                </a:solidFill>
+              </a:defRPr>
+            </a:lvl2pPr>
+            <a:lvl3pPr eaLnBrk="1" hangingPunct="1">
+              <a:defRPr>
+                <a:solidFill>
+                  <a:schemeClr val="tx2"/>
+                </a:solidFill>
+              </a:defRPr>
+            </a:lvl3pPr>
+            <a:lvl4pPr eaLnBrk="1" hangingPunct="1">
+              <a:defRPr>
+                <a:solidFill>
+                  <a:schemeClr val="tx2"/>
+                </a:solidFill>
+              </a:defRPr>
+            </a:lvl4pPr>
+            <a:lvl5pPr eaLnBrk="1" hangingPunct="1">
+              <a:defRPr>
+                <a:solidFill>
+                  <a:schemeClr val="tx2"/>
+                </a:solidFill>
+              </a:defRPr>
+            </a:lvl5pPr>
+            <a:lvl6pPr eaLnBrk="1" hangingPunct="1">
+              <a:defRPr>
+                <a:solidFill>
+                  <a:schemeClr val="tx2"/>
+                </a:solidFill>
+              </a:defRPr>
+            </a:lvl6pPr>
+            <a:lvl7pPr eaLnBrk="1" hangingPunct="1">
+              <a:defRPr>
+                <a:solidFill>
+                  <a:schemeClr val="tx2"/>
+                </a:solidFill>
+              </a:defRPr>
+            </a:lvl7pPr>
+            <a:lvl8pPr eaLnBrk="1" hangingPunct="1">
+              <a:defRPr>
+                <a:solidFill>
+                  <a:schemeClr val="tx2"/>
+                </a:solidFill>
+              </a:defRPr>
+            </a:lvl8pPr>
+            <a:lvl9pPr eaLnBrk="1" hangingPunct="1">
+              <a:defRPr>
+                <a:solidFill>
+                  <a:schemeClr val="tx2"/>
+                </a:solidFill>
+              </a:defRPr>
+            </a:lvl9pPr>
+          </a:lstStyle>
+          <a:p>
+            <a:pPr algn="r"/>
+            <a:r>
+              <a:rPr lang="en-US" dirty="0">
+                <a:solidFill>
+                  <a:schemeClr val="bg1"/>
+                </a:solidFill>
+              </a:rPr>
+              <a:t>Simulation results</a:t>
+            </a:r>
+            <a:endParaRPr lang="it-IT" dirty="0">
+              <a:solidFill>
+                <a:schemeClr val="bg1"/>
+              </a:solidFill>
+            </a:endParaRPr>
+          </a:p>
+        </p:txBody>
+      </p:sp>
+      <p:pic>
+        <p:nvPicPr>
+          <p:cNvPr id="9" name="Segnaposto contenuto 8">
+            <a:extLst>
+              <a:ext uri="{FF2B5EF4-FFF2-40B4-BE49-F238E27FC236}">
+                <a16:creationId xmlns:a16="http://schemas.microsoft.com/office/drawing/2014/main" id="{12177717-3B34-4D94-AF5D-AB400E18CDCF}"/>
+              </a:ext>
+            </a:extLst>
+          </p:cNvPr>
+          <p:cNvPicPr>
+            <a:picLocks noGrp="1" noChangeAspect="1"/>
+          </p:cNvPicPr>
           <p:nvPr>
-            <p:ph type="title"/>
+            <p:ph idx="1"/>
           </p:nvPr>
+        </p:nvPicPr>
+        <p:blipFill>
+          <a:blip r:embed="rId2">
+            <a:extLst>
+              <a:ext uri="{28A0092B-C50C-407E-A947-70E740481C1C}">
+                <a14:useLocalDpi xmlns:a14="http://schemas.microsoft.com/office/drawing/2010/main" val="0"/>
+              </a:ext>
+            </a:extLst>
+          </a:blip>
+          <a:stretch>
+            <a:fillRect/>
+          </a:stretch>
+        </p:blipFill>
+        <p:spPr>
+          <a:xfrm>
+            <a:off x="0" y="2194957"/>
+            <a:ext cx="9295700" cy="3901043"/>
+          </a:xfrm>
+        </p:spPr>
+      </p:pic>
+      <p:sp>
+        <p:nvSpPr>
+          <p:cNvPr id="10" name="CasellaDiTesto 9">
+            <a:extLst>
+              <a:ext uri="{FF2B5EF4-FFF2-40B4-BE49-F238E27FC236}">
+                <a16:creationId xmlns:a16="http://schemas.microsoft.com/office/drawing/2014/main" id="{D73698F0-E876-4871-86AF-6C97CECF26D9}"/>
+              </a:ext>
+            </a:extLst>
+          </p:cNvPr>
+          <p:cNvSpPr txBox="1"/>
+          <p:nvPr/>
         </p:nvSpPr>
-        <p:spPr/>
+        <p:spPr>
+          <a:xfrm>
+            <a:off x="9464511" y="2111604"/>
+            <a:ext cx="2394409" cy="3693319"/>
+          </a:xfrm>
+          <a:prstGeom prst="rect">
+            <a:avLst/>
+          </a:prstGeom>
+          <a:noFill/>
+        </p:spPr>
         <p:txBody>
-          <a:bodyPr/>
+          <a:bodyPr wrap="square" rtlCol="0">
+            <a:spAutoFit/>
+          </a:bodyPr>
           <a:lstStyle/>
           <a:p>
-            <a:endParaRPr lang="it-IT"/>
+            <a:r>
+              <a:rPr lang="en-US" dirty="0"/>
+              <a:t>On the left is possible to see a simulation of “Normal behavior”: </a:t>
+            </a:r>
+            <a:r>
+              <a:rPr lang="en-US" b="1" dirty="0"/>
+              <a:t>standby</a:t>
+            </a:r>
+            <a:r>
+              <a:rPr lang="en-US" dirty="0"/>
+              <a:t> since 800ns followed by </a:t>
+            </a:r>
+            <a:r>
+              <a:rPr lang="en-US" b="1" dirty="0"/>
+              <a:t>nominal</a:t>
+            </a:r>
+            <a:r>
+              <a:rPr lang="en-US" dirty="0"/>
+              <a:t>(300ns RED followed by 500ns GREEN and 200ns YELLOW with the last 200ns of GREEN)</a:t>
+            </a:r>
+            <a:r>
+              <a:rPr lang="en-US" b="1" dirty="0"/>
+              <a:t> </a:t>
+            </a:r>
+            <a:r>
+              <a:rPr lang="en-US" dirty="0"/>
+              <a:t>since 1950ns, when </a:t>
+            </a:r>
+            <a:r>
+              <a:rPr lang="en-US" b="1" dirty="0"/>
+              <a:t>maintenance</a:t>
+            </a:r>
+            <a:r>
+              <a:rPr lang="en-US" dirty="0"/>
+              <a:t> mode starts.</a:t>
+            </a:r>
+            <a:endParaRPr lang="it-IT" b="1" dirty="0"/>
+          </a:p>
+        </p:txBody>
+      </p:sp>
+    </p:spTree>
+    <p:extLst>
+      <p:ext uri="{BB962C8B-B14F-4D97-AF65-F5344CB8AC3E}">
+        <p14:creationId xmlns:p14="http://schemas.microsoft.com/office/powerpoint/2010/main" val="4179243206"/>
+      </p:ext>
+    </p:extLst>
+  </p:cSld>
+  <p:clrMapOvr>
+    <a:masterClrMapping/>
+  </p:clrMapOvr>
+</p:sld>
+</file>
+
+<file path=ppt/slides/slide17.xml><?xml version="1.0" encoding="utf-8"?>
+<p:sld xmlns:a="http://schemas.openxmlformats.org/drawingml/2006/main" xmlns:r="http://schemas.openxmlformats.org/officeDocument/2006/relationships" xmlns:p="http://schemas.openxmlformats.org/presentationml/2006/main">
+  <p:cSld>
+    <p:bg>
+      <p:bgPr>
+        <a:blipFill>
+          <a:blip r:embed="rId2"/>
+          <a:stretch/>
+        </a:blipFill>
+        <a:effectLst/>
+      </p:bgPr>
+    </p:bg>
+    <p:spTree>
+      <p:nvGrpSpPr>
+        <p:cNvPr id="1" name=""/>
+        <p:cNvGrpSpPr/>
+        <p:nvPr/>
+      </p:nvGrpSpPr>
+      <p:grpSpPr>
+        <a:xfrm>
+          <a:off x="0" y="0"/>
+          <a:ext cx="0" cy="0"/>
+          <a:chOff x="0" y="0"/>
+          <a:chExt cx="0" cy="0"/>
+        </a:xfrm>
+      </p:grpSpPr>
+      <p:sp>
+        <p:nvSpPr>
+          <p:cNvPr id="5" name="Titolo 1">
+            <a:extLst>
+              <a:ext uri="{FF2B5EF4-FFF2-40B4-BE49-F238E27FC236}">
+                <a16:creationId xmlns:a16="http://schemas.microsoft.com/office/drawing/2014/main" id="{253E8CC8-1859-47D0-A30F-94DAE09BF33A}"/>
+              </a:ext>
+            </a:extLst>
+          </p:cNvPr>
+          <p:cNvSpPr txBox="1">
+            <a:spLocks/>
+          </p:cNvSpPr>
+          <p:nvPr/>
+        </p:nvSpPr>
+        <p:spPr>
+          <a:xfrm>
+            <a:off x="7814821" y="45602"/>
+            <a:ext cx="4377180" cy="1193290"/>
+          </a:xfrm>
+          <a:prstGeom prst="rect">
+            <a:avLst/>
+          </a:prstGeom>
+        </p:spPr>
+        <p:txBody>
+          <a:bodyPr vert="horz" lIns="91440" tIns="45720" rIns="91440" bIns="45720" rtlCol="0" anchor="ctr">
+            <a:normAutofit/>
+          </a:bodyPr>
+          <a:lstStyle>
+            <a:lvl1pPr algn="l" defTabSz="457200" rtl="0" eaLnBrk="1" latinLnBrk="0" hangingPunct="1">
+              <a:spcBef>
+                <a:spcPct val="0"/>
+              </a:spcBef>
+              <a:buNone/>
+              <a:defRPr sz="3600" kern="1200" cap="all">
+                <a:ln w="3175" cmpd="sng">
+                  <a:noFill/>
+                </a:ln>
+                <a:solidFill>
+                  <a:schemeClr val="tx1"/>
+                </a:solidFill>
+                <a:effectLst/>
+                <a:latin typeface="+mj-lt"/>
+                <a:ea typeface="+mj-ea"/>
+                <a:cs typeface="+mj-cs"/>
+              </a:defRPr>
+            </a:lvl1pPr>
+            <a:lvl2pPr eaLnBrk="1" hangingPunct="1">
+              <a:defRPr>
+                <a:solidFill>
+                  <a:schemeClr val="tx2"/>
+                </a:solidFill>
+              </a:defRPr>
+            </a:lvl2pPr>
+            <a:lvl3pPr eaLnBrk="1" hangingPunct="1">
+              <a:defRPr>
+                <a:solidFill>
+                  <a:schemeClr val="tx2"/>
+                </a:solidFill>
+              </a:defRPr>
+            </a:lvl3pPr>
+            <a:lvl4pPr eaLnBrk="1" hangingPunct="1">
+              <a:defRPr>
+                <a:solidFill>
+                  <a:schemeClr val="tx2"/>
+                </a:solidFill>
+              </a:defRPr>
+            </a:lvl4pPr>
+            <a:lvl5pPr eaLnBrk="1" hangingPunct="1">
+              <a:defRPr>
+                <a:solidFill>
+                  <a:schemeClr val="tx2"/>
+                </a:solidFill>
+              </a:defRPr>
+            </a:lvl5pPr>
+            <a:lvl6pPr eaLnBrk="1" hangingPunct="1">
+              <a:defRPr>
+                <a:solidFill>
+                  <a:schemeClr val="tx2"/>
+                </a:solidFill>
+              </a:defRPr>
+            </a:lvl6pPr>
+            <a:lvl7pPr eaLnBrk="1" hangingPunct="1">
+              <a:defRPr>
+                <a:solidFill>
+                  <a:schemeClr val="tx2"/>
+                </a:solidFill>
+              </a:defRPr>
+            </a:lvl7pPr>
+            <a:lvl8pPr eaLnBrk="1" hangingPunct="1">
+              <a:defRPr>
+                <a:solidFill>
+                  <a:schemeClr val="tx2"/>
+                </a:solidFill>
+              </a:defRPr>
+            </a:lvl8pPr>
+            <a:lvl9pPr eaLnBrk="1" hangingPunct="1">
+              <a:defRPr>
+                <a:solidFill>
+                  <a:schemeClr val="tx2"/>
+                </a:solidFill>
+              </a:defRPr>
+            </a:lvl9pPr>
+          </a:lstStyle>
+          <a:p>
+            <a:pPr>
+              <a:spcAft>
+                <a:spcPts val="600"/>
+              </a:spcAft>
+            </a:pPr>
+            <a:r>
+              <a:rPr lang="en-US" dirty="0">
+                <a:solidFill>
+                  <a:schemeClr val="bg1"/>
+                </a:solidFill>
+              </a:rPr>
+              <a:t>Simulation results</a:t>
+            </a:r>
           </a:p>
         </p:txBody>
       </p:sp>
       <p:sp>
         <p:nvSpPr>
-          <p:cNvPr id="3" name="Segnaposto contenuto 2">
+          <p:cNvPr id="16" name="Content Placeholder 15">
             <a:extLst>
               <a:ext uri="{FF2B5EF4-FFF2-40B4-BE49-F238E27FC236}">
-                <a16:creationId xmlns:a16="http://schemas.microsoft.com/office/drawing/2014/main" id="{169C28DC-A218-471D-BC73-48497669389D}"/>
+                <a16:creationId xmlns:a16="http://schemas.microsoft.com/office/drawing/2014/main" id="{C92B2FF7-D0B0-413C-817B-1FFB367C2666}"/>
               </a:ext>
             </a:extLst>
           </p:cNvPr>
@@ -8588,12 +10184,315 @@
             <p:ph idx="1"/>
           </p:nvPr>
         </p:nvSpPr>
-        <p:spPr/>
+        <p:spPr>
+          <a:xfrm>
+            <a:off x="6096000" y="966452"/>
+            <a:ext cx="5937940" cy="1601650"/>
+          </a:xfrm>
+        </p:spPr>
         <p:txBody>
-          <a:bodyPr/>
+          <a:bodyPr vert="horz" lIns="91440" tIns="45720" rIns="91440" bIns="45720" rtlCol="0" anchor="ctr">
+            <a:normAutofit lnSpcReduction="10000"/>
+          </a:bodyPr>
           <a:lstStyle/>
           <a:p>
-            <a:endParaRPr lang="it-IT"/>
+            <a:pPr>
+              <a:spcAft>
+                <a:spcPts val="600"/>
+              </a:spcAft>
+              <a:buFont typeface="Arial" panose="020B0604020202020204" pitchFamily="34" charset="0"/>
+              <a:buChar char="•"/>
+            </a:pPr>
+            <a:r>
+              <a:rPr lang="en-US" dirty="0"/>
+              <a:t>NR: </a:t>
+            </a:r>
+            <a:r>
+              <a:rPr lang="en-US" b="1" dirty="0"/>
+              <a:t>Normal</a:t>
+            </a:r>
+            <a:r>
+              <a:rPr lang="en-US" dirty="0"/>
+              <a:t> mode value for RED signal</a:t>
+            </a:r>
+          </a:p>
+          <a:p>
+            <a:pPr>
+              <a:spcAft>
+                <a:spcPts val="600"/>
+              </a:spcAft>
+              <a:buFont typeface="Arial" panose="020B0604020202020204" pitchFamily="34" charset="0"/>
+              <a:buChar char="•"/>
+            </a:pPr>
+            <a:r>
+              <a:rPr lang="en-US" dirty="0"/>
+              <a:t>NY: </a:t>
+            </a:r>
+            <a:r>
+              <a:rPr lang="en-US" b="1" dirty="0"/>
+              <a:t>Normal</a:t>
+            </a:r>
+            <a:r>
+              <a:rPr lang="en-US" dirty="0"/>
+              <a:t> mode value for YELLOW signal</a:t>
+            </a:r>
+          </a:p>
+          <a:p>
+            <a:pPr>
+              <a:spcAft>
+                <a:spcPts val="600"/>
+              </a:spcAft>
+              <a:buFont typeface="Arial" panose="020B0604020202020204" pitchFamily="34" charset="0"/>
+              <a:buChar char="•"/>
+            </a:pPr>
+            <a:r>
+              <a:rPr lang="en-US" dirty="0"/>
+              <a:t>NG: </a:t>
+            </a:r>
+            <a:r>
+              <a:rPr lang="en-US" b="1" dirty="0"/>
+              <a:t>Normal</a:t>
+            </a:r>
+            <a:r>
+              <a:rPr lang="en-US" dirty="0"/>
+              <a:t> mode value for GREEN signal</a:t>
+            </a:r>
+          </a:p>
+          <a:p>
+            <a:pPr marL="0" indent="0">
+              <a:spcAft>
+                <a:spcPts val="600"/>
+              </a:spcAft>
+              <a:buNone/>
+            </a:pPr>
+            <a:r>
+              <a:rPr lang="en-US" dirty="0"/>
+              <a:t>[</a:t>
+            </a:r>
+            <a:r>
+              <a:rPr lang="en-US" b="1" dirty="0"/>
+              <a:t>Normal</a:t>
+            </a:r>
+            <a:r>
+              <a:rPr lang="en-US" dirty="0"/>
+              <a:t> means </a:t>
+            </a:r>
+            <a:r>
+              <a:rPr lang="en-US" b="1" dirty="0"/>
+              <a:t>Nominal</a:t>
+            </a:r>
+            <a:r>
+              <a:rPr lang="en-US" dirty="0"/>
+              <a:t> or </a:t>
+            </a:r>
+            <a:r>
+              <a:rPr lang="en-US" b="1" dirty="0"/>
+              <a:t>Standby</a:t>
+            </a:r>
+            <a:r>
+              <a:rPr lang="en-US" dirty="0"/>
+              <a:t> mode, based by the current value of “mode” input signal]</a:t>
+            </a:r>
+          </a:p>
+        </p:txBody>
+      </p:sp>
+      <p:pic>
+        <p:nvPicPr>
+          <p:cNvPr id="12" name="Immagine 11" descr="Immagine che contiene verde, computer, orologio&#10;&#10;Descrizione generata automaticamente">
+            <a:extLst>
+              <a:ext uri="{FF2B5EF4-FFF2-40B4-BE49-F238E27FC236}">
+                <a16:creationId xmlns:a16="http://schemas.microsoft.com/office/drawing/2014/main" id="{65C62D9E-25A3-403C-BD1E-4E4DADDDD975}"/>
+              </a:ext>
+            </a:extLst>
+          </p:cNvPr>
+          <p:cNvPicPr>
+            <a:picLocks noChangeAspect="1"/>
+          </p:cNvPicPr>
+          <p:nvPr/>
+        </p:nvPicPr>
+        <p:blipFill>
+          <a:blip r:embed="rId3">
+            <a:extLst>
+              <a:ext uri="{28A0092B-C50C-407E-A947-70E740481C1C}">
+                <a14:useLocalDpi xmlns:a14="http://schemas.microsoft.com/office/drawing/2010/main" val="0"/>
+              </a:ext>
+            </a:extLst>
+          </a:blip>
+          <a:stretch>
+            <a:fillRect/>
+          </a:stretch>
+        </p:blipFill>
+        <p:spPr>
+          <a:xfrm>
+            <a:off x="0" y="2698040"/>
+            <a:ext cx="12145871" cy="4159960"/>
+          </a:xfrm>
+          <a:prstGeom prst="roundRect">
+            <a:avLst>
+              <a:gd name="adj" fmla="val 6267"/>
+            </a:avLst>
+          </a:prstGeom>
+          <a:ln w="50800" cap="sq" cmpd="dbl">
+            <a:gradFill flip="none" rotWithShape="1">
+              <a:gsLst>
+                <a:gs pos="0">
+                  <a:srgbClr val="FFFFFF"/>
+                </a:gs>
+                <a:gs pos="100000">
+                  <a:schemeClr val="tx1">
+                    <a:alpha val="0"/>
+                  </a:schemeClr>
+                </a:gs>
+              </a:gsLst>
+              <a:path path="circle">
+                <a:fillToRect l="50000" t="50000" r="50000" b="50000"/>
+              </a:path>
+              <a:tileRect/>
+            </a:gradFill>
+            <a:miter lim="800000"/>
+          </a:ln>
+          <a:effectLst>
+            <a:outerShdw blurRad="254000" algn="tl" rotWithShape="0">
+              <a:srgbClr val="000000">
+                <a:alpha val="43000"/>
+              </a:srgbClr>
+            </a:outerShdw>
+          </a:effectLst>
+        </p:spPr>
+      </p:pic>
+      <p:sp>
+        <p:nvSpPr>
+          <p:cNvPr id="8" name="CasellaDiTesto 7">
+            <a:extLst>
+              <a:ext uri="{FF2B5EF4-FFF2-40B4-BE49-F238E27FC236}">
+                <a16:creationId xmlns:a16="http://schemas.microsoft.com/office/drawing/2014/main" id="{013EF642-9738-4E9C-B3D5-BE0AD7F693A3}"/>
+              </a:ext>
+            </a:extLst>
+          </p:cNvPr>
+          <p:cNvSpPr txBox="1"/>
+          <p:nvPr/>
+        </p:nvSpPr>
+        <p:spPr>
+          <a:xfrm>
+            <a:off x="68961" y="0"/>
+            <a:ext cx="5937940" cy="2831544"/>
+          </a:xfrm>
+          <a:prstGeom prst="rect">
+            <a:avLst/>
+          </a:prstGeom>
+          <a:noFill/>
+        </p:spPr>
+        <p:txBody>
+          <a:bodyPr wrap="square" rtlCol="0">
+            <a:spAutoFit/>
+          </a:bodyPr>
+          <a:lstStyle/>
+          <a:p>
+            <a:pPr>
+              <a:spcAft>
+                <a:spcPts val="600"/>
+              </a:spcAft>
+            </a:pPr>
+            <a:r>
+              <a:rPr lang="en-US" sz="2000" dirty="0"/>
+              <a:t>The following images are 2 screenshots taken with “debug variable”:</a:t>
+            </a:r>
+          </a:p>
+          <a:p>
+            <a:pPr marL="285750" indent="-285750">
+              <a:spcAft>
+                <a:spcPts val="600"/>
+              </a:spcAft>
+              <a:buFont typeface="Arial" panose="020B0604020202020204" pitchFamily="34" charset="0"/>
+              <a:buChar char="•"/>
+            </a:pPr>
+            <a:r>
+              <a:rPr lang="en-US" dirty="0"/>
+              <a:t>MR: </a:t>
+            </a:r>
+            <a:r>
+              <a:rPr lang="en-US" b="1" dirty="0"/>
+              <a:t>Maintenance</a:t>
+            </a:r>
+            <a:r>
+              <a:rPr lang="en-US" dirty="0"/>
+              <a:t> mode value for RED signal</a:t>
+            </a:r>
+          </a:p>
+          <a:p>
+            <a:pPr marL="285750" indent="-285750">
+              <a:spcAft>
+                <a:spcPts val="600"/>
+              </a:spcAft>
+              <a:buFont typeface="Arial" panose="020B0604020202020204" pitchFamily="34" charset="0"/>
+              <a:buChar char="•"/>
+            </a:pPr>
+            <a:r>
+              <a:rPr lang="en-US" dirty="0"/>
+              <a:t>MY: </a:t>
+            </a:r>
+            <a:r>
+              <a:rPr lang="en-US" b="1" dirty="0"/>
+              <a:t>Maintenance</a:t>
+            </a:r>
+            <a:r>
+              <a:rPr lang="en-US" dirty="0"/>
+              <a:t> mode value for YELLOW signal</a:t>
+            </a:r>
+          </a:p>
+          <a:p>
+            <a:pPr marL="285750" indent="-285750">
+              <a:spcAft>
+                <a:spcPts val="600"/>
+              </a:spcAft>
+              <a:buFont typeface="Arial" panose="020B0604020202020204" pitchFamily="34" charset="0"/>
+              <a:buChar char="•"/>
+            </a:pPr>
+            <a:r>
+              <a:rPr lang="en-US" dirty="0"/>
+              <a:t>MG: </a:t>
+            </a:r>
+            <a:r>
+              <a:rPr lang="en-US" b="1" dirty="0"/>
+              <a:t>Maintenance</a:t>
+            </a:r>
+            <a:r>
+              <a:rPr lang="en-US" dirty="0"/>
+              <a:t> mode value for GREEN signal</a:t>
+            </a:r>
+          </a:p>
+          <a:p>
+            <a:pPr marL="285750" indent="-285750">
+              <a:spcAft>
+                <a:spcPts val="600"/>
+              </a:spcAft>
+              <a:buFont typeface="Arial" panose="020B0604020202020204" pitchFamily="34" charset="0"/>
+              <a:buChar char="•"/>
+            </a:pPr>
+            <a:r>
+              <a:rPr lang="en-US" dirty="0"/>
+              <a:t>Set: value of “comp” (variable that dictate active mode)</a:t>
+            </a:r>
+          </a:p>
+          <a:p>
+            <a:pPr marL="285750" indent="-285750">
+              <a:spcAft>
+                <a:spcPts val="600"/>
+              </a:spcAft>
+              <a:buFont typeface="Arial" panose="020B0604020202020204" pitchFamily="34" charset="0"/>
+              <a:buChar char="•"/>
+            </a:pPr>
+            <a:endParaRPr lang="en-US" dirty="0"/>
+          </a:p>
+          <a:p>
+            <a:pPr marL="285750" indent="-285750">
+              <a:spcAft>
+                <a:spcPts val="600"/>
+              </a:spcAft>
+              <a:buFont typeface="Arial" panose="020B0604020202020204" pitchFamily="34" charset="0"/>
+              <a:buChar char="•"/>
+            </a:pPr>
+            <a:endParaRPr lang="it-IT" dirty="0"/>
           </a:p>
         </p:txBody>
       </p:sp>
@@ -8610,7 +10509,7 @@
 </p:sld>
 </file>
 
-<file path=ppt/slides/slide17.xml><?xml version="1.0" encoding="utf-8"?>
+<file path=ppt/slides/slide18.xml><?xml version="1.0" encoding="utf-8"?>
 <p:sld xmlns:a="http://schemas.openxmlformats.org/drawingml/2006/main" xmlns:r="http://schemas.openxmlformats.org/officeDocument/2006/relationships" xmlns:p="http://schemas.openxmlformats.org/presentationml/2006/main">
   <p:cSld>
     <p:spTree>
@@ -8652,28 +10551,155 @@
           </a:p>
         </p:txBody>
       </p:sp>
-      <p:sp>
-        <p:nvSpPr>
-          <p:cNvPr id="3" name="Segnaposto contenuto 2">
+      <p:pic>
+        <p:nvPicPr>
+          <p:cNvPr id="4" name="Segnaposto contenuto 3">
             <a:extLst>
               <a:ext uri="{FF2B5EF4-FFF2-40B4-BE49-F238E27FC236}">
-                <a16:creationId xmlns:a16="http://schemas.microsoft.com/office/drawing/2014/main" id="{CB46CF43-6A5A-437D-A7EF-2CAB7D9738A2}"/>
+                <a16:creationId xmlns:a16="http://schemas.microsoft.com/office/drawing/2014/main" id="{D977E1FC-9B60-4B0E-874B-A791824268EB}"/>
               </a:ext>
             </a:extLst>
           </p:cNvPr>
-          <p:cNvSpPr>
-            <a:spLocks noGrp="1"/>
-          </p:cNvSpPr>
+          <p:cNvPicPr>
+            <a:picLocks noGrp="1" noChangeAspect="1"/>
+          </p:cNvPicPr>
           <p:nvPr>
             <p:ph idx="1"/>
           </p:nvPr>
+        </p:nvPicPr>
+        <p:blipFill>
+          <a:blip r:embed="rId2"/>
+          <a:stretch>
+            <a:fillRect/>
+          </a:stretch>
+        </p:blipFill>
+        <p:spPr>
+          <a:xfrm>
+            <a:off x="-451928" y="1676555"/>
+            <a:ext cx="13095856" cy="4642352"/>
+          </a:xfrm>
+          <a:prstGeom prst="rect">
+            <a:avLst/>
+          </a:prstGeom>
+        </p:spPr>
+      </p:pic>
+      <p:sp>
+        <p:nvSpPr>
+          <p:cNvPr id="5" name="Titolo 1">
+            <a:extLst>
+              <a:ext uri="{FF2B5EF4-FFF2-40B4-BE49-F238E27FC236}">
+                <a16:creationId xmlns:a16="http://schemas.microsoft.com/office/drawing/2014/main" id="{EA83ACF5-53F7-4021-BB55-BD86F5CA699E}"/>
+              </a:ext>
+            </a:extLst>
+          </p:cNvPr>
+          <p:cNvSpPr txBox="1">
+            <a:spLocks/>
+          </p:cNvSpPr>
+          <p:nvPr/>
         </p:nvSpPr>
-        <p:spPr/>
+        <p:spPr>
+          <a:xfrm>
+            <a:off x="7814821" y="45602"/>
+            <a:ext cx="4377180" cy="1193290"/>
+          </a:xfrm>
+          <a:prstGeom prst="rect">
+            <a:avLst/>
+          </a:prstGeom>
+        </p:spPr>
         <p:txBody>
-          <a:bodyPr/>
-          <a:lstStyle/>
-          <a:p>
-            <a:endParaRPr lang="it-IT"/>
+          <a:bodyPr vert="horz" lIns="91440" tIns="45720" rIns="91440" bIns="45720" rtlCol="0" anchor="ctr">
+            <a:normAutofit/>
+          </a:bodyPr>
+          <a:lstStyle>
+            <a:lvl1pPr algn="l" defTabSz="457200" rtl="0" eaLnBrk="1" latinLnBrk="0" hangingPunct="1">
+              <a:spcBef>
+                <a:spcPct val="0"/>
+              </a:spcBef>
+              <a:buNone/>
+              <a:defRPr sz="3600" kern="1200" cap="all">
+                <a:ln w="3175" cmpd="sng">
+                  <a:noFill/>
+                </a:ln>
+                <a:solidFill>
+                  <a:schemeClr val="tx1"/>
+                </a:solidFill>
+                <a:effectLst/>
+                <a:latin typeface="+mj-lt"/>
+                <a:ea typeface="+mj-ea"/>
+                <a:cs typeface="+mj-cs"/>
+              </a:defRPr>
+            </a:lvl1pPr>
+            <a:lvl2pPr eaLnBrk="1" hangingPunct="1">
+              <a:defRPr>
+                <a:solidFill>
+                  <a:schemeClr val="tx2"/>
+                </a:solidFill>
+              </a:defRPr>
+            </a:lvl2pPr>
+            <a:lvl3pPr eaLnBrk="1" hangingPunct="1">
+              <a:defRPr>
+                <a:solidFill>
+                  <a:schemeClr val="tx2"/>
+                </a:solidFill>
+              </a:defRPr>
+            </a:lvl3pPr>
+            <a:lvl4pPr eaLnBrk="1" hangingPunct="1">
+              <a:defRPr>
+                <a:solidFill>
+                  <a:schemeClr val="tx2"/>
+                </a:solidFill>
+              </a:defRPr>
+            </a:lvl4pPr>
+            <a:lvl5pPr eaLnBrk="1" hangingPunct="1">
+              <a:defRPr>
+                <a:solidFill>
+                  <a:schemeClr val="tx2"/>
+                </a:solidFill>
+              </a:defRPr>
+            </a:lvl5pPr>
+            <a:lvl6pPr eaLnBrk="1" hangingPunct="1">
+              <a:defRPr>
+                <a:solidFill>
+                  <a:schemeClr val="tx2"/>
+                </a:solidFill>
+              </a:defRPr>
+            </a:lvl6pPr>
+            <a:lvl7pPr eaLnBrk="1" hangingPunct="1">
+              <a:defRPr>
+                <a:solidFill>
+                  <a:schemeClr val="tx2"/>
+                </a:solidFill>
+              </a:defRPr>
+            </a:lvl7pPr>
+            <a:lvl8pPr eaLnBrk="1" hangingPunct="1">
+              <a:defRPr>
+                <a:solidFill>
+                  <a:schemeClr val="tx2"/>
+                </a:solidFill>
+              </a:defRPr>
+            </a:lvl8pPr>
+            <a:lvl9pPr eaLnBrk="1" hangingPunct="1">
+              <a:defRPr>
+                <a:solidFill>
+                  <a:schemeClr val="tx2"/>
+                </a:solidFill>
+              </a:defRPr>
+            </a:lvl9pPr>
+          </a:lstStyle>
+          <a:p>
+            <a:pPr>
+              <a:spcAft>
+                <a:spcPts val="600"/>
+              </a:spcAft>
+            </a:pPr>
+            <a:r>
+              <a:rPr lang="en-US" dirty="0">
+                <a:solidFill>
+                  <a:schemeClr val="bg1"/>
+                </a:solidFill>
+              </a:rPr>
+              <a:t>Simulation results</a:t>
+            </a:r>
           </a:p>
         </p:txBody>
       </p:sp>
@@ -8681,86 +10707,6 @@
     <p:extLst>
       <p:ext uri="{BB962C8B-B14F-4D97-AF65-F5344CB8AC3E}">
         <p14:creationId xmlns:p14="http://schemas.microsoft.com/office/powerpoint/2010/main" val="2705731944"/>
-      </p:ext>
-    </p:extLst>
-  </p:cSld>
-  <p:clrMapOvr>
-    <a:masterClrMapping/>
-  </p:clrMapOvr>
-</p:sld>
-</file>
-
-<file path=ppt/slides/slide18.xml><?xml version="1.0" encoding="utf-8"?>
-<p:sld xmlns:a="http://schemas.openxmlformats.org/drawingml/2006/main" xmlns:r="http://schemas.openxmlformats.org/officeDocument/2006/relationships" xmlns:p="http://schemas.openxmlformats.org/presentationml/2006/main">
-  <p:cSld>
-    <p:spTree>
-      <p:nvGrpSpPr>
-        <p:cNvPr id="1" name=""/>
-        <p:cNvGrpSpPr/>
-        <p:nvPr/>
-      </p:nvGrpSpPr>
-      <p:grpSpPr>
-        <a:xfrm>
-          <a:off x="0" y="0"/>
-          <a:ext cx="0" cy="0"/>
-          <a:chOff x="0" y="0"/>
-          <a:chExt cx="0" cy="0"/>
-        </a:xfrm>
-      </p:grpSpPr>
-      <p:sp>
-        <p:nvSpPr>
-          <p:cNvPr id="2" name="Titolo 1">
-            <a:extLst>
-              <a:ext uri="{FF2B5EF4-FFF2-40B4-BE49-F238E27FC236}">
-                <a16:creationId xmlns:a16="http://schemas.microsoft.com/office/drawing/2014/main" id="{A456D118-C3C3-4AA7-89AA-B01DD756DA91}"/>
-              </a:ext>
-            </a:extLst>
-          </p:cNvPr>
-          <p:cNvSpPr>
-            <a:spLocks noGrp="1"/>
-          </p:cNvSpPr>
-          <p:nvPr>
-            <p:ph type="title"/>
-          </p:nvPr>
-        </p:nvSpPr>
-        <p:spPr/>
-        <p:txBody>
-          <a:bodyPr/>
-          <a:lstStyle/>
-          <a:p>
-            <a:endParaRPr lang="it-IT"/>
-          </a:p>
-        </p:txBody>
-      </p:sp>
-      <p:sp>
-        <p:nvSpPr>
-          <p:cNvPr id="3" name="Segnaposto contenuto 2">
-            <a:extLst>
-              <a:ext uri="{FF2B5EF4-FFF2-40B4-BE49-F238E27FC236}">
-                <a16:creationId xmlns:a16="http://schemas.microsoft.com/office/drawing/2014/main" id="{46AE88CE-410E-47E0-9C85-DD9F82445D62}"/>
-              </a:ext>
-            </a:extLst>
-          </p:cNvPr>
-          <p:cNvSpPr>
-            <a:spLocks noGrp="1"/>
-          </p:cNvSpPr>
-          <p:nvPr>
-            <p:ph idx="1"/>
-          </p:nvPr>
-        </p:nvSpPr>
-        <p:spPr/>
-        <p:txBody>
-          <a:bodyPr/>
-          <a:lstStyle/>
-          <a:p>
-            <a:endParaRPr lang="it-IT"/>
-          </a:p>
-        </p:txBody>
-      </p:sp>
-    </p:spTree>
-    <p:extLst>
-      <p:ext uri="{BB962C8B-B14F-4D97-AF65-F5344CB8AC3E}">
-        <p14:creationId xmlns:p14="http://schemas.microsoft.com/office/powerpoint/2010/main" val="4223045800"/>
       </p:ext>
     </p:extLst>
   </p:cSld>
@@ -8787,60 +10733,263 @@
           <a:chExt cx="0" cy="0"/>
         </a:xfrm>
       </p:grpSpPr>
-      <p:sp>
-        <p:nvSpPr>
-          <p:cNvPr id="2" name="Titolo 1">
+      <p:pic>
+        <p:nvPicPr>
+          <p:cNvPr id="5" name="Segnaposto contenuto 4" descr="Immagine che contiene computer, verde&#10;&#10;Descrizione generata automaticamente">
             <a:extLst>
               <a:ext uri="{FF2B5EF4-FFF2-40B4-BE49-F238E27FC236}">
-                <a16:creationId xmlns:a16="http://schemas.microsoft.com/office/drawing/2014/main" id="{FBC623CF-6230-463C-83C9-ED849A7C3E1E}"/>
+                <a16:creationId xmlns:a16="http://schemas.microsoft.com/office/drawing/2014/main" id="{C8BC9609-742B-4FE3-82AA-6FDB62B4BDCB}"/>
               </a:ext>
             </a:extLst>
           </p:cNvPr>
-          <p:cNvSpPr>
-            <a:spLocks noGrp="1"/>
+          <p:cNvPicPr>
+            <a:picLocks noGrp="1" noChangeAspect="1"/>
+          </p:cNvPicPr>
+          <p:nvPr>
+            <p:ph idx="1"/>
+          </p:nvPr>
+        </p:nvPicPr>
+        <p:blipFill>
+          <a:blip r:embed="rId2">
+            <a:extLst>
+              <a:ext uri="{28A0092B-C50C-407E-A947-70E740481C1C}">
+                <a14:useLocalDpi xmlns:a14="http://schemas.microsoft.com/office/drawing/2010/main" val="0"/>
+              </a:ext>
+            </a:extLst>
+          </a:blip>
+          <a:stretch>
+            <a:fillRect/>
+          </a:stretch>
+        </p:blipFill>
+        <p:spPr>
+          <a:xfrm>
+            <a:off x="0" y="2346997"/>
+            <a:ext cx="10906812" cy="4524423"/>
+          </a:xfrm>
+        </p:spPr>
+      </p:pic>
+      <p:sp>
+        <p:nvSpPr>
+          <p:cNvPr id="6" name="Titolo 1">
+            <a:extLst>
+              <a:ext uri="{FF2B5EF4-FFF2-40B4-BE49-F238E27FC236}">
+                <a16:creationId xmlns:a16="http://schemas.microsoft.com/office/drawing/2014/main" id="{AF216440-266E-459E-86B5-98FB1E630F86}"/>
+              </a:ext>
+            </a:extLst>
+          </p:cNvPr>
+          <p:cNvSpPr txBox="1">
+            <a:spLocks/>
           </p:cNvSpPr>
-          <p:nvPr>
-            <p:ph type="title"/>
-          </p:nvPr>
+          <p:nvPr/>
         </p:nvSpPr>
-        <p:spPr/>
+        <p:spPr>
+          <a:xfrm>
+            <a:off x="1762328" y="753365"/>
+            <a:ext cx="10131425" cy="1456267"/>
+          </a:xfrm>
+          <a:prstGeom prst="rect">
+            <a:avLst/>
+          </a:prstGeom>
+          <a:effectLst/>
+        </p:spPr>
         <p:txBody>
-          <a:bodyPr/>
-          <a:lstStyle/>
-          <a:p>
-            <a:endParaRPr lang="it-IT"/>
+          <a:bodyPr vert="horz" lIns="91440" tIns="45720" rIns="91440" bIns="45720" rtlCol="0" anchor="ctr">
+            <a:normAutofit/>
+          </a:bodyPr>
+          <a:lstStyle>
+            <a:lvl1pPr algn="l" defTabSz="457200" rtl="0" eaLnBrk="1" latinLnBrk="0" hangingPunct="1">
+              <a:spcBef>
+                <a:spcPct val="0"/>
+              </a:spcBef>
+              <a:buNone/>
+              <a:defRPr sz="3600" kern="1200" cap="all">
+                <a:ln w="3175" cmpd="sng">
+                  <a:noFill/>
+                </a:ln>
+                <a:solidFill>
+                  <a:schemeClr val="tx1"/>
+                </a:solidFill>
+                <a:effectLst/>
+                <a:latin typeface="+mj-lt"/>
+                <a:ea typeface="+mj-ea"/>
+                <a:cs typeface="+mj-cs"/>
+              </a:defRPr>
+            </a:lvl1pPr>
+            <a:lvl2pPr eaLnBrk="1" hangingPunct="1">
+              <a:defRPr>
+                <a:solidFill>
+                  <a:schemeClr val="tx2"/>
+                </a:solidFill>
+              </a:defRPr>
+            </a:lvl2pPr>
+            <a:lvl3pPr eaLnBrk="1" hangingPunct="1">
+              <a:defRPr>
+                <a:solidFill>
+                  <a:schemeClr val="tx2"/>
+                </a:solidFill>
+              </a:defRPr>
+            </a:lvl3pPr>
+            <a:lvl4pPr eaLnBrk="1" hangingPunct="1">
+              <a:defRPr>
+                <a:solidFill>
+                  <a:schemeClr val="tx2"/>
+                </a:solidFill>
+              </a:defRPr>
+            </a:lvl4pPr>
+            <a:lvl5pPr eaLnBrk="1" hangingPunct="1">
+              <a:defRPr>
+                <a:solidFill>
+                  <a:schemeClr val="tx2"/>
+                </a:solidFill>
+              </a:defRPr>
+            </a:lvl5pPr>
+            <a:lvl6pPr eaLnBrk="1" hangingPunct="1">
+              <a:defRPr>
+                <a:solidFill>
+                  <a:schemeClr val="tx2"/>
+                </a:solidFill>
+              </a:defRPr>
+            </a:lvl6pPr>
+            <a:lvl7pPr eaLnBrk="1" hangingPunct="1">
+              <a:defRPr>
+                <a:solidFill>
+                  <a:schemeClr val="tx2"/>
+                </a:solidFill>
+              </a:defRPr>
+            </a:lvl7pPr>
+            <a:lvl8pPr eaLnBrk="1" hangingPunct="1">
+              <a:defRPr>
+                <a:solidFill>
+                  <a:schemeClr val="tx2"/>
+                </a:solidFill>
+              </a:defRPr>
+            </a:lvl8pPr>
+            <a:lvl9pPr eaLnBrk="1" hangingPunct="1">
+              <a:defRPr>
+                <a:solidFill>
+                  <a:schemeClr val="tx2"/>
+                </a:solidFill>
+              </a:defRPr>
+            </a:lvl9pPr>
+          </a:lstStyle>
+          <a:p>
+            <a:pPr algn="r"/>
+            <a:r>
+              <a:rPr lang="en-US" dirty="0">
+                <a:solidFill>
+                  <a:schemeClr val="bg1"/>
+                </a:solidFill>
+              </a:rPr>
+              <a:t>Simulation results</a:t>
+            </a:r>
+            <a:endParaRPr lang="it-IT" dirty="0">
+              <a:solidFill>
+                <a:schemeClr val="bg1"/>
+              </a:solidFill>
+            </a:endParaRPr>
           </a:p>
         </p:txBody>
       </p:sp>
       <p:sp>
         <p:nvSpPr>
-          <p:cNvPr id="3" name="Segnaposto contenuto 2">
+          <p:cNvPr id="7" name="CasellaDiTesto 6">
             <a:extLst>
               <a:ext uri="{FF2B5EF4-FFF2-40B4-BE49-F238E27FC236}">
-                <a16:creationId xmlns:a16="http://schemas.microsoft.com/office/drawing/2014/main" id="{DA8D4186-B769-4209-B1A6-5F49CCCC7086}"/>
+                <a16:creationId xmlns:a16="http://schemas.microsoft.com/office/drawing/2014/main" id="{42582E68-79EE-41A6-8B49-62313C92EB6A}"/>
               </a:ext>
             </a:extLst>
           </p:cNvPr>
-          <p:cNvSpPr>
-            <a:spLocks noGrp="1"/>
-          </p:cNvSpPr>
-          <p:nvPr>
-            <p:ph idx="1"/>
-          </p:nvPr>
+          <p:cNvSpPr txBox="1"/>
+          <p:nvPr/>
         </p:nvSpPr>
-        <p:spPr/>
+        <p:spPr>
+          <a:xfrm>
+            <a:off x="0" y="0"/>
+            <a:ext cx="7199973" cy="2308324"/>
+          </a:xfrm>
+          <a:prstGeom prst="rect">
+            <a:avLst/>
+          </a:prstGeom>
+          <a:noFill/>
+        </p:spPr>
         <p:txBody>
-          <a:bodyPr/>
+          <a:bodyPr wrap="square" rtlCol="0">
+            <a:spAutoFit/>
+          </a:bodyPr>
           <a:lstStyle/>
           <a:p>
-            <a:endParaRPr lang="it-IT"/>
+            <a:r>
+              <a:rPr lang="en-US" dirty="0"/>
+              <a:t>An Example of functioning with complete random input: a result of possible behavior, as can be seen, the lights work as intended also before any action on “Mode” input is performed.</a:t>
+            </a:r>
+          </a:p>
+          <a:p>
+            <a:pPr marL="285750" indent="-285750">
+              <a:buFont typeface="Arial" panose="020B0604020202020204" pitchFamily="34" charset="0"/>
+              <a:buChar char="•"/>
+            </a:pPr>
+            <a:r>
+              <a:rPr lang="en-US" b="1" dirty="0"/>
+              <a:t>Maintenance</a:t>
+            </a:r>
+            <a:r>
+              <a:rPr lang="en-US" dirty="0"/>
+              <a:t> since mode is undefined (lights still not active)</a:t>
+            </a:r>
+          </a:p>
+          <a:p>
+            <a:pPr marL="285750" indent="-285750">
+              <a:buFont typeface="Arial" panose="020B0604020202020204" pitchFamily="34" charset="0"/>
+              <a:buChar char="•"/>
+            </a:pPr>
+            <a:r>
+              <a:rPr lang="en-US" dirty="0"/>
+              <a:t>Followed by </a:t>
+            </a:r>
+            <a:r>
+              <a:rPr lang="en-US" b="1" dirty="0"/>
+              <a:t>Standby</a:t>
+            </a:r>
+            <a:r>
+              <a:rPr lang="en-US" dirty="0"/>
+              <a:t> since 4000ns.</a:t>
+            </a:r>
+          </a:p>
+          <a:p>
+            <a:pPr marL="285750" indent="-285750">
+              <a:buFont typeface="Arial" panose="020B0604020202020204" pitchFamily="34" charset="0"/>
+              <a:buChar char="•"/>
+            </a:pPr>
+            <a:r>
+              <a:rPr lang="en-US" dirty="0"/>
+              <a:t>Then </a:t>
+            </a:r>
+            <a:r>
+              <a:rPr lang="en-US" b="1" dirty="0"/>
+              <a:t>Nominal</a:t>
+            </a:r>
+            <a:r>
+              <a:rPr lang="en-US" dirty="0"/>
+              <a:t> since maintenance again at 5600ns, when “reset” input have a downslope.</a:t>
+            </a:r>
+          </a:p>
+          <a:p>
+            <a:pPr marL="285750" indent="-285750">
+              <a:buFont typeface="Arial" panose="020B0604020202020204" pitchFamily="34" charset="0"/>
+              <a:buChar char="•"/>
+            </a:pPr>
+            <a:r>
+              <a:rPr lang="en-US" dirty="0"/>
+              <a:t>At 7300ns, signals are disabled.</a:t>
+            </a:r>
+            <a:endParaRPr lang="it-IT" dirty="0"/>
           </a:p>
         </p:txBody>
       </p:sp>
     </p:spTree>
     <p:extLst>
       <p:ext uri="{BB962C8B-B14F-4D97-AF65-F5344CB8AC3E}">
-        <p14:creationId xmlns:p14="http://schemas.microsoft.com/office/powerpoint/2010/main" val="3059097226"/>
+        <p14:creationId xmlns:p14="http://schemas.microsoft.com/office/powerpoint/2010/main" val="4223045800"/>
       </p:ext>
     </p:extLst>
   </p:cSld>
@@ -9052,35 +11201,762 @@
         </p:nvSpPr>
         <p:spPr/>
         <p:txBody>
-          <a:bodyPr/>
+          <a:bodyPr>
+            <a:normAutofit/>
+          </a:bodyPr>
           <a:lstStyle/>
           <a:p>
-            <a:endParaRPr lang="it-IT"/>
+            <a:pPr algn="r"/>
+            <a:r>
+              <a:rPr lang="it-IT" sz="4000" dirty="0" err="1">
+                <a:solidFill>
+                  <a:schemeClr val="bg1"/>
+                </a:solidFill>
+              </a:rPr>
+              <a:t>Conclusion</a:t>
+            </a:r>
+            <a:endParaRPr lang="it-IT" sz="4000" dirty="0">
+              <a:solidFill>
+                <a:schemeClr val="bg1"/>
+              </a:solidFill>
+            </a:endParaRPr>
           </a:p>
         </p:txBody>
       </p:sp>
       <p:sp>
         <p:nvSpPr>
-          <p:cNvPr id="3" name="Segnaposto contenuto 2">
+          <p:cNvPr id="4" name="CasellaDiTesto 2">
             <a:extLst>
               <a:ext uri="{FF2B5EF4-FFF2-40B4-BE49-F238E27FC236}">
-                <a16:creationId xmlns:a16="http://schemas.microsoft.com/office/drawing/2014/main" id="{45BAFD9C-0086-4039-BEC4-B1FFAE7432EB}"/>
+                <a16:creationId xmlns:a16="http://schemas.microsoft.com/office/drawing/2014/main" id="{DB8DFBA9-E0C5-4D2A-8956-83B4080C0D4E}"/>
               </a:ext>
             </a:extLst>
           </p:cNvPr>
-          <p:cNvSpPr>
-            <a:spLocks noGrp="1"/>
-          </p:cNvSpPr>
-          <p:nvPr>
-            <p:ph idx="1"/>
-          </p:nvPr>
+          <p:cNvSpPr txBox="1"/>
+          <p:nvPr/>
         </p:nvSpPr>
-        <p:spPr/>
+        <p:spPr>
+          <a:xfrm>
+            <a:off x="480194" y="2828835"/>
+            <a:ext cx="11231612" cy="2862322"/>
+          </a:xfrm>
+          <a:prstGeom prst="rect">
+            <a:avLst/>
+          </a:prstGeom>
+          <a:noFill/>
+          <a:ln>
+            <a:noFill/>
+          </a:ln>
+        </p:spPr>
         <p:txBody>
-          <a:bodyPr/>
-          <a:lstStyle/>
-          <a:p>
-            <a:endParaRPr lang="it-IT"/>
+          <a:bodyPr wrap="square" rtlCol="0">
+            <a:spAutoFit/>
+          </a:bodyPr>
+          <a:lstStyle>
+            <a:defPPr rtl="0">
+              <a:defRPr lang="it-it"/>
+            </a:defPPr>
+            <a:lvl1pPr marL="0" algn="l" defTabSz="457200" rtl="0" eaLnBrk="1" latinLnBrk="0" hangingPunct="1">
+              <a:defRPr sz="1800" kern="1200">
+                <a:solidFill>
+                  <a:schemeClr val="tx1"/>
+                </a:solidFill>
+                <a:latin typeface="+mn-lt"/>
+                <a:ea typeface="+mn-ea"/>
+                <a:cs typeface="+mn-cs"/>
+              </a:defRPr>
+            </a:lvl1pPr>
+            <a:lvl2pPr marL="457200" algn="l" defTabSz="457200" rtl="0" eaLnBrk="1" latinLnBrk="0" hangingPunct="1">
+              <a:defRPr sz="1800" kern="1200">
+                <a:solidFill>
+                  <a:schemeClr val="tx1"/>
+                </a:solidFill>
+                <a:latin typeface="+mn-lt"/>
+                <a:ea typeface="+mn-ea"/>
+                <a:cs typeface="+mn-cs"/>
+              </a:defRPr>
+            </a:lvl2pPr>
+            <a:lvl3pPr marL="914400" algn="l" defTabSz="457200" rtl="0" eaLnBrk="1" latinLnBrk="0" hangingPunct="1">
+              <a:defRPr sz="1800" kern="1200">
+                <a:solidFill>
+                  <a:schemeClr val="tx1"/>
+                </a:solidFill>
+                <a:latin typeface="+mn-lt"/>
+                <a:ea typeface="+mn-ea"/>
+                <a:cs typeface="+mn-cs"/>
+              </a:defRPr>
+            </a:lvl3pPr>
+            <a:lvl4pPr marL="1371600" algn="l" defTabSz="457200" rtl="0" eaLnBrk="1" latinLnBrk="0" hangingPunct="1">
+              <a:defRPr sz="1800" kern="1200">
+                <a:solidFill>
+                  <a:schemeClr val="tx1"/>
+                </a:solidFill>
+                <a:latin typeface="+mn-lt"/>
+                <a:ea typeface="+mn-ea"/>
+                <a:cs typeface="+mn-cs"/>
+              </a:defRPr>
+            </a:lvl4pPr>
+            <a:lvl5pPr marL="1828800" algn="l" defTabSz="457200" rtl="0" eaLnBrk="1" latinLnBrk="0" hangingPunct="1">
+              <a:defRPr sz="1800" kern="1200">
+                <a:solidFill>
+                  <a:schemeClr val="tx1"/>
+                </a:solidFill>
+                <a:latin typeface="+mn-lt"/>
+                <a:ea typeface="+mn-ea"/>
+                <a:cs typeface="+mn-cs"/>
+              </a:defRPr>
+            </a:lvl5pPr>
+            <a:lvl6pPr marL="2286000" algn="l" defTabSz="457200" rtl="0" eaLnBrk="1" latinLnBrk="0" hangingPunct="1">
+              <a:defRPr sz="1800" kern="1200">
+                <a:solidFill>
+                  <a:schemeClr val="tx1"/>
+                </a:solidFill>
+                <a:latin typeface="+mn-lt"/>
+                <a:ea typeface="+mn-ea"/>
+                <a:cs typeface="+mn-cs"/>
+              </a:defRPr>
+            </a:lvl6pPr>
+            <a:lvl7pPr marL="2743200" algn="l" defTabSz="457200" rtl="0" eaLnBrk="1" latinLnBrk="0" hangingPunct="1">
+              <a:defRPr sz="1800" kern="1200">
+                <a:solidFill>
+                  <a:schemeClr val="tx1"/>
+                </a:solidFill>
+                <a:latin typeface="+mn-lt"/>
+                <a:ea typeface="+mn-ea"/>
+                <a:cs typeface="+mn-cs"/>
+              </a:defRPr>
+            </a:lvl7pPr>
+            <a:lvl8pPr marL="3200400" algn="l" defTabSz="457200" rtl="0" eaLnBrk="1" latinLnBrk="0" hangingPunct="1">
+              <a:defRPr sz="1800" kern="1200">
+                <a:solidFill>
+                  <a:schemeClr val="tx1"/>
+                </a:solidFill>
+                <a:latin typeface="+mn-lt"/>
+                <a:ea typeface="+mn-ea"/>
+                <a:cs typeface="+mn-cs"/>
+              </a:defRPr>
+            </a:lvl8pPr>
+            <a:lvl9pPr marL="3657600" algn="l" defTabSz="457200" rtl="0" eaLnBrk="1" latinLnBrk="0" hangingPunct="1">
+              <a:defRPr sz="1800" kern="1200">
+                <a:solidFill>
+                  <a:schemeClr val="tx1"/>
+                </a:solidFill>
+                <a:latin typeface="+mn-lt"/>
+                <a:ea typeface="+mn-ea"/>
+                <a:cs typeface="+mn-cs"/>
+              </a:defRPr>
+            </a:lvl9pPr>
+          </a:lstStyle>
+          <a:p>
+            <a:pPr marL="285750" indent="-285750">
+              <a:buFont typeface="Arial" panose="020B0604020202020204" pitchFamily="34" charset="0"/>
+              <a:buChar char="•"/>
+            </a:pPr>
+            <a:r>
+              <a:rPr lang="it-IT" dirty="0" err="1"/>
+              <a:t>Starting</a:t>
+            </a:r>
+            <a:r>
+              <a:rPr lang="it-IT" dirty="0"/>
+              <a:t> by the top-</a:t>
+            </a:r>
+            <a:r>
+              <a:rPr lang="it-IT" dirty="0" err="1"/>
+              <a:t>view</a:t>
+            </a:r>
+            <a:r>
+              <a:rPr lang="it-IT" dirty="0"/>
+              <a:t> </a:t>
+            </a:r>
+            <a:r>
+              <a:rPr lang="it-IT" dirty="0" err="1"/>
+              <a:t>block</a:t>
+            </a:r>
+            <a:r>
+              <a:rPr lang="it-IT" dirty="0"/>
+              <a:t> </a:t>
+            </a:r>
+            <a:r>
+              <a:rPr lang="it-IT" dirty="0" err="1"/>
+              <a:t>scheme</a:t>
+            </a:r>
+            <a:r>
+              <a:rPr lang="it-IT" dirty="0"/>
+              <a:t>, </a:t>
+            </a:r>
+            <a:r>
+              <a:rPr lang="it-IT" dirty="0" err="1"/>
+              <a:t>each</a:t>
+            </a:r>
+            <a:r>
+              <a:rPr lang="it-IT" dirty="0"/>
+              <a:t> component </a:t>
+            </a:r>
+            <a:r>
+              <a:rPr lang="it-IT" dirty="0" err="1"/>
+              <a:t>has</a:t>
+            </a:r>
+            <a:r>
+              <a:rPr lang="it-IT" dirty="0"/>
+              <a:t> </a:t>
+            </a:r>
+            <a:r>
+              <a:rPr lang="it-IT" dirty="0" err="1"/>
+              <a:t>been</a:t>
+            </a:r>
+            <a:r>
+              <a:rPr lang="it-IT" dirty="0"/>
+              <a:t> </a:t>
+            </a:r>
+            <a:r>
+              <a:rPr lang="it-IT" dirty="0" err="1"/>
+              <a:t>implemented</a:t>
+            </a:r>
+            <a:r>
+              <a:rPr lang="it-IT" dirty="0"/>
+              <a:t> in VHDL.</a:t>
+            </a:r>
+          </a:p>
+          <a:p>
+            <a:pPr marL="285750" indent="-285750">
+              <a:buFont typeface="Arial" panose="020B0604020202020204" pitchFamily="34" charset="0"/>
+              <a:buChar char="•"/>
+            </a:pPr>
+            <a:r>
+              <a:rPr lang="it-IT" dirty="0" err="1"/>
+              <a:t>Each</a:t>
+            </a:r>
+            <a:r>
+              <a:rPr lang="it-IT" dirty="0"/>
+              <a:t> </a:t>
+            </a:r>
+            <a:r>
+              <a:rPr lang="it-IT" dirty="0" err="1"/>
+              <a:t>entity</a:t>
+            </a:r>
+            <a:r>
+              <a:rPr lang="it-IT" dirty="0"/>
+              <a:t> </a:t>
+            </a:r>
+            <a:r>
+              <a:rPr lang="it-IT" dirty="0" err="1"/>
+              <a:t>has</a:t>
+            </a:r>
+            <a:r>
+              <a:rPr lang="it-IT" dirty="0"/>
+              <a:t> </a:t>
+            </a:r>
+            <a:r>
+              <a:rPr lang="it-IT" dirty="0" err="1"/>
+              <a:t>been</a:t>
+            </a:r>
+            <a:r>
+              <a:rPr lang="it-IT" dirty="0"/>
+              <a:t> </a:t>
+            </a:r>
+            <a:r>
+              <a:rPr lang="it-IT" dirty="0" err="1"/>
+              <a:t>tested</a:t>
+            </a:r>
+            <a:r>
+              <a:rPr lang="it-IT" dirty="0"/>
+              <a:t> </a:t>
+            </a:r>
+            <a:r>
+              <a:rPr lang="it-IT" dirty="0" err="1"/>
+              <a:t>independently</a:t>
+            </a:r>
+            <a:r>
+              <a:rPr lang="it-IT" dirty="0"/>
+              <a:t> or with a «</a:t>
+            </a:r>
+            <a:r>
+              <a:rPr lang="it-IT" dirty="0" err="1"/>
+              <a:t>supercomponent</a:t>
+            </a:r>
+            <a:r>
+              <a:rPr lang="it-IT" dirty="0"/>
+              <a:t>» </a:t>
+            </a:r>
+            <a:r>
+              <a:rPr lang="it-IT" dirty="0" err="1"/>
+              <a:t>before</a:t>
+            </a:r>
+            <a:r>
+              <a:rPr lang="it-IT" dirty="0"/>
+              <a:t> </a:t>
+            </a:r>
+            <a:r>
+              <a:rPr lang="it-IT" dirty="0" err="1"/>
+              <a:t>being</a:t>
+            </a:r>
+            <a:r>
+              <a:rPr lang="it-IT" dirty="0"/>
+              <a:t> </a:t>
+            </a:r>
+            <a:r>
+              <a:rPr lang="it-IT" dirty="0" err="1"/>
+              <a:t>connected</a:t>
+            </a:r>
+            <a:r>
+              <a:rPr lang="it-IT" dirty="0"/>
+              <a:t>.</a:t>
+            </a:r>
+          </a:p>
+          <a:p>
+            <a:pPr marL="285750" indent="-285750">
+              <a:buFont typeface="Arial" panose="020B0604020202020204" pitchFamily="34" charset="0"/>
+              <a:buChar char="•"/>
+            </a:pPr>
+            <a:r>
+              <a:rPr lang="it-IT" dirty="0"/>
+              <a:t>I </a:t>
+            </a:r>
+            <a:r>
+              <a:rPr lang="it-IT" dirty="0" err="1"/>
+              <a:t>gave</a:t>
+            </a:r>
+            <a:r>
+              <a:rPr lang="it-IT" dirty="0"/>
+              <a:t> </a:t>
+            </a:r>
+            <a:r>
+              <a:rPr lang="it-IT" dirty="0" err="1"/>
+              <a:t>priority</a:t>
+            </a:r>
+            <a:r>
+              <a:rPr lang="it-IT" dirty="0"/>
+              <a:t> to «</a:t>
+            </a:r>
+            <a:r>
+              <a:rPr lang="it-IT" dirty="0" err="1"/>
+              <a:t>resetting</a:t>
+            </a:r>
+            <a:r>
+              <a:rPr lang="it-IT" dirty="0"/>
+              <a:t>» the </a:t>
+            </a:r>
+            <a:r>
+              <a:rPr lang="it-IT" dirty="0" err="1"/>
+              <a:t>circuit</a:t>
+            </a:r>
+            <a:r>
+              <a:rPr lang="it-IT" dirty="0"/>
+              <a:t> </a:t>
+            </a:r>
+            <a:r>
+              <a:rPr lang="it-IT" dirty="0" err="1"/>
+              <a:t>if</a:t>
+            </a:r>
+            <a:r>
+              <a:rPr lang="it-IT" dirty="0"/>
+              <a:t> one of the </a:t>
+            </a:r>
+            <a:r>
+              <a:rPr lang="it-IT" dirty="0" err="1"/>
+              <a:t>buttons</a:t>
+            </a:r>
+            <a:r>
+              <a:rPr lang="it-IT" dirty="0"/>
+              <a:t> to switch </a:t>
+            </a:r>
+            <a:r>
+              <a:rPr lang="it-IT" dirty="0" err="1"/>
+              <a:t>it</a:t>
+            </a:r>
+            <a:r>
+              <a:rPr lang="it-IT" dirty="0"/>
+              <a:t> to «</a:t>
+            </a:r>
+            <a:r>
+              <a:rPr lang="it-IT" b="1" dirty="0" err="1"/>
+              <a:t>normal</a:t>
+            </a:r>
+            <a:r>
+              <a:rPr lang="it-IT" dirty="0"/>
+              <a:t> mode» </a:t>
+            </a:r>
+            <a:r>
+              <a:rPr lang="it-IT" dirty="0" err="1"/>
+              <a:t>if</a:t>
+            </a:r>
+            <a:r>
+              <a:rPr lang="it-IT" dirty="0"/>
+              <a:t> </a:t>
+            </a:r>
+            <a:r>
+              <a:rPr lang="it-IT" dirty="0" err="1"/>
+              <a:t>pressed</a:t>
+            </a:r>
+            <a:r>
+              <a:rPr lang="it-IT" dirty="0"/>
+              <a:t> </a:t>
+            </a:r>
+            <a:r>
+              <a:rPr lang="it-IT" dirty="0" err="1"/>
+              <a:t>when</a:t>
+            </a:r>
+            <a:r>
+              <a:rPr lang="it-IT" dirty="0"/>
+              <a:t> «reset» input </a:t>
+            </a:r>
+            <a:r>
+              <a:rPr lang="it-IT" dirty="0" err="1"/>
+              <a:t>is</a:t>
+            </a:r>
+            <a:r>
+              <a:rPr lang="it-IT" dirty="0"/>
+              <a:t> </a:t>
+            </a:r>
+            <a:r>
+              <a:rPr lang="it-IT" dirty="0" err="1"/>
+              <a:t>released</a:t>
+            </a:r>
+            <a:r>
+              <a:rPr lang="it-IT" dirty="0"/>
+              <a:t>.</a:t>
+            </a:r>
+          </a:p>
+          <a:p>
+            <a:pPr marL="285750" indent="-285750">
+              <a:buFont typeface="Arial" panose="020B0604020202020204" pitchFamily="34" charset="0"/>
+              <a:buChar char="•"/>
+            </a:pPr>
+            <a:r>
+              <a:rPr lang="it-IT" dirty="0"/>
+              <a:t>I </a:t>
+            </a:r>
+            <a:r>
+              <a:rPr lang="it-IT" dirty="0" err="1"/>
+              <a:t>considered</a:t>
+            </a:r>
+            <a:r>
+              <a:rPr lang="it-IT" dirty="0"/>
+              <a:t> the </a:t>
+            </a:r>
+            <a:r>
+              <a:rPr lang="it-IT" dirty="0" err="1"/>
+              <a:t>instruction</a:t>
+            </a:r>
+            <a:r>
+              <a:rPr lang="it-IT" dirty="0"/>
+              <a:t> «</a:t>
+            </a:r>
+            <a:r>
+              <a:rPr lang="it-IT" dirty="0" err="1"/>
+              <a:t>blink</a:t>
+            </a:r>
+            <a:r>
+              <a:rPr lang="it-IT" dirty="0"/>
+              <a:t> </a:t>
+            </a:r>
+            <a:r>
+              <a:rPr lang="it-IT" dirty="0" err="1"/>
+              <a:t>every</a:t>
+            </a:r>
+            <a:r>
+              <a:rPr lang="it-IT" dirty="0"/>
+              <a:t> X time» </a:t>
+            </a:r>
+            <a:r>
+              <a:rPr lang="it-IT" dirty="0" err="1"/>
+              <a:t>as</a:t>
+            </a:r>
+            <a:r>
+              <a:rPr lang="it-IT" dirty="0"/>
+              <a:t> On for X time, </a:t>
+            </a:r>
+            <a:r>
+              <a:rPr lang="it-IT" dirty="0" err="1"/>
+              <a:t>then</a:t>
+            </a:r>
+            <a:r>
+              <a:rPr lang="it-IT" dirty="0"/>
+              <a:t> Off for X time, </a:t>
+            </a:r>
+            <a:r>
+              <a:rPr lang="it-IT" dirty="0" err="1"/>
+              <a:t>then</a:t>
+            </a:r>
+            <a:r>
+              <a:rPr lang="it-IT" dirty="0"/>
+              <a:t> On </a:t>
+            </a:r>
+            <a:r>
+              <a:rPr lang="it-IT" dirty="0" err="1"/>
+              <a:t>again</a:t>
+            </a:r>
+            <a:r>
+              <a:rPr lang="it-IT" dirty="0"/>
+              <a:t>… .</a:t>
+            </a:r>
+          </a:p>
+          <a:p>
+            <a:pPr marL="285750" indent="-285750">
+              <a:buFont typeface="Arial" panose="020B0604020202020204" pitchFamily="34" charset="0"/>
+              <a:buChar char="•"/>
+            </a:pPr>
+            <a:r>
+              <a:rPr lang="it-IT" dirty="0"/>
+              <a:t>The Names </a:t>
+            </a:r>
+            <a:r>
+              <a:rPr lang="it-IT" dirty="0" err="1"/>
+              <a:t>fot</a:t>
+            </a:r>
+            <a:r>
+              <a:rPr lang="it-IT" dirty="0"/>
+              <a:t> Mod4 and Mod5 </a:t>
+            </a:r>
+            <a:r>
+              <a:rPr lang="it-IT" dirty="0" err="1"/>
+              <a:t>have</a:t>
+            </a:r>
+            <a:r>
+              <a:rPr lang="it-IT" dirty="0"/>
+              <a:t> </a:t>
+            </a:r>
+            <a:r>
+              <a:rPr lang="it-IT" dirty="0" err="1"/>
+              <a:t>been</a:t>
+            </a:r>
+            <a:r>
+              <a:rPr lang="it-IT" dirty="0"/>
+              <a:t> </a:t>
+            </a:r>
+            <a:r>
+              <a:rPr lang="it-IT" dirty="0" err="1"/>
+              <a:t>extrapolated</a:t>
+            </a:r>
+            <a:r>
+              <a:rPr lang="it-IT" dirty="0"/>
+              <a:t> from the </a:t>
+            </a:r>
+            <a:r>
+              <a:rPr lang="it-IT" dirty="0" err="1"/>
+              <a:t>context</a:t>
+            </a:r>
+            <a:r>
+              <a:rPr lang="it-IT" dirty="0"/>
+              <a:t> and put </a:t>
+            </a:r>
+            <a:r>
+              <a:rPr lang="it-IT" dirty="0" err="1"/>
+              <a:t>as</a:t>
+            </a:r>
+            <a:r>
+              <a:rPr lang="it-IT" dirty="0"/>
+              <a:t> </a:t>
+            </a:r>
+            <a:r>
+              <a:rPr lang="it-IT" b="1" dirty="0"/>
+              <a:t>standby</a:t>
+            </a:r>
+            <a:r>
+              <a:rPr lang="it-IT" dirty="0"/>
+              <a:t> and </a:t>
+            </a:r>
+            <a:r>
+              <a:rPr lang="it-IT" b="1" dirty="0" err="1"/>
+              <a:t>maintenence</a:t>
+            </a:r>
+            <a:r>
+              <a:rPr lang="it-IT" dirty="0"/>
+              <a:t> </a:t>
+            </a:r>
+            <a:r>
+              <a:rPr lang="it-IT" dirty="0" err="1"/>
+              <a:t>respectivly</a:t>
+            </a:r>
+            <a:r>
+              <a:rPr lang="it-IT" dirty="0"/>
+              <a:t>.</a:t>
+            </a:r>
+          </a:p>
+          <a:p>
+            <a:pPr marL="285750" indent="-285750">
+              <a:buFont typeface="Arial" panose="020B0604020202020204" pitchFamily="34" charset="0"/>
+              <a:buChar char="•"/>
+            </a:pPr>
+            <a:r>
+              <a:rPr lang="it-IT" dirty="0" err="1"/>
+              <a:t>As</a:t>
+            </a:r>
+            <a:r>
+              <a:rPr lang="it-IT" dirty="0"/>
+              <a:t> </a:t>
+            </a:r>
+            <a:r>
+              <a:rPr lang="it-IT" dirty="0" err="1"/>
+              <a:t>written</a:t>
+            </a:r>
+            <a:r>
+              <a:rPr lang="it-IT" dirty="0"/>
+              <a:t> </a:t>
+            </a:r>
+            <a:r>
+              <a:rPr lang="it-IT" dirty="0" err="1"/>
+              <a:t>at</a:t>
+            </a:r>
+            <a:r>
+              <a:rPr lang="it-IT" dirty="0"/>
+              <a:t> the </a:t>
+            </a:r>
+            <a:r>
+              <a:rPr lang="it-IT" dirty="0" err="1"/>
+              <a:t>beginning</a:t>
+            </a:r>
+            <a:r>
+              <a:rPr lang="it-IT" dirty="0"/>
+              <a:t>, for testing </a:t>
+            </a:r>
+            <a:r>
+              <a:rPr lang="it-IT" dirty="0" err="1"/>
+              <a:t>purpose</a:t>
+            </a:r>
+            <a:r>
+              <a:rPr lang="it-IT" dirty="0"/>
+              <a:t> </a:t>
+            </a:r>
+            <a:r>
+              <a:rPr lang="it-IT" dirty="0" err="1"/>
+              <a:t>every</a:t>
+            </a:r>
+            <a:r>
+              <a:rPr lang="it-IT" dirty="0"/>
+              <a:t> 1 second of «</a:t>
+            </a:r>
+            <a:r>
+              <a:rPr lang="it-IT" dirty="0" err="1"/>
+              <a:t>requested</a:t>
+            </a:r>
+            <a:r>
+              <a:rPr lang="it-IT" dirty="0"/>
+              <a:t> time» </a:t>
+            </a:r>
+            <a:r>
+              <a:rPr lang="it-IT" dirty="0" err="1"/>
+              <a:t>have</a:t>
+            </a:r>
+            <a:r>
+              <a:rPr lang="it-IT" dirty="0"/>
+              <a:t> </a:t>
+            </a:r>
+            <a:r>
+              <a:rPr lang="it-IT" dirty="0" err="1"/>
+              <a:t>been</a:t>
+            </a:r>
+            <a:r>
+              <a:rPr lang="it-IT" dirty="0"/>
+              <a:t> </a:t>
+            </a:r>
+            <a:r>
+              <a:rPr lang="it-IT" dirty="0" err="1"/>
+              <a:t>converted</a:t>
+            </a:r>
+            <a:r>
+              <a:rPr lang="it-IT" dirty="0"/>
+              <a:t> </a:t>
+            </a:r>
+            <a:r>
+              <a:rPr lang="it-IT" dirty="0" err="1"/>
+              <a:t>as</a:t>
+            </a:r>
+            <a:r>
+              <a:rPr lang="it-IT" dirty="0"/>
+              <a:t> 100 ns.</a:t>
+            </a:r>
+          </a:p>
+          <a:p>
+            <a:pPr marL="285750" indent="-285750">
+              <a:buFont typeface="Arial" panose="020B0604020202020204" pitchFamily="34" charset="0"/>
+              <a:buChar char="•"/>
+            </a:pPr>
+            <a:r>
+              <a:rPr lang="it-IT" dirty="0" err="1"/>
+              <a:t>As</a:t>
+            </a:r>
+            <a:r>
+              <a:rPr lang="it-IT" dirty="0"/>
+              <a:t> </a:t>
+            </a:r>
+            <a:r>
+              <a:rPr lang="it-IT" dirty="0" err="1"/>
+              <a:t>shown</a:t>
+            </a:r>
+            <a:r>
+              <a:rPr lang="it-IT" dirty="0"/>
+              <a:t> by the </a:t>
+            </a:r>
+            <a:r>
+              <a:rPr lang="it-IT" dirty="0" err="1"/>
+              <a:t>simulation</a:t>
+            </a:r>
+            <a:r>
+              <a:rPr lang="it-IT" dirty="0"/>
+              <a:t> </a:t>
+            </a:r>
+            <a:r>
+              <a:rPr lang="it-IT" dirty="0" err="1"/>
+              <a:t>results</a:t>
+            </a:r>
+            <a:r>
+              <a:rPr lang="it-IT" dirty="0"/>
+              <a:t>, and </a:t>
+            </a:r>
+            <a:r>
+              <a:rPr lang="it-IT" dirty="0" err="1"/>
+              <a:t>according</a:t>
+            </a:r>
+            <a:r>
+              <a:rPr lang="it-IT" dirty="0"/>
+              <a:t> to the </a:t>
+            </a:r>
+            <a:r>
+              <a:rPr lang="it-IT" dirty="0" err="1"/>
+              <a:t>initial</a:t>
+            </a:r>
+            <a:r>
+              <a:rPr lang="it-IT" dirty="0"/>
+              <a:t> </a:t>
+            </a:r>
+            <a:r>
+              <a:rPr lang="it-IT" dirty="0" err="1"/>
+              <a:t>assumptions</a:t>
+            </a:r>
+            <a:r>
+              <a:rPr lang="it-IT" dirty="0"/>
+              <a:t>, the </a:t>
+            </a:r>
+            <a:r>
+              <a:rPr lang="it-IT" dirty="0" err="1"/>
+              <a:t>circuit</a:t>
+            </a:r>
+            <a:r>
+              <a:rPr lang="it-IT" dirty="0"/>
+              <a:t> works </a:t>
+            </a:r>
+            <a:r>
+              <a:rPr lang="it-IT" dirty="0" err="1"/>
+              <a:t>as</a:t>
+            </a:r>
+            <a:r>
+              <a:rPr lang="it-IT" dirty="0"/>
+              <a:t> </a:t>
+            </a:r>
+            <a:r>
+              <a:rPr lang="it-IT" dirty="0" err="1"/>
+              <a:t>expected</a:t>
+            </a:r>
+            <a:r>
+              <a:rPr lang="it-IT" dirty="0"/>
+              <a:t>.</a:t>
+            </a:r>
+            <a:endParaRPr lang="it-IT" dirty="0">
+              <a:solidFill>
+                <a:schemeClr val="bg1"/>
+              </a:solidFill>
+            </a:endParaRPr>
           </a:p>
         </p:txBody>
       </p:sp>
@@ -9251,7 +12127,7 @@
             <a:pPr lvl="1"/>
             <a:r>
               <a:rPr lang="en-US" dirty="0"/>
-              <a:t>The resulting output have been put in AND with the °enable° signal, that is accountable as a ON/OFF switch.</a:t>
+              <a:t>The resulting output have been put in AND with the “enable” signal, that is accountable as a ON/OFF switch.</a:t>
             </a:r>
           </a:p>
           <a:p>
@@ -9265,10 +12141,26 @@
             <a:pPr lvl="1"/>
             <a:r>
               <a:rPr lang="en-US" dirty="0"/>
-              <a:t>The 3 modes are: nominal, standby and </a:t>
-            </a:r>
-            <a:r>
-              <a:rPr lang="en-US" dirty="0" err="1"/>
+              <a:t>The 3 modes are: </a:t>
+            </a:r>
+            <a:r>
+              <a:rPr lang="en-US" b="1" dirty="0"/>
+              <a:t>nominal</a:t>
+            </a:r>
+            <a:r>
+              <a:rPr lang="en-US" dirty="0"/>
+              <a:t>, </a:t>
+            </a:r>
+            <a:r>
+              <a:rPr lang="en-US" b="1" dirty="0"/>
+              <a:t>standby</a:t>
+            </a:r>
+            <a:r>
+              <a:rPr lang="en-US" dirty="0"/>
+              <a:t> and </a:t>
+            </a:r>
+            <a:r>
+              <a:rPr lang="en-US" b="1" dirty="0" err="1"/>
               <a:t>maintenence</a:t>
             </a:r>
             <a:r>
@@ -9281,7 +12173,7 @@
             </a:r>
             <a:r>
               <a:rPr lang="en-US" dirty="0"/>
-              <a:t> is turned on or restarted, those 2 execution modes have been jointed with a </a:t>
+              <a:t> is turned on or restarted, those 2 execution modes have been tested jointed with a </a:t>
             </a:r>
             <a:r>
               <a:rPr lang="en-US" dirty="0" err="1"/>
@@ -9289,7 +12181,31 @@
             </a:r>
             <a:r>
               <a:rPr lang="en-US" dirty="0"/>
-              <a:t> “Normal”.</a:t>
+              <a:t> “</a:t>
+            </a:r>
+            <a:r>
+              <a:rPr lang="en-US" b="1" dirty="0"/>
+              <a:t>Normal</a:t>
+            </a:r>
+            <a:r>
+              <a:rPr lang="en-US" dirty="0"/>
+              <a:t>” (and for now on </a:t>
+            </a:r>
+            <a:r>
+              <a:rPr lang="en-US" dirty="0" err="1"/>
+              <a:t>i-ll</a:t>
+            </a:r>
+            <a:r>
+              <a:rPr lang="en-US" dirty="0"/>
+              <a:t> refer as </a:t>
+            </a:r>
+            <a:r>
+              <a:rPr lang="en-US" b="1" dirty="0"/>
+              <a:t>Normal</a:t>
+            </a:r>
+            <a:r>
+              <a:rPr lang="en-US" dirty="0"/>
+              <a:t> as: MOD3 or MOD4 depending by “mode” input value).</a:t>
             </a:r>
           </a:p>
           <a:p>
@@ -9316,7 +12232,7 @@
             </a:r>
             <a:r>
               <a:rPr lang="it-IT" dirty="0"/>
-              <a:t> second in the </a:t>
+              <a:t> 1 second in the </a:t>
             </a:r>
             <a:r>
               <a:rPr lang="it-IT" dirty="0" err="1"/>
@@ -9372,7 +12288,7 @@
             </a:r>
             <a:r>
               <a:rPr lang="it-IT" dirty="0"/>
-              <a:t> a 1 sec clock with </a:t>
+              <a:t> a 1 sec with </a:t>
             </a:r>
             <a:r>
               <a:rPr lang="it-IT" dirty="0" err="1"/>
@@ -12184,28 +15100,537 @@
           </a:p>
         </p:txBody>
       </p:sp>
-      <p:sp>
-        <p:nvSpPr>
-          <p:cNvPr id="3" name="Segnaposto contenuto 2">
+      <p:pic>
+        <p:nvPicPr>
+          <p:cNvPr id="5" name="Segnaposto contenuto 4">
             <a:extLst>
               <a:ext uri="{FF2B5EF4-FFF2-40B4-BE49-F238E27FC236}">
-                <a16:creationId xmlns:a16="http://schemas.microsoft.com/office/drawing/2014/main" id="{B278C7D8-CCAF-4998-A397-03A921328973}"/>
+                <a16:creationId xmlns:a16="http://schemas.microsoft.com/office/drawing/2014/main" id="{11F3686B-CC5B-497A-B9F5-BD5C867809CF}"/>
               </a:ext>
             </a:extLst>
           </p:cNvPr>
-          <p:cNvSpPr>
-            <a:spLocks noGrp="1"/>
-          </p:cNvSpPr>
+          <p:cNvPicPr>
+            <a:picLocks noGrp="1" noChangeAspect="1"/>
+          </p:cNvPicPr>
           <p:nvPr>
             <p:ph idx="1"/>
           </p:nvPr>
+        </p:nvPicPr>
+        <p:blipFill>
+          <a:blip r:embed="rId2">
+            <a:extLst>
+              <a:ext uri="{28A0092B-C50C-407E-A947-70E740481C1C}">
+                <a14:useLocalDpi xmlns:a14="http://schemas.microsoft.com/office/drawing/2010/main" val="0"/>
+              </a:ext>
+            </a:extLst>
+          </a:blip>
+          <a:stretch>
+            <a:fillRect/>
+          </a:stretch>
+        </p:blipFill>
+        <p:spPr>
+          <a:xfrm>
+            <a:off x="5418307" y="1710506"/>
+            <a:ext cx="5826867" cy="4788210"/>
+          </a:xfrm>
+        </p:spPr>
+      </p:pic>
+      <p:sp>
+        <p:nvSpPr>
+          <p:cNvPr id="6" name="CasellaDiTesto 5">
+            <a:extLst>
+              <a:ext uri="{FF2B5EF4-FFF2-40B4-BE49-F238E27FC236}">
+                <a16:creationId xmlns:a16="http://schemas.microsoft.com/office/drawing/2014/main" id="{C2313783-9FA9-4757-9B50-85A3585FF973}"/>
+              </a:ext>
+            </a:extLst>
+          </p:cNvPr>
+          <p:cNvSpPr txBox="1"/>
+          <p:nvPr/>
         </p:nvSpPr>
-        <p:spPr/>
+        <p:spPr>
+          <a:xfrm>
+            <a:off x="379379" y="1011677"/>
+            <a:ext cx="4776281" cy="4247317"/>
+          </a:xfrm>
+          <a:prstGeom prst="rect">
+            <a:avLst/>
+          </a:prstGeom>
+          <a:noFill/>
+        </p:spPr>
         <p:txBody>
-          <a:bodyPr/>
+          <a:bodyPr wrap="square" rtlCol="0">
+            <a:spAutoFit/>
+          </a:bodyPr>
           <a:lstStyle/>
           <a:p>
-            <a:endParaRPr lang="it-IT" dirty="0"/>
+            <a:r>
+              <a:rPr lang="en-US" dirty="0"/>
+              <a:t>As soon as the road-light is powered, it starts as “maintenance” mode.</a:t>
+            </a:r>
+          </a:p>
+          <a:p>
+            <a:r>
+              <a:rPr lang="it-IT" dirty="0" err="1"/>
+              <a:t>When</a:t>
+            </a:r>
+            <a:r>
+              <a:rPr lang="it-IT" dirty="0"/>
+              <a:t> Mode gain </a:t>
+            </a:r>
+            <a:r>
+              <a:rPr lang="it-IT" dirty="0" err="1"/>
+              <a:t>value</a:t>
+            </a:r>
+            <a:r>
+              <a:rPr lang="it-IT" dirty="0"/>
+              <a:t>, </a:t>
+            </a:r>
+            <a:r>
+              <a:rPr lang="it-IT" dirty="0" err="1"/>
+              <a:t>is</a:t>
+            </a:r>
+            <a:r>
+              <a:rPr lang="it-IT" dirty="0"/>
+              <a:t> </a:t>
+            </a:r>
+            <a:r>
+              <a:rPr lang="it-IT" dirty="0" err="1"/>
+              <a:t>equal</a:t>
+            </a:r>
+            <a:r>
+              <a:rPr lang="it-IT" dirty="0"/>
+              <a:t> </a:t>
+            </a:r>
+            <a:r>
+              <a:rPr lang="it-IT" dirty="0" err="1"/>
+              <a:t>as</a:t>
+            </a:r>
+            <a:r>
+              <a:rPr lang="it-IT" dirty="0"/>
+              <a:t> pressing a </a:t>
+            </a:r>
+            <a:r>
+              <a:rPr lang="it-IT" dirty="0" err="1"/>
+              <a:t>button</a:t>
+            </a:r>
+            <a:r>
+              <a:rPr lang="it-IT" dirty="0"/>
+              <a:t> for </a:t>
+            </a:r>
+            <a:r>
+              <a:rPr lang="it-IT" dirty="0" err="1"/>
+              <a:t>normal</a:t>
+            </a:r>
+            <a:r>
+              <a:rPr lang="it-IT" dirty="0"/>
+              <a:t> </a:t>
+            </a:r>
+            <a:r>
+              <a:rPr lang="it-IT" dirty="0" err="1"/>
+              <a:t>behaviour</a:t>
+            </a:r>
+            <a:r>
+              <a:rPr lang="it-IT" dirty="0"/>
+              <a:t>:</a:t>
+            </a:r>
+          </a:p>
+          <a:p>
+            <a:pPr marL="285750" indent="-285750">
+              <a:buFont typeface="Arial" panose="020B0604020202020204" pitchFamily="34" charset="0"/>
+              <a:buChar char="•"/>
+            </a:pPr>
+            <a:r>
+              <a:rPr lang="it-IT" dirty="0"/>
+              <a:t>0 </a:t>
+            </a:r>
+            <a:r>
+              <a:rPr lang="it-IT" dirty="0">
+                <a:sym typeface="Wingdings" panose="05000000000000000000" pitchFamily="2" charset="2"/>
+              </a:rPr>
+              <a:t> </a:t>
+            </a:r>
+            <a:r>
+              <a:rPr lang="it-IT" dirty="0" err="1">
+                <a:sym typeface="Wingdings" panose="05000000000000000000" pitchFamily="2" charset="2"/>
+              </a:rPr>
+              <a:t>Nominal</a:t>
+            </a:r>
+            <a:r>
+              <a:rPr lang="it-IT" dirty="0">
+                <a:sym typeface="Wingdings" panose="05000000000000000000" pitchFamily="2" charset="2"/>
+              </a:rPr>
+              <a:t> </a:t>
+            </a:r>
+          </a:p>
+          <a:p>
+            <a:pPr marL="285750" indent="-285750">
+              <a:buFont typeface="Arial" panose="020B0604020202020204" pitchFamily="34" charset="0"/>
+              <a:buChar char="•"/>
+            </a:pPr>
+            <a:r>
+              <a:rPr lang="it-IT" dirty="0">
+                <a:sym typeface="Wingdings" panose="05000000000000000000" pitchFamily="2" charset="2"/>
+              </a:rPr>
+              <a:t>1  Standby</a:t>
+            </a:r>
+          </a:p>
+          <a:p>
+            <a:r>
+              <a:rPr lang="it-IT" dirty="0">
+                <a:sym typeface="Wingdings" panose="05000000000000000000" pitchFamily="2" charset="2"/>
+              </a:rPr>
+              <a:t>The </a:t>
+            </a:r>
+            <a:r>
+              <a:rPr lang="it-IT" dirty="0" err="1">
+                <a:sym typeface="Wingdings" panose="05000000000000000000" pitchFamily="2" charset="2"/>
+              </a:rPr>
+              <a:t>value</a:t>
+            </a:r>
+            <a:r>
+              <a:rPr lang="it-IT" dirty="0">
+                <a:sym typeface="Wingdings" panose="05000000000000000000" pitchFamily="2" charset="2"/>
+              </a:rPr>
+              <a:t> can </a:t>
+            </a:r>
+            <a:r>
+              <a:rPr lang="it-IT" dirty="0" err="1">
+                <a:sym typeface="Wingdings" panose="05000000000000000000" pitchFamily="2" charset="2"/>
+              </a:rPr>
+              <a:t>change</a:t>
+            </a:r>
+            <a:r>
+              <a:rPr lang="it-IT" dirty="0">
+                <a:sym typeface="Wingdings" panose="05000000000000000000" pitchFamily="2" charset="2"/>
+              </a:rPr>
+              <a:t> </a:t>
+            </a:r>
+            <a:r>
+              <a:rPr lang="it-IT" dirty="0" err="1">
+                <a:sym typeface="Wingdings" panose="05000000000000000000" pitchFamily="2" charset="2"/>
+              </a:rPr>
+              <a:t>any</a:t>
+            </a:r>
+            <a:r>
+              <a:rPr lang="it-IT" dirty="0">
+                <a:sym typeface="Wingdings" panose="05000000000000000000" pitchFamily="2" charset="2"/>
+              </a:rPr>
+              <a:t> moment.</a:t>
+            </a:r>
+          </a:p>
+          <a:p>
+            <a:endParaRPr lang="it-IT" dirty="0">
+              <a:sym typeface="Wingdings" panose="05000000000000000000" pitchFamily="2" charset="2"/>
+            </a:endParaRPr>
+          </a:p>
+          <a:p>
+            <a:r>
+              <a:rPr lang="it-IT" dirty="0" err="1">
+                <a:sym typeface="Wingdings" panose="05000000000000000000" pitchFamily="2" charset="2"/>
+              </a:rPr>
+              <a:t>When</a:t>
+            </a:r>
+            <a:r>
+              <a:rPr lang="it-IT" dirty="0">
+                <a:sym typeface="Wingdings" panose="05000000000000000000" pitchFamily="2" charset="2"/>
+              </a:rPr>
+              <a:t> «reset» </a:t>
+            </a:r>
+            <a:r>
+              <a:rPr lang="it-IT" dirty="0" err="1">
+                <a:sym typeface="Wingdings" panose="05000000000000000000" pitchFamily="2" charset="2"/>
+              </a:rPr>
+              <a:t>button</a:t>
+            </a:r>
+            <a:r>
+              <a:rPr lang="it-IT" dirty="0">
+                <a:sym typeface="Wingdings" panose="05000000000000000000" pitchFamily="2" charset="2"/>
+              </a:rPr>
+              <a:t> </a:t>
+            </a:r>
+            <a:r>
+              <a:rPr lang="it-IT" dirty="0" err="1">
+                <a:sym typeface="Wingdings" panose="05000000000000000000" pitchFamily="2" charset="2"/>
+              </a:rPr>
+              <a:t>have</a:t>
+            </a:r>
+            <a:r>
+              <a:rPr lang="it-IT" dirty="0">
+                <a:sym typeface="Wingdings" panose="05000000000000000000" pitchFamily="2" charset="2"/>
+              </a:rPr>
+              <a:t> a </a:t>
+            </a:r>
+            <a:r>
+              <a:rPr lang="it-IT" dirty="0" err="1">
+                <a:sym typeface="Wingdings" panose="05000000000000000000" pitchFamily="2" charset="2"/>
+              </a:rPr>
+              <a:t>downslope</a:t>
+            </a:r>
+            <a:r>
+              <a:rPr lang="it-IT" dirty="0">
+                <a:sym typeface="Wingdings" panose="05000000000000000000" pitchFamily="2" charset="2"/>
+              </a:rPr>
+              <a:t>, the </a:t>
+            </a:r>
+            <a:r>
+              <a:rPr lang="it-IT" dirty="0" err="1">
+                <a:sym typeface="Wingdings" panose="05000000000000000000" pitchFamily="2" charset="2"/>
+              </a:rPr>
+              <a:t>lights</a:t>
+            </a:r>
+            <a:r>
+              <a:rPr lang="it-IT" dirty="0">
+                <a:sym typeface="Wingdings" panose="05000000000000000000" pitchFamily="2" charset="2"/>
+              </a:rPr>
+              <a:t> are </a:t>
+            </a:r>
+            <a:r>
+              <a:rPr lang="it-IT" dirty="0" err="1">
+                <a:sym typeface="Wingdings" panose="05000000000000000000" pitchFamily="2" charset="2"/>
+              </a:rPr>
+              <a:t>resetted</a:t>
+            </a:r>
+            <a:r>
+              <a:rPr lang="it-IT" dirty="0">
+                <a:sym typeface="Wingdings" panose="05000000000000000000" pitchFamily="2" charset="2"/>
+              </a:rPr>
+              <a:t> to </a:t>
+            </a:r>
+            <a:r>
+              <a:rPr lang="it-IT" dirty="0" err="1">
+                <a:sym typeface="Wingdings" panose="05000000000000000000" pitchFamily="2" charset="2"/>
+              </a:rPr>
+              <a:t>begin</a:t>
+            </a:r>
+            <a:r>
+              <a:rPr lang="it-IT" dirty="0">
+                <a:sym typeface="Wingdings" panose="05000000000000000000" pitchFamily="2" charset="2"/>
+              </a:rPr>
+              <a:t> status (status </a:t>
+            </a:r>
+            <a:r>
+              <a:rPr lang="it-IT" dirty="0" err="1">
+                <a:sym typeface="Wingdings" panose="05000000000000000000" pitchFamily="2" charset="2"/>
+              </a:rPr>
+              <a:t>as</a:t>
+            </a:r>
+            <a:r>
+              <a:rPr lang="it-IT" dirty="0">
+                <a:sym typeface="Wingdings" panose="05000000000000000000" pitchFamily="2" charset="2"/>
+              </a:rPr>
+              <a:t> «11» </a:t>
+            </a:r>
+            <a:r>
+              <a:rPr lang="it-IT" dirty="0" err="1">
+                <a:sym typeface="Wingdings" panose="05000000000000000000" pitchFamily="2" charset="2"/>
+              </a:rPr>
+              <a:t>since</a:t>
+            </a:r>
+            <a:r>
+              <a:rPr lang="it-IT" dirty="0">
+                <a:sym typeface="Wingdings" panose="05000000000000000000" pitchFamily="2" charset="2"/>
+              </a:rPr>
+              <a:t> i </a:t>
+            </a:r>
+            <a:r>
+              <a:rPr lang="it-IT" dirty="0" err="1">
+                <a:sym typeface="Wingdings" panose="05000000000000000000" pitchFamily="2" charset="2"/>
+              </a:rPr>
+              <a:t>cannot</a:t>
+            </a:r>
+            <a:r>
+              <a:rPr lang="it-IT" dirty="0">
+                <a:sym typeface="Wingdings" panose="05000000000000000000" pitchFamily="2" charset="2"/>
+              </a:rPr>
+              <a:t> «</a:t>
+            </a:r>
+            <a:r>
+              <a:rPr lang="it-IT" dirty="0" err="1">
+                <a:sym typeface="Wingdings" panose="05000000000000000000" pitchFamily="2" charset="2"/>
+              </a:rPr>
+              <a:t>detach</a:t>
+            </a:r>
+            <a:r>
+              <a:rPr lang="it-IT" dirty="0">
+                <a:sym typeface="Wingdings" panose="05000000000000000000" pitchFamily="2" charset="2"/>
+              </a:rPr>
+              <a:t>» mode </a:t>
+            </a:r>
+            <a:r>
+              <a:rPr lang="it-IT" dirty="0" err="1">
+                <a:sym typeface="Wingdings" panose="05000000000000000000" pitchFamily="2" charset="2"/>
+              </a:rPr>
+              <a:t>signal</a:t>
+            </a:r>
+            <a:r>
+              <a:rPr lang="it-IT" dirty="0">
+                <a:sym typeface="Wingdings" panose="05000000000000000000" pitchFamily="2" charset="2"/>
+              </a:rPr>
+              <a:t>, so i </a:t>
+            </a:r>
+            <a:r>
+              <a:rPr lang="it-IT" dirty="0" err="1">
+                <a:sym typeface="Wingdings" panose="05000000000000000000" pitchFamily="2" charset="2"/>
+              </a:rPr>
+              <a:t>ignore</a:t>
+            </a:r>
+            <a:r>
+              <a:rPr lang="it-IT" dirty="0">
+                <a:sym typeface="Wingdings" panose="05000000000000000000" pitchFamily="2" charset="2"/>
+              </a:rPr>
+              <a:t> </a:t>
+            </a:r>
+            <a:r>
+              <a:rPr lang="it-IT" dirty="0" err="1">
+                <a:sym typeface="Wingdings" panose="05000000000000000000" pitchFamily="2" charset="2"/>
+              </a:rPr>
+              <a:t>it</a:t>
+            </a:r>
+            <a:r>
+              <a:rPr lang="it-IT" dirty="0">
+                <a:sym typeface="Wingdings" panose="05000000000000000000" pitchFamily="2" charset="2"/>
+              </a:rPr>
+              <a:t> </a:t>
+            </a:r>
+            <a:r>
+              <a:rPr lang="it-IT" dirty="0" err="1">
+                <a:sym typeface="Wingdings" panose="05000000000000000000" pitchFamily="2" charset="2"/>
+              </a:rPr>
+              <a:t>untill</a:t>
+            </a:r>
+            <a:r>
+              <a:rPr lang="it-IT" dirty="0">
+                <a:sym typeface="Wingdings" panose="05000000000000000000" pitchFamily="2" charset="2"/>
+              </a:rPr>
+              <a:t> </a:t>
+            </a:r>
+            <a:r>
+              <a:rPr lang="it-IT" dirty="0" err="1">
+                <a:sym typeface="Wingdings" panose="05000000000000000000" pitchFamily="2" charset="2"/>
+              </a:rPr>
+              <a:t>it</a:t>
+            </a:r>
+            <a:r>
+              <a:rPr lang="it-IT" dirty="0">
+                <a:sym typeface="Wingdings" panose="05000000000000000000" pitchFamily="2" charset="2"/>
+              </a:rPr>
+              <a:t> </a:t>
+            </a:r>
+            <a:r>
+              <a:rPr lang="it-IT" dirty="0" err="1">
+                <a:sym typeface="Wingdings" panose="05000000000000000000" pitchFamily="2" charset="2"/>
+              </a:rPr>
+              <a:t>change</a:t>
+            </a:r>
+            <a:r>
+              <a:rPr lang="it-IT" dirty="0">
+                <a:sym typeface="Wingdings" panose="05000000000000000000" pitchFamily="2" charset="2"/>
+              </a:rPr>
+              <a:t> </a:t>
+            </a:r>
+            <a:r>
+              <a:rPr lang="it-IT" dirty="0" err="1">
+                <a:sym typeface="Wingdings" panose="05000000000000000000" pitchFamily="2" charset="2"/>
+              </a:rPr>
+              <a:t>value</a:t>
+            </a:r>
+            <a:r>
+              <a:rPr lang="it-IT" dirty="0">
+                <a:sym typeface="Wingdings" panose="05000000000000000000" pitchFamily="2" charset="2"/>
+              </a:rPr>
+              <a:t> </a:t>
+            </a:r>
+            <a:r>
+              <a:rPr lang="it-IT" dirty="0" err="1">
+                <a:sym typeface="Wingdings" panose="05000000000000000000" pitchFamily="2" charset="2"/>
+              </a:rPr>
+              <a:t>again</a:t>
+            </a:r>
+            <a:r>
+              <a:rPr lang="it-IT" dirty="0">
+                <a:sym typeface="Wingdings" panose="05000000000000000000" pitchFamily="2" charset="2"/>
+              </a:rPr>
+              <a:t>»).</a:t>
+            </a:r>
+          </a:p>
+          <a:p>
+            <a:endParaRPr lang="it-IT" dirty="0">
+              <a:sym typeface="Wingdings" panose="05000000000000000000" pitchFamily="2" charset="2"/>
+            </a:endParaRPr>
+          </a:p>
+          <a:p>
+            <a:r>
+              <a:rPr lang="it-IT" dirty="0" err="1">
+                <a:sym typeface="Wingdings" panose="05000000000000000000" pitchFamily="2" charset="2"/>
+              </a:rPr>
+              <a:t>Every</a:t>
+            </a:r>
+            <a:r>
+              <a:rPr lang="it-IT" dirty="0">
+                <a:sym typeface="Wingdings" panose="05000000000000000000" pitchFamily="2" charset="2"/>
+              </a:rPr>
+              <a:t> Mode </a:t>
+            </a:r>
+            <a:r>
+              <a:rPr lang="it-IT" dirty="0" err="1">
+                <a:sym typeface="Wingdings" panose="05000000000000000000" pitchFamily="2" charset="2"/>
+              </a:rPr>
+              <a:t>is</a:t>
+            </a:r>
+            <a:r>
+              <a:rPr lang="it-IT" dirty="0">
+                <a:sym typeface="Wingdings" panose="05000000000000000000" pitchFamily="2" charset="2"/>
+              </a:rPr>
+              <a:t> </a:t>
+            </a:r>
+            <a:r>
+              <a:rPr lang="it-IT" dirty="0" err="1">
+                <a:sym typeface="Wingdings" panose="05000000000000000000" pitchFamily="2" charset="2"/>
+              </a:rPr>
+              <a:t>equal</a:t>
+            </a:r>
+            <a:r>
+              <a:rPr lang="it-IT" dirty="0">
+                <a:sym typeface="Wingdings" panose="05000000000000000000" pitchFamily="2" charset="2"/>
+              </a:rPr>
+              <a:t> to </a:t>
+            </a:r>
+            <a:r>
+              <a:rPr lang="it-IT" dirty="0" err="1">
+                <a:sym typeface="Wingdings" panose="05000000000000000000" pitchFamily="2" charset="2"/>
+              </a:rPr>
+              <a:t>different</a:t>
+            </a:r>
+            <a:r>
+              <a:rPr lang="it-IT" dirty="0">
+                <a:sym typeface="Wingdings" panose="05000000000000000000" pitchFamily="2" charset="2"/>
+              </a:rPr>
+              <a:t> </a:t>
+            </a:r>
+            <a:r>
+              <a:rPr lang="it-IT" dirty="0" err="1">
+                <a:sym typeface="Wingdings" panose="05000000000000000000" pitchFamily="2" charset="2"/>
+              </a:rPr>
+              <a:t>behaviour</a:t>
+            </a:r>
+            <a:r>
+              <a:rPr lang="it-IT" dirty="0">
+                <a:sym typeface="Wingdings" panose="05000000000000000000" pitchFamily="2" charset="2"/>
+              </a:rPr>
+              <a:t> of </a:t>
+            </a:r>
+            <a:r>
+              <a:rPr lang="it-IT" dirty="0" err="1">
+                <a:sym typeface="Wingdings" panose="05000000000000000000" pitchFamily="2" charset="2"/>
+              </a:rPr>
+              <a:t>lights</a:t>
+            </a:r>
+            <a:r>
+              <a:rPr lang="it-IT" dirty="0">
+                <a:sym typeface="Wingdings" panose="05000000000000000000" pitchFamily="2" charset="2"/>
+              </a:rPr>
+              <a:t>.</a:t>
+            </a:r>
           </a:p>
         </p:txBody>
       </p:sp>

--- a/Gruppo10_Silva.pptx
+++ b/Gruppo10_Silva.pptx
@@ -371,7 +371,7 @@
           <a:p>
             <a:fld id="{8EA6C711-4382-4A6E-B0AD-72AFD9EFCB5E}" type="datetimeFigureOut">
               <a:rPr lang="it-IT" smtClean="0"/>
-              <a:t>30/08/2020</a:t>
+              <a:t>22/09/2020</a:t>
             </a:fld>
             <a:endParaRPr lang="it-IT"/>
           </a:p>
@@ -705,7 +705,7 @@
           <a:p>
             <a:fld id="{8EA6C711-4382-4A6E-B0AD-72AFD9EFCB5E}" type="datetimeFigureOut">
               <a:rPr lang="it-IT" smtClean="0"/>
-              <a:t>30/08/2020</a:t>
+              <a:t>22/09/2020</a:t>
             </a:fld>
             <a:endParaRPr lang="it-IT"/>
           </a:p>
@@ -983,7 +983,7 @@
           <a:p>
             <a:fld id="{8EA6C711-4382-4A6E-B0AD-72AFD9EFCB5E}" type="datetimeFigureOut">
               <a:rPr lang="it-IT" smtClean="0"/>
-              <a:t>30/08/2020</a:t>
+              <a:t>22/09/2020</a:t>
             </a:fld>
             <a:endParaRPr lang="it-IT"/>
           </a:p>
@@ -1551,7 +1551,7 @@
           <a:p>
             <a:fld id="{8EA6C711-4382-4A6E-B0AD-72AFD9EFCB5E}" type="datetimeFigureOut">
               <a:rPr lang="it-IT" smtClean="0"/>
-              <a:t>30/08/2020</a:t>
+              <a:t>22/09/2020</a:t>
             </a:fld>
             <a:endParaRPr lang="it-IT"/>
           </a:p>
@@ -1829,7 +1829,7 @@
           <a:p>
             <a:fld id="{8EA6C711-4382-4A6E-B0AD-72AFD9EFCB5E}" type="datetimeFigureOut">
               <a:rPr lang="it-IT" smtClean="0"/>
-              <a:t>30/08/2020</a:t>
+              <a:t>22/09/2020</a:t>
             </a:fld>
             <a:endParaRPr lang="it-IT"/>
           </a:p>
@@ -2391,7 +2391,7 @@
           <a:p>
             <a:fld id="{8EA6C711-4382-4A6E-B0AD-72AFD9EFCB5E}" type="datetimeFigureOut">
               <a:rPr lang="it-IT" smtClean="0"/>
-              <a:t>30/08/2020</a:t>
+              <a:t>22/09/2020</a:t>
             </a:fld>
             <a:endParaRPr lang="it-IT"/>
           </a:p>
@@ -2718,7 +2718,7 @@
           <a:p>
             <a:fld id="{8EA6C711-4382-4A6E-B0AD-72AFD9EFCB5E}" type="datetimeFigureOut">
               <a:rPr lang="it-IT" smtClean="0"/>
-              <a:t>30/08/2020</a:t>
+              <a:t>22/09/2020</a:t>
             </a:fld>
             <a:endParaRPr lang="it-IT"/>
           </a:p>
@@ -2923,7 +2923,7 @@
           <a:p>
             <a:fld id="{8EA6C711-4382-4A6E-B0AD-72AFD9EFCB5E}" type="datetimeFigureOut">
               <a:rPr lang="it-IT" smtClean="0"/>
-              <a:t>30/08/2020</a:t>
+              <a:t>22/09/2020</a:t>
             </a:fld>
             <a:endParaRPr lang="it-IT"/>
           </a:p>
@@ -3133,7 +3133,7 @@
           <a:p>
             <a:fld id="{8EA6C711-4382-4A6E-B0AD-72AFD9EFCB5E}" type="datetimeFigureOut">
               <a:rPr lang="it-IT" smtClean="0"/>
-              <a:t>30/08/2020</a:t>
+              <a:t>22/09/2020</a:t>
             </a:fld>
             <a:endParaRPr lang="it-IT"/>
           </a:p>
@@ -3333,7 +3333,7 @@
           <a:p>
             <a:fld id="{8EA6C711-4382-4A6E-B0AD-72AFD9EFCB5E}" type="datetimeFigureOut">
               <a:rPr lang="it-IT" smtClean="0"/>
-              <a:t>30/08/2020</a:t>
+              <a:t>22/09/2020</a:t>
             </a:fld>
             <a:endParaRPr lang="it-IT"/>
           </a:p>
@@ -3609,7 +3609,7 @@
           <a:p>
             <a:fld id="{8EA6C711-4382-4A6E-B0AD-72AFD9EFCB5E}" type="datetimeFigureOut">
               <a:rPr lang="it-IT" smtClean="0"/>
-              <a:t>30/08/2020</a:t>
+              <a:t>22/09/2020</a:t>
             </a:fld>
             <a:endParaRPr lang="it-IT"/>
           </a:p>
@@ -3875,7 +3875,7 @@
           <a:p>
             <a:fld id="{8EA6C711-4382-4A6E-B0AD-72AFD9EFCB5E}" type="datetimeFigureOut">
               <a:rPr lang="it-IT" smtClean="0"/>
-              <a:t>30/08/2020</a:t>
+              <a:t>22/09/2020</a:t>
             </a:fld>
             <a:endParaRPr lang="it-IT"/>
           </a:p>
@@ -4249,7 +4249,7 @@
           <a:p>
             <a:fld id="{8EA6C711-4382-4A6E-B0AD-72AFD9EFCB5E}" type="datetimeFigureOut">
               <a:rPr lang="it-IT" smtClean="0"/>
-              <a:t>30/08/2020</a:t>
+              <a:t>22/09/2020</a:t>
             </a:fld>
             <a:endParaRPr lang="it-IT"/>
           </a:p>
@@ -4397,7 +4397,7 @@
           <a:p>
             <a:fld id="{8EA6C711-4382-4A6E-B0AD-72AFD9EFCB5E}" type="datetimeFigureOut">
               <a:rPr lang="it-IT" smtClean="0"/>
-              <a:t>30/08/2020</a:t>
+              <a:t>22/09/2020</a:t>
             </a:fld>
             <a:endParaRPr lang="it-IT"/>
           </a:p>
@@ -4522,7 +4522,7 @@
           <a:p>
             <a:fld id="{8EA6C711-4382-4A6E-B0AD-72AFD9EFCB5E}" type="datetimeFigureOut">
               <a:rPr lang="it-IT" smtClean="0"/>
-              <a:t>30/08/2020</a:t>
+              <a:t>22/09/2020</a:t>
             </a:fld>
             <a:endParaRPr lang="it-IT"/>
           </a:p>
@@ -4807,7 +4807,7 @@
           <a:p>
             <a:fld id="{8EA6C711-4382-4A6E-B0AD-72AFD9EFCB5E}" type="datetimeFigureOut">
               <a:rPr lang="it-IT" smtClean="0"/>
-              <a:t>30/08/2020</a:t>
+              <a:t>22/09/2020</a:t>
             </a:fld>
             <a:endParaRPr lang="it-IT"/>
           </a:p>
@@ -5131,7 +5131,7 @@
           <a:p>
             <a:fld id="{8EA6C711-4382-4A6E-B0AD-72AFD9EFCB5E}" type="datetimeFigureOut">
               <a:rPr lang="it-IT" smtClean="0"/>
-              <a:t>30/08/2020</a:t>
+              <a:t>22/09/2020</a:t>
             </a:fld>
             <a:endParaRPr lang="it-IT"/>
           </a:p>
@@ -5345,7 +5345,7 @@
           <a:p>
             <a:fld id="{8EA6C711-4382-4A6E-B0AD-72AFD9EFCB5E}" type="datetimeFigureOut">
               <a:rPr lang="it-IT" smtClean="0"/>
-              <a:t>30/08/2020</a:t>
+              <a:t>22/09/2020</a:t>
             </a:fld>
             <a:endParaRPr lang="it-IT"/>
           </a:p>
@@ -8222,14 +8222,14 @@
           <p:nvPr>
             <p:extLst>
               <p:ext uri="{D42A27DB-BD31-4B8C-83A1-F6EECF244321}">
-                <p14:modId xmlns:p14="http://schemas.microsoft.com/office/powerpoint/2010/main" val="3001820213"/>
+                <p14:modId xmlns:p14="http://schemas.microsoft.com/office/powerpoint/2010/main" val="2662078490"/>
               </p:ext>
             </p:extLst>
           </p:nvPr>
         </p:nvGraphicFramePr>
         <p:xfrm>
           <a:off x="6096000" y="2065867"/>
-          <a:ext cx="6096000" cy="4680820"/>
+          <a:ext cx="6096000" cy="4453180"/>
         </p:xfrm>
         <a:graphic>
           <a:graphicData uri="http://schemas.openxmlformats.org/drawingml/2006/table">
@@ -8238,14 +8238,14 @@
                 <a:tableStyleId>{5C22544A-7EE6-4342-B048-85BDC9FD1C3A}</a:tableStyleId>
               </a:tblPr>
               <a:tblGrid>
-                <a:gridCol w="1577419">
+                <a:gridCol w="1705583">
                   <a:extLst>
                     <a:ext uri="{9D8B030D-6E8A-4147-A177-3AD203B41FA5}">
                       <a16:colId xmlns:a16="http://schemas.microsoft.com/office/drawing/2014/main" val="1215356185"/>
                     </a:ext>
                   </a:extLst>
                 </a:gridCol>
-                <a:gridCol w="2092750">
+                <a:gridCol w="1964586">
                   <a:extLst>
                     <a:ext uri="{9D8B030D-6E8A-4147-A177-3AD203B41FA5}">
                       <a16:colId xmlns:a16="http://schemas.microsoft.com/office/drawing/2014/main" val="3810893644"/>
@@ -8279,7 +8279,11 @@
                       <a:endParaRPr lang="it-IT" dirty="0"/>
                     </a:p>
                   </a:txBody>
-                  <a:tcPr/>
+                  <a:tcPr>
+                    <a:solidFill>
+                      <a:srgbClr val="00B050"/>
+                    </a:solidFill>
+                  </a:tcPr>
                 </a:tc>
                 <a:tc>
                   <a:txBody>
@@ -8293,7 +8297,11 @@
                       <a:endParaRPr lang="it-IT" dirty="0"/>
                     </a:p>
                   </a:txBody>
-                  <a:tcPr/>
+                  <a:tcPr>
+                    <a:solidFill>
+                      <a:srgbClr val="00B050"/>
+                    </a:solidFill>
+                  </a:tcPr>
                 </a:tc>
                 <a:tc>
                   <a:txBody>
@@ -8307,7 +8315,11 @@
                       <a:endParaRPr lang="it-IT" dirty="0"/>
                     </a:p>
                   </a:txBody>
-                  <a:tcPr/>
+                  <a:tcPr>
+                    <a:solidFill>
+                      <a:srgbClr val="00B050"/>
+                    </a:solidFill>
+                  </a:tcPr>
                 </a:tc>
                 <a:extLst>
                   <a:ext uri="{0D108BD9-81ED-4DB2-BD59-A6C34878D82A}">
@@ -8328,7 +8340,32 @@
                       <a:endParaRPr lang="it-IT" dirty="0"/>
                     </a:p>
                   </a:txBody>
-                  <a:tcPr/>
+                  <a:tcPr>
+                    <a:gradFill flip="none" rotWithShape="1">
+                      <a:gsLst>
+                        <a:gs pos="0">
+                          <a:schemeClr val="accent1">
+                            <a:shade val="30000"/>
+                            <a:satMod val="115000"/>
+                          </a:schemeClr>
+                        </a:gs>
+                        <a:gs pos="50000">
+                          <a:schemeClr val="accent1">
+                            <a:shade val="67500"/>
+                            <a:satMod val="115000"/>
+                          </a:schemeClr>
+                        </a:gs>
+                        <a:gs pos="100000">
+                          <a:schemeClr val="accent1">
+                            <a:shade val="100000"/>
+                            <a:satMod val="115000"/>
+                          </a:schemeClr>
+                        </a:gs>
+                      </a:gsLst>
+                      <a:lin ang="10800000" scaled="1"/>
+                      <a:tileRect/>
+                    </a:gradFill>
+                  </a:tcPr>
                 </a:tc>
                 <a:tc>
                   <a:txBody>
@@ -8348,7 +8385,32 @@
                       <a:endParaRPr lang="it-IT" dirty="0"/>
                     </a:p>
                   </a:txBody>
-                  <a:tcPr/>
+                  <a:tcPr>
+                    <a:gradFill flip="none" rotWithShape="1">
+                      <a:gsLst>
+                        <a:gs pos="0">
+                          <a:schemeClr val="accent1">
+                            <a:shade val="30000"/>
+                            <a:satMod val="115000"/>
+                          </a:schemeClr>
+                        </a:gs>
+                        <a:gs pos="50000">
+                          <a:schemeClr val="accent1">
+                            <a:shade val="67500"/>
+                            <a:satMod val="115000"/>
+                          </a:schemeClr>
+                        </a:gs>
+                        <a:gs pos="100000">
+                          <a:schemeClr val="accent1">
+                            <a:shade val="100000"/>
+                            <a:satMod val="115000"/>
+                          </a:schemeClr>
+                        </a:gs>
+                      </a:gsLst>
+                      <a:lin ang="10800000" scaled="1"/>
+                      <a:tileRect/>
+                    </a:gradFill>
+                  </a:tcPr>
                 </a:tc>
                 <a:tc>
                   <a:txBody>
@@ -8371,7 +8433,32 @@
                       <a:endParaRPr lang="it-IT" dirty="0"/>
                     </a:p>
                   </a:txBody>
-                  <a:tcPr/>
+                  <a:tcPr>
+                    <a:gradFill flip="none" rotWithShape="1">
+                      <a:gsLst>
+                        <a:gs pos="0">
+                          <a:schemeClr val="accent1">
+                            <a:shade val="30000"/>
+                            <a:satMod val="115000"/>
+                          </a:schemeClr>
+                        </a:gs>
+                        <a:gs pos="50000">
+                          <a:schemeClr val="accent1">
+                            <a:shade val="67500"/>
+                            <a:satMod val="115000"/>
+                          </a:schemeClr>
+                        </a:gs>
+                        <a:gs pos="100000">
+                          <a:schemeClr val="accent1">
+                            <a:shade val="100000"/>
+                            <a:satMod val="115000"/>
+                          </a:schemeClr>
+                        </a:gs>
+                      </a:gsLst>
+                      <a:lin ang="10800000" scaled="1"/>
+                      <a:tileRect/>
+                    </a:gradFill>
+                  </a:tcPr>
                 </a:tc>
                 <a:extLst>
                   <a:ext uri="{0D108BD9-81ED-4DB2-BD59-A6C34878D82A}">
@@ -8392,7 +8479,32 @@
                       <a:endParaRPr lang="it-IT" dirty="0"/>
                     </a:p>
                   </a:txBody>
-                  <a:tcPr/>
+                  <a:tcPr>
+                    <a:gradFill flip="none" rotWithShape="1">
+                      <a:gsLst>
+                        <a:gs pos="0">
+                          <a:schemeClr val="accent1">
+                            <a:shade val="30000"/>
+                            <a:satMod val="115000"/>
+                          </a:schemeClr>
+                        </a:gs>
+                        <a:gs pos="50000">
+                          <a:schemeClr val="accent1">
+                            <a:shade val="67500"/>
+                            <a:satMod val="115000"/>
+                          </a:schemeClr>
+                        </a:gs>
+                        <a:gs pos="100000">
+                          <a:schemeClr val="accent1">
+                            <a:shade val="100000"/>
+                            <a:satMod val="115000"/>
+                          </a:schemeClr>
+                        </a:gs>
+                      </a:gsLst>
+                      <a:lin ang="10800000" scaled="1"/>
+                      <a:tileRect/>
+                    </a:gradFill>
+                  </a:tcPr>
                 </a:tc>
                 <a:tc>
                   <a:txBody>
@@ -8415,7 +8527,32 @@
                       <a:endParaRPr lang="it-IT" dirty="0"/>
                     </a:p>
                   </a:txBody>
-                  <a:tcPr/>
+                  <a:tcPr>
+                    <a:gradFill flip="none" rotWithShape="1">
+                      <a:gsLst>
+                        <a:gs pos="0">
+                          <a:schemeClr val="accent1">
+                            <a:shade val="30000"/>
+                            <a:satMod val="115000"/>
+                          </a:schemeClr>
+                        </a:gs>
+                        <a:gs pos="50000">
+                          <a:schemeClr val="accent1">
+                            <a:shade val="67500"/>
+                            <a:satMod val="115000"/>
+                          </a:schemeClr>
+                        </a:gs>
+                        <a:gs pos="100000">
+                          <a:schemeClr val="accent1">
+                            <a:shade val="100000"/>
+                            <a:satMod val="115000"/>
+                          </a:schemeClr>
+                        </a:gs>
+                      </a:gsLst>
+                      <a:lin ang="10800000" scaled="1"/>
+                      <a:tileRect/>
+                    </a:gradFill>
+                  </a:tcPr>
                 </a:tc>
                 <a:tc>
                   <a:txBody>
@@ -8438,7 +8575,32 @@
                       <a:endParaRPr lang="it-IT" dirty="0"/>
                     </a:p>
                   </a:txBody>
-                  <a:tcPr/>
+                  <a:tcPr>
+                    <a:gradFill flip="none" rotWithShape="1">
+                      <a:gsLst>
+                        <a:gs pos="0">
+                          <a:schemeClr val="accent1">
+                            <a:shade val="30000"/>
+                            <a:satMod val="115000"/>
+                          </a:schemeClr>
+                        </a:gs>
+                        <a:gs pos="50000">
+                          <a:schemeClr val="accent1">
+                            <a:shade val="67500"/>
+                            <a:satMod val="115000"/>
+                          </a:schemeClr>
+                        </a:gs>
+                        <a:gs pos="100000">
+                          <a:schemeClr val="accent1">
+                            <a:shade val="100000"/>
+                            <a:satMod val="115000"/>
+                          </a:schemeClr>
+                        </a:gs>
+                      </a:gsLst>
+                      <a:lin ang="10800000" scaled="1"/>
+                      <a:tileRect/>
+                    </a:gradFill>
+                  </a:tcPr>
                 </a:tc>
                 <a:extLst>
                   <a:ext uri="{0D108BD9-81ED-4DB2-BD59-A6C34878D82A}">
@@ -8459,7 +8621,32 @@
                       <a:endParaRPr lang="it-IT" dirty="0"/>
                     </a:p>
                   </a:txBody>
-                  <a:tcPr/>
+                  <a:tcPr>
+                    <a:gradFill flip="none" rotWithShape="1">
+                      <a:gsLst>
+                        <a:gs pos="0">
+                          <a:schemeClr val="accent1">
+                            <a:shade val="30000"/>
+                            <a:satMod val="115000"/>
+                          </a:schemeClr>
+                        </a:gs>
+                        <a:gs pos="50000">
+                          <a:schemeClr val="accent1">
+                            <a:shade val="67500"/>
+                            <a:satMod val="115000"/>
+                          </a:schemeClr>
+                        </a:gs>
+                        <a:gs pos="100000">
+                          <a:schemeClr val="accent1">
+                            <a:shade val="100000"/>
+                            <a:satMod val="115000"/>
+                          </a:schemeClr>
+                        </a:gs>
+                      </a:gsLst>
+                      <a:lin ang="10800000" scaled="1"/>
+                      <a:tileRect/>
+                    </a:gradFill>
+                  </a:tcPr>
                 </a:tc>
                 <a:tc>
                   <a:txBody>
@@ -8482,7 +8669,32 @@
                       <a:endParaRPr lang="it-IT" dirty="0"/>
                     </a:p>
                   </a:txBody>
-                  <a:tcPr/>
+                  <a:tcPr>
+                    <a:gradFill flip="none" rotWithShape="1">
+                      <a:gsLst>
+                        <a:gs pos="0">
+                          <a:schemeClr val="accent1">
+                            <a:shade val="30000"/>
+                            <a:satMod val="115000"/>
+                          </a:schemeClr>
+                        </a:gs>
+                        <a:gs pos="50000">
+                          <a:schemeClr val="accent1">
+                            <a:shade val="67500"/>
+                            <a:satMod val="115000"/>
+                          </a:schemeClr>
+                        </a:gs>
+                        <a:gs pos="100000">
+                          <a:schemeClr val="accent1">
+                            <a:shade val="100000"/>
+                            <a:satMod val="115000"/>
+                          </a:schemeClr>
+                        </a:gs>
+                      </a:gsLst>
+                      <a:lin ang="10800000" scaled="1"/>
+                      <a:tileRect/>
+                    </a:gradFill>
+                  </a:tcPr>
                 </a:tc>
                 <a:tc>
                   <a:txBody>
@@ -8505,7 +8717,32 @@
                       <a:endParaRPr lang="it-IT" dirty="0"/>
                     </a:p>
                   </a:txBody>
-                  <a:tcPr/>
+                  <a:tcPr>
+                    <a:gradFill flip="none" rotWithShape="1">
+                      <a:gsLst>
+                        <a:gs pos="0">
+                          <a:schemeClr val="accent1">
+                            <a:shade val="30000"/>
+                            <a:satMod val="115000"/>
+                          </a:schemeClr>
+                        </a:gs>
+                        <a:gs pos="50000">
+                          <a:schemeClr val="accent1">
+                            <a:shade val="67500"/>
+                            <a:satMod val="115000"/>
+                          </a:schemeClr>
+                        </a:gs>
+                        <a:gs pos="100000">
+                          <a:schemeClr val="accent1">
+                            <a:shade val="100000"/>
+                            <a:satMod val="115000"/>
+                          </a:schemeClr>
+                        </a:gs>
+                      </a:gsLst>
+                      <a:lin ang="10800000" scaled="1"/>
+                      <a:tileRect/>
+                    </a:gradFill>
+                  </a:tcPr>
                 </a:tc>
                 <a:extLst>
                   <a:ext uri="{0D108BD9-81ED-4DB2-BD59-A6C34878D82A}">
@@ -8526,7 +8763,32 @@
                       <a:endParaRPr lang="it-IT" dirty="0"/>
                     </a:p>
                   </a:txBody>
-                  <a:tcPr/>
+                  <a:tcPr>
+                    <a:gradFill flip="none" rotWithShape="1">
+                      <a:gsLst>
+                        <a:gs pos="0">
+                          <a:schemeClr val="accent1">
+                            <a:shade val="30000"/>
+                            <a:satMod val="115000"/>
+                          </a:schemeClr>
+                        </a:gs>
+                        <a:gs pos="50000">
+                          <a:schemeClr val="accent1">
+                            <a:shade val="67500"/>
+                            <a:satMod val="115000"/>
+                          </a:schemeClr>
+                        </a:gs>
+                        <a:gs pos="100000">
+                          <a:schemeClr val="accent1">
+                            <a:shade val="100000"/>
+                            <a:satMod val="115000"/>
+                          </a:schemeClr>
+                        </a:gs>
+                      </a:gsLst>
+                      <a:lin ang="10800000" scaled="1"/>
+                      <a:tileRect/>
+                    </a:gradFill>
+                  </a:tcPr>
                 </a:tc>
                 <a:tc>
                   <a:txBody>
@@ -8549,7 +8811,32 @@
                       <a:endParaRPr lang="it-IT" dirty="0"/>
                     </a:p>
                   </a:txBody>
-                  <a:tcPr/>
+                  <a:tcPr>
+                    <a:gradFill flip="none" rotWithShape="1">
+                      <a:gsLst>
+                        <a:gs pos="0">
+                          <a:schemeClr val="accent1">
+                            <a:shade val="30000"/>
+                            <a:satMod val="115000"/>
+                          </a:schemeClr>
+                        </a:gs>
+                        <a:gs pos="50000">
+                          <a:schemeClr val="accent1">
+                            <a:shade val="67500"/>
+                            <a:satMod val="115000"/>
+                          </a:schemeClr>
+                        </a:gs>
+                        <a:gs pos="100000">
+                          <a:schemeClr val="accent1">
+                            <a:shade val="100000"/>
+                            <a:satMod val="115000"/>
+                          </a:schemeClr>
+                        </a:gs>
+                      </a:gsLst>
+                      <a:lin ang="10800000" scaled="1"/>
+                      <a:tileRect/>
+                    </a:gradFill>
+                  </a:tcPr>
                 </a:tc>
                 <a:tc>
                   <a:txBody>
@@ -8572,7 +8859,32 @@
                       <a:endParaRPr lang="it-IT" dirty="0"/>
                     </a:p>
                   </a:txBody>
-                  <a:tcPr/>
+                  <a:tcPr>
+                    <a:gradFill flip="none" rotWithShape="1">
+                      <a:gsLst>
+                        <a:gs pos="0">
+                          <a:schemeClr val="accent1">
+                            <a:shade val="30000"/>
+                            <a:satMod val="115000"/>
+                          </a:schemeClr>
+                        </a:gs>
+                        <a:gs pos="50000">
+                          <a:schemeClr val="accent1">
+                            <a:shade val="67500"/>
+                            <a:satMod val="115000"/>
+                          </a:schemeClr>
+                        </a:gs>
+                        <a:gs pos="100000">
+                          <a:schemeClr val="accent1">
+                            <a:shade val="100000"/>
+                            <a:satMod val="115000"/>
+                          </a:schemeClr>
+                        </a:gs>
+                      </a:gsLst>
+                      <a:lin ang="10800000" scaled="1"/>
+                      <a:tileRect/>
+                    </a:gradFill>
+                  </a:tcPr>
                 </a:tc>
                 <a:extLst>
                   <a:ext uri="{0D108BD9-81ED-4DB2-BD59-A6C34878D82A}">
@@ -11070,7 +11382,7 @@
         </p:spPr>
         <p:txBody>
           <a:bodyPr>
-            <a:normAutofit/>
+            <a:normAutofit fontScale="92500" lnSpcReduction="10000"/>
           </a:bodyPr>
           <a:lstStyle/>
           <a:p>
@@ -11083,8 +11395,10 @@
             </a:r>
             <a:r>
               <a:rPr lang="it-IT" sz="2400" dirty="0"/>
-              <a:t> ▪ </a:t>
-            </a:r>
+              <a:t> </a:t>
+            </a:r>
+          </a:p>
+          <a:p>
             <a:r>
               <a:rPr lang="it-IT" sz="2400" dirty="0" err="1"/>
               <a:t>Specifications</a:t>
@@ -11238,7 +11552,7 @@
         <p:spPr>
           <a:xfrm>
             <a:off x="480194" y="2828835"/>
-            <a:ext cx="11231612" cy="2862322"/>
+            <a:ext cx="11231612" cy="3693319"/>
           </a:xfrm>
           <a:prstGeom prst="rect">
             <a:avLst/>
@@ -11354,11 +11668,11 @@
             </a:pPr>
             <a:r>
               <a:rPr lang="it-IT" dirty="0" err="1"/>
-              <a:t>Starting</a:t>
+              <a:t>Each</a:t>
             </a:r>
             <a:r>
               <a:rPr lang="it-IT" dirty="0"/>
-              <a:t> by the top-</a:t>
+              <a:t> component in the top-</a:t>
             </a:r>
             <a:r>
               <a:rPr lang="it-IT" dirty="0" err="1"/>
@@ -11382,15 +11696,7 @@
             </a:r>
             <a:r>
               <a:rPr lang="it-IT" dirty="0"/>
-              <a:t>, </a:t>
-            </a:r>
-            <a:r>
-              <a:rPr lang="it-IT" dirty="0" err="1"/>
-              <a:t>each</a:t>
-            </a:r>
-            <a:r>
-              <a:rPr lang="it-IT" dirty="0"/>
-              <a:t> component </a:t>
+              <a:t> </a:t>
             </a:r>
             <a:r>
               <a:rPr lang="it-IT" dirty="0" err="1"/>
@@ -11497,6 +11803,192 @@
             <a:r>
               <a:rPr lang="it-IT" dirty="0" err="1"/>
               <a:t>connected</a:t>
+            </a:r>
+            <a:r>
+              <a:rPr lang="it-IT" dirty="0"/>
+              <a:t>, the </a:t>
+            </a:r>
+            <a:r>
+              <a:rPr lang="en-US" b="1" dirty="0"/>
+              <a:t>Simulation results</a:t>
+            </a:r>
+            <a:r>
+              <a:rPr lang="it-IT" b="1" dirty="0"/>
+              <a:t> </a:t>
+            </a:r>
+            <a:r>
+              <a:rPr lang="it-IT" dirty="0" err="1"/>
+              <a:t>section</a:t>
+            </a:r>
+            <a:r>
+              <a:rPr lang="it-IT" dirty="0"/>
+              <a:t> include the test of </a:t>
+            </a:r>
+            <a:r>
+              <a:rPr lang="it-IT" dirty="0" err="1"/>
+              <a:t>all</a:t>
+            </a:r>
+            <a:r>
+              <a:rPr lang="it-IT" dirty="0"/>
+              <a:t> </a:t>
+            </a:r>
+            <a:r>
+              <a:rPr lang="it-IT" dirty="0" err="1"/>
+              <a:t>components</a:t>
+            </a:r>
+            <a:r>
+              <a:rPr lang="it-IT" dirty="0"/>
+              <a:t> </a:t>
+            </a:r>
+            <a:r>
+              <a:rPr lang="it-IT" dirty="0" err="1"/>
+              <a:t>connected</a:t>
+            </a:r>
+            <a:r>
+              <a:rPr lang="it-IT" dirty="0"/>
+              <a:t>.</a:t>
+            </a:r>
+          </a:p>
+          <a:p>
+            <a:pPr marL="285750" indent="-285750">
+              <a:buFont typeface="Arial" panose="020B0604020202020204" pitchFamily="34" charset="0"/>
+              <a:buChar char="•"/>
+            </a:pPr>
+            <a:r>
+              <a:rPr lang="it-IT" dirty="0" err="1"/>
+              <a:t>Since</a:t>
+            </a:r>
+            <a:r>
+              <a:rPr lang="it-IT" dirty="0"/>
+              <a:t> </a:t>
+            </a:r>
+            <a:r>
+              <a:rPr lang="it-IT" dirty="0" err="1"/>
+              <a:t>nowere</a:t>
+            </a:r>
+            <a:r>
+              <a:rPr lang="it-IT" dirty="0"/>
+              <a:t> </a:t>
+            </a:r>
+            <a:r>
+              <a:rPr lang="it-IT" dirty="0" err="1"/>
+              <a:t>was</a:t>
+            </a:r>
+            <a:r>
+              <a:rPr lang="it-IT" dirty="0"/>
+              <a:t> </a:t>
+            </a:r>
+            <a:r>
+              <a:rPr lang="it-IT" dirty="0" err="1"/>
+              <a:t>written</a:t>
+            </a:r>
+            <a:r>
+              <a:rPr lang="it-IT" dirty="0"/>
+              <a:t> </a:t>
+            </a:r>
+            <a:r>
+              <a:rPr lang="it-IT" dirty="0" err="1"/>
+              <a:t>that</a:t>
+            </a:r>
+            <a:r>
+              <a:rPr lang="it-IT" dirty="0"/>
+              <a:t> the counter </a:t>
+            </a:r>
+            <a:r>
+              <a:rPr lang="it-IT" dirty="0" err="1"/>
+              <a:t>has</a:t>
+            </a:r>
+            <a:r>
+              <a:rPr lang="it-IT" dirty="0"/>
+              <a:t> to reset </a:t>
+            </a:r>
+            <a:r>
+              <a:rPr lang="it-IT" dirty="0" err="1"/>
+              <a:t>when</a:t>
+            </a:r>
+            <a:r>
+              <a:rPr lang="it-IT" dirty="0"/>
+              <a:t> mode </a:t>
+            </a:r>
+            <a:r>
+              <a:rPr lang="it-IT" dirty="0" err="1"/>
+              <a:t>function</a:t>
+            </a:r>
+            <a:r>
+              <a:rPr lang="it-IT" dirty="0"/>
+              <a:t> </a:t>
+            </a:r>
+            <a:r>
+              <a:rPr lang="it-IT" dirty="0" err="1"/>
+              <a:t>change</a:t>
+            </a:r>
+            <a:r>
+              <a:rPr lang="it-IT" dirty="0"/>
+              <a:t>, I </a:t>
+            </a:r>
+            <a:r>
+              <a:rPr lang="it-IT" dirty="0" err="1"/>
+              <a:t>opted</a:t>
+            </a:r>
+            <a:r>
+              <a:rPr lang="it-IT" dirty="0"/>
+              <a:t> to take </a:t>
+            </a:r>
+            <a:r>
+              <a:rPr lang="it-IT" dirty="0" err="1"/>
+              <a:t>all</a:t>
+            </a:r>
+            <a:r>
+              <a:rPr lang="it-IT" dirty="0"/>
+              <a:t> the 3 </a:t>
+            </a:r>
+            <a:r>
+              <a:rPr lang="it-IT" dirty="0" err="1"/>
+              <a:t>circuits</a:t>
+            </a:r>
+            <a:r>
+              <a:rPr lang="it-IT" dirty="0"/>
+              <a:t>(</a:t>
+            </a:r>
+            <a:r>
+              <a:rPr lang="it-IT" dirty="0" err="1"/>
+              <a:t>MODn</a:t>
+            </a:r>
+            <a:r>
+              <a:rPr lang="it-IT"/>
+              <a:t>) </a:t>
+            </a:r>
+            <a:r>
+              <a:rPr lang="it-IT" dirty="0"/>
+              <a:t>running and </a:t>
+            </a:r>
+            <a:r>
+              <a:rPr lang="it-IT" dirty="0" err="1"/>
+              <a:t>abiltate</a:t>
+            </a:r>
+            <a:r>
+              <a:rPr lang="it-IT" dirty="0"/>
+              <a:t> </a:t>
+            </a:r>
+            <a:r>
+              <a:rPr lang="it-IT" dirty="0" err="1"/>
+              <a:t>only</a:t>
+            </a:r>
+            <a:r>
+              <a:rPr lang="it-IT" dirty="0"/>
+              <a:t> 1 exit </a:t>
+            </a:r>
+            <a:r>
+              <a:rPr lang="it-IT" dirty="0" err="1"/>
+              <a:t>corrisponding</a:t>
+            </a:r>
+            <a:r>
+              <a:rPr lang="it-IT" dirty="0"/>
+              <a:t> to the mode-</a:t>
+            </a:r>
+            <a:r>
+              <a:rPr lang="it-IT" dirty="0" err="1"/>
+              <a:t>circuit</a:t>
             </a:r>
             <a:r>
               <a:rPr lang="it-IT" dirty="0"/>
@@ -12093,7 +12585,15 @@
             </a:r>
             <a:r>
               <a:rPr lang="it-IT" dirty="0"/>
-              <a:t> with 3 and 3 </a:t>
+              <a:t> with 3 </a:t>
+            </a:r>
+            <a:r>
+              <a:rPr lang="it-IT" dirty="0" err="1"/>
+              <a:t>lights</a:t>
+            </a:r>
+            <a:r>
+              <a:rPr lang="it-IT" dirty="0"/>
+              <a:t> in output and 3 </a:t>
             </a:r>
             <a:r>
               <a:rPr lang="it-IT" dirty="0" err="1"/>
@@ -12232,11 +12732,11 @@
             </a:r>
             <a:r>
               <a:rPr lang="it-IT" dirty="0"/>
-              <a:t> 1 second in the </a:t>
+              <a:t> 1 second in the FPGA </a:t>
             </a:r>
             <a:r>
               <a:rPr lang="it-IT" dirty="0" err="1"/>
-              <a:t>fpga</a:t>
+              <a:t>has</a:t>
             </a:r>
             <a:r>
               <a:rPr lang="it-IT" dirty="0"/>
@@ -12244,7 +12744,7 @@
             </a:r>
             <a:r>
               <a:rPr lang="it-IT" dirty="0" err="1"/>
-              <a:t>has</a:t>
+              <a:t>been</a:t>
             </a:r>
             <a:r>
               <a:rPr lang="it-IT" dirty="0"/>
@@ -12252,7 +12752,7 @@
             </a:r>
             <a:r>
               <a:rPr lang="it-IT" dirty="0" err="1"/>
-              <a:t>been</a:t>
+              <a:t>converted</a:t>
             </a:r>
             <a:r>
               <a:rPr lang="it-IT" dirty="0"/>
@@ -12260,7 +12760,15 @@
             </a:r>
             <a:r>
               <a:rPr lang="it-IT" dirty="0" err="1"/>
-              <a:t>translated</a:t>
+              <a:t>into</a:t>
+            </a:r>
+            <a:r>
+              <a:rPr lang="it-IT" dirty="0"/>
+              <a:t> 100 ns. </a:t>
+            </a:r>
+            <a:r>
+              <a:rPr lang="it-IT" dirty="0" err="1"/>
+              <a:t>Since</a:t>
             </a:r>
             <a:r>
               <a:rPr lang="it-IT" dirty="0"/>
@@ -12268,15 +12776,15 @@
             </a:r>
             <a:r>
               <a:rPr lang="it-IT" dirty="0" err="1"/>
-              <a:t>as</a:t>
+              <a:t>simulating</a:t>
             </a:r>
             <a:r>
               <a:rPr lang="it-IT" dirty="0"/>
-              <a:t> 100 ns. </a:t>
+              <a:t> a 1 sec with </a:t>
             </a:r>
             <a:r>
               <a:rPr lang="it-IT" dirty="0" err="1"/>
-              <a:t>Since</a:t>
+              <a:t>ModelSim</a:t>
             </a:r>
             <a:r>
               <a:rPr lang="it-IT" dirty="0"/>
@@ -12284,27 +12792,11 @@
             </a:r>
             <a:r>
               <a:rPr lang="it-IT" dirty="0" err="1"/>
-              <a:t>simulating</a:t>
+              <a:t>would</a:t>
             </a:r>
             <a:r>
               <a:rPr lang="it-IT" dirty="0"/>
-              <a:t> a 1 sec with </a:t>
-            </a:r>
-            <a:r>
-              <a:rPr lang="it-IT" dirty="0" err="1"/>
-              <a:t>ModelSim</a:t>
-            </a:r>
-            <a:r>
-              <a:rPr lang="it-IT" dirty="0"/>
-              <a:t> </a:t>
-            </a:r>
-            <a:r>
-              <a:rPr lang="it-IT" dirty="0" err="1"/>
-              <a:t>was</a:t>
-            </a:r>
-            <a:r>
-              <a:rPr lang="it-IT" dirty="0"/>
-              <a:t> </a:t>
+              <a:t> take </a:t>
             </a:r>
             <a:r>
               <a:rPr lang="it-IT" dirty="0" err="1"/>
@@ -12312,15 +12804,7 @@
             </a:r>
             <a:r>
               <a:rPr lang="it-IT" dirty="0"/>
-              <a:t> </a:t>
-            </a:r>
-            <a:r>
-              <a:rPr lang="it-IT" dirty="0" err="1"/>
-              <a:t>expensive</a:t>
-            </a:r>
-            <a:r>
-              <a:rPr lang="it-IT" dirty="0"/>
-              <a:t>.</a:t>
+              <a:t> long.</a:t>
             </a:r>
           </a:p>
         </p:txBody>
@@ -12485,7 +12969,7 @@
             <p:ph idx="1"/>
             <p:extLst>
               <p:ext uri="{D42A27DB-BD31-4B8C-83A1-F6EECF244321}">
-                <p14:modId xmlns:p14="http://schemas.microsoft.com/office/powerpoint/2010/main" val="2545818847"/>
+                <p14:modId xmlns:p14="http://schemas.microsoft.com/office/powerpoint/2010/main" val="3576281283"/>
               </p:ext>
             </p:extLst>
           </p:nvPr>
@@ -12543,7 +13027,11 @@
                       <a:endParaRPr lang="it-IT" dirty="0"/>
                     </a:p>
                   </a:txBody>
-                  <a:tcPr/>
+                  <a:tcPr>
+                    <a:solidFill>
+                      <a:srgbClr val="00B050"/>
+                    </a:solidFill>
+                  </a:tcPr>
                 </a:tc>
                 <a:tc>
                   <a:txBody>
@@ -12557,7 +13045,11 @@
                       <a:endParaRPr lang="it-IT" dirty="0"/>
                     </a:p>
                   </a:txBody>
-                  <a:tcPr/>
+                  <a:tcPr>
+                    <a:solidFill>
+                      <a:srgbClr val="00B050"/>
+                    </a:solidFill>
+                  </a:tcPr>
                 </a:tc>
                 <a:tc>
                   <a:txBody>
@@ -12571,7 +13063,11 @@
                       <a:endParaRPr lang="it-IT" dirty="0"/>
                     </a:p>
                   </a:txBody>
-                  <a:tcPr/>
+                  <a:tcPr>
+                    <a:solidFill>
+                      <a:srgbClr val="00B050"/>
+                    </a:solidFill>
+                  </a:tcPr>
                 </a:tc>
                 <a:tc>
                   <a:txBody>
@@ -12585,7 +13081,11 @@
                       <a:endParaRPr lang="it-IT" dirty="0"/>
                     </a:p>
                   </a:txBody>
-                  <a:tcPr/>
+                  <a:tcPr>
+                    <a:solidFill>
+                      <a:srgbClr val="00B050"/>
+                    </a:solidFill>
+                  </a:tcPr>
                 </a:tc>
                 <a:extLst>
                   <a:ext uri="{0D108BD9-81ED-4DB2-BD59-A6C34878D82A}">
@@ -12606,7 +13106,32 @@
                       <a:endParaRPr lang="it-IT" dirty="0"/>
                     </a:p>
                   </a:txBody>
-                  <a:tcPr/>
+                  <a:tcPr>
+                    <a:gradFill flip="none" rotWithShape="1">
+                      <a:gsLst>
+                        <a:gs pos="0">
+                          <a:schemeClr val="accent1">
+                            <a:shade val="30000"/>
+                            <a:satMod val="115000"/>
+                          </a:schemeClr>
+                        </a:gs>
+                        <a:gs pos="50000">
+                          <a:schemeClr val="accent1">
+                            <a:shade val="67500"/>
+                            <a:satMod val="115000"/>
+                          </a:schemeClr>
+                        </a:gs>
+                        <a:gs pos="100000">
+                          <a:schemeClr val="accent1">
+                            <a:shade val="100000"/>
+                            <a:satMod val="115000"/>
+                          </a:schemeClr>
+                        </a:gs>
+                      </a:gsLst>
+                      <a:lin ang="8100000" scaled="1"/>
+                      <a:tileRect/>
+                    </a:gradFill>
+                  </a:tcPr>
                 </a:tc>
                 <a:tc>
                   <a:txBody>
@@ -12620,7 +13145,32 @@
                       <a:endParaRPr lang="it-IT" dirty="0"/>
                     </a:p>
                   </a:txBody>
-                  <a:tcPr/>
+                  <a:tcPr>
+                    <a:gradFill flip="none" rotWithShape="1">
+                      <a:gsLst>
+                        <a:gs pos="0">
+                          <a:schemeClr val="accent1">
+                            <a:shade val="30000"/>
+                            <a:satMod val="115000"/>
+                          </a:schemeClr>
+                        </a:gs>
+                        <a:gs pos="50000">
+                          <a:schemeClr val="accent1">
+                            <a:shade val="67500"/>
+                            <a:satMod val="115000"/>
+                          </a:schemeClr>
+                        </a:gs>
+                        <a:gs pos="100000">
+                          <a:schemeClr val="accent1">
+                            <a:shade val="100000"/>
+                            <a:satMod val="115000"/>
+                          </a:schemeClr>
+                        </a:gs>
+                      </a:gsLst>
+                      <a:lin ang="8100000" scaled="1"/>
+                      <a:tileRect/>
+                    </a:gradFill>
+                  </a:tcPr>
                 </a:tc>
                 <a:tc>
                   <a:txBody>
@@ -12634,7 +13184,32 @@
                       <a:endParaRPr lang="it-IT" dirty="0"/>
                     </a:p>
                   </a:txBody>
-                  <a:tcPr/>
+                  <a:tcPr>
+                    <a:gradFill flip="none" rotWithShape="1">
+                      <a:gsLst>
+                        <a:gs pos="0">
+                          <a:schemeClr val="accent1">
+                            <a:shade val="30000"/>
+                            <a:satMod val="115000"/>
+                          </a:schemeClr>
+                        </a:gs>
+                        <a:gs pos="50000">
+                          <a:schemeClr val="accent1">
+                            <a:shade val="67500"/>
+                            <a:satMod val="115000"/>
+                          </a:schemeClr>
+                        </a:gs>
+                        <a:gs pos="100000">
+                          <a:schemeClr val="accent1">
+                            <a:shade val="100000"/>
+                            <a:satMod val="115000"/>
+                          </a:schemeClr>
+                        </a:gs>
+                      </a:gsLst>
+                      <a:lin ang="8100000" scaled="1"/>
+                      <a:tileRect/>
+                    </a:gradFill>
+                  </a:tcPr>
                 </a:tc>
                 <a:tc>
                   <a:txBody>
@@ -12648,7 +13223,32 @@
                       <a:endParaRPr lang="it-IT" sz="1600" dirty="0"/>
                     </a:p>
                   </a:txBody>
-                  <a:tcPr/>
+                  <a:tcPr>
+                    <a:gradFill flip="none" rotWithShape="1">
+                      <a:gsLst>
+                        <a:gs pos="0">
+                          <a:schemeClr val="accent1">
+                            <a:shade val="30000"/>
+                            <a:satMod val="115000"/>
+                          </a:schemeClr>
+                        </a:gs>
+                        <a:gs pos="50000">
+                          <a:schemeClr val="accent1">
+                            <a:shade val="67500"/>
+                            <a:satMod val="115000"/>
+                          </a:schemeClr>
+                        </a:gs>
+                        <a:gs pos="100000">
+                          <a:schemeClr val="accent1">
+                            <a:shade val="100000"/>
+                            <a:satMod val="115000"/>
+                          </a:schemeClr>
+                        </a:gs>
+                      </a:gsLst>
+                      <a:lin ang="8100000" scaled="1"/>
+                      <a:tileRect/>
+                    </a:gradFill>
+                  </a:tcPr>
                 </a:tc>
                 <a:extLst>
                   <a:ext uri="{0D108BD9-81ED-4DB2-BD59-A6C34878D82A}">
@@ -12669,7 +13269,32 @@
                       <a:endParaRPr lang="it-IT" dirty="0"/>
                     </a:p>
                   </a:txBody>
-                  <a:tcPr/>
+                  <a:tcPr>
+                    <a:gradFill flip="none" rotWithShape="1">
+                      <a:gsLst>
+                        <a:gs pos="0">
+                          <a:schemeClr val="accent1">
+                            <a:shade val="30000"/>
+                            <a:satMod val="115000"/>
+                          </a:schemeClr>
+                        </a:gs>
+                        <a:gs pos="50000">
+                          <a:schemeClr val="accent1">
+                            <a:shade val="67500"/>
+                            <a:satMod val="115000"/>
+                          </a:schemeClr>
+                        </a:gs>
+                        <a:gs pos="100000">
+                          <a:schemeClr val="accent1">
+                            <a:shade val="100000"/>
+                            <a:satMod val="115000"/>
+                          </a:schemeClr>
+                        </a:gs>
+                      </a:gsLst>
+                      <a:lin ang="8100000" scaled="1"/>
+                      <a:tileRect/>
+                    </a:gradFill>
+                  </a:tcPr>
                 </a:tc>
                 <a:tc>
                   <a:txBody>
@@ -12683,7 +13308,32 @@
                       <a:endParaRPr lang="it-IT" dirty="0"/>
                     </a:p>
                   </a:txBody>
-                  <a:tcPr/>
+                  <a:tcPr>
+                    <a:gradFill flip="none" rotWithShape="1">
+                      <a:gsLst>
+                        <a:gs pos="0">
+                          <a:schemeClr val="accent1">
+                            <a:shade val="30000"/>
+                            <a:satMod val="115000"/>
+                          </a:schemeClr>
+                        </a:gs>
+                        <a:gs pos="50000">
+                          <a:schemeClr val="accent1">
+                            <a:shade val="67500"/>
+                            <a:satMod val="115000"/>
+                          </a:schemeClr>
+                        </a:gs>
+                        <a:gs pos="100000">
+                          <a:schemeClr val="accent1">
+                            <a:shade val="100000"/>
+                            <a:satMod val="115000"/>
+                          </a:schemeClr>
+                        </a:gs>
+                      </a:gsLst>
+                      <a:lin ang="8100000" scaled="1"/>
+                      <a:tileRect/>
+                    </a:gradFill>
+                  </a:tcPr>
                 </a:tc>
                 <a:tc>
                   <a:txBody>
@@ -12697,7 +13347,32 @@
                       <a:endParaRPr lang="it-IT" dirty="0"/>
                     </a:p>
                   </a:txBody>
-                  <a:tcPr/>
+                  <a:tcPr>
+                    <a:gradFill flip="none" rotWithShape="1">
+                      <a:gsLst>
+                        <a:gs pos="0">
+                          <a:schemeClr val="accent1">
+                            <a:shade val="30000"/>
+                            <a:satMod val="115000"/>
+                          </a:schemeClr>
+                        </a:gs>
+                        <a:gs pos="50000">
+                          <a:schemeClr val="accent1">
+                            <a:shade val="67500"/>
+                            <a:satMod val="115000"/>
+                          </a:schemeClr>
+                        </a:gs>
+                        <a:gs pos="100000">
+                          <a:schemeClr val="accent1">
+                            <a:shade val="100000"/>
+                            <a:satMod val="115000"/>
+                          </a:schemeClr>
+                        </a:gs>
+                      </a:gsLst>
+                      <a:lin ang="8100000" scaled="1"/>
+                      <a:tileRect/>
+                    </a:gradFill>
+                  </a:tcPr>
                 </a:tc>
                 <a:tc>
                   <a:txBody>
@@ -12719,7 +13394,32 @@
                       <a:endParaRPr lang="it-IT" sz="1600" dirty="0"/>
                     </a:p>
                   </a:txBody>
-                  <a:tcPr/>
+                  <a:tcPr>
+                    <a:gradFill flip="none" rotWithShape="1">
+                      <a:gsLst>
+                        <a:gs pos="0">
+                          <a:schemeClr val="accent1">
+                            <a:shade val="30000"/>
+                            <a:satMod val="115000"/>
+                          </a:schemeClr>
+                        </a:gs>
+                        <a:gs pos="50000">
+                          <a:schemeClr val="accent1">
+                            <a:shade val="67500"/>
+                            <a:satMod val="115000"/>
+                          </a:schemeClr>
+                        </a:gs>
+                        <a:gs pos="100000">
+                          <a:schemeClr val="accent1">
+                            <a:shade val="100000"/>
+                            <a:satMod val="115000"/>
+                          </a:schemeClr>
+                        </a:gs>
+                      </a:gsLst>
+                      <a:lin ang="8100000" scaled="1"/>
+                      <a:tileRect/>
+                    </a:gradFill>
+                  </a:tcPr>
                 </a:tc>
                 <a:extLst>
                   <a:ext uri="{0D108BD9-81ED-4DB2-BD59-A6C34878D82A}">
@@ -12740,7 +13440,32 @@
                       <a:endParaRPr lang="it-IT" dirty="0"/>
                     </a:p>
                   </a:txBody>
-                  <a:tcPr/>
+                  <a:tcPr>
+                    <a:gradFill flip="none" rotWithShape="1">
+                      <a:gsLst>
+                        <a:gs pos="0">
+                          <a:schemeClr val="accent1">
+                            <a:shade val="30000"/>
+                            <a:satMod val="115000"/>
+                          </a:schemeClr>
+                        </a:gs>
+                        <a:gs pos="50000">
+                          <a:schemeClr val="accent1">
+                            <a:shade val="67500"/>
+                            <a:satMod val="115000"/>
+                          </a:schemeClr>
+                        </a:gs>
+                        <a:gs pos="100000">
+                          <a:schemeClr val="accent1">
+                            <a:shade val="100000"/>
+                            <a:satMod val="115000"/>
+                          </a:schemeClr>
+                        </a:gs>
+                      </a:gsLst>
+                      <a:lin ang="8100000" scaled="1"/>
+                      <a:tileRect/>
+                    </a:gradFill>
+                  </a:tcPr>
                 </a:tc>
                 <a:tc>
                   <a:txBody>
@@ -12754,7 +13479,32 @@
                       <a:endParaRPr lang="it-IT" dirty="0"/>
                     </a:p>
                   </a:txBody>
-                  <a:tcPr/>
+                  <a:tcPr>
+                    <a:gradFill flip="none" rotWithShape="1">
+                      <a:gsLst>
+                        <a:gs pos="0">
+                          <a:schemeClr val="accent1">
+                            <a:shade val="30000"/>
+                            <a:satMod val="115000"/>
+                          </a:schemeClr>
+                        </a:gs>
+                        <a:gs pos="50000">
+                          <a:schemeClr val="accent1">
+                            <a:shade val="67500"/>
+                            <a:satMod val="115000"/>
+                          </a:schemeClr>
+                        </a:gs>
+                        <a:gs pos="100000">
+                          <a:schemeClr val="accent1">
+                            <a:shade val="100000"/>
+                            <a:satMod val="115000"/>
+                          </a:schemeClr>
+                        </a:gs>
+                      </a:gsLst>
+                      <a:lin ang="8100000" scaled="1"/>
+                      <a:tileRect/>
+                    </a:gradFill>
+                  </a:tcPr>
                 </a:tc>
                 <a:tc>
                   <a:txBody>
@@ -12768,7 +13518,32 @@
                       <a:endParaRPr lang="it-IT" dirty="0"/>
                     </a:p>
                   </a:txBody>
-                  <a:tcPr/>
+                  <a:tcPr>
+                    <a:gradFill flip="none" rotWithShape="1">
+                      <a:gsLst>
+                        <a:gs pos="0">
+                          <a:schemeClr val="accent1">
+                            <a:shade val="30000"/>
+                            <a:satMod val="115000"/>
+                          </a:schemeClr>
+                        </a:gs>
+                        <a:gs pos="50000">
+                          <a:schemeClr val="accent1">
+                            <a:shade val="67500"/>
+                            <a:satMod val="115000"/>
+                          </a:schemeClr>
+                        </a:gs>
+                        <a:gs pos="100000">
+                          <a:schemeClr val="accent1">
+                            <a:shade val="100000"/>
+                            <a:satMod val="115000"/>
+                          </a:schemeClr>
+                        </a:gs>
+                      </a:gsLst>
+                      <a:lin ang="8100000" scaled="1"/>
+                      <a:tileRect/>
+                    </a:gradFill>
+                  </a:tcPr>
                 </a:tc>
                 <a:tc>
                   <a:txBody>
@@ -12818,7 +13593,32 @@
                       <a:endParaRPr lang="it-IT" sz="1600" dirty="0"/>
                     </a:p>
                   </a:txBody>
-                  <a:tcPr/>
+                  <a:tcPr>
+                    <a:gradFill flip="none" rotWithShape="1">
+                      <a:gsLst>
+                        <a:gs pos="0">
+                          <a:schemeClr val="accent1">
+                            <a:shade val="30000"/>
+                            <a:satMod val="115000"/>
+                          </a:schemeClr>
+                        </a:gs>
+                        <a:gs pos="50000">
+                          <a:schemeClr val="accent1">
+                            <a:shade val="67500"/>
+                            <a:satMod val="115000"/>
+                          </a:schemeClr>
+                        </a:gs>
+                        <a:gs pos="100000">
+                          <a:schemeClr val="accent1">
+                            <a:shade val="100000"/>
+                            <a:satMod val="115000"/>
+                          </a:schemeClr>
+                        </a:gs>
+                      </a:gsLst>
+                      <a:lin ang="8100000" scaled="1"/>
+                      <a:tileRect/>
+                    </a:gradFill>
+                  </a:tcPr>
                 </a:tc>
                 <a:extLst>
                   <a:ext uri="{0D108BD9-81ED-4DB2-BD59-A6C34878D82A}">
@@ -12839,7 +13639,32 @@
                       <a:endParaRPr lang="it-IT" dirty="0"/>
                     </a:p>
                   </a:txBody>
-                  <a:tcPr/>
+                  <a:tcPr>
+                    <a:gradFill flip="none" rotWithShape="1">
+                      <a:gsLst>
+                        <a:gs pos="0">
+                          <a:schemeClr val="accent1">
+                            <a:shade val="30000"/>
+                            <a:satMod val="115000"/>
+                          </a:schemeClr>
+                        </a:gs>
+                        <a:gs pos="50000">
+                          <a:schemeClr val="accent1">
+                            <a:shade val="67500"/>
+                            <a:satMod val="115000"/>
+                          </a:schemeClr>
+                        </a:gs>
+                        <a:gs pos="100000">
+                          <a:schemeClr val="accent1">
+                            <a:shade val="100000"/>
+                            <a:satMod val="115000"/>
+                          </a:schemeClr>
+                        </a:gs>
+                      </a:gsLst>
+                      <a:lin ang="8100000" scaled="1"/>
+                      <a:tileRect/>
+                    </a:gradFill>
+                  </a:tcPr>
                 </a:tc>
                 <a:tc>
                   <a:txBody>
@@ -12853,7 +13678,32 @@
                       <a:endParaRPr lang="it-IT" dirty="0"/>
                     </a:p>
                   </a:txBody>
-                  <a:tcPr/>
+                  <a:tcPr>
+                    <a:gradFill flip="none" rotWithShape="1">
+                      <a:gsLst>
+                        <a:gs pos="0">
+                          <a:schemeClr val="accent1">
+                            <a:shade val="30000"/>
+                            <a:satMod val="115000"/>
+                          </a:schemeClr>
+                        </a:gs>
+                        <a:gs pos="50000">
+                          <a:schemeClr val="accent1">
+                            <a:shade val="67500"/>
+                            <a:satMod val="115000"/>
+                          </a:schemeClr>
+                        </a:gs>
+                        <a:gs pos="100000">
+                          <a:schemeClr val="accent1">
+                            <a:shade val="100000"/>
+                            <a:satMod val="115000"/>
+                          </a:schemeClr>
+                        </a:gs>
+                      </a:gsLst>
+                      <a:lin ang="8100000" scaled="1"/>
+                      <a:tileRect/>
+                    </a:gradFill>
+                  </a:tcPr>
                 </a:tc>
                 <a:tc>
                   <a:txBody>
@@ -12867,7 +13717,32 @@
                       <a:endParaRPr lang="it-IT" dirty="0"/>
                     </a:p>
                   </a:txBody>
-                  <a:tcPr/>
+                  <a:tcPr>
+                    <a:gradFill flip="none" rotWithShape="1">
+                      <a:gsLst>
+                        <a:gs pos="0">
+                          <a:schemeClr val="accent1">
+                            <a:shade val="30000"/>
+                            <a:satMod val="115000"/>
+                          </a:schemeClr>
+                        </a:gs>
+                        <a:gs pos="50000">
+                          <a:schemeClr val="accent1">
+                            <a:shade val="67500"/>
+                            <a:satMod val="115000"/>
+                          </a:schemeClr>
+                        </a:gs>
+                        <a:gs pos="100000">
+                          <a:schemeClr val="accent1">
+                            <a:shade val="100000"/>
+                            <a:satMod val="115000"/>
+                          </a:schemeClr>
+                        </a:gs>
+                      </a:gsLst>
+                      <a:lin ang="8100000" scaled="1"/>
+                      <a:tileRect/>
+                    </a:gradFill>
+                  </a:tcPr>
                 </a:tc>
                 <a:tc>
                   <a:txBody>
@@ -12909,7 +13784,32 @@
                       <a:endParaRPr lang="it-IT" sz="1600" dirty="0"/>
                     </a:p>
                   </a:txBody>
-                  <a:tcPr/>
+                  <a:tcPr>
+                    <a:gradFill flip="none" rotWithShape="1">
+                      <a:gsLst>
+                        <a:gs pos="0">
+                          <a:schemeClr val="accent1">
+                            <a:shade val="30000"/>
+                            <a:satMod val="115000"/>
+                          </a:schemeClr>
+                        </a:gs>
+                        <a:gs pos="50000">
+                          <a:schemeClr val="accent1">
+                            <a:shade val="67500"/>
+                            <a:satMod val="115000"/>
+                          </a:schemeClr>
+                        </a:gs>
+                        <a:gs pos="100000">
+                          <a:schemeClr val="accent1">
+                            <a:shade val="100000"/>
+                            <a:satMod val="115000"/>
+                          </a:schemeClr>
+                        </a:gs>
+                      </a:gsLst>
+                      <a:lin ang="8100000" scaled="1"/>
+                      <a:tileRect/>
+                    </a:gradFill>
+                  </a:tcPr>
                 </a:tc>
                 <a:extLst>
                   <a:ext uri="{0D108BD9-81ED-4DB2-BD59-A6C34878D82A}">
@@ -12950,7 +13850,32 @@
                       <a:endParaRPr lang="it-IT" dirty="0"/>
                     </a:p>
                   </a:txBody>
-                  <a:tcPr/>
+                  <a:tcPr>
+                    <a:gradFill flip="none" rotWithShape="1">
+                      <a:gsLst>
+                        <a:gs pos="0">
+                          <a:schemeClr val="accent1">
+                            <a:shade val="30000"/>
+                            <a:satMod val="115000"/>
+                          </a:schemeClr>
+                        </a:gs>
+                        <a:gs pos="50000">
+                          <a:schemeClr val="accent1">
+                            <a:shade val="67500"/>
+                            <a:satMod val="115000"/>
+                          </a:schemeClr>
+                        </a:gs>
+                        <a:gs pos="100000">
+                          <a:schemeClr val="accent1">
+                            <a:shade val="100000"/>
+                            <a:satMod val="115000"/>
+                          </a:schemeClr>
+                        </a:gs>
+                      </a:gsLst>
+                      <a:lin ang="8100000" scaled="1"/>
+                      <a:tileRect/>
+                    </a:gradFill>
+                  </a:tcPr>
                 </a:tc>
                 <a:tc>
                   <a:txBody>
@@ -12964,7 +13889,32 @@
                       <a:endParaRPr lang="it-IT" dirty="0"/>
                     </a:p>
                   </a:txBody>
-                  <a:tcPr/>
+                  <a:tcPr>
+                    <a:gradFill flip="none" rotWithShape="1">
+                      <a:gsLst>
+                        <a:gs pos="0">
+                          <a:schemeClr val="accent1">
+                            <a:shade val="30000"/>
+                            <a:satMod val="115000"/>
+                          </a:schemeClr>
+                        </a:gs>
+                        <a:gs pos="50000">
+                          <a:schemeClr val="accent1">
+                            <a:shade val="67500"/>
+                            <a:satMod val="115000"/>
+                          </a:schemeClr>
+                        </a:gs>
+                        <a:gs pos="100000">
+                          <a:schemeClr val="accent1">
+                            <a:shade val="100000"/>
+                            <a:satMod val="115000"/>
+                          </a:schemeClr>
+                        </a:gs>
+                      </a:gsLst>
+                      <a:lin ang="8100000" scaled="1"/>
+                      <a:tileRect/>
+                    </a:gradFill>
+                  </a:tcPr>
                 </a:tc>
                 <a:tc>
                   <a:txBody>
@@ -12978,7 +13928,32 @@
                       <a:endParaRPr lang="it-IT" dirty="0"/>
                     </a:p>
                   </a:txBody>
-                  <a:tcPr/>
+                  <a:tcPr>
+                    <a:gradFill flip="none" rotWithShape="1">
+                      <a:gsLst>
+                        <a:gs pos="0">
+                          <a:schemeClr val="accent1">
+                            <a:shade val="30000"/>
+                            <a:satMod val="115000"/>
+                          </a:schemeClr>
+                        </a:gs>
+                        <a:gs pos="50000">
+                          <a:schemeClr val="accent1">
+                            <a:shade val="67500"/>
+                            <a:satMod val="115000"/>
+                          </a:schemeClr>
+                        </a:gs>
+                        <a:gs pos="100000">
+                          <a:schemeClr val="accent1">
+                            <a:shade val="100000"/>
+                            <a:satMod val="115000"/>
+                          </a:schemeClr>
+                        </a:gs>
+                      </a:gsLst>
+                      <a:lin ang="8100000" scaled="1"/>
+                      <a:tileRect/>
+                    </a:gradFill>
+                  </a:tcPr>
                 </a:tc>
                 <a:tc>
                   <a:txBody>
@@ -13130,7 +14105,32 @@
                       <a:endParaRPr lang="it-IT" sz="1600" dirty="0"/>
                     </a:p>
                   </a:txBody>
-                  <a:tcPr/>
+                  <a:tcPr>
+                    <a:gradFill flip="none" rotWithShape="1">
+                      <a:gsLst>
+                        <a:gs pos="0">
+                          <a:schemeClr val="accent1">
+                            <a:shade val="30000"/>
+                            <a:satMod val="115000"/>
+                          </a:schemeClr>
+                        </a:gs>
+                        <a:gs pos="50000">
+                          <a:schemeClr val="accent1">
+                            <a:shade val="67500"/>
+                            <a:satMod val="115000"/>
+                          </a:schemeClr>
+                        </a:gs>
+                        <a:gs pos="100000">
+                          <a:schemeClr val="accent1">
+                            <a:shade val="100000"/>
+                            <a:satMod val="115000"/>
+                          </a:schemeClr>
+                        </a:gs>
+                      </a:gsLst>
+                      <a:lin ang="8100000" scaled="1"/>
+                      <a:tileRect/>
+                    </a:gradFill>
+                  </a:tcPr>
                 </a:tc>
                 <a:extLst>
                   <a:ext uri="{0D108BD9-81ED-4DB2-BD59-A6C34878D82A}">
@@ -13261,7 +14261,7 @@
             <p:ph idx="1"/>
             <p:extLst>
               <p:ext uri="{D42A27DB-BD31-4B8C-83A1-F6EECF244321}">
-                <p14:modId xmlns:p14="http://schemas.microsoft.com/office/powerpoint/2010/main" val="1148321554"/>
+                <p14:modId xmlns:p14="http://schemas.microsoft.com/office/powerpoint/2010/main" val="429782990"/>
               </p:ext>
             </p:extLst>
           </p:nvPr>
@@ -13319,7 +14319,11 @@
                       <a:endParaRPr lang="it-IT" dirty="0"/>
                     </a:p>
                   </a:txBody>
-                  <a:tcPr/>
+                  <a:tcPr>
+                    <a:solidFill>
+                      <a:srgbClr val="00B050"/>
+                    </a:solidFill>
+                  </a:tcPr>
                 </a:tc>
                 <a:tc>
                   <a:txBody>
@@ -13333,7 +14337,11 @@
                       <a:endParaRPr lang="it-IT" dirty="0"/>
                     </a:p>
                   </a:txBody>
-                  <a:tcPr/>
+                  <a:tcPr>
+                    <a:solidFill>
+                      <a:srgbClr val="00B050"/>
+                    </a:solidFill>
+                  </a:tcPr>
                 </a:tc>
                 <a:tc>
                   <a:txBody>
@@ -13347,7 +14355,11 @@
                       <a:endParaRPr lang="it-IT" dirty="0"/>
                     </a:p>
                   </a:txBody>
-                  <a:tcPr/>
+                  <a:tcPr>
+                    <a:solidFill>
+                      <a:srgbClr val="00B050"/>
+                    </a:solidFill>
+                  </a:tcPr>
                 </a:tc>
                 <a:tc>
                   <a:txBody>
@@ -13361,7 +14373,11 @@
                       <a:endParaRPr lang="it-IT" dirty="0"/>
                     </a:p>
                   </a:txBody>
-                  <a:tcPr/>
+                  <a:tcPr>
+                    <a:solidFill>
+                      <a:srgbClr val="00B050"/>
+                    </a:solidFill>
+                  </a:tcPr>
                 </a:tc>
                 <a:extLst>
                   <a:ext uri="{0D108BD9-81ED-4DB2-BD59-A6C34878D82A}">
@@ -13382,7 +14398,32 @@
                       <a:endParaRPr lang="it-IT" dirty="0"/>
                     </a:p>
                   </a:txBody>
-                  <a:tcPr/>
+                  <a:tcPr>
+                    <a:gradFill flip="none" rotWithShape="1">
+                      <a:gsLst>
+                        <a:gs pos="0">
+                          <a:schemeClr val="accent1">
+                            <a:shade val="30000"/>
+                            <a:satMod val="115000"/>
+                          </a:schemeClr>
+                        </a:gs>
+                        <a:gs pos="50000">
+                          <a:schemeClr val="accent1">
+                            <a:shade val="67500"/>
+                            <a:satMod val="115000"/>
+                          </a:schemeClr>
+                        </a:gs>
+                        <a:gs pos="100000">
+                          <a:schemeClr val="accent1">
+                            <a:shade val="100000"/>
+                            <a:satMod val="115000"/>
+                          </a:schemeClr>
+                        </a:gs>
+                      </a:gsLst>
+                      <a:lin ang="10800000" scaled="1"/>
+                      <a:tileRect/>
+                    </a:gradFill>
+                  </a:tcPr>
                 </a:tc>
                 <a:tc>
                   <a:txBody>
@@ -13396,7 +14437,32 @@
                       <a:endParaRPr lang="it-IT" dirty="0"/>
                     </a:p>
                   </a:txBody>
-                  <a:tcPr/>
+                  <a:tcPr>
+                    <a:gradFill flip="none" rotWithShape="1">
+                      <a:gsLst>
+                        <a:gs pos="0">
+                          <a:schemeClr val="accent1">
+                            <a:shade val="30000"/>
+                            <a:satMod val="115000"/>
+                          </a:schemeClr>
+                        </a:gs>
+                        <a:gs pos="50000">
+                          <a:schemeClr val="accent1">
+                            <a:shade val="67500"/>
+                            <a:satMod val="115000"/>
+                          </a:schemeClr>
+                        </a:gs>
+                        <a:gs pos="100000">
+                          <a:schemeClr val="accent1">
+                            <a:shade val="100000"/>
+                            <a:satMod val="115000"/>
+                          </a:schemeClr>
+                        </a:gs>
+                      </a:gsLst>
+                      <a:lin ang="10800000" scaled="1"/>
+                      <a:tileRect/>
+                    </a:gradFill>
+                  </a:tcPr>
                 </a:tc>
                 <a:tc>
                   <a:txBody>
@@ -13410,7 +14476,32 @@
                       <a:endParaRPr lang="it-IT" dirty="0"/>
                     </a:p>
                   </a:txBody>
-                  <a:tcPr/>
+                  <a:tcPr>
+                    <a:gradFill flip="none" rotWithShape="1">
+                      <a:gsLst>
+                        <a:gs pos="0">
+                          <a:schemeClr val="accent1">
+                            <a:shade val="30000"/>
+                            <a:satMod val="115000"/>
+                          </a:schemeClr>
+                        </a:gs>
+                        <a:gs pos="50000">
+                          <a:schemeClr val="accent1">
+                            <a:shade val="67500"/>
+                            <a:satMod val="115000"/>
+                          </a:schemeClr>
+                        </a:gs>
+                        <a:gs pos="100000">
+                          <a:schemeClr val="accent1">
+                            <a:shade val="100000"/>
+                            <a:satMod val="115000"/>
+                          </a:schemeClr>
+                        </a:gs>
+                      </a:gsLst>
+                      <a:lin ang="10800000" scaled="1"/>
+                      <a:tileRect/>
+                    </a:gradFill>
+                  </a:tcPr>
                 </a:tc>
                 <a:tc>
                   <a:txBody>
@@ -13424,7 +14515,32 @@
                       <a:endParaRPr lang="it-IT" sz="1600" dirty="0"/>
                     </a:p>
                   </a:txBody>
-                  <a:tcPr/>
+                  <a:tcPr>
+                    <a:gradFill flip="none" rotWithShape="1">
+                      <a:gsLst>
+                        <a:gs pos="0">
+                          <a:schemeClr val="accent1">
+                            <a:shade val="30000"/>
+                            <a:satMod val="115000"/>
+                          </a:schemeClr>
+                        </a:gs>
+                        <a:gs pos="50000">
+                          <a:schemeClr val="accent1">
+                            <a:shade val="67500"/>
+                            <a:satMod val="115000"/>
+                          </a:schemeClr>
+                        </a:gs>
+                        <a:gs pos="100000">
+                          <a:schemeClr val="accent1">
+                            <a:shade val="100000"/>
+                            <a:satMod val="115000"/>
+                          </a:schemeClr>
+                        </a:gs>
+                      </a:gsLst>
+                      <a:lin ang="10800000" scaled="1"/>
+                      <a:tileRect/>
+                    </a:gradFill>
+                  </a:tcPr>
                 </a:tc>
                 <a:extLst>
                   <a:ext uri="{0D108BD9-81ED-4DB2-BD59-A6C34878D82A}">
@@ -13445,7 +14561,32 @@
                       <a:endParaRPr lang="it-IT" dirty="0"/>
                     </a:p>
                   </a:txBody>
-                  <a:tcPr/>
+                  <a:tcPr>
+                    <a:gradFill flip="none" rotWithShape="1">
+                      <a:gsLst>
+                        <a:gs pos="0">
+                          <a:schemeClr val="accent1">
+                            <a:shade val="30000"/>
+                            <a:satMod val="115000"/>
+                          </a:schemeClr>
+                        </a:gs>
+                        <a:gs pos="50000">
+                          <a:schemeClr val="accent1">
+                            <a:shade val="67500"/>
+                            <a:satMod val="115000"/>
+                          </a:schemeClr>
+                        </a:gs>
+                        <a:gs pos="100000">
+                          <a:schemeClr val="accent1">
+                            <a:shade val="100000"/>
+                            <a:satMod val="115000"/>
+                          </a:schemeClr>
+                        </a:gs>
+                      </a:gsLst>
+                      <a:lin ang="10800000" scaled="1"/>
+                      <a:tileRect/>
+                    </a:gradFill>
+                  </a:tcPr>
                 </a:tc>
                 <a:tc>
                   <a:txBody>
@@ -13459,7 +14600,32 @@
                       <a:endParaRPr lang="it-IT" dirty="0"/>
                     </a:p>
                   </a:txBody>
-                  <a:tcPr/>
+                  <a:tcPr>
+                    <a:gradFill flip="none" rotWithShape="1">
+                      <a:gsLst>
+                        <a:gs pos="0">
+                          <a:schemeClr val="accent1">
+                            <a:shade val="30000"/>
+                            <a:satMod val="115000"/>
+                          </a:schemeClr>
+                        </a:gs>
+                        <a:gs pos="50000">
+                          <a:schemeClr val="accent1">
+                            <a:shade val="67500"/>
+                            <a:satMod val="115000"/>
+                          </a:schemeClr>
+                        </a:gs>
+                        <a:gs pos="100000">
+                          <a:schemeClr val="accent1">
+                            <a:shade val="100000"/>
+                            <a:satMod val="115000"/>
+                          </a:schemeClr>
+                        </a:gs>
+                      </a:gsLst>
+                      <a:lin ang="10800000" scaled="1"/>
+                      <a:tileRect/>
+                    </a:gradFill>
+                  </a:tcPr>
                 </a:tc>
                 <a:tc>
                   <a:txBody>
@@ -13473,7 +14639,32 @@
                       <a:endParaRPr lang="it-IT" dirty="0"/>
                     </a:p>
                   </a:txBody>
-                  <a:tcPr/>
+                  <a:tcPr>
+                    <a:gradFill flip="none" rotWithShape="1">
+                      <a:gsLst>
+                        <a:gs pos="0">
+                          <a:schemeClr val="accent1">
+                            <a:shade val="30000"/>
+                            <a:satMod val="115000"/>
+                          </a:schemeClr>
+                        </a:gs>
+                        <a:gs pos="50000">
+                          <a:schemeClr val="accent1">
+                            <a:shade val="67500"/>
+                            <a:satMod val="115000"/>
+                          </a:schemeClr>
+                        </a:gs>
+                        <a:gs pos="100000">
+                          <a:schemeClr val="accent1">
+                            <a:shade val="100000"/>
+                            <a:satMod val="115000"/>
+                          </a:schemeClr>
+                        </a:gs>
+                      </a:gsLst>
+                      <a:lin ang="10800000" scaled="1"/>
+                      <a:tileRect/>
+                    </a:gradFill>
+                  </a:tcPr>
                 </a:tc>
                 <a:tc>
                   <a:txBody>
@@ -13487,7 +14678,32 @@
                       <a:endParaRPr lang="it-IT" sz="1600" dirty="0"/>
                     </a:p>
                   </a:txBody>
-                  <a:tcPr/>
+                  <a:tcPr>
+                    <a:gradFill flip="none" rotWithShape="1">
+                      <a:gsLst>
+                        <a:gs pos="0">
+                          <a:schemeClr val="accent1">
+                            <a:shade val="30000"/>
+                            <a:satMod val="115000"/>
+                          </a:schemeClr>
+                        </a:gs>
+                        <a:gs pos="50000">
+                          <a:schemeClr val="accent1">
+                            <a:shade val="67500"/>
+                            <a:satMod val="115000"/>
+                          </a:schemeClr>
+                        </a:gs>
+                        <a:gs pos="100000">
+                          <a:schemeClr val="accent1">
+                            <a:shade val="100000"/>
+                            <a:satMod val="115000"/>
+                          </a:schemeClr>
+                        </a:gs>
+                      </a:gsLst>
+                      <a:lin ang="10800000" scaled="1"/>
+                      <a:tileRect/>
+                    </a:gradFill>
+                  </a:tcPr>
                 </a:tc>
                 <a:extLst>
                   <a:ext uri="{0D108BD9-81ED-4DB2-BD59-A6C34878D82A}">
@@ -13508,7 +14724,32 @@
                       <a:endParaRPr lang="it-IT" dirty="0"/>
                     </a:p>
                   </a:txBody>
-                  <a:tcPr/>
+                  <a:tcPr>
+                    <a:gradFill flip="none" rotWithShape="1">
+                      <a:gsLst>
+                        <a:gs pos="0">
+                          <a:schemeClr val="accent1">
+                            <a:shade val="30000"/>
+                            <a:satMod val="115000"/>
+                          </a:schemeClr>
+                        </a:gs>
+                        <a:gs pos="50000">
+                          <a:schemeClr val="accent1">
+                            <a:shade val="67500"/>
+                            <a:satMod val="115000"/>
+                          </a:schemeClr>
+                        </a:gs>
+                        <a:gs pos="100000">
+                          <a:schemeClr val="accent1">
+                            <a:shade val="100000"/>
+                            <a:satMod val="115000"/>
+                          </a:schemeClr>
+                        </a:gs>
+                      </a:gsLst>
+                      <a:lin ang="10800000" scaled="1"/>
+                      <a:tileRect/>
+                    </a:gradFill>
+                  </a:tcPr>
                 </a:tc>
                 <a:tc>
                   <a:txBody>
@@ -13522,7 +14763,32 @@
                       <a:endParaRPr lang="it-IT" dirty="0"/>
                     </a:p>
                   </a:txBody>
-                  <a:tcPr/>
+                  <a:tcPr>
+                    <a:gradFill flip="none" rotWithShape="1">
+                      <a:gsLst>
+                        <a:gs pos="0">
+                          <a:schemeClr val="accent1">
+                            <a:shade val="30000"/>
+                            <a:satMod val="115000"/>
+                          </a:schemeClr>
+                        </a:gs>
+                        <a:gs pos="50000">
+                          <a:schemeClr val="accent1">
+                            <a:shade val="67500"/>
+                            <a:satMod val="115000"/>
+                          </a:schemeClr>
+                        </a:gs>
+                        <a:gs pos="100000">
+                          <a:schemeClr val="accent1">
+                            <a:shade val="100000"/>
+                            <a:satMod val="115000"/>
+                          </a:schemeClr>
+                        </a:gs>
+                      </a:gsLst>
+                      <a:lin ang="10800000" scaled="1"/>
+                      <a:tileRect/>
+                    </a:gradFill>
+                  </a:tcPr>
                 </a:tc>
                 <a:tc>
                   <a:txBody>
@@ -13536,7 +14802,32 @@
                       <a:endParaRPr lang="it-IT" dirty="0"/>
                     </a:p>
                   </a:txBody>
-                  <a:tcPr/>
+                  <a:tcPr>
+                    <a:gradFill flip="none" rotWithShape="1">
+                      <a:gsLst>
+                        <a:gs pos="0">
+                          <a:schemeClr val="accent1">
+                            <a:shade val="30000"/>
+                            <a:satMod val="115000"/>
+                          </a:schemeClr>
+                        </a:gs>
+                        <a:gs pos="50000">
+                          <a:schemeClr val="accent1">
+                            <a:shade val="67500"/>
+                            <a:satMod val="115000"/>
+                          </a:schemeClr>
+                        </a:gs>
+                        <a:gs pos="100000">
+                          <a:schemeClr val="accent1">
+                            <a:shade val="100000"/>
+                            <a:satMod val="115000"/>
+                          </a:schemeClr>
+                        </a:gs>
+                      </a:gsLst>
+                      <a:lin ang="10800000" scaled="1"/>
+                      <a:tileRect/>
+                    </a:gradFill>
+                  </a:tcPr>
                 </a:tc>
                 <a:tc>
                   <a:txBody>
@@ -13567,7 +14858,32 @@
                       <a:endParaRPr lang="it-IT" sz="1600" dirty="0"/>
                     </a:p>
                   </a:txBody>
-                  <a:tcPr/>
+                  <a:tcPr>
+                    <a:gradFill flip="none" rotWithShape="1">
+                      <a:gsLst>
+                        <a:gs pos="0">
+                          <a:schemeClr val="accent1">
+                            <a:shade val="30000"/>
+                            <a:satMod val="115000"/>
+                          </a:schemeClr>
+                        </a:gs>
+                        <a:gs pos="50000">
+                          <a:schemeClr val="accent1">
+                            <a:shade val="67500"/>
+                            <a:satMod val="115000"/>
+                          </a:schemeClr>
+                        </a:gs>
+                        <a:gs pos="100000">
+                          <a:schemeClr val="accent1">
+                            <a:shade val="100000"/>
+                            <a:satMod val="115000"/>
+                          </a:schemeClr>
+                        </a:gs>
+                      </a:gsLst>
+                      <a:lin ang="10800000" scaled="1"/>
+                      <a:tileRect/>
+                    </a:gradFill>
+                  </a:tcPr>
                 </a:tc>
                 <a:extLst>
                   <a:ext uri="{0D108BD9-81ED-4DB2-BD59-A6C34878D82A}">
@@ -13588,7 +14904,32 @@
                       <a:endParaRPr lang="it-IT" dirty="0"/>
                     </a:p>
                   </a:txBody>
-                  <a:tcPr/>
+                  <a:tcPr>
+                    <a:gradFill flip="none" rotWithShape="1">
+                      <a:gsLst>
+                        <a:gs pos="0">
+                          <a:schemeClr val="accent1">
+                            <a:shade val="30000"/>
+                            <a:satMod val="115000"/>
+                          </a:schemeClr>
+                        </a:gs>
+                        <a:gs pos="50000">
+                          <a:schemeClr val="accent1">
+                            <a:shade val="67500"/>
+                            <a:satMod val="115000"/>
+                          </a:schemeClr>
+                        </a:gs>
+                        <a:gs pos="100000">
+                          <a:schemeClr val="accent1">
+                            <a:shade val="100000"/>
+                            <a:satMod val="115000"/>
+                          </a:schemeClr>
+                        </a:gs>
+                      </a:gsLst>
+                      <a:lin ang="10800000" scaled="1"/>
+                      <a:tileRect/>
+                    </a:gradFill>
+                  </a:tcPr>
                 </a:tc>
                 <a:tc>
                   <a:txBody>
@@ -13602,7 +14943,32 @@
                       <a:endParaRPr lang="it-IT" dirty="0"/>
                     </a:p>
                   </a:txBody>
-                  <a:tcPr/>
+                  <a:tcPr>
+                    <a:gradFill flip="none" rotWithShape="1">
+                      <a:gsLst>
+                        <a:gs pos="0">
+                          <a:schemeClr val="accent1">
+                            <a:shade val="30000"/>
+                            <a:satMod val="115000"/>
+                          </a:schemeClr>
+                        </a:gs>
+                        <a:gs pos="50000">
+                          <a:schemeClr val="accent1">
+                            <a:shade val="67500"/>
+                            <a:satMod val="115000"/>
+                          </a:schemeClr>
+                        </a:gs>
+                        <a:gs pos="100000">
+                          <a:schemeClr val="accent1">
+                            <a:shade val="100000"/>
+                            <a:satMod val="115000"/>
+                          </a:schemeClr>
+                        </a:gs>
+                      </a:gsLst>
+                      <a:lin ang="10800000" scaled="1"/>
+                      <a:tileRect/>
+                    </a:gradFill>
+                  </a:tcPr>
                 </a:tc>
                 <a:tc>
                   <a:txBody>
@@ -13616,7 +14982,32 @@
                       <a:endParaRPr lang="it-IT" dirty="0"/>
                     </a:p>
                   </a:txBody>
-                  <a:tcPr/>
+                  <a:tcPr>
+                    <a:gradFill flip="none" rotWithShape="1">
+                      <a:gsLst>
+                        <a:gs pos="0">
+                          <a:schemeClr val="accent1">
+                            <a:shade val="30000"/>
+                            <a:satMod val="115000"/>
+                          </a:schemeClr>
+                        </a:gs>
+                        <a:gs pos="50000">
+                          <a:schemeClr val="accent1">
+                            <a:shade val="67500"/>
+                            <a:satMod val="115000"/>
+                          </a:schemeClr>
+                        </a:gs>
+                        <a:gs pos="100000">
+                          <a:schemeClr val="accent1">
+                            <a:shade val="100000"/>
+                            <a:satMod val="115000"/>
+                          </a:schemeClr>
+                        </a:gs>
+                      </a:gsLst>
+                      <a:lin ang="10800000" scaled="1"/>
+                      <a:tileRect/>
+                    </a:gradFill>
+                  </a:tcPr>
                 </a:tc>
                 <a:tc>
                   <a:txBody>
@@ -13630,7 +15021,32 @@
                       <a:endParaRPr lang="it-IT" sz="1600" dirty="0"/>
                     </a:p>
                   </a:txBody>
-                  <a:tcPr/>
+                  <a:tcPr>
+                    <a:gradFill flip="none" rotWithShape="1">
+                      <a:gsLst>
+                        <a:gs pos="0">
+                          <a:schemeClr val="accent1">
+                            <a:shade val="30000"/>
+                            <a:satMod val="115000"/>
+                          </a:schemeClr>
+                        </a:gs>
+                        <a:gs pos="50000">
+                          <a:schemeClr val="accent1">
+                            <a:shade val="67500"/>
+                            <a:satMod val="115000"/>
+                          </a:schemeClr>
+                        </a:gs>
+                        <a:gs pos="100000">
+                          <a:schemeClr val="accent1">
+                            <a:shade val="100000"/>
+                            <a:satMod val="115000"/>
+                          </a:schemeClr>
+                        </a:gs>
+                      </a:gsLst>
+                      <a:lin ang="10800000" scaled="1"/>
+                      <a:tileRect/>
+                    </a:gradFill>
+                  </a:tcPr>
                 </a:tc>
                 <a:extLst>
                   <a:ext uri="{0D108BD9-81ED-4DB2-BD59-A6C34878D82A}">
@@ -13756,10 +15172,10 @@
       </p:sp>
       <p:pic>
         <p:nvPicPr>
-          <p:cNvPr id="12" name="Segnaposto contenuto 11">
+          <p:cNvPr id="10" name="Segnaposto contenuto 9">
             <a:extLst>
               <a:ext uri="{FF2B5EF4-FFF2-40B4-BE49-F238E27FC236}">
-                <a16:creationId xmlns:a16="http://schemas.microsoft.com/office/drawing/2014/main" id="{F8AB8984-6E99-486B-BB12-02934E65BF25}"/>
+                <a16:creationId xmlns:a16="http://schemas.microsoft.com/office/drawing/2014/main" id="{679EE48B-5FD8-48D8-BC45-97DF1D1A6A00}"/>
               </a:ext>
             </a:extLst>
           </p:cNvPr>
@@ -13784,8 +15200,8 @@
         </p:blipFill>
         <p:spPr>
           <a:xfrm>
-            <a:off x="311284" y="970088"/>
-            <a:ext cx="9180253" cy="5696638"/>
+            <a:off x="0" y="902268"/>
+            <a:ext cx="9601200" cy="5955732"/>
           </a:xfrm>
         </p:spPr>
       </p:pic>
@@ -13869,7 +15285,7 @@
             <p:ph idx="1"/>
             <p:extLst>
               <p:ext uri="{D42A27DB-BD31-4B8C-83A1-F6EECF244321}">
-                <p14:modId xmlns:p14="http://schemas.microsoft.com/office/powerpoint/2010/main" val="2087818187"/>
+                <p14:modId xmlns:p14="http://schemas.microsoft.com/office/powerpoint/2010/main" val="2343041910"/>
               </p:ext>
             </p:extLst>
           </p:nvPr>
@@ -13926,7 +15342,11 @@
                       </a:r>
                     </a:p>
                   </a:txBody>
-                  <a:tcPr/>
+                  <a:tcPr>
+                    <a:solidFill>
+                      <a:srgbClr val="00B050"/>
+                    </a:solidFill>
+                  </a:tcPr>
                 </a:tc>
                 <a:tc>
                   <a:txBody>
@@ -13939,7 +15359,11 @@
                       </a:r>
                     </a:p>
                   </a:txBody>
-                  <a:tcPr/>
+                  <a:tcPr>
+                    <a:solidFill>
+                      <a:srgbClr val="00B050"/>
+                    </a:solidFill>
+                  </a:tcPr>
                 </a:tc>
                 <a:tc>
                   <a:txBody>
@@ -13952,7 +15376,11 @@
                       </a:r>
                     </a:p>
                   </a:txBody>
-                  <a:tcPr/>
+                  <a:tcPr>
+                    <a:solidFill>
+                      <a:srgbClr val="00B050"/>
+                    </a:solidFill>
+                  </a:tcPr>
                 </a:tc>
                 <a:tc>
                   <a:txBody>
@@ -13966,7 +15394,11 @@
                       <a:endParaRPr lang="it-IT" dirty="0"/>
                     </a:p>
                   </a:txBody>
-                  <a:tcPr/>
+                  <a:tcPr>
+                    <a:solidFill>
+                      <a:srgbClr val="00B050"/>
+                    </a:solidFill>
+                  </a:tcPr>
                 </a:tc>
                 <a:extLst>
                   <a:ext uri="{0D108BD9-81ED-4DB2-BD59-A6C34878D82A}">
@@ -13991,7 +15423,33 @@
                       <a:endParaRPr lang="it-IT" dirty="0"/>
                     </a:p>
                   </a:txBody>
-                  <a:tcPr/>
+                  <a:tcPr>
+                    <a:gradFill flip="none" rotWithShape="1">
+                      <a:gsLst>
+                        <a:gs pos="0">
+                          <a:schemeClr val="accent1">
+                            <a:lumMod val="40000"/>
+                            <a:lumOff val="60000"/>
+                          </a:schemeClr>
+                        </a:gs>
+                        <a:gs pos="46000">
+                          <a:schemeClr val="accent1">
+                            <a:lumMod val="95000"/>
+                            <a:lumOff val="5000"/>
+                          </a:schemeClr>
+                        </a:gs>
+                        <a:gs pos="100000">
+                          <a:schemeClr val="accent1">
+                            <a:lumMod val="60000"/>
+                          </a:schemeClr>
+                        </a:gs>
+                      </a:gsLst>
+                      <a:path path="circle">
+                        <a:fillToRect l="50000" t="130000" r="50000" b="-30000"/>
+                      </a:path>
+                      <a:tileRect/>
+                    </a:gradFill>
+                  </a:tcPr>
                 </a:tc>
                 <a:tc>
                   <a:txBody>
@@ -14005,7 +15463,33 @@
                       <a:endParaRPr lang="it-IT" dirty="0"/>
                     </a:p>
                   </a:txBody>
-                  <a:tcPr/>
+                  <a:tcPr>
+                    <a:gradFill flip="none" rotWithShape="1">
+                      <a:gsLst>
+                        <a:gs pos="0">
+                          <a:schemeClr val="accent1">
+                            <a:lumMod val="40000"/>
+                            <a:lumOff val="60000"/>
+                          </a:schemeClr>
+                        </a:gs>
+                        <a:gs pos="46000">
+                          <a:schemeClr val="accent1">
+                            <a:lumMod val="95000"/>
+                            <a:lumOff val="5000"/>
+                          </a:schemeClr>
+                        </a:gs>
+                        <a:gs pos="100000">
+                          <a:schemeClr val="accent1">
+                            <a:lumMod val="60000"/>
+                          </a:schemeClr>
+                        </a:gs>
+                      </a:gsLst>
+                      <a:path path="circle">
+                        <a:fillToRect l="50000" t="130000" r="50000" b="-30000"/>
+                      </a:path>
+                      <a:tileRect/>
+                    </a:gradFill>
+                  </a:tcPr>
                 </a:tc>
                 <a:tc>
                   <a:txBody>
@@ -14019,7 +15503,33 @@
                       <a:endParaRPr lang="it-IT" dirty="0"/>
                     </a:p>
                   </a:txBody>
-                  <a:tcPr/>
+                  <a:tcPr>
+                    <a:gradFill flip="none" rotWithShape="1">
+                      <a:gsLst>
+                        <a:gs pos="0">
+                          <a:schemeClr val="accent1">
+                            <a:lumMod val="40000"/>
+                            <a:lumOff val="60000"/>
+                          </a:schemeClr>
+                        </a:gs>
+                        <a:gs pos="46000">
+                          <a:schemeClr val="accent1">
+                            <a:lumMod val="95000"/>
+                            <a:lumOff val="5000"/>
+                          </a:schemeClr>
+                        </a:gs>
+                        <a:gs pos="100000">
+                          <a:schemeClr val="accent1">
+                            <a:lumMod val="60000"/>
+                          </a:schemeClr>
+                        </a:gs>
+                      </a:gsLst>
+                      <a:path path="circle">
+                        <a:fillToRect l="50000" t="130000" r="50000" b="-30000"/>
+                      </a:path>
+                      <a:tileRect/>
+                    </a:gradFill>
+                  </a:tcPr>
                 </a:tc>
                 <a:tc>
                   <a:txBody>
@@ -14033,7 +15543,33 @@
                       <a:endParaRPr lang="it-IT" dirty="0"/>
                     </a:p>
                   </a:txBody>
-                  <a:tcPr/>
+                  <a:tcPr>
+                    <a:gradFill flip="none" rotWithShape="1">
+                      <a:gsLst>
+                        <a:gs pos="0">
+                          <a:schemeClr val="accent1">
+                            <a:lumMod val="40000"/>
+                            <a:lumOff val="60000"/>
+                          </a:schemeClr>
+                        </a:gs>
+                        <a:gs pos="46000">
+                          <a:schemeClr val="accent1">
+                            <a:lumMod val="95000"/>
+                            <a:lumOff val="5000"/>
+                          </a:schemeClr>
+                        </a:gs>
+                        <a:gs pos="100000">
+                          <a:schemeClr val="accent1">
+                            <a:lumMod val="60000"/>
+                          </a:schemeClr>
+                        </a:gs>
+                      </a:gsLst>
+                      <a:path path="circle">
+                        <a:fillToRect l="50000" t="130000" r="50000" b="-30000"/>
+                      </a:path>
+                      <a:tileRect/>
+                    </a:gradFill>
+                  </a:tcPr>
                 </a:tc>
                 <a:extLst>
                   <a:ext uri="{0D108BD9-81ED-4DB2-BD59-A6C34878D82A}">
@@ -14054,7 +15590,33 @@
                       <a:endParaRPr lang="it-IT" dirty="0"/>
                     </a:p>
                   </a:txBody>
-                  <a:tcPr/>
+                  <a:tcPr>
+                    <a:gradFill flip="none" rotWithShape="1">
+                      <a:gsLst>
+                        <a:gs pos="0">
+                          <a:schemeClr val="accent1">
+                            <a:lumMod val="40000"/>
+                            <a:lumOff val="60000"/>
+                          </a:schemeClr>
+                        </a:gs>
+                        <a:gs pos="46000">
+                          <a:schemeClr val="accent1">
+                            <a:lumMod val="95000"/>
+                            <a:lumOff val="5000"/>
+                          </a:schemeClr>
+                        </a:gs>
+                        <a:gs pos="100000">
+                          <a:schemeClr val="accent1">
+                            <a:lumMod val="60000"/>
+                          </a:schemeClr>
+                        </a:gs>
+                      </a:gsLst>
+                      <a:path path="circle">
+                        <a:fillToRect l="50000" t="130000" r="50000" b="-30000"/>
+                      </a:path>
+                      <a:tileRect/>
+                    </a:gradFill>
+                  </a:tcPr>
                 </a:tc>
                 <a:tc>
                   <a:txBody>
@@ -14068,7 +15630,33 @@
                       <a:endParaRPr lang="it-IT" dirty="0"/>
                     </a:p>
                   </a:txBody>
-                  <a:tcPr/>
+                  <a:tcPr>
+                    <a:gradFill flip="none" rotWithShape="1">
+                      <a:gsLst>
+                        <a:gs pos="0">
+                          <a:schemeClr val="accent1">
+                            <a:lumMod val="40000"/>
+                            <a:lumOff val="60000"/>
+                          </a:schemeClr>
+                        </a:gs>
+                        <a:gs pos="46000">
+                          <a:schemeClr val="accent1">
+                            <a:lumMod val="95000"/>
+                            <a:lumOff val="5000"/>
+                          </a:schemeClr>
+                        </a:gs>
+                        <a:gs pos="100000">
+                          <a:schemeClr val="accent1">
+                            <a:lumMod val="60000"/>
+                          </a:schemeClr>
+                        </a:gs>
+                      </a:gsLst>
+                      <a:path path="circle">
+                        <a:fillToRect l="50000" t="130000" r="50000" b="-30000"/>
+                      </a:path>
+                      <a:tileRect/>
+                    </a:gradFill>
+                  </a:tcPr>
                 </a:tc>
                 <a:tc>
                   <a:txBody>
@@ -14082,7 +15670,33 @@
                       <a:endParaRPr lang="it-IT" dirty="0"/>
                     </a:p>
                   </a:txBody>
-                  <a:tcPr/>
+                  <a:tcPr>
+                    <a:gradFill flip="none" rotWithShape="1">
+                      <a:gsLst>
+                        <a:gs pos="0">
+                          <a:schemeClr val="accent1">
+                            <a:lumMod val="40000"/>
+                            <a:lumOff val="60000"/>
+                          </a:schemeClr>
+                        </a:gs>
+                        <a:gs pos="46000">
+                          <a:schemeClr val="accent1">
+                            <a:lumMod val="95000"/>
+                            <a:lumOff val="5000"/>
+                          </a:schemeClr>
+                        </a:gs>
+                        <a:gs pos="100000">
+                          <a:schemeClr val="accent1">
+                            <a:lumMod val="60000"/>
+                          </a:schemeClr>
+                        </a:gs>
+                      </a:gsLst>
+                      <a:path path="circle">
+                        <a:fillToRect l="50000" t="130000" r="50000" b="-30000"/>
+                      </a:path>
+                      <a:tileRect/>
+                    </a:gradFill>
+                  </a:tcPr>
                 </a:tc>
                 <a:tc>
                   <a:txBody>
@@ -14096,7 +15710,33 @@
                       <a:endParaRPr lang="it-IT" dirty="0"/>
                     </a:p>
                   </a:txBody>
-                  <a:tcPr/>
+                  <a:tcPr>
+                    <a:gradFill flip="none" rotWithShape="1">
+                      <a:gsLst>
+                        <a:gs pos="0">
+                          <a:schemeClr val="accent1">
+                            <a:lumMod val="40000"/>
+                            <a:lumOff val="60000"/>
+                          </a:schemeClr>
+                        </a:gs>
+                        <a:gs pos="46000">
+                          <a:schemeClr val="accent1">
+                            <a:lumMod val="95000"/>
+                            <a:lumOff val="5000"/>
+                          </a:schemeClr>
+                        </a:gs>
+                        <a:gs pos="100000">
+                          <a:schemeClr val="accent1">
+                            <a:lumMod val="60000"/>
+                          </a:schemeClr>
+                        </a:gs>
+                      </a:gsLst>
+                      <a:path path="circle">
+                        <a:fillToRect l="50000" t="130000" r="50000" b="-30000"/>
+                      </a:path>
+                      <a:tileRect/>
+                    </a:gradFill>
+                  </a:tcPr>
                 </a:tc>
                 <a:extLst>
                   <a:ext uri="{0D108BD9-81ED-4DB2-BD59-A6C34878D82A}">
@@ -14117,7 +15757,33 @@
                       <a:endParaRPr lang="it-IT" dirty="0"/>
                     </a:p>
                   </a:txBody>
-                  <a:tcPr/>
+                  <a:tcPr>
+                    <a:gradFill flip="none" rotWithShape="1">
+                      <a:gsLst>
+                        <a:gs pos="0">
+                          <a:schemeClr val="accent1">
+                            <a:lumMod val="40000"/>
+                            <a:lumOff val="60000"/>
+                          </a:schemeClr>
+                        </a:gs>
+                        <a:gs pos="46000">
+                          <a:schemeClr val="accent1">
+                            <a:lumMod val="95000"/>
+                            <a:lumOff val="5000"/>
+                          </a:schemeClr>
+                        </a:gs>
+                        <a:gs pos="100000">
+                          <a:schemeClr val="accent1">
+                            <a:lumMod val="60000"/>
+                          </a:schemeClr>
+                        </a:gs>
+                      </a:gsLst>
+                      <a:path path="circle">
+                        <a:fillToRect l="50000" t="130000" r="50000" b="-30000"/>
+                      </a:path>
+                      <a:tileRect/>
+                    </a:gradFill>
+                  </a:tcPr>
                 </a:tc>
                 <a:tc>
                   <a:txBody>
@@ -14131,7 +15797,33 @@
                       <a:endParaRPr lang="it-IT" dirty="0"/>
                     </a:p>
                   </a:txBody>
-                  <a:tcPr/>
+                  <a:tcPr>
+                    <a:gradFill flip="none" rotWithShape="1">
+                      <a:gsLst>
+                        <a:gs pos="0">
+                          <a:schemeClr val="accent1">
+                            <a:lumMod val="40000"/>
+                            <a:lumOff val="60000"/>
+                          </a:schemeClr>
+                        </a:gs>
+                        <a:gs pos="46000">
+                          <a:schemeClr val="accent1">
+                            <a:lumMod val="95000"/>
+                            <a:lumOff val="5000"/>
+                          </a:schemeClr>
+                        </a:gs>
+                        <a:gs pos="100000">
+                          <a:schemeClr val="accent1">
+                            <a:lumMod val="60000"/>
+                          </a:schemeClr>
+                        </a:gs>
+                      </a:gsLst>
+                      <a:path path="circle">
+                        <a:fillToRect l="50000" t="130000" r="50000" b="-30000"/>
+                      </a:path>
+                      <a:tileRect/>
+                    </a:gradFill>
+                  </a:tcPr>
                 </a:tc>
                 <a:tc>
                   <a:txBody>
@@ -14145,7 +15837,33 @@
                       <a:endParaRPr lang="it-IT" dirty="0"/>
                     </a:p>
                   </a:txBody>
-                  <a:tcPr/>
+                  <a:tcPr>
+                    <a:gradFill flip="none" rotWithShape="1">
+                      <a:gsLst>
+                        <a:gs pos="0">
+                          <a:schemeClr val="accent1">
+                            <a:lumMod val="40000"/>
+                            <a:lumOff val="60000"/>
+                          </a:schemeClr>
+                        </a:gs>
+                        <a:gs pos="46000">
+                          <a:schemeClr val="accent1">
+                            <a:lumMod val="95000"/>
+                            <a:lumOff val="5000"/>
+                          </a:schemeClr>
+                        </a:gs>
+                        <a:gs pos="100000">
+                          <a:schemeClr val="accent1">
+                            <a:lumMod val="60000"/>
+                          </a:schemeClr>
+                        </a:gs>
+                      </a:gsLst>
+                      <a:path path="circle">
+                        <a:fillToRect l="50000" t="130000" r="50000" b="-30000"/>
+                      </a:path>
+                      <a:tileRect/>
+                    </a:gradFill>
+                  </a:tcPr>
                 </a:tc>
                 <a:tc>
                   <a:txBody>
@@ -14176,7 +15894,33 @@
                       <a:endParaRPr lang="it-IT" dirty="0"/>
                     </a:p>
                   </a:txBody>
-                  <a:tcPr/>
+                  <a:tcPr>
+                    <a:gradFill flip="none" rotWithShape="1">
+                      <a:gsLst>
+                        <a:gs pos="0">
+                          <a:schemeClr val="accent1">
+                            <a:lumMod val="40000"/>
+                            <a:lumOff val="60000"/>
+                          </a:schemeClr>
+                        </a:gs>
+                        <a:gs pos="46000">
+                          <a:schemeClr val="accent1">
+                            <a:lumMod val="95000"/>
+                            <a:lumOff val="5000"/>
+                          </a:schemeClr>
+                        </a:gs>
+                        <a:gs pos="100000">
+                          <a:schemeClr val="accent1">
+                            <a:lumMod val="60000"/>
+                          </a:schemeClr>
+                        </a:gs>
+                      </a:gsLst>
+                      <a:path path="circle">
+                        <a:fillToRect l="50000" t="130000" r="50000" b="-30000"/>
+                      </a:path>
+                      <a:tileRect/>
+                    </a:gradFill>
+                  </a:tcPr>
                 </a:tc>
                 <a:extLst>
                   <a:ext uri="{0D108BD9-81ED-4DB2-BD59-A6C34878D82A}">
@@ -14197,7 +15941,33 @@
                       <a:endParaRPr lang="it-IT" dirty="0"/>
                     </a:p>
                   </a:txBody>
-                  <a:tcPr/>
+                  <a:tcPr>
+                    <a:gradFill flip="none" rotWithShape="1">
+                      <a:gsLst>
+                        <a:gs pos="0">
+                          <a:schemeClr val="accent1">
+                            <a:lumMod val="40000"/>
+                            <a:lumOff val="60000"/>
+                          </a:schemeClr>
+                        </a:gs>
+                        <a:gs pos="46000">
+                          <a:schemeClr val="accent1">
+                            <a:lumMod val="95000"/>
+                            <a:lumOff val="5000"/>
+                          </a:schemeClr>
+                        </a:gs>
+                        <a:gs pos="100000">
+                          <a:schemeClr val="accent1">
+                            <a:lumMod val="60000"/>
+                          </a:schemeClr>
+                        </a:gs>
+                      </a:gsLst>
+                      <a:path path="circle">
+                        <a:fillToRect l="50000" t="130000" r="50000" b="-30000"/>
+                      </a:path>
+                      <a:tileRect/>
+                    </a:gradFill>
+                  </a:tcPr>
                 </a:tc>
                 <a:tc>
                   <a:txBody>
@@ -14228,7 +15998,33 @@
                       <a:endParaRPr lang="it-IT" dirty="0"/>
                     </a:p>
                   </a:txBody>
-                  <a:tcPr/>
+                  <a:tcPr>
+                    <a:gradFill flip="none" rotWithShape="1">
+                      <a:gsLst>
+                        <a:gs pos="0">
+                          <a:schemeClr val="accent1">
+                            <a:lumMod val="40000"/>
+                            <a:lumOff val="60000"/>
+                          </a:schemeClr>
+                        </a:gs>
+                        <a:gs pos="46000">
+                          <a:schemeClr val="accent1">
+                            <a:lumMod val="95000"/>
+                            <a:lumOff val="5000"/>
+                          </a:schemeClr>
+                        </a:gs>
+                        <a:gs pos="100000">
+                          <a:schemeClr val="accent1">
+                            <a:lumMod val="60000"/>
+                          </a:schemeClr>
+                        </a:gs>
+                      </a:gsLst>
+                      <a:path path="circle">
+                        <a:fillToRect l="50000" t="130000" r="50000" b="-30000"/>
+                      </a:path>
+                      <a:tileRect/>
+                    </a:gradFill>
+                  </a:tcPr>
                 </a:tc>
                 <a:tc>
                   <a:txBody>
@@ -14242,7 +16038,33 @@
                       <a:endParaRPr lang="it-IT" dirty="0"/>
                     </a:p>
                   </a:txBody>
-                  <a:tcPr/>
+                  <a:tcPr>
+                    <a:gradFill flip="none" rotWithShape="1">
+                      <a:gsLst>
+                        <a:gs pos="0">
+                          <a:schemeClr val="accent1">
+                            <a:lumMod val="40000"/>
+                            <a:lumOff val="60000"/>
+                          </a:schemeClr>
+                        </a:gs>
+                        <a:gs pos="46000">
+                          <a:schemeClr val="accent1">
+                            <a:lumMod val="95000"/>
+                            <a:lumOff val="5000"/>
+                          </a:schemeClr>
+                        </a:gs>
+                        <a:gs pos="100000">
+                          <a:schemeClr val="accent1">
+                            <a:lumMod val="60000"/>
+                          </a:schemeClr>
+                        </a:gs>
+                      </a:gsLst>
+                      <a:path path="circle">
+                        <a:fillToRect l="50000" t="130000" r="50000" b="-30000"/>
+                      </a:path>
+                      <a:tileRect/>
+                    </a:gradFill>
+                  </a:tcPr>
                 </a:tc>
                 <a:tc>
                   <a:txBody>
@@ -14273,7 +16095,33 @@
                       <a:endParaRPr lang="it-IT" dirty="0"/>
                     </a:p>
                   </a:txBody>
-                  <a:tcPr/>
+                  <a:tcPr>
+                    <a:gradFill flip="none" rotWithShape="1">
+                      <a:gsLst>
+                        <a:gs pos="0">
+                          <a:schemeClr val="accent1">
+                            <a:lumMod val="40000"/>
+                            <a:lumOff val="60000"/>
+                          </a:schemeClr>
+                        </a:gs>
+                        <a:gs pos="46000">
+                          <a:schemeClr val="accent1">
+                            <a:lumMod val="95000"/>
+                            <a:lumOff val="5000"/>
+                          </a:schemeClr>
+                        </a:gs>
+                        <a:gs pos="100000">
+                          <a:schemeClr val="accent1">
+                            <a:lumMod val="60000"/>
+                          </a:schemeClr>
+                        </a:gs>
+                      </a:gsLst>
+                      <a:path path="circle">
+                        <a:fillToRect l="50000" t="130000" r="50000" b="-30000"/>
+                      </a:path>
+                      <a:tileRect/>
+                    </a:gradFill>
+                  </a:tcPr>
                 </a:tc>
                 <a:extLst>
                   <a:ext uri="{0D108BD9-81ED-4DB2-BD59-A6C34878D82A}">
@@ -14311,7 +16159,33 @@
                       <a:endParaRPr lang="it-IT" dirty="0"/>
                     </a:p>
                   </a:txBody>
-                  <a:tcPr/>
+                  <a:tcPr>
+                    <a:gradFill flip="none" rotWithShape="1">
+                      <a:gsLst>
+                        <a:gs pos="0">
+                          <a:schemeClr val="accent1">
+                            <a:lumMod val="40000"/>
+                            <a:lumOff val="60000"/>
+                          </a:schemeClr>
+                        </a:gs>
+                        <a:gs pos="46000">
+                          <a:schemeClr val="accent1">
+                            <a:lumMod val="95000"/>
+                            <a:lumOff val="5000"/>
+                          </a:schemeClr>
+                        </a:gs>
+                        <a:gs pos="100000">
+                          <a:schemeClr val="accent1">
+                            <a:lumMod val="60000"/>
+                          </a:schemeClr>
+                        </a:gs>
+                      </a:gsLst>
+                      <a:path path="circle">
+                        <a:fillToRect l="50000" t="130000" r="50000" b="-30000"/>
+                      </a:path>
+                      <a:tileRect/>
+                    </a:gradFill>
+                  </a:tcPr>
                 </a:tc>
                 <a:tc>
                   <a:txBody>
@@ -14325,7 +16199,33 @@
                       <a:endParaRPr lang="it-IT" dirty="0"/>
                     </a:p>
                   </a:txBody>
-                  <a:tcPr/>
+                  <a:tcPr>
+                    <a:gradFill flip="none" rotWithShape="1">
+                      <a:gsLst>
+                        <a:gs pos="0">
+                          <a:schemeClr val="accent1">
+                            <a:lumMod val="40000"/>
+                            <a:lumOff val="60000"/>
+                          </a:schemeClr>
+                        </a:gs>
+                        <a:gs pos="46000">
+                          <a:schemeClr val="accent1">
+                            <a:lumMod val="95000"/>
+                            <a:lumOff val="5000"/>
+                          </a:schemeClr>
+                        </a:gs>
+                        <a:gs pos="100000">
+                          <a:schemeClr val="accent1">
+                            <a:lumMod val="60000"/>
+                          </a:schemeClr>
+                        </a:gs>
+                      </a:gsLst>
+                      <a:path path="circle">
+                        <a:fillToRect l="50000" t="130000" r="50000" b="-30000"/>
+                      </a:path>
+                      <a:tileRect/>
+                    </a:gradFill>
+                  </a:tcPr>
                 </a:tc>
                 <a:tc>
                   <a:txBody>
@@ -14339,7 +16239,33 @@
                       <a:endParaRPr lang="it-IT" dirty="0"/>
                     </a:p>
                   </a:txBody>
-                  <a:tcPr/>
+                  <a:tcPr>
+                    <a:gradFill flip="none" rotWithShape="1">
+                      <a:gsLst>
+                        <a:gs pos="0">
+                          <a:schemeClr val="accent1">
+                            <a:lumMod val="40000"/>
+                            <a:lumOff val="60000"/>
+                          </a:schemeClr>
+                        </a:gs>
+                        <a:gs pos="46000">
+                          <a:schemeClr val="accent1">
+                            <a:lumMod val="95000"/>
+                            <a:lumOff val="5000"/>
+                          </a:schemeClr>
+                        </a:gs>
+                        <a:gs pos="100000">
+                          <a:schemeClr val="accent1">
+                            <a:lumMod val="60000"/>
+                          </a:schemeClr>
+                        </a:gs>
+                      </a:gsLst>
+                      <a:path path="circle">
+                        <a:fillToRect l="50000" t="130000" r="50000" b="-30000"/>
+                      </a:path>
+                      <a:tileRect/>
+                    </a:gradFill>
+                  </a:tcPr>
                 </a:tc>
                 <a:tc>
                   <a:txBody>
@@ -14370,7 +16296,33 @@
                       <a:endParaRPr lang="it-IT" dirty="0"/>
                     </a:p>
                   </a:txBody>
-                  <a:tcPr/>
+                  <a:tcPr>
+                    <a:gradFill flip="none" rotWithShape="1">
+                      <a:gsLst>
+                        <a:gs pos="0">
+                          <a:schemeClr val="accent1">
+                            <a:lumMod val="40000"/>
+                            <a:lumOff val="60000"/>
+                          </a:schemeClr>
+                        </a:gs>
+                        <a:gs pos="46000">
+                          <a:schemeClr val="accent1">
+                            <a:lumMod val="95000"/>
+                            <a:lumOff val="5000"/>
+                          </a:schemeClr>
+                        </a:gs>
+                        <a:gs pos="100000">
+                          <a:schemeClr val="accent1">
+                            <a:lumMod val="60000"/>
+                          </a:schemeClr>
+                        </a:gs>
+                      </a:gsLst>
+                      <a:path path="circle">
+                        <a:fillToRect l="50000" t="130000" r="50000" b="-30000"/>
+                      </a:path>
+                      <a:tileRect/>
+                    </a:gradFill>
+                  </a:tcPr>
                 </a:tc>
                 <a:extLst>
                   <a:ext uri="{0D108BD9-81ED-4DB2-BD59-A6C34878D82A}">
@@ -14408,7 +16360,33 @@
                       <a:endParaRPr lang="it-IT" dirty="0"/>
                     </a:p>
                   </a:txBody>
-                  <a:tcPr/>
+                  <a:tcPr>
+                    <a:gradFill flip="none" rotWithShape="1">
+                      <a:gsLst>
+                        <a:gs pos="0">
+                          <a:schemeClr val="accent1">
+                            <a:lumMod val="40000"/>
+                            <a:lumOff val="60000"/>
+                          </a:schemeClr>
+                        </a:gs>
+                        <a:gs pos="46000">
+                          <a:schemeClr val="accent1">
+                            <a:lumMod val="95000"/>
+                            <a:lumOff val="5000"/>
+                          </a:schemeClr>
+                        </a:gs>
+                        <a:gs pos="100000">
+                          <a:schemeClr val="accent1">
+                            <a:lumMod val="60000"/>
+                          </a:schemeClr>
+                        </a:gs>
+                      </a:gsLst>
+                      <a:path path="circle">
+                        <a:fillToRect l="50000" t="130000" r="50000" b="-30000"/>
+                      </a:path>
+                      <a:tileRect/>
+                    </a:gradFill>
+                  </a:tcPr>
                 </a:tc>
                 <a:tc>
                   <a:txBody>
@@ -14439,7 +16417,33 @@
                       <a:endParaRPr lang="it-IT" dirty="0"/>
                     </a:p>
                   </a:txBody>
-                  <a:tcPr/>
+                  <a:tcPr>
+                    <a:gradFill flip="none" rotWithShape="1">
+                      <a:gsLst>
+                        <a:gs pos="0">
+                          <a:schemeClr val="accent1">
+                            <a:lumMod val="40000"/>
+                            <a:lumOff val="60000"/>
+                          </a:schemeClr>
+                        </a:gs>
+                        <a:gs pos="46000">
+                          <a:schemeClr val="accent1">
+                            <a:lumMod val="95000"/>
+                            <a:lumOff val="5000"/>
+                          </a:schemeClr>
+                        </a:gs>
+                        <a:gs pos="100000">
+                          <a:schemeClr val="accent1">
+                            <a:lumMod val="60000"/>
+                          </a:schemeClr>
+                        </a:gs>
+                      </a:gsLst>
+                      <a:path path="circle">
+                        <a:fillToRect l="50000" t="130000" r="50000" b="-30000"/>
+                      </a:path>
+                      <a:tileRect/>
+                    </a:gradFill>
+                  </a:tcPr>
                 </a:tc>
                 <a:tc>
                   <a:txBody>
@@ -14453,7 +16457,33 @@
                       <a:endParaRPr lang="it-IT" dirty="0"/>
                     </a:p>
                   </a:txBody>
-                  <a:tcPr/>
+                  <a:tcPr>
+                    <a:gradFill flip="none" rotWithShape="1">
+                      <a:gsLst>
+                        <a:gs pos="0">
+                          <a:schemeClr val="accent1">
+                            <a:lumMod val="40000"/>
+                            <a:lumOff val="60000"/>
+                          </a:schemeClr>
+                        </a:gs>
+                        <a:gs pos="46000">
+                          <a:schemeClr val="accent1">
+                            <a:lumMod val="95000"/>
+                            <a:lumOff val="5000"/>
+                          </a:schemeClr>
+                        </a:gs>
+                        <a:gs pos="100000">
+                          <a:schemeClr val="accent1">
+                            <a:lumMod val="60000"/>
+                          </a:schemeClr>
+                        </a:gs>
+                      </a:gsLst>
+                      <a:path path="circle">
+                        <a:fillToRect l="50000" t="130000" r="50000" b="-30000"/>
+                      </a:path>
+                      <a:tileRect/>
+                    </a:gradFill>
+                  </a:tcPr>
                 </a:tc>
                 <a:tc>
                   <a:txBody>
@@ -14484,7 +16514,33 @@
                       <a:endParaRPr lang="it-IT" dirty="0"/>
                     </a:p>
                   </a:txBody>
-                  <a:tcPr/>
+                  <a:tcPr>
+                    <a:gradFill flip="none" rotWithShape="1">
+                      <a:gsLst>
+                        <a:gs pos="0">
+                          <a:schemeClr val="accent1">
+                            <a:lumMod val="40000"/>
+                            <a:lumOff val="60000"/>
+                          </a:schemeClr>
+                        </a:gs>
+                        <a:gs pos="46000">
+                          <a:schemeClr val="accent1">
+                            <a:lumMod val="95000"/>
+                            <a:lumOff val="5000"/>
+                          </a:schemeClr>
+                        </a:gs>
+                        <a:gs pos="100000">
+                          <a:schemeClr val="accent1">
+                            <a:lumMod val="60000"/>
+                          </a:schemeClr>
+                        </a:gs>
+                      </a:gsLst>
+                      <a:path path="circle">
+                        <a:fillToRect l="50000" t="130000" r="50000" b="-30000"/>
+                      </a:path>
+                      <a:tileRect/>
+                    </a:gradFill>
+                  </a:tcPr>
                 </a:tc>
                 <a:extLst>
                   <a:ext uri="{0D108BD9-81ED-4DB2-BD59-A6C34878D82A}">
@@ -14522,7 +16578,33 @@
                       <a:endParaRPr lang="it-IT" dirty="0"/>
                     </a:p>
                   </a:txBody>
-                  <a:tcPr/>
+                  <a:tcPr>
+                    <a:gradFill flip="none" rotWithShape="1">
+                      <a:gsLst>
+                        <a:gs pos="0">
+                          <a:schemeClr val="accent1">
+                            <a:lumMod val="40000"/>
+                            <a:lumOff val="60000"/>
+                          </a:schemeClr>
+                        </a:gs>
+                        <a:gs pos="46000">
+                          <a:schemeClr val="accent1">
+                            <a:lumMod val="95000"/>
+                            <a:lumOff val="5000"/>
+                          </a:schemeClr>
+                        </a:gs>
+                        <a:gs pos="100000">
+                          <a:schemeClr val="accent1">
+                            <a:lumMod val="60000"/>
+                          </a:schemeClr>
+                        </a:gs>
+                      </a:gsLst>
+                      <a:path path="circle">
+                        <a:fillToRect l="50000" t="130000" r="50000" b="-30000"/>
+                      </a:path>
+                      <a:tileRect/>
+                    </a:gradFill>
+                  </a:tcPr>
                 </a:tc>
                 <a:tc>
                   <a:txBody>
@@ -14553,7 +16635,33 @@
                       <a:endParaRPr lang="it-IT" dirty="0"/>
                     </a:p>
                   </a:txBody>
-                  <a:tcPr/>
+                  <a:tcPr>
+                    <a:gradFill flip="none" rotWithShape="1">
+                      <a:gsLst>
+                        <a:gs pos="0">
+                          <a:schemeClr val="accent1">
+                            <a:lumMod val="40000"/>
+                            <a:lumOff val="60000"/>
+                          </a:schemeClr>
+                        </a:gs>
+                        <a:gs pos="46000">
+                          <a:schemeClr val="accent1">
+                            <a:lumMod val="95000"/>
+                            <a:lumOff val="5000"/>
+                          </a:schemeClr>
+                        </a:gs>
+                        <a:gs pos="100000">
+                          <a:schemeClr val="accent1">
+                            <a:lumMod val="60000"/>
+                          </a:schemeClr>
+                        </a:gs>
+                      </a:gsLst>
+                      <a:path path="circle">
+                        <a:fillToRect l="50000" t="130000" r="50000" b="-30000"/>
+                      </a:path>
+                      <a:tileRect/>
+                    </a:gradFill>
+                  </a:tcPr>
                 </a:tc>
                 <a:tc>
                   <a:txBody>
@@ -14567,7 +16675,33 @@
                       <a:endParaRPr lang="it-IT" dirty="0"/>
                     </a:p>
                   </a:txBody>
-                  <a:tcPr/>
+                  <a:tcPr>
+                    <a:gradFill flip="none" rotWithShape="1">
+                      <a:gsLst>
+                        <a:gs pos="0">
+                          <a:schemeClr val="accent1">
+                            <a:lumMod val="40000"/>
+                            <a:lumOff val="60000"/>
+                          </a:schemeClr>
+                        </a:gs>
+                        <a:gs pos="46000">
+                          <a:schemeClr val="accent1">
+                            <a:lumMod val="95000"/>
+                            <a:lumOff val="5000"/>
+                          </a:schemeClr>
+                        </a:gs>
+                        <a:gs pos="100000">
+                          <a:schemeClr val="accent1">
+                            <a:lumMod val="60000"/>
+                          </a:schemeClr>
+                        </a:gs>
+                      </a:gsLst>
+                      <a:path path="circle">
+                        <a:fillToRect l="50000" t="130000" r="50000" b="-30000"/>
+                      </a:path>
+                      <a:tileRect/>
+                    </a:gradFill>
+                  </a:tcPr>
                 </a:tc>
                 <a:tc>
                   <a:txBody>
@@ -14598,7 +16732,33 @@
                       <a:endParaRPr lang="it-IT" dirty="0"/>
                     </a:p>
                   </a:txBody>
-                  <a:tcPr/>
+                  <a:tcPr>
+                    <a:gradFill flip="none" rotWithShape="1">
+                      <a:gsLst>
+                        <a:gs pos="0">
+                          <a:schemeClr val="accent1">
+                            <a:lumMod val="40000"/>
+                            <a:lumOff val="60000"/>
+                          </a:schemeClr>
+                        </a:gs>
+                        <a:gs pos="46000">
+                          <a:schemeClr val="accent1">
+                            <a:lumMod val="95000"/>
+                            <a:lumOff val="5000"/>
+                          </a:schemeClr>
+                        </a:gs>
+                        <a:gs pos="100000">
+                          <a:schemeClr val="accent1">
+                            <a:lumMod val="60000"/>
+                          </a:schemeClr>
+                        </a:gs>
+                      </a:gsLst>
+                      <a:path path="circle">
+                        <a:fillToRect l="50000" t="130000" r="50000" b="-30000"/>
+                      </a:path>
+                      <a:tileRect/>
+                    </a:gradFill>
+                  </a:tcPr>
                 </a:tc>
                 <a:extLst>
                   <a:ext uri="{0D108BD9-81ED-4DB2-BD59-A6C34878D82A}">
@@ -14636,7 +16796,33 @@
                       <a:endParaRPr lang="it-IT" dirty="0"/>
                     </a:p>
                   </a:txBody>
-                  <a:tcPr/>
+                  <a:tcPr>
+                    <a:gradFill flip="none" rotWithShape="1">
+                      <a:gsLst>
+                        <a:gs pos="0">
+                          <a:schemeClr val="accent1">
+                            <a:lumMod val="40000"/>
+                            <a:lumOff val="60000"/>
+                          </a:schemeClr>
+                        </a:gs>
+                        <a:gs pos="46000">
+                          <a:schemeClr val="accent1">
+                            <a:lumMod val="95000"/>
+                            <a:lumOff val="5000"/>
+                          </a:schemeClr>
+                        </a:gs>
+                        <a:gs pos="100000">
+                          <a:schemeClr val="accent1">
+                            <a:lumMod val="60000"/>
+                          </a:schemeClr>
+                        </a:gs>
+                      </a:gsLst>
+                      <a:path path="circle">
+                        <a:fillToRect l="50000" t="130000" r="50000" b="-30000"/>
+                      </a:path>
+                      <a:tileRect/>
+                    </a:gradFill>
+                  </a:tcPr>
                 </a:tc>
                 <a:tc>
                   <a:txBody>
@@ -14650,7 +16836,33 @@
                       <a:endParaRPr lang="it-IT" dirty="0"/>
                     </a:p>
                   </a:txBody>
-                  <a:tcPr/>
+                  <a:tcPr>
+                    <a:gradFill flip="none" rotWithShape="1">
+                      <a:gsLst>
+                        <a:gs pos="0">
+                          <a:schemeClr val="accent1">
+                            <a:lumMod val="40000"/>
+                            <a:lumOff val="60000"/>
+                          </a:schemeClr>
+                        </a:gs>
+                        <a:gs pos="46000">
+                          <a:schemeClr val="accent1">
+                            <a:lumMod val="95000"/>
+                            <a:lumOff val="5000"/>
+                          </a:schemeClr>
+                        </a:gs>
+                        <a:gs pos="100000">
+                          <a:schemeClr val="accent1">
+                            <a:lumMod val="60000"/>
+                          </a:schemeClr>
+                        </a:gs>
+                      </a:gsLst>
+                      <a:path path="circle">
+                        <a:fillToRect l="50000" t="130000" r="50000" b="-30000"/>
+                      </a:path>
+                      <a:tileRect/>
+                    </a:gradFill>
+                  </a:tcPr>
                 </a:tc>
                 <a:tc>
                   <a:txBody>
@@ -14664,7 +16876,33 @@
                       <a:endParaRPr lang="it-IT" dirty="0"/>
                     </a:p>
                   </a:txBody>
-                  <a:tcPr/>
+                  <a:tcPr>
+                    <a:gradFill flip="none" rotWithShape="1">
+                      <a:gsLst>
+                        <a:gs pos="0">
+                          <a:schemeClr val="accent1">
+                            <a:lumMod val="40000"/>
+                            <a:lumOff val="60000"/>
+                          </a:schemeClr>
+                        </a:gs>
+                        <a:gs pos="46000">
+                          <a:schemeClr val="accent1">
+                            <a:lumMod val="95000"/>
+                            <a:lumOff val="5000"/>
+                          </a:schemeClr>
+                        </a:gs>
+                        <a:gs pos="100000">
+                          <a:schemeClr val="accent1">
+                            <a:lumMod val="60000"/>
+                          </a:schemeClr>
+                        </a:gs>
+                      </a:gsLst>
+                      <a:path path="circle">
+                        <a:fillToRect l="50000" t="130000" r="50000" b="-30000"/>
+                      </a:path>
+                      <a:tileRect/>
+                    </a:gradFill>
+                  </a:tcPr>
                 </a:tc>
                 <a:tc>
                   <a:txBody>
@@ -14695,7 +16933,33 @@
                       <a:endParaRPr lang="it-IT" dirty="0"/>
                     </a:p>
                   </a:txBody>
-                  <a:tcPr/>
+                  <a:tcPr>
+                    <a:gradFill flip="none" rotWithShape="1">
+                      <a:gsLst>
+                        <a:gs pos="0">
+                          <a:schemeClr val="accent1">
+                            <a:lumMod val="40000"/>
+                            <a:lumOff val="60000"/>
+                          </a:schemeClr>
+                        </a:gs>
+                        <a:gs pos="46000">
+                          <a:schemeClr val="accent1">
+                            <a:lumMod val="95000"/>
+                            <a:lumOff val="5000"/>
+                          </a:schemeClr>
+                        </a:gs>
+                        <a:gs pos="100000">
+                          <a:schemeClr val="accent1">
+                            <a:lumMod val="60000"/>
+                          </a:schemeClr>
+                        </a:gs>
+                      </a:gsLst>
+                      <a:path path="circle">
+                        <a:fillToRect l="50000" t="130000" r="50000" b="-30000"/>
+                      </a:path>
+                      <a:tileRect/>
+                    </a:gradFill>
+                  </a:tcPr>
                 </a:tc>
                 <a:extLst>
                   <a:ext uri="{0D108BD9-81ED-4DB2-BD59-A6C34878D82A}">
@@ -14733,7 +16997,33 @@
                       <a:endParaRPr lang="it-IT" dirty="0"/>
                     </a:p>
                   </a:txBody>
-                  <a:tcPr/>
+                  <a:tcPr>
+                    <a:gradFill flip="none" rotWithShape="1">
+                      <a:gsLst>
+                        <a:gs pos="0">
+                          <a:schemeClr val="accent1">
+                            <a:lumMod val="40000"/>
+                            <a:lumOff val="60000"/>
+                          </a:schemeClr>
+                        </a:gs>
+                        <a:gs pos="46000">
+                          <a:schemeClr val="accent1">
+                            <a:lumMod val="95000"/>
+                            <a:lumOff val="5000"/>
+                          </a:schemeClr>
+                        </a:gs>
+                        <a:gs pos="100000">
+                          <a:schemeClr val="accent1">
+                            <a:lumMod val="60000"/>
+                          </a:schemeClr>
+                        </a:gs>
+                      </a:gsLst>
+                      <a:path path="circle">
+                        <a:fillToRect l="50000" t="130000" r="50000" b="-30000"/>
+                      </a:path>
+                      <a:tileRect/>
+                    </a:gradFill>
+                  </a:tcPr>
                 </a:tc>
                 <a:tc>
                   <a:txBody>
@@ -14764,7 +17054,33 @@
                       <a:endParaRPr lang="it-IT" dirty="0"/>
                     </a:p>
                   </a:txBody>
-                  <a:tcPr/>
+                  <a:tcPr>
+                    <a:gradFill flip="none" rotWithShape="1">
+                      <a:gsLst>
+                        <a:gs pos="0">
+                          <a:schemeClr val="accent1">
+                            <a:lumMod val="40000"/>
+                            <a:lumOff val="60000"/>
+                          </a:schemeClr>
+                        </a:gs>
+                        <a:gs pos="46000">
+                          <a:schemeClr val="accent1">
+                            <a:lumMod val="95000"/>
+                            <a:lumOff val="5000"/>
+                          </a:schemeClr>
+                        </a:gs>
+                        <a:gs pos="100000">
+                          <a:schemeClr val="accent1">
+                            <a:lumMod val="60000"/>
+                          </a:schemeClr>
+                        </a:gs>
+                      </a:gsLst>
+                      <a:path path="circle">
+                        <a:fillToRect l="50000" t="130000" r="50000" b="-30000"/>
+                      </a:path>
+                      <a:tileRect/>
+                    </a:gradFill>
+                  </a:tcPr>
                 </a:tc>
                 <a:tc>
                   <a:txBody>
@@ -14778,7 +17094,33 @@
                       <a:endParaRPr lang="it-IT" dirty="0"/>
                     </a:p>
                   </a:txBody>
-                  <a:tcPr/>
+                  <a:tcPr>
+                    <a:gradFill flip="none" rotWithShape="1">
+                      <a:gsLst>
+                        <a:gs pos="0">
+                          <a:schemeClr val="accent1">
+                            <a:lumMod val="40000"/>
+                            <a:lumOff val="60000"/>
+                          </a:schemeClr>
+                        </a:gs>
+                        <a:gs pos="46000">
+                          <a:schemeClr val="accent1">
+                            <a:lumMod val="95000"/>
+                            <a:lumOff val="5000"/>
+                          </a:schemeClr>
+                        </a:gs>
+                        <a:gs pos="100000">
+                          <a:schemeClr val="accent1">
+                            <a:lumMod val="60000"/>
+                          </a:schemeClr>
+                        </a:gs>
+                      </a:gsLst>
+                      <a:path path="circle">
+                        <a:fillToRect l="50000" t="130000" r="50000" b="-30000"/>
+                      </a:path>
+                      <a:tileRect/>
+                    </a:gradFill>
+                  </a:tcPr>
                 </a:tc>
                 <a:tc>
                   <a:txBody>
@@ -14809,7 +17151,33 @@
                       <a:endParaRPr lang="it-IT" dirty="0"/>
                     </a:p>
                   </a:txBody>
-                  <a:tcPr/>
+                  <a:tcPr>
+                    <a:gradFill flip="none" rotWithShape="1">
+                      <a:gsLst>
+                        <a:gs pos="0">
+                          <a:schemeClr val="accent1">
+                            <a:lumMod val="40000"/>
+                            <a:lumOff val="60000"/>
+                          </a:schemeClr>
+                        </a:gs>
+                        <a:gs pos="46000">
+                          <a:schemeClr val="accent1">
+                            <a:lumMod val="95000"/>
+                            <a:lumOff val="5000"/>
+                          </a:schemeClr>
+                        </a:gs>
+                        <a:gs pos="100000">
+                          <a:schemeClr val="accent1">
+                            <a:lumMod val="60000"/>
+                          </a:schemeClr>
+                        </a:gs>
+                      </a:gsLst>
+                      <a:path path="circle">
+                        <a:fillToRect l="50000" t="130000" r="50000" b="-30000"/>
+                      </a:path>
+                      <a:tileRect/>
+                    </a:gradFill>
+                  </a:tcPr>
                 </a:tc>
                 <a:extLst>
                   <a:ext uri="{0D108BD9-81ED-4DB2-BD59-A6C34878D82A}">
@@ -14847,7 +17215,33 @@
                       <a:endParaRPr lang="it-IT" dirty="0"/>
                     </a:p>
                   </a:txBody>
-                  <a:tcPr/>
+                  <a:tcPr>
+                    <a:gradFill flip="none" rotWithShape="1">
+                      <a:gsLst>
+                        <a:gs pos="0">
+                          <a:schemeClr val="accent1">
+                            <a:lumMod val="40000"/>
+                            <a:lumOff val="60000"/>
+                          </a:schemeClr>
+                        </a:gs>
+                        <a:gs pos="46000">
+                          <a:schemeClr val="accent1">
+                            <a:lumMod val="95000"/>
+                            <a:lumOff val="5000"/>
+                          </a:schemeClr>
+                        </a:gs>
+                        <a:gs pos="100000">
+                          <a:schemeClr val="accent1">
+                            <a:lumMod val="60000"/>
+                          </a:schemeClr>
+                        </a:gs>
+                      </a:gsLst>
+                      <a:path path="circle">
+                        <a:fillToRect l="50000" t="130000" r="50000" b="-30000"/>
+                      </a:path>
+                      <a:tileRect/>
+                    </a:gradFill>
+                  </a:tcPr>
                 </a:tc>
                 <a:tc>
                   <a:txBody>
@@ -14878,7 +17272,33 @@
                       <a:endParaRPr lang="it-IT" dirty="0"/>
                     </a:p>
                   </a:txBody>
-                  <a:tcPr/>
+                  <a:tcPr>
+                    <a:gradFill flip="none" rotWithShape="1">
+                      <a:gsLst>
+                        <a:gs pos="0">
+                          <a:schemeClr val="accent1">
+                            <a:lumMod val="40000"/>
+                            <a:lumOff val="60000"/>
+                          </a:schemeClr>
+                        </a:gs>
+                        <a:gs pos="46000">
+                          <a:schemeClr val="accent1">
+                            <a:lumMod val="95000"/>
+                            <a:lumOff val="5000"/>
+                          </a:schemeClr>
+                        </a:gs>
+                        <a:gs pos="100000">
+                          <a:schemeClr val="accent1">
+                            <a:lumMod val="60000"/>
+                          </a:schemeClr>
+                        </a:gs>
+                      </a:gsLst>
+                      <a:path path="circle">
+                        <a:fillToRect l="50000" t="130000" r="50000" b="-30000"/>
+                      </a:path>
+                      <a:tileRect/>
+                    </a:gradFill>
+                  </a:tcPr>
                 </a:tc>
                 <a:tc>
                   <a:txBody>
@@ -14892,7 +17312,33 @@
                       <a:endParaRPr lang="it-IT" dirty="0"/>
                     </a:p>
                   </a:txBody>
-                  <a:tcPr/>
+                  <a:tcPr>
+                    <a:gradFill flip="none" rotWithShape="1">
+                      <a:gsLst>
+                        <a:gs pos="0">
+                          <a:schemeClr val="accent1">
+                            <a:lumMod val="40000"/>
+                            <a:lumOff val="60000"/>
+                          </a:schemeClr>
+                        </a:gs>
+                        <a:gs pos="46000">
+                          <a:schemeClr val="accent1">
+                            <a:lumMod val="95000"/>
+                            <a:lumOff val="5000"/>
+                          </a:schemeClr>
+                        </a:gs>
+                        <a:gs pos="100000">
+                          <a:schemeClr val="accent1">
+                            <a:lumMod val="60000"/>
+                          </a:schemeClr>
+                        </a:gs>
+                      </a:gsLst>
+                      <a:path path="circle">
+                        <a:fillToRect l="50000" t="130000" r="50000" b="-30000"/>
+                      </a:path>
+                      <a:tileRect/>
+                    </a:gradFill>
+                  </a:tcPr>
                 </a:tc>
                 <a:tc>
                   <a:txBody>
@@ -14923,7 +17369,33 @@
                       <a:endParaRPr lang="it-IT" dirty="0"/>
                     </a:p>
                   </a:txBody>
-                  <a:tcPr/>
+                  <a:tcPr>
+                    <a:gradFill flip="none" rotWithShape="1">
+                      <a:gsLst>
+                        <a:gs pos="0">
+                          <a:schemeClr val="accent1">
+                            <a:lumMod val="40000"/>
+                            <a:lumOff val="60000"/>
+                          </a:schemeClr>
+                        </a:gs>
+                        <a:gs pos="46000">
+                          <a:schemeClr val="accent1">
+                            <a:lumMod val="95000"/>
+                            <a:lumOff val="5000"/>
+                          </a:schemeClr>
+                        </a:gs>
+                        <a:gs pos="100000">
+                          <a:schemeClr val="accent1">
+                            <a:lumMod val="60000"/>
+                          </a:schemeClr>
+                        </a:gs>
+                      </a:gsLst>
+                      <a:path path="circle">
+                        <a:fillToRect l="50000" t="130000" r="50000" b="-30000"/>
+                      </a:path>
+                      <a:tileRect/>
+                    </a:gradFill>
+                  </a:tcPr>
                 </a:tc>
                 <a:extLst>
                   <a:ext uri="{0D108BD9-81ED-4DB2-BD59-A6C34878D82A}">
@@ -14961,7 +17433,33 @@
                       <a:endParaRPr lang="it-IT" dirty="0"/>
                     </a:p>
                   </a:txBody>
-                  <a:tcPr/>
+                  <a:tcPr>
+                    <a:gradFill flip="none" rotWithShape="1">
+                      <a:gsLst>
+                        <a:gs pos="0">
+                          <a:schemeClr val="accent1">
+                            <a:lumMod val="40000"/>
+                            <a:lumOff val="60000"/>
+                          </a:schemeClr>
+                        </a:gs>
+                        <a:gs pos="46000">
+                          <a:schemeClr val="accent1">
+                            <a:lumMod val="95000"/>
+                            <a:lumOff val="5000"/>
+                          </a:schemeClr>
+                        </a:gs>
+                        <a:gs pos="100000">
+                          <a:schemeClr val="accent1">
+                            <a:lumMod val="60000"/>
+                          </a:schemeClr>
+                        </a:gs>
+                      </a:gsLst>
+                      <a:path path="circle">
+                        <a:fillToRect l="50000" t="130000" r="50000" b="-30000"/>
+                      </a:path>
+                      <a:tileRect/>
+                    </a:gradFill>
+                  </a:tcPr>
                 </a:tc>
                 <a:tc>
                   <a:txBody>
@@ -14992,7 +17490,33 @@
                       <a:endParaRPr lang="it-IT" dirty="0"/>
                     </a:p>
                   </a:txBody>
-                  <a:tcPr/>
+                  <a:tcPr>
+                    <a:gradFill flip="none" rotWithShape="1">
+                      <a:gsLst>
+                        <a:gs pos="0">
+                          <a:schemeClr val="accent1">
+                            <a:lumMod val="40000"/>
+                            <a:lumOff val="60000"/>
+                          </a:schemeClr>
+                        </a:gs>
+                        <a:gs pos="46000">
+                          <a:schemeClr val="accent1">
+                            <a:lumMod val="95000"/>
+                            <a:lumOff val="5000"/>
+                          </a:schemeClr>
+                        </a:gs>
+                        <a:gs pos="100000">
+                          <a:schemeClr val="accent1">
+                            <a:lumMod val="60000"/>
+                          </a:schemeClr>
+                        </a:gs>
+                      </a:gsLst>
+                      <a:path path="circle">
+                        <a:fillToRect l="50000" t="130000" r="50000" b="-30000"/>
+                      </a:path>
+                      <a:tileRect/>
+                    </a:gradFill>
+                  </a:tcPr>
                 </a:tc>
                 <a:tc>
                   <a:txBody>
@@ -15006,7 +17530,33 @@
                       <a:endParaRPr lang="it-IT" dirty="0"/>
                     </a:p>
                   </a:txBody>
-                  <a:tcPr/>
+                  <a:tcPr>
+                    <a:gradFill flip="none" rotWithShape="1">
+                      <a:gsLst>
+                        <a:gs pos="0">
+                          <a:schemeClr val="accent1">
+                            <a:lumMod val="40000"/>
+                            <a:lumOff val="60000"/>
+                          </a:schemeClr>
+                        </a:gs>
+                        <a:gs pos="46000">
+                          <a:schemeClr val="accent1">
+                            <a:lumMod val="95000"/>
+                            <a:lumOff val="5000"/>
+                          </a:schemeClr>
+                        </a:gs>
+                        <a:gs pos="100000">
+                          <a:schemeClr val="accent1">
+                            <a:lumMod val="60000"/>
+                          </a:schemeClr>
+                        </a:gs>
+                      </a:gsLst>
+                      <a:path path="circle">
+                        <a:fillToRect l="50000" t="130000" r="50000" b="-30000"/>
+                      </a:path>
+                      <a:tileRect/>
+                    </a:gradFill>
+                  </a:tcPr>
                 </a:tc>
                 <a:tc>
                   <a:txBody>
@@ -15020,7 +17570,33 @@
                       <a:endParaRPr lang="it-IT" dirty="0"/>
                     </a:p>
                   </a:txBody>
-                  <a:tcPr/>
+                  <a:tcPr>
+                    <a:gradFill flip="none" rotWithShape="1">
+                      <a:gsLst>
+                        <a:gs pos="0">
+                          <a:schemeClr val="accent1">
+                            <a:lumMod val="40000"/>
+                            <a:lumOff val="60000"/>
+                          </a:schemeClr>
+                        </a:gs>
+                        <a:gs pos="46000">
+                          <a:schemeClr val="accent1">
+                            <a:lumMod val="95000"/>
+                            <a:lumOff val="5000"/>
+                          </a:schemeClr>
+                        </a:gs>
+                        <a:gs pos="100000">
+                          <a:schemeClr val="accent1">
+                            <a:lumMod val="60000"/>
+                          </a:schemeClr>
+                        </a:gs>
+                      </a:gsLst>
+                      <a:path path="circle">
+                        <a:fillToRect l="50000" t="130000" r="50000" b="-30000"/>
+                      </a:path>
+                      <a:tileRect/>
+                    </a:gradFill>
+                  </a:tcPr>
                 </a:tc>
                 <a:extLst>
                   <a:ext uri="{0D108BD9-81ED-4DB2-BD59-A6C34878D82A}">
